--- a/userDocs/img/final_task_schema.pptx
+++ b/userDocs/img/final_task_schema.pptx
@@ -11,6 +11,7 @@
     <p:sldId id="269" r:id="rId5"/>
     <p:sldId id="271" r:id="rId6"/>
     <p:sldId id="270" r:id="rId7"/>
+    <p:sldId id="277" r:id="rId8"/>
   </p:sldIdLst>
   <p:sldSz cx="12192000" cy="6858000"/>
   <p:notesSz cx="6858000" cy="9144000"/>
@@ -246,7 +247,7 @@
           <a:p>
             <a:fld id="{B54D5996-1787-4713-9AAF-D983FFC67929}" type="datetimeFigureOut">
               <a:rPr lang="it-IT" smtClean="0"/>
-              <a:t>25/06/2021</a:t>
+              <a:t>21/07/2021</a:t>
             </a:fld>
             <a:endParaRPr lang="it-IT"/>
           </a:p>
@@ -414,7 +415,7 @@
           <a:p>
             <a:fld id="{B54D5996-1787-4713-9AAF-D983FFC67929}" type="datetimeFigureOut">
               <a:rPr lang="it-IT" smtClean="0"/>
-              <a:t>25/06/2021</a:t>
+              <a:t>21/07/2021</a:t>
             </a:fld>
             <a:endParaRPr lang="it-IT"/>
           </a:p>
@@ -592,7 +593,7 @@
           <a:p>
             <a:fld id="{B54D5996-1787-4713-9AAF-D983FFC67929}" type="datetimeFigureOut">
               <a:rPr lang="it-IT" smtClean="0"/>
-              <a:t>25/06/2021</a:t>
+              <a:t>21/07/2021</a:t>
             </a:fld>
             <a:endParaRPr lang="it-IT"/>
           </a:p>
@@ -760,7 +761,7 @@
           <a:p>
             <a:fld id="{B54D5996-1787-4713-9AAF-D983FFC67929}" type="datetimeFigureOut">
               <a:rPr lang="it-IT" smtClean="0"/>
-              <a:t>25/06/2021</a:t>
+              <a:t>21/07/2021</a:t>
             </a:fld>
             <a:endParaRPr lang="it-IT"/>
           </a:p>
@@ -1005,7 +1006,7 @@
           <a:p>
             <a:fld id="{B54D5996-1787-4713-9AAF-D983FFC67929}" type="datetimeFigureOut">
               <a:rPr lang="it-IT" smtClean="0"/>
-              <a:t>25/06/2021</a:t>
+              <a:t>21/07/2021</a:t>
             </a:fld>
             <a:endParaRPr lang="it-IT"/>
           </a:p>
@@ -1234,7 +1235,7 @@
           <a:p>
             <a:fld id="{B54D5996-1787-4713-9AAF-D983FFC67929}" type="datetimeFigureOut">
               <a:rPr lang="it-IT" smtClean="0"/>
-              <a:t>25/06/2021</a:t>
+              <a:t>21/07/2021</a:t>
             </a:fld>
             <a:endParaRPr lang="it-IT"/>
           </a:p>
@@ -1598,7 +1599,7 @@
           <a:p>
             <a:fld id="{B54D5996-1787-4713-9AAF-D983FFC67929}" type="datetimeFigureOut">
               <a:rPr lang="it-IT" smtClean="0"/>
-              <a:t>25/06/2021</a:t>
+              <a:t>21/07/2021</a:t>
             </a:fld>
             <a:endParaRPr lang="it-IT"/>
           </a:p>
@@ -1715,7 +1716,7 @@
           <a:p>
             <a:fld id="{B54D5996-1787-4713-9AAF-D983FFC67929}" type="datetimeFigureOut">
               <a:rPr lang="it-IT" smtClean="0"/>
-              <a:t>25/06/2021</a:t>
+              <a:t>21/07/2021</a:t>
             </a:fld>
             <a:endParaRPr lang="it-IT"/>
           </a:p>
@@ -1810,7 +1811,7 @@
           <a:p>
             <a:fld id="{B54D5996-1787-4713-9AAF-D983FFC67929}" type="datetimeFigureOut">
               <a:rPr lang="it-IT" smtClean="0"/>
-              <a:t>25/06/2021</a:t>
+              <a:t>21/07/2021</a:t>
             </a:fld>
             <a:endParaRPr lang="it-IT"/>
           </a:p>
@@ -2085,7 +2086,7 @@
           <a:p>
             <a:fld id="{B54D5996-1787-4713-9AAF-D983FFC67929}" type="datetimeFigureOut">
               <a:rPr lang="it-IT" smtClean="0"/>
-              <a:t>25/06/2021</a:t>
+              <a:t>21/07/2021</a:t>
             </a:fld>
             <a:endParaRPr lang="it-IT"/>
           </a:p>
@@ -2337,7 +2338,7 @@
           <a:p>
             <a:fld id="{B54D5996-1787-4713-9AAF-D983FFC67929}" type="datetimeFigureOut">
               <a:rPr lang="it-IT" smtClean="0"/>
-              <a:t>25/06/2021</a:t>
+              <a:t>21/07/2021</a:t>
             </a:fld>
             <a:endParaRPr lang="it-IT"/>
           </a:p>
@@ -2548,7 +2549,7 @@
           <a:p>
             <a:fld id="{B54D5996-1787-4713-9AAF-D983FFC67929}" type="datetimeFigureOut">
               <a:rPr lang="it-IT" smtClean="0"/>
-              <a:t>25/06/2021</a:t>
+              <a:t>21/07/2021</a:t>
             </a:fld>
             <a:endParaRPr lang="it-IT"/>
           </a:p>
@@ -14163,6 +14164,743 @@
 </p:sld>
 </file>
 
+<file path=ppt/slides/slide7.xml><?xml version="1.0" encoding="utf-8"?>
+<p:sld xmlns:a="http://schemas.openxmlformats.org/drawingml/2006/main" xmlns:r="http://schemas.openxmlformats.org/officeDocument/2006/relationships" xmlns:p="http://schemas.openxmlformats.org/presentationml/2006/main">
+  <p:cSld>
+    <p:spTree>
+      <p:nvGrpSpPr>
+        <p:cNvPr id="1" name=""/>
+        <p:cNvGrpSpPr/>
+        <p:nvPr/>
+      </p:nvGrpSpPr>
+      <p:grpSpPr>
+        <a:xfrm>
+          <a:off x="0" y="0"/>
+          <a:ext cx="0" cy="0"/>
+          <a:chOff x="0" y="0"/>
+          <a:chExt cx="0" cy="0"/>
+        </a:xfrm>
+      </p:grpSpPr>
+      <p:grpSp>
+        <p:nvGrpSpPr>
+          <p:cNvPr id="60" name="Gruppo 59"/>
+          <p:cNvGrpSpPr/>
+          <p:nvPr/>
+        </p:nvGrpSpPr>
+        <p:grpSpPr>
+          <a:xfrm>
+            <a:off x="3312260" y="2486769"/>
+            <a:ext cx="1926426" cy="1214172"/>
+            <a:chOff x="402476" y="5184618"/>
+            <a:chExt cx="1926426" cy="1214172"/>
+          </a:xfrm>
+        </p:grpSpPr>
+        <p:sp>
+          <p:nvSpPr>
+            <p:cNvPr id="62" name="Ovale 61"/>
+            <p:cNvSpPr/>
+            <p:nvPr/>
+          </p:nvSpPr>
+          <p:spPr>
+            <a:xfrm>
+              <a:off x="667957" y="5332857"/>
+              <a:ext cx="1660945" cy="1065933"/>
+            </a:xfrm>
+            <a:prstGeom prst="ellipse">
+              <a:avLst/>
+            </a:prstGeom>
+            <a:solidFill>
+              <a:schemeClr val="accent2">
+                <a:lumMod val="20000"/>
+                <a:lumOff val="80000"/>
+              </a:schemeClr>
+            </a:solidFill>
+            <a:ln w="12700">
+              <a:solidFill>
+                <a:schemeClr val="tx1"/>
+              </a:solidFill>
+            </a:ln>
+          </p:spPr>
+          <p:style>
+            <a:lnRef idx="2">
+              <a:schemeClr val="accent1">
+                <a:shade val="50000"/>
+              </a:schemeClr>
+            </a:lnRef>
+            <a:fillRef idx="1">
+              <a:schemeClr val="accent1"/>
+            </a:fillRef>
+            <a:effectRef idx="0">
+              <a:schemeClr val="accent1"/>
+            </a:effectRef>
+            <a:fontRef idx="minor">
+              <a:schemeClr val="lt1"/>
+            </a:fontRef>
+          </p:style>
+          <p:txBody>
+            <a:bodyPr rtlCol="0" anchor="ctr"/>
+            <a:lstStyle/>
+            <a:p>
+              <a:pPr algn="ctr"/>
+              <a:r>
+                <a:rPr lang="it-IT" sz="1200" dirty="0" smtClean="0">
+                  <a:solidFill>
+                    <a:schemeClr val="tx1"/>
+                  </a:solidFill>
+                  <a:latin typeface="Century Schoolbook" panose="02040604050505020304" pitchFamily="18" charset="0"/>
+                </a:rPr>
+                <a:t>Trolley</a:t>
+              </a:r>
+            </a:p>
+            <a:p>
+              <a:pPr algn="ctr"/>
+              <a:r>
+                <a:rPr lang="it-IT" sz="1200" dirty="0" smtClean="0">
+                  <a:solidFill>
+                    <a:schemeClr val="tx1"/>
+                  </a:solidFill>
+                  <a:latin typeface="Century Schoolbook" panose="02040604050505020304" pitchFamily="18" charset="0"/>
+                </a:rPr>
+                <a:t>Actor</a:t>
+              </a:r>
+              <a:endParaRPr lang="it-IT" sz="1400" i="1" dirty="0">
+                <a:solidFill>
+                  <a:schemeClr val="tx1"/>
+                </a:solidFill>
+                <a:latin typeface="Century Schoolbook" panose="02040604050505020304" pitchFamily="18" charset="0"/>
+              </a:endParaRPr>
+            </a:p>
+          </p:txBody>
+        </p:sp>
+        <p:sp>
+          <p:nvSpPr>
+            <p:cNvPr id="63" name="Triangolo isoscele 62"/>
+            <p:cNvSpPr/>
+            <p:nvPr/>
+          </p:nvSpPr>
+          <p:spPr>
+            <a:xfrm rot="16200000">
+              <a:off x="1350190" y="5205064"/>
+              <a:ext cx="296478" cy="255585"/>
+            </a:xfrm>
+            <a:prstGeom prst="triangle">
+              <a:avLst/>
+            </a:prstGeom>
+            <a:solidFill>
+              <a:srgbClr val="FF0000"/>
+            </a:solidFill>
+            <a:ln w="12700">
+              <a:solidFill>
+                <a:schemeClr val="tx1"/>
+              </a:solidFill>
+            </a:ln>
+          </p:spPr>
+          <p:style>
+            <a:lnRef idx="2">
+              <a:schemeClr val="accent1">
+                <a:shade val="50000"/>
+              </a:schemeClr>
+            </a:lnRef>
+            <a:fillRef idx="1">
+              <a:schemeClr val="accent1"/>
+            </a:fillRef>
+            <a:effectRef idx="0">
+              <a:schemeClr val="accent1"/>
+            </a:effectRef>
+            <a:fontRef idx="minor">
+              <a:schemeClr val="lt1"/>
+            </a:fontRef>
+          </p:style>
+          <p:txBody>
+            <a:bodyPr rtlCol="0" anchor="ctr"/>
+            <a:lstStyle/>
+            <a:p>
+              <a:pPr algn="ctr"/>
+              <a:endParaRPr lang="it-IT"/>
+            </a:p>
+          </p:txBody>
+        </p:sp>
+        <p:sp>
+          <p:nvSpPr>
+            <p:cNvPr id="64" name="Rettangolo 63"/>
+            <p:cNvSpPr/>
+            <p:nvPr/>
+          </p:nvSpPr>
+          <p:spPr>
+            <a:xfrm>
+              <a:off x="402476" y="5739696"/>
+              <a:ext cx="530961" cy="252254"/>
+            </a:xfrm>
+            <a:prstGeom prst="rect">
+              <a:avLst/>
+            </a:prstGeom>
+            <a:solidFill>
+              <a:schemeClr val="accent2">
+                <a:lumMod val="20000"/>
+                <a:lumOff val="80000"/>
+              </a:schemeClr>
+            </a:solidFill>
+            <a:ln w="12700">
+              <a:solidFill>
+                <a:schemeClr val="tx1"/>
+              </a:solidFill>
+            </a:ln>
+          </p:spPr>
+          <p:style>
+            <a:lnRef idx="2">
+              <a:schemeClr val="accent1">
+                <a:shade val="50000"/>
+              </a:schemeClr>
+            </a:lnRef>
+            <a:fillRef idx="1">
+              <a:schemeClr val="accent1"/>
+            </a:fillRef>
+            <a:effectRef idx="0">
+              <a:schemeClr val="accent1"/>
+            </a:effectRef>
+            <a:fontRef idx="minor">
+              <a:schemeClr val="lt1"/>
+            </a:fontRef>
+          </p:style>
+          <p:txBody>
+            <a:bodyPr rtlCol="0" anchor="ctr"/>
+            <a:lstStyle/>
+            <a:p>
+              <a:pPr algn="ctr"/>
+              <a:endParaRPr lang="it-IT"/>
+            </a:p>
+          </p:txBody>
+        </p:sp>
+      </p:grpSp>
+      <p:grpSp>
+        <p:nvGrpSpPr>
+          <p:cNvPr id="65" name="Gruppo 64"/>
+          <p:cNvGrpSpPr/>
+          <p:nvPr/>
+        </p:nvGrpSpPr>
+        <p:grpSpPr>
+          <a:xfrm>
+            <a:off x="6313133" y="2486768"/>
+            <a:ext cx="1926426" cy="1214172"/>
+            <a:chOff x="402476" y="5184618"/>
+            <a:chExt cx="1926426" cy="1214172"/>
+          </a:xfrm>
+        </p:grpSpPr>
+        <p:sp>
+          <p:nvSpPr>
+            <p:cNvPr id="66" name="Ovale 65"/>
+            <p:cNvSpPr/>
+            <p:nvPr/>
+          </p:nvSpPr>
+          <p:spPr>
+            <a:xfrm>
+              <a:off x="667957" y="5332857"/>
+              <a:ext cx="1660945" cy="1065933"/>
+            </a:xfrm>
+            <a:prstGeom prst="ellipse">
+              <a:avLst/>
+            </a:prstGeom>
+            <a:solidFill>
+              <a:schemeClr val="accent2">
+                <a:lumMod val="20000"/>
+                <a:lumOff val="80000"/>
+              </a:schemeClr>
+            </a:solidFill>
+            <a:ln w="12700">
+              <a:solidFill>
+                <a:schemeClr val="tx1"/>
+              </a:solidFill>
+            </a:ln>
+          </p:spPr>
+          <p:style>
+            <a:lnRef idx="2">
+              <a:schemeClr val="accent1">
+                <a:shade val="50000"/>
+              </a:schemeClr>
+            </a:lnRef>
+            <a:fillRef idx="1">
+              <a:schemeClr val="accent1"/>
+            </a:fillRef>
+            <a:effectRef idx="0">
+              <a:schemeClr val="accent1"/>
+            </a:effectRef>
+            <a:fontRef idx="minor">
+              <a:schemeClr val="lt1"/>
+            </a:fontRef>
+          </p:style>
+          <p:txBody>
+            <a:bodyPr rtlCol="0" anchor="ctr"/>
+            <a:lstStyle/>
+            <a:p>
+              <a:pPr algn="ctr"/>
+              <a:r>
+                <a:rPr lang="it-IT" sz="1200" dirty="0" smtClean="0">
+                  <a:solidFill>
+                    <a:schemeClr val="tx1"/>
+                  </a:solidFill>
+                  <a:latin typeface="Century Schoolbook" panose="02040604050505020304" pitchFamily="18" charset="0"/>
+                </a:rPr>
+                <a:t>Basic</a:t>
+              </a:r>
+            </a:p>
+            <a:p>
+              <a:pPr algn="ctr"/>
+              <a:r>
+                <a:rPr lang="it-IT" sz="1200" dirty="0" smtClean="0">
+                  <a:solidFill>
+                    <a:schemeClr val="tx1"/>
+                  </a:solidFill>
+                  <a:latin typeface="Century Schoolbook" panose="02040604050505020304" pitchFamily="18" charset="0"/>
+                </a:rPr>
+                <a:t>Robot</a:t>
+              </a:r>
+              <a:endParaRPr lang="it-IT" sz="1400" i="1" dirty="0">
+                <a:solidFill>
+                  <a:schemeClr val="tx1"/>
+                </a:solidFill>
+                <a:latin typeface="Century Schoolbook" panose="02040604050505020304" pitchFamily="18" charset="0"/>
+              </a:endParaRPr>
+            </a:p>
+          </p:txBody>
+        </p:sp>
+        <p:sp>
+          <p:nvSpPr>
+            <p:cNvPr id="67" name="Triangolo isoscele 66"/>
+            <p:cNvSpPr/>
+            <p:nvPr/>
+          </p:nvSpPr>
+          <p:spPr>
+            <a:xfrm rot="16200000">
+              <a:off x="1350190" y="5205064"/>
+              <a:ext cx="296478" cy="255585"/>
+            </a:xfrm>
+            <a:prstGeom prst="triangle">
+              <a:avLst/>
+            </a:prstGeom>
+            <a:solidFill>
+              <a:srgbClr val="FF0000"/>
+            </a:solidFill>
+            <a:ln w="12700">
+              <a:solidFill>
+                <a:schemeClr val="tx1"/>
+              </a:solidFill>
+            </a:ln>
+          </p:spPr>
+          <p:style>
+            <a:lnRef idx="2">
+              <a:schemeClr val="accent1">
+                <a:shade val="50000"/>
+              </a:schemeClr>
+            </a:lnRef>
+            <a:fillRef idx="1">
+              <a:schemeClr val="accent1"/>
+            </a:fillRef>
+            <a:effectRef idx="0">
+              <a:schemeClr val="accent1"/>
+            </a:effectRef>
+            <a:fontRef idx="minor">
+              <a:schemeClr val="lt1"/>
+            </a:fontRef>
+          </p:style>
+          <p:txBody>
+            <a:bodyPr rtlCol="0" anchor="ctr"/>
+            <a:lstStyle/>
+            <a:p>
+              <a:pPr algn="ctr"/>
+              <a:endParaRPr lang="it-IT"/>
+            </a:p>
+          </p:txBody>
+        </p:sp>
+        <p:sp>
+          <p:nvSpPr>
+            <p:cNvPr id="68" name="Rettangolo 67"/>
+            <p:cNvSpPr/>
+            <p:nvPr/>
+          </p:nvSpPr>
+          <p:spPr>
+            <a:xfrm>
+              <a:off x="402476" y="5739696"/>
+              <a:ext cx="530961" cy="252254"/>
+            </a:xfrm>
+            <a:prstGeom prst="rect">
+              <a:avLst/>
+            </a:prstGeom>
+            <a:solidFill>
+              <a:schemeClr val="accent2">
+                <a:lumMod val="20000"/>
+                <a:lumOff val="80000"/>
+              </a:schemeClr>
+            </a:solidFill>
+            <a:ln w="12700">
+              <a:solidFill>
+                <a:schemeClr val="tx1"/>
+              </a:solidFill>
+            </a:ln>
+          </p:spPr>
+          <p:style>
+            <a:lnRef idx="2">
+              <a:schemeClr val="accent1">
+                <a:shade val="50000"/>
+              </a:schemeClr>
+            </a:lnRef>
+            <a:fillRef idx="1">
+              <a:schemeClr val="accent1"/>
+            </a:fillRef>
+            <a:effectRef idx="0">
+              <a:schemeClr val="accent1"/>
+            </a:effectRef>
+            <a:fontRef idx="minor">
+              <a:schemeClr val="lt1"/>
+            </a:fontRef>
+          </p:style>
+          <p:txBody>
+            <a:bodyPr rtlCol="0" anchor="ctr"/>
+            <a:lstStyle/>
+            <a:p>
+              <a:pPr algn="ctr"/>
+              <a:endParaRPr lang="it-IT"/>
+            </a:p>
+          </p:txBody>
+        </p:sp>
+      </p:grpSp>
+      <p:grpSp>
+        <p:nvGrpSpPr>
+          <p:cNvPr id="69" name="Gruppo 68"/>
+          <p:cNvGrpSpPr/>
+          <p:nvPr/>
+        </p:nvGrpSpPr>
+        <p:grpSpPr>
+          <a:xfrm>
+            <a:off x="5336979" y="2746782"/>
+            <a:ext cx="844768" cy="342073"/>
+            <a:chOff x="8144484" y="4563130"/>
+            <a:chExt cx="844768" cy="342073"/>
+          </a:xfrm>
+        </p:grpSpPr>
+        <p:cxnSp>
+          <p:nvCxnSpPr>
+            <p:cNvPr id="70" name="Connettore 2 69"/>
+            <p:cNvCxnSpPr/>
+            <p:nvPr/>
+          </p:nvCxnSpPr>
+          <p:spPr>
+            <a:xfrm flipV="1">
+              <a:off x="8144484" y="4634422"/>
+              <a:ext cx="721852" cy="2"/>
+            </a:xfrm>
+            <a:prstGeom prst="straightConnector1">
+              <a:avLst/>
+            </a:prstGeom>
+            <a:ln w="19050">
+              <a:solidFill>
+                <a:schemeClr val="tx1"/>
+              </a:solidFill>
+              <a:headEnd type="none" w="med" len="med"/>
+              <a:tailEnd type="none" w="med" len="med"/>
+            </a:ln>
+          </p:spPr>
+          <p:style>
+            <a:lnRef idx="1">
+              <a:schemeClr val="accent1"/>
+            </a:lnRef>
+            <a:fillRef idx="0">
+              <a:schemeClr val="accent1"/>
+            </a:fillRef>
+            <a:effectRef idx="0">
+              <a:schemeClr val="accent1"/>
+            </a:effectRef>
+            <a:fontRef idx="minor">
+              <a:schemeClr val="tx1"/>
+            </a:fontRef>
+          </p:style>
+        </p:cxnSp>
+        <p:sp>
+          <p:nvSpPr>
+            <p:cNvPr id="71" name="Triangolo isoscele 70"/>
+            <p:cNvSpPr/>
+            <p:nvPr/>
+          </p:nvSpPr>
+          <p:spPr>
+            <a:xfrm rot="16200000" flipV="1">
+              <a:off x="8856502" y="4572964"/>
+              <a:ext cx="142583" cy="122916"/>
+            </a:xfrm>
+            <a:prstGeom prst="triangle">
+              <a:avLst/>
+            </a:prstGeom>
+            <a:solidFill>
+              <a:schemeClr val="bg1"/>
+            </a:solidFill>
+            <a:ln w="15875">
+              <a:solidFill>
+                <a:schemeClr val="tx1"/>
+              </a:solidFill>
+            </a:ln>
+          </p:spPr>
+          <p:style>
+            <a:lnRef idx="2">
+              <a:schemeClr val="accent1">
+                <a:shade val="50000"/>
+              </a:schemeClr>
+            </a:lnRef>
+            <a:fillRef idx="1">
+              <a:schemeClr val="accent1"/>
+            </a:fillRef>
+            <a:effectRef idx="0">
+              <a:schemeClr val="accent1"/>
+            </a:effectRef>
+            <a:fontRef idx="minor">
+              <a:schemeClr val="lt1"/>
+            </a:fontRef>
+          </p:style>
+          <p:txBody>
+            <a:bodyPr rtlCol="0" anchor="ctr"/>
+            <a:lstStyle/>
+            <a:p>
+              <a:pPr algn="ctr"/>
+              <a:endParaRPr lang="it-IT"/>
+            </a:p>
+          </p:txBody>
+        </p:sp>
+        <p:cxnSp>
+          <p:nvCxnSpPr>
+            <p:cNvPr id="72" name="Connettore 2 71"/>
+            <p:cNvCxnSpPr/>
+            <p:nvPr/>
+          </p:nvCxnSpPr>
+          <p:spPr>
+            <a:xfrm flipV="1">
+              <a:off x="8267400" y="4833910"/>
+              <a:ext cx="721852" cy="2"/>
+            </a:xfrm>
+            <a:prstGeom prst="straightConnector1">
+              <a:avLst/>
+            </a:prstGeom>
+            <a:ln w="19050">
+              <a:solidFill>
+                <a:schemeClr val="tx1"/>
+              </a:solidFill>
+              <a:prstDash val="sysDash"/>
+              <a:headEnd type="none" w="med" len="med"/>
+              <a:tailEnd type="none" w="med" len="med"/>
+            </a:ln>
+          </p:spPr>
+          <p:style>
+            <a:lnRef idx="1">
+              <a:schemeClr val="accent1"/>
+            </a:lnRef>
+            <a:fillRef idx="0">
+              <a:schemeClr val="accent1"/>
+            </a:fillRef>
+            <a:effectRef idx="0">
+              <a:schemeClr val="accent1"/>
+            </a:effectRef>
+            <a:fontRef idx="minor">
+              <a:schemeClr val="tx1"/>
+            </a:fontRef>
+          </p:style>
+        </p:cxnSp>
+        <p:sp>
+          <p:nvSpPr>
+            <p:cNvPr id="73" name="Triangolo isoscele 72"/>
+            <p:cNvSpPr/>
+            <p:nvPr/>
+          </p:nvSpPr>
+          <p:spPr>
+            <a:xfrm rot="5400000" flipH="1" flipV="1">
+              <a:off x="8167744" y="4772454"/>
+              <a:ext cx="142583" cy="122916"/>
+            </a:xfrm>
+            <a:prstGeom prst="triangle">
+              <a:avLst/>
+            </a:prstGeom>
+            <a:solidFill>
+              <a:schemeClr val="bg1"/>
+            </a:solidFill>
+            <a:ln w="15875">
+              <a:solidFill>
+                <a:schemeClr val="tx1"/>
+              </a:solidFill>
+            </a:ln>
+          </p:spPr>
+          <p:style>
+            <a:lnRef idx="2">
+              <a:schemeClr val="accent1">
+                <a:shade val="50000"/>
+              </a:schemeClr>
+            </a:lnRef>
+            <a:fillRef idx="1">
+              <a:schemeClr val="accent1"/>
+            </a:fillRef>
+            <a:effectRef idx="0">
+              <a:schemeClr val="accent1"/>
+            </a:effectRef>
+            <a:fontRef idx="minor">
+              <a:schemeClr val="lt1"/>
+            </a:fontRef>
+          </p:style>
+          <p:txBody>
+            <a:bodyPr rtlCol="0" anchor="ctr"/>
+            <a:lstStyle/>
+            <a:p>
+              <a:pPr algn="ctr"/>
+              <a:endParaRPr lang="it-IT"/>
+            </a:p>
+          </p:txBody>
+        </p:sp>
+      </p:grpSp>
+      <p:cxnSp>
+        <p:nvCxnSpPr>
+          <p:cNvPr id="80" name="Connettore 2 79"/>
+          <p:cNvCxnSpPr/>
+          <p:nvPr/>
+        </p:nvCxnSpPr>
+        <p:spPr>
+          <a:xfrm>
+            <a:off x="5336979" y="3436717"/>
+            <a:ext cx="945711" cy="0"/>
+          </a:xfrm>
+          <a:prstGeom prst="straightConnector1">
+            <a:avLst/>
+          </a:prstGeom>
+          <a:ln w="19050">
+            <a:solidFill>
+              <a:schemeClr val="tx1"/>
+            </a:solidFill>
+            <a:prstDash val="sysDash"/>
+            <a:headEnd type="none" w="med" len="med"/>
+            <a:tailEnd type="arrow" w="med" len="med"/>
+          </a:ln>
+        </p:spPr>
+        <p:style>
+          <a:lnRef idx="1">
+            <a:schemeClr val="accent1"/>
+          </a:lnRef>
+          <a:fillRef idx="0">
+            <a:schemeClr val="accent1"/>
+          </a:fillRef>
+          <a:effectRef idx="0">
+            <a:schemeClr val="accent1"/>
+          </a:effectRef>
+          <a:fontRef idx="minor">
+            <a:schemeClr val="tx1"/>
+          </a:fontRef>
+        </p:style>
+      </p:cxnSp>
+      <p:sp>
+        <p:nvSpPr>
+          <p:cNvPr id="81" name="CasellaDiTesto 80"/>
+          <p:cNvSpPr txBox="1"/>
+          <p:nvPr/>
+        </p:nvSpPr>
+        <p:spPr>
+          <a:xfrm>
+            <a:off x="5335725" y="2388197"/>
+            <a:ext cx="979755" cy="276999"/>
+          </a:xfrm>
+          <a:prstGeom prst="rect">
+            <a:avLst/>
+          </a:prstGeom>
+          <a:noFill/>
+        </p:spPr>
+        <p:txBody>
+          <a:bodyPr wrap="none" rtlCol="0">
+            <a:spAutoFit/>
+          </a:bodyPr>
+          <a:lstStyle/>
+          <a:p>
+            <a:r>
+              <a:rPr lang="it-IT" sz="1200" dirty="0" smtClean="0">
+                <a:solidFill>
+                  <a:schemeClr val="accent1">
+                    <a:lumMod val="75000"/>
+                  </a:schemeClr>
+                </a:solidFill>
+                <a:latin typeface="Bookman Old Style" panose="02050604050505020204" pitchFamily="18" charset="0"/>
+              </a:rPr>
+              <a:t>step( 350 )</a:t>
+            </a:r>
+            <a:endParaRPr lang="it-IT" sz="1200" dirty="0">
+              <a:solidFill>
+                <a:schemeClr val="accent1">
+                  <a:lumMod val="75000"/>
+                </a:schemeClr>
+              </a:solidFill>
+              <a:latin typeface="Bookman Old Style" panose="02050604050505020204" pitchFamily="18" charset="0"/>
+            </a:endParaRPr>
+          </a:p>
+        </p:txBody>
+      </p:sp>
+      <p:sp>
+        <p:nvSpPr>
+          <p:cNvPr id="82" name="CasellaDiTesto 81"/>
+          <p:cNvSpPr txBox="1"/>
+          <p:nvPr/>
+        </p:nvSpPr>
+        <p:spPr>
+          <a:xfrm>
+            <a:off x="5447523" y="3515779"/>
+            <a:ext cx="764953" cy="461665"/>
+          </a:xfrm>
+          <a:prstGeom prst="rect">
+            <a:avLst/>
+          </a:prstGeom>
+          <a:noFill/>
+        </p:spPr>
+        <p:txBody>
+          <a:bodyPr wrap="none" rtlCol="0">
+            <a:spAutoFit/>
+          </a:bodyPr>
+          <a:lstStyle/>
+          <a:p>
+            <a:r>
+              <a:rPr lang="it-IT" sz="1200" dirty="0" smtClean="0">
+                <a:solidFill>
+                  <a:schemeClr val="accent1">
+                    <a:lumMod val="75000"/>
+                  </a:schemeClr>
+                </a:solidFill>
+                <a:latin typeface="Bookman Old Style" panose="02050604050505020204" pitchFamily="18" charset="0"/>
+              </a:rPr>
+              <a:t>cmd( l )</a:t>
+            </a:r>
+          </a:p>
+          <a:p>
+            <a:r>
+              <a:rPr lang="it-IT" sz="1200" dirty="0" smtClean="0">
+                <a:solidFill>
+                  <a:schemeClr val="accent1">
+                    <a:lumMod val="75000"/>
+                  </a:schemeClr>
+                </a:solidFill>
+                <a:latin typeface="Bookman Old Style" panose="02050604050505020204" pitchFamily="18" charset="0"/>
+              </a:rPr>
+              <a:t>cmd( r )</a:t>
+            </a:r>
+            <a:endParaRPr lang="it-IT" sz="1200" dirty="0">
+              <a:solidFill>
+                <a:schemeClr val="accent1">
+                  <a:lumMod val="75000"/>
+                </a:schemeClr>
+              </a:solidFill>
+              <a:latin typeface="Bookman Old Style" panose="02050604050505020204" pitchFamily="18" charset="0"/>
+            </a:endParaRPr>
+          </a:p>
+        </p:txBody>
+      </p:sp>
+    </p:spTree>
+    <p:extLst>
+      <p:ext uri="{BB962C8B-B14F-4D97-AF65-F5344CB8AC3E}">
+        <p14:creationId xmlns:p14="http://schemas.microsoft.com/office/powerpoint/2010/main" val="896678202"/>
+      </p:ext>
+    </p:extLst>
+  </p:cSld>
+  <p:clrMapOvr>
+    <a:masterClrMapping/>
+  </p:clrMapOvr>
+</p:sld>
+</file>
+
 <file path=ppt/theme/theme1.xml><?xml version="1.0" encoding="utf-8"?>
 <a:theme xmlns:a="http://schemas.openxmlformats.org/drawingml/2006/main" name="Tema di Office">
   <a:themeElements>

--- a/userDocs/img/final_task_schema.pptx
+++ b/userDocs/img/final_task_schema.pptx
@@ -12,6 +12,7 @@
     <p:sldId id="271" r:id="rId6"/>
     <p:sldId id="270" r:id="rId7"/>
     <p:sldId id="277" r:id="rId8"/>
+    <p:sldId id="278" r:id="rId9"/>
   </p:sldIdLst>
   <p:sldSz cx="12192000" cy="6858000"/>
   <p:notesSz cx="6858000" cy="9144000"/>
@@ -247,7 +248,7 @@
           <a:p>
             <a:fld id="{B54D5996-1787-4713-9AAF-D983FFC67929}" type="datetimeFigureOut">
               <a:rPr lang="it-IT" smtClean="0"/>
-              <a:t>21/07/2021</a:t>
+              <a:t>28/07/2021</a:t>
             </a:fld>
             <a:endParaRPr lang="it-IT"/>
           </a:p>
@@ -415,7 +416,7 @@
           <a:p>
             <a:fld id="{B54D5996-1787-4713-9AAF-D983FFC67929}" type="datetimeFigureOut">
               <a:rPr lang="it-IT" smtClean="0"/>
-              <a:t>21/07/2021</a:t>
+              <a:t>28/07/2021</a:t>
             </a:fld>
             <a:endParaRPr lang="it-IT"/>
           </a:p>
@@ -593,7 +594,7 @@
           <a:p>
             <a:fld id="{B54D5996-1787-4713-9AAF-D983FFC67929}" type="datetimeFigureOut">
               <a:rPr lang="it-IT" smtClean="0"/>
-              <a:t>21/07/2021</a:t>
+              <a:t>28/07/2021</a:t>
             </a:fld>
             <a:endParaRPr lang="it-IT"/>
           </a:p>
@@ -761,7 +762,7 @@
           <a:p>
             <a:fld id="{B54D5996-1787-4713-9AAF-D983FFC67929}" type="datetimeFigureOut">
               <a:rPr lang="it-IT" smtClean="0"/>
-              <a:t>21/07/2021</a:t>
+              <a:t>28/07/2021</a:t>
             </a:fld>
             <a:endParaRPr lang="it-IT"/>
           </a:p>
@@ -1006,7 +1007,7 @@
           <a:p>
             <a:fld id="{B54D5996-1787-4713-9AAF-D983FFC67929}" type="datetimeFigureOut">
               <a:rPr lang="it-IT" smtClean="0"/>
-              <a:t>21/07/2021</a:t>
+              <a:t>28/07/2021</a:t>
             </a:fld>
             <a:endParaRPr lang="it-IT"/>
           </a:p>
@@ -1235,7 +1236,7 @@
           <a:p>
             <a:fld id="{B54D5996-1787-4713-9AAF-D983FFC67929}" type="datetimeFigureOut">
               <a:rPr lang="it-IT" smtClean="0"/>
-              <a:t>21/07/2021</a:t>
+              <a:t>28/07/2021</a:t>
             </a:fld>
             <a:endParaRPr lang="it-IT"/>
           </a:p>
@@ -1599,7 +1600,7 @@
           <a:p>
             <a:fld id="{B54D5996-1787-4713-9AAF-D983FFC67929}" type="datetimeFigureOut">
               <a:rPr lang="it-IT" smtClean="0"/>
-              <a:t>21/07/2021</a:t>
+              <a:t>28/07/2021</a:t>
             </a:fld>
             <a:endParaRPr lang="it-IT"/>
           </a:p>
@@ -1716,7 +1717,7 @@
           <a:p>
             <a:fld id="{B54D5996-1787-4713-9AAF-D983FFC67929}" type="datetimeFigureOut">
               <a:rPr lang="it-IT" smtClean="0"/>
-              <a:t>21/07/2021</a:t>
+              <a:t>28/07/2021</a:t>
             </a:fld>
             <a:endParaRPr lang="it-IT"/>
           </a:p>
@@ -1811,7 +1812,7 @@
           <a:p>
             <a:fld id="{B54D5996-1787-4713-9AAF-D983FFC67929}" type="datetimeFigureOut">
               <a:rPr lang="it-IT" smtClean="0"/>
-              <a:t>21/07/2021</a:t>
+              <a:t>28/07/2021</a:t>
             </a:fld>
             <a:endParaRPr lang="it-IT"/>
           </a:p>
@@ -2086,7 +2087,7 @@
           <a:p>
             <a:fld id="{B54D5996-1787-4713-9AAF-D983FFC67929}" type="datetimeFigureOut">
               <a:rPr lang="it-IT" smtClean="0"/>
-              <a:t>21/07/2021</a:t>
+              <a:t>28/07/2021</a:t>
             </a:fld>
             <a:endParaRPr lang="it-IT"/>
           </a:p>
@@ -2338,7 +2339,7 @@
           <a:p>
             <a:fld id="{B54D5996-1787-4713-9AAF-D983FFC67929}" type="datetimeFigureOut">
               <a:rPr lang="it-IT" smtClean="0"/>
-              <a:t>21/07/2021</a:t>
+              <a:t>28/07/2021</a:t>
             </a:fld>
             <a:endParaRPr lang="it-IT"/>
           </a:p>
@@ -2549,7 +2550,7 @@
           <a:p>
             <a:fld id="{B54D5996-1787-4713-9AAF-D983FFC67929}" type="datetimeFigureOut">
               <a:rPr lang="it-IT" smtClean="0"/>
-              <a:t>21/07/2021</a:t>
+              <a:t>28/07/2021</a:t>
             </a:fld>
             <a:endParaRPr lang="it-IT"/>
           </a:p>
@@ -14901,6 +14902,1071 @@
 </p:sld>
 </file>
 
+<file path=ppt/slides/slide8.xml><?xml version="1.0" encoding="utf-8"?>
+<p:sld xmlns:a="http://schemas.openxmlformats.org/drawingml/2006/main" xmlns:r="http://schemas.openxmlformats.org/officeDocument/2006/relationships" xmlns:p="http://schemas.openxmlformats.org/presentationml/2006/main">
+  <p:cSld>
+    <p:spTree>
+      <p:nvGrpSpPr>
+        <p:cNvPr id="1" name=""/>
+        <p:cNvGrpSpPr/>
+        <p:nvPr/>
+      </p:nvGrpSpPr>
+      <p:grpSpPr>
+        <a:xfrm>
+          <a:off x="0" y="0"/>
+          <a:ext cx="0" cy="0"/>
+          <a:chOff x="0" y="0"/>
+          <a:chExt cx="0" cy="0"/>
+        </a:xfrm>
+      </p:grpSpPr>
+      <p:sp>
+        <p:nvSpPr>
+          <p:cNvPr id="16" name="Rettangolo arrotondato 15"/>
+          <p:cNvSpPr/>
+          <p:nvPr/>
+        </p:nvSpPr>
+        <p:spPr>
+          <a:xfrm>
+            <a:off x="1631851" y="931220"/>
+            <a:ext cx="3152753" cy="3526479"/>
+          </a:xfrm>
+          <a:prstGeom prst="roundRect">
+            <a:avLst/>
+          </a:prstGeom>
+          <a:solidFill>
+            <a:schemeClr val="bg1">
+              <a:lumMod val="95000"/>
+            </a:schemeClr>
+          </a:solidFill>
+          <a:ln w="19050">
+            <a:solidFill>
+              <a:schemeClr val="tx1"/>
+            </a:solidFill>
+          </a:ln>
+        </p:spPr>
+        <p:style>
+          <a:lnRef idx="2">
+            <a:schemeClr val="accent1">
+              <a:shade val="50000"/>
+            </a:schemeClr>
+          </a:lnRef>
+          <a:fillRef idx="1">
+            <a:schemeClr val="accent1"/>
+          </a:fillRef>
+          <a:effectRef idx="0">
+            <a:schemeClr val="accent1"/>
+          </a:effectRef>
+          <a:fontRef idx="minor">
+            <a:schemeClr val="lt1"/>
+          </a:fontRef>
+        </p:style>
+        <p:txBody>
+          <a:bodyPr rtlCol="0" anchor="ctr"/>
+          <a:lstStyle/>
+          <a:p>
+            <a:pPr algn="ctr"/>
+            <a:endParaRPr lang="it-IT" sz="1400" dirty="0">
+              <a:solidFill>
+                <a:schemeClr val="tx1"/>
+              </a:solidFill>
+              <a:latin typeface="Century Schoolbook" panose="02040604050505020304" pitchFamily="18" charset="0"/>
+            </a:endParaRPr>
+          </a:p>
+        </p:txBody>
+      </p:sp>
+      <p:grpSp>
+        <p:nvGrpSpPr>
+          <p:cNvPr id="4" name="Gruppo 3"/>
+          <p:cNvGrpSpPr/>
+          <p:nvPr/>
+        </p:nvGrpSpPr>
+        <p:grpSpPr>
+          <a:xfrm>
+            <a:off x="2241133" y="2997017"/>
+            <a:ext cx="1926426" cy="1214172"/>
+            <a:chOff x="402476" y="5184618"/>
+            <a:chExt cx="1926426" cy="1214172"/>
+          </a:xfrm>
+        </p:grpSpPr>
+        <p:sp>
+          <p:nvSpPr>
+            <p:cNvPr id="5" name="Ovale 4"/>
+            <p:cNvSpPr/>
+            <p:nvPr/>
+          </p:nvSpPr>
+          <p:spPr>
+            <a:xfrm>
+              <a:off x="667957" y="5332857"/>
+              <a:ext cx="1660945" cy="1065933"/>
+            </a:xfrm>
+            <a:prstGeom prst="ellipse">
+              <a:avLst/>
+            </a:prstGeom>
+            <a:solidFill>
+              <a:schemeClr val="accent2">
+                <a:lumMod val="20000"/>
+                <a:lumOff val="80000"/>
+              </a:schemeClr>
+            </a:solidFill>
+            <a:ln w="12700">
+              <a:solidFill>
+                <a:schemeClr val="tx1"/>
+              </a:solidFill>
+            </a:ln>
+          </p:spPr>
+          <p:style>
+            <a:lnRef idx="2">
+              <a:schemeClr val="accent1">
+                <a:shade val="50000"/>
+              </a:schemeClr>
+            </a:lnRef>
+            <a:fillRef idx="1">
+              <a:schemeClr val="accent1"/>
+            </a:fillRef>
+            <a:effectRef idx="0">
+              <a:schemeClr val="accent1"/>
+            </a:effectRef>
+            <a:fontRef idx="minor">
+              <a:schemeClr val="lt1"/>
+            </a:fontRef>
+          </p:style>
+          <p:txBody>
+            <a:bodyPr rtlCol="0" anchor="ctr"/>
+            <a:lstStyle/>
+            <a:p>
+              <a:pPr algn="ctr"/>
+              <a:r>
+                <a:rPr lang="it-IT" sz="1200" dirty="0">
+                  <a:solidFill>
+                    <a:schemeClr val="tx1"/>
+                  </a:solidFill>
+                  <a:latin typeface="Century Schoolbook" panose="02040604050505020304" pitchFamily="18" charset="0"/>
+                </a:rPr>
+                <a:t>Park Service GUI Actor</a:t>
+              </a:r>
+            </a:p>
+            <a:p>
+              <a:pPr lvl="0" algn="ctr"/>
+              <a:r>
+                <a:rPr lang="it-IT" sz="1100" i="1" dirty="0">
+                  <a:solidFill>
+                    <a:prstClr val="black"/>
+                  </a:solidFill>
+                  <a:latin typeface="Century Schoolbook" panose="02040604050505020304" pitchFamily="18" charset="0"/>
+                </a:rPr>
+                <a:t>(client’s)</a:t>
+              </a:r>
+              <a:endParaRPr lang="it-IT" sz="1400" i="1" dirty="0">
+                <a:solidFill>
+                  <a:prstClr val="black"/>
+                </a:solidFill>
+                <a:latin typeface="Century Schoolbook" panose="02040604050505020304" pitchFamily="18" charset="0"/>
+              </a:endParaRPr>
+            </a:p>
+          </p:txBody>
+        </p:sp>
+        <p:sp>
+          <p:nvSpPr>
+            <p:cNvPr id="6" name="Triangolo isoscele 5"/>
+            <p:cNvSpPr/>
+            <p:nvPr/>
+          </p:nvSpPr>
+          <p:spPr>
+            <a:xfrm rot="16200000">
+              <a:off x="1350190" y="5205064"/>
+              <a:ext cx="296478" cy="255585"/>
+            </a:xfrm>
+            <a:prstGeom prst="triangle">
+              <a:avLst/>
+            </a:prstGeom>
+            <a:solidFill>
+              <a:srgbClr val="FF0000"/>
+            </a:solidFill>
+            <a:ln w="12700">
+              <a:solidFill>
+                <a:schemeClr val="tx1"/>
+              </a:solidFill>
+            </a:ln>
+          </p:spPr>
+          <p:style>
+            <a:lnRef idx="2">
+              <a:schemeClr val="accent1">
+                <a:shade val="50000"/>
+              </a:schemeClr>
+            </a:lnRef>
+            <a:fillRef idx="1">
+              <a:schemeClr val="accent1"/>
+            </a:fillRef>
+            <a:effectRef idx="0">
+              <a:schemeClr val="accent1"/>
+            </a:effectRef>
+            <a:fontRef idx="minor">
+              <a:schemeClr val="lt1"/>
+            </a:fontRef>
+          </p:style>
+          <p:txBody>
+            <a:bodyPr rtlCol="0" anchor="ctr"/>
+            <a:lstStyle/>
+            <a:p>
+              <a:pPr algn="ctr"/>
+              <a:endParaRPr lang="it-IT"/>
+            </a:p>
+          </p:txBody>
+        </p:sp>
+        <p:sp>
+          <p:nvSpPr>
+            <p:cNvPr id="7" name="Rettangolo 6"/>
+            <p:cNvSpPr/>
+            <p:nvPr/>
+          </p:nvSpPr>
+          <p:spPr>
+            <a:xfrm>
+              <a:off x="402476" y="5739696"/>
+              <a:ext cx="530961" cy="252254"/>
+            </a:xfrm>
+            <a:prstGeom prst="rect">
+              <a:avLst/>
+            </a:prstGeom>
+            <a:solidFill>
+              <a:schemeClr val="accent2">
+                <a:lumMod val="20000"/>
+                <a:lumOff val="80000"/>
+              </a:schemeClr>
+            </a:solidFill>
+            <a:ln w="12700">
+              <a:solidFill>
+                <a:schemeClr val="tx1"/>
+              </a:solidFill>
+            </a:ln>
+          </p:spPr>
+          <p:style>
+            <a:lnRef idx="2">
+              <a:schemeClr val="accent1">
+                <a:shade val="50000"/>
+              </a:schemeClr>
+            </a:lnRef>
+            <a:fillRef idx="1">
+              <a:schemeClr val="accent1"/>
+            </a:fillRef>
+            <a:effectRef idx="0">
+              <a:schemeClr val="accent1"/>
+            </a:effectRef>
+            <a:fontRef idx="minor">
+              <a:schemeClr val="lt1"/>
+            </a:fontRef>
+          </p:style>
+          <p:txBody>
+            <a:bodyPr rtlCol="0" anchor="ctr"/>
+            <a:lstStyle/>
+            <a:p>
+              <a:pPr algn="ctr"/>
+              <a:endParaRPr lang="it-IT"/>
+            </a:p>
+          </p:txBody>
+        </p:sp>
+      </p:grpSp>
+      <p:grpSp>
+        <p:nvGrpSpPr>
+          <p:cNvPr id="8" name="Gruppo 7"/>
+          <p:cNvGrpSpPr/>
+          <p:nvPr/>
+        </p:nvGrpSpPr>
+        <p:grpSpPr>
+          <a:xfrm>
+            <a:off x="2241133" y="1345835"/>
+            <a:ext cx="1926426" cy="1214172"/>
+            <a:chOff x="402476" y="5184618"/>
+            <a:chExt cx="1926426" cy="1214172"/>
+          </a:xfrm>
+        </p:grpSpPr>
+        <p:sp>
+          <p:nvSpPr>
+            <p:cNvPr id="9" name="Ovale 8"/>
+            <p:cNvSpPr/>
+            <p:nvPr/>
+          </p:nvSpPr>
+          <p:spPr>
+            <a:xfrm>
+              <a:off x="667957" y="5332857"/>
+              <a:ext cx="1660945" cy="1065933"/>
+            </a:xfrm>
+            <a:prstGeom prst="ellipse">
+              <a:avLst/>
+            </a:prstGeom>
+            <a:solidFill>
+              <a:schemeClr val="accent2">
+                <a:lumMod val="20000"/>
+                <a:lumOff val="80000"/>
+              </a:schemeClr>
+            </a:solidFill>
+            <a:ln w="12700">
+              <a:solidFill>
+                <a:schemeClr val="tx1"/>
+              </a:solidFill>
+            </a:ln>
+          </p:spPr>
+          <p:style>
+            <a:lnRef idx="2">
+              <a:schemeClr val="accent1">
+                <a:shade val="50000"/>
+              </a:schemeClr>
+            </a:lnRef>
+            <a:fillRef idx="1">
+              <a:schemeClr val="accent1"/>
+            </a:fillRef>
+            <a:effectRef idx="0">
+              <a:schemeClr val="accent1"/>
+            </a:effectRef>
+            <a:fontRef idx="minor">
+              <a:schemeClr val="lt1"/>
+            </a:fontRef>
+          </p:style>
+          <p:txBody>
+            <a:bodyPr rtlCol="0" anchor="ctr"/>
+            <a:lstStyle/>
+            <a:p>
+              <a:pPr algn="ctr"/>
+              <a:r>
+                <a:rPr lang="it-IT" sz="1200" dirty="0">
+                  <a:solidFill>
+                    <a:schemeClr val="tx1"/>
+                  </a:solidFill>
+                  <a:latin typeface="Century Schoolbook" panose="02040604050505020304" pitchFamily="18" charset="0"/>
+                </a:rPr>
+                <a:t>Park Service Status GUI Actor</a:t>
+              </a:r>
+            </a:p>
+            <a:p>
+              <a:pPr lvl="0" algn="ctr"/>
+              <a:r>
+                <a:rPr lang="it-IT" sz="1100" i="1" dirty="0">
+                  <a:solidFill>
+                    <a:prstClr val="black"/>
+                  </a:solidFill>
+                  <a:latin typeface="Century Schoolbook" panose="02040604050505020304" pitchFamily="18" charset="0"/>
+                </a:rPr>
+                <a:t>(manager’s)</a:t>
+              </a:r>
+              <a:endParaRPr lang="it-IT" sz="1400" i="1" dirty="0">
+                <a:solidFill>
+                  <a:prstClr val="black"/>
+                </a:solidFill>
+                <a:latin typeface="Century Schoolbook" panose="02040604050505020304" pitchFamily="18" charset="0"/>
+              </a:endParaRPr>
+            </a:p>
+          </p:txBody>
+        </p:sp>
+        <p:sp>
+          <p:nvSpPr>
+            <p:cNvPr id="10" name="Triangolo isoscele 9"/>
+            <p:cNvSpPr/>
+            <p:nvPr/>
+          </p:nvSpPr>
+          <p:spPr>
+            <a:xfrm rot="16200000">
+              <a:off x="1350190" y="5205064"/>
+              <a:ext cx="296478" cy="255585"/>
+            </a:xfrm>
+            <a:prstGeom prst="triangle">
+              <a:avLst/>
+            </a:prstGeom>
+            <a:solidFill>
+              <a:srgbClr val="FF0000"/>
+            </a:solidFill>
+            <a:ln w="12700">
+              <a:solidFill>
+                <a:schemeClr val="tx1"/>
+              </a:solidFill>
+            </a:ln>
+          </p:spPr>
+          <p:style>
+            <a:lnRef idx="2">
+              <a:schemeClr val="accent1">
+                <a:shade val="50000"/>
+              </a:schemeClr>
+            </a:lnRef>
+            <a:fillRef idx="1">
+              <a:schemeClr val="accent1"/>
+            </a:fillRef>
+            <a:effectRef idx="0">
+              <a:schemeClr val="accent1"/>
+            </a:effectRef>
+            <a:fontRef idx="minor">
+              <a:schemeClr val="lt1"/>
+            </a:fontRef>
+          </p:style>
+          <p:txBody>
+            <a:bodyPr rtlCol="0" anchor="ctr"/>
+            <a:lstStyle/>
+            <a:p>
+              <a:pPr algn="ctr"/>
+              <a:endParaRPr lang="it-IT"/>
+            </a:p>
+          </p:txBody>
+        </p:sp>
+        <p:sp>
+          <p:nvSpPr>
+            <p:cNvPr id="11" name="Rettangolo 10"/>
+            <p:cNvSpPr/>
+            <p:nvPr/>
+          </p:nvSpPr>
+          <p:spPr>
+            <a:xfrm>
+              <a:off x="402476" y="5739696"/>
+              <a:ext cx="530961" cy="252254"/>
+            </a:xfrm>
+            <a:prstGeom prst="rect">
+              <a:avLst/>
+            </a:prstGeom>
+            <a:solidFill>
+              <a:schemeClr val="accent2">
+                <a:lumMod val="20000"/>
+                <a:lumOff val="80000"/>
+              </a:schemeClr>
+            </a:solidFill>
+            <a:ln w="12700">
+              <a:solidFill>
+                <a:schemeClr val="tx1"/>
+              </a:solidFill>
+            </a:ln>
+          </p:spPr>
+          <p:style>
+            <a:lnRef idx="2">
+              <a:schemeClr val="accent1">
+                <a:shade val="50000"/>
+              </a:schemeClr>
+            </a:lnRef>
+            <a:fillRef idx="1">
+              <a:schemeClr val="accent1"/>
+            </a:fillRef>
+            <a:effectRef idx="0">
+              <a:schemeClr val="accent1"/>
+            </a:effectRef>
+            <a:fontRef idx="minor">
+              <a:schemeClr val="lt1"/>
+            </a:fontRef>
+          </p:style>
+          <p:txBody>
+            <a:bodyPr rtlCol="0" anchor="ctr"/>
+            <a:lstStyle/>
+            <a:p>
+              <a:pPr algn="ctr"/>
+              <a:endParaRPr lang="it-IT"/>
+            </a:p>
+          </p:txBody>
+        </p:sp>
+      </p:grpSp>
+      <p:sp>
+        <p:nvSpPr>
+          <p:cNvPr id="17" name="Rettangolo arrotondato 16"/>
+          <p:cNvSpPr/>
+          <p:nvPr/>
+        </p:nvSpPr>
+        <p:spPr>
+          <a:xfrm>
+            <a:off x="2199815" y="692525"/>
+            <a:ext cx="2009062" cy="471580"/>
+          </a:xfrm>
+          <a:prstGeom prst="roundRect">
+            <a:avLst/>
+          </a:prstGeom>
+          <a:solidFill>
+            <a:schemeClr val="accent1">
+              <a:lumMod val="20000"/>
+              <a:lumOff val="80000"/>
+            </a:schemeClr>
+          </a:solidFill>
+          <a:ln>
+            <a:solidFill>
+              <a:schemeClr val="tx1"/>
+            </a:solidFill>
+          </a:ln>
+        </p:spPr>
+        <p:style>
+          <a:lnRef idx="2">
+            <a:schemeClr val="accent1">
+              <a:shade val="50000"/>
+            </a:schemeClr>
+          </a:lnRef>
+          <a:fillRef idx="1">
+            <a:schemeClr val="accent1"/>
+          </a:fillRef>
+          <a:effectRef idx="0">
+            <a:schemeClr val="accent1"/>
+          </a:effectRef>
+          <a:fontRef idx="minor">
+            <a:schemeClr val="lt1"/>
+          </a:fontRef>
+        </p:style>
+        <p:txBody>
+          <a:bodyPr rtlCol="0" anchor="ctr"/>
+          <a:lstStyle/>
+          <a:p>
+            <a:pPr algn="ctr"/>
+            <a:r>
+              <a:rPr lang="it-IT" sz="1400" dirty="0" smtClean="0">
+                <a:solidFill>
+                  <a:schemeClr val="tx1"/>
+                </a:solidFill>
+                <a:latin typeface="Century Schoolbook" panose="02040604050505020304" pitchFamily="18" charset="0"/>
+              </a:rPr>
+              <a:t>ctx Car Parking</a:t>
+            </a:r>
+            <a:endParaRPr lang="it-IT" sz="1400" dirty="0">
+              <a:solidFill>
+                <a:schemeClr val="tx1"/>
+              </a:solidFill>
+              <a:latin typeface="Century Schoolbook" panose="02040604050505020304" pitchFamily="18" charset="0"/>
+            </a:endParaRPr>
+          </a:p>
+        </p:txBody>
+      </p:sp>
+      <p:grpSp>
+        <p:nvGrpSpPr>
+          <p:cNvPr id="22" name="Gruppo 21"/>
+          <p:cNvGrpSpPr/>
+          <p:nvPr/>
+        </p:nvGrpSpPr>
+        <p:grpSpPr>
+          <a:xfrm>
+            <a:off x="8052412" y="3459470"/>
+            <a:ext cx="1660945" cy="1214172"/>
+            <a:chOff x="7744200" y="2907063"/>
+            <a:chExt cx="1660945" cy="1214172"/>
+          </a:xfrm>
+        </p:grpSpPr>
+        <p:sp>
+          <p:nvSpPr>
+            <p:cNvPr id="19" name="Ovale 18"/>
+            <p:cNvSpPr/>
+            <p:nvPr/>
+          </p:nvSpPr>
+          <p:spPr>
+            <a:xfrm>
+              <a:off x="7744200" y="3055302"/>
+              <a:ext cx="1660945" cy="1065933"/>
+            </a:xfrm>
+            <a:prstGeom prst="ellipse">
+              <a:avLst/>
+            </a:prstGeom>
+            <a:solidFill>
+              <a:schemeClr val="accent4">
+                <a:lumMod val="20000"/>
+                <a:lumOff val="80000"/>
+              </a:schemeClr>
+            </a:solidFill>
+            <a:ln w="12700">
+              <a:solidFill>
+                <a:schemeClr val="tx1"/>
+              </a:solidFill>
+            </a:ln>
+          </p:spPr>
+          <p:style>
+            <a:lnRef idx="2">
+              <a:schemeClr val="accent1">
+                <a:shade val="50000"/>
+              </a:schemeClr>
+            </a:lnRef>
+            <a:fillRef idx="1">
+              <a:schemeClr val="accent1"/>
+            </a:fillRef>
+            <a:effectRef idx="0">
+              <a:schemeClr val="accent1"/>
+            </a:effectRef>
+            <a:fontRef idx="minor">
+              <a:schemeClr val="lt1"/>
+            </a:fontRef>
+          </p:style>
+          <p:txBody>
+            <a:bodyPr rtlCol="0" anchor="ctr"/>
+            <a:lstStyle/>
+            <a:p>
+              <a:pPr algn="ctr"/>
+              <a:r>
+                <a:rPr lang="it-IT" sz="1200" dirty="0" smtClean="0">
+                  <a:solidFill>
+                    <a:schemeClr val="tx1"/>
+                  </a:solidFill>
+                  <a:latin typeface="Century Schoolbook" panose="02040604050505020304" pitchFamily="18" charset="0"/>
+                </a:rPr>
+                <a:t>Client GUI</a:t>
+              </a:r>
+              <a:endParaRPr lang="it-IT" sz="1200" dirty="0">
+                <a:solidFill>
+                  <a:schemeClr val="tx1"/>
+                </a:solidFill>
+                <a:latin typeface="Century Schoolbook" panose="02040604050505020304" pitchFamily="18" charset="0"/>
+              </a:endParaRPr>
+            </a:p>
+            <a:p>
+              <a:pPr lvl="0" algn="ctr"/>
+              <a:r>
+                <a:rPr lang="it-IT" sz="1100" i="1" dirty="0" smtClean="0">
+                  <a:solidFill>
+                    <a:prstClr val="black"/>
+                  </a:solidFill>
+                  <a:latin typeface="Century Schoolbook" panose="02040604050505020304" pitchFamily="18" charset="0"/>
+                </a:rPr>
+                <a:t>(Web GUI)</a:t>
+              </a:r>
+              <a:endParaRPr lang="it-IT" sz="1400" i="1" dirty="0">
+                <a:solidFill>
+                  <a:prstClr val="black"/>
+                </a:solidFill>
+                <a:latin typeface="Century Schoolbook" panose="02040604050505020304" pitchFamily="18" charset="0"/>
+              </a:endParaRPr>
+            </a:p>
+          </p:txBody>
+        </p:sp>
+        <p:sp>
+          <p:nvSpPr>
+            <p:cNvPr id="20" name="Triangolo isoscele 19"/>
+            <p:cNvSpPr/>
+            <p:nvPr/>
+          </p:nvSpPr>
+          <p:spPr>
+            <a:xfrm rot="16200000">
+              <a:off x="8426433" y="2927509"/>
+              <a:ext cx="296478" cy="255585"/>
+            </a:xfrm>
+            <a:prstGeom prst="triangle">
+              <a:avLst/>
+            </a:prstGeom>
+            <a:solidFill>
+              <a:srgbClr val="FF0000"/>
+            </a:solidFill>
+            <a:ln w="12700">
+              <a:solidFill>
+                <a:schemeClr val="tx1"/>
+              </a:solidFill>
+            </a:ln>
+          </p:spPr>
+          <p:style>
+            <a:lnRef idx="2">
+              <a:schemeClr val="accent1">
+                <a:shade val="50000"/>
+              </a:schemeClr>
+            </a:lnRef>
+            <a:fillRef idx="1">
+              <a:schemeClr val="accent1"/>
+            </a:fillRef>
+            <a:effectRef idx="0">
+              <a:schemeClr val="accent1"/>
+            </a:effectRef>
+            <a:fontRef idx="minor">
+              <a:schemeClr val="lt1"/>
+            </a:fontRef>
+          </p:style>
+          <p:txBody>
+            <a:bodyPr rtlCol="0" anchor="ctr"/>
+            <a:lstStyle/>
+            <a:p>
+              <a:pPr algn="ctr"/>
+              <a:endParaRPr lang="it-IT"/>
+            </a:p>
+          </p:txBody>
+        </p:sp>
+      </p:grpSp>
+      <p:sp>
+        <p:nvSpPr>
+          <p:cNvPr id="25" name="Ovale 24"/>
+          <p:cNvSpPr/>
+          <p:nvPr/>
+        </p:nvSpPr>
+        <p:spPr>
+          <a:xfrm>
+            <a:off x="8052413" y="1520966"/>
+            <a:ext cx="1660945" cy="1065933"/>
+          </a:xfrm>
+          <a:prstGeom prst="ellipse">
+            <a:avLst/>
+          </a:prstGeom>
+          <a:solidFill>
+            <a:schemeClr val="accent1">
+              <a:lumMod val="20000"/>
+              <a:lumOff val="80000"/>
+            </a:schemeClr>
+          </a:solidFill>
+          <a:ln w="12700">
+            <a:solidFill>
+              <a:schemeClr val="tx1"/>
+            </a:solidFill>
+          </a:ln>
+        </p:spPr>
+        <p:style>
+          <a:lnRef idx="2">
+            <a:schemeClr val="accent1">
+              <a:shade val="50000"/>
+            </a:schemeClr>
+          </a:lnRef>
+          <a:fillRef idx="1">
+            <a:schemeClr val="accent1"/>
+          </a:fillRef>
+          <a:effectRef idx="0">
+            <a:schemeClr val="accent1"/>
+          </a:effectRef>
+          <a:fontRef idx="minor">
+            <a:schemeClr val="lt1"/>
+          </a:fontRef>
+        </p:style>
+        <p:txBody>
+          <a:bodyPr rtlCol="0" anchor="ctr"/>
+          <a:lstStyle/>
+          <a:p>
+            <a:pPr algn="ctr"/>
+            <a:r>
+              <a:rPr lang="it-IT" sz="1200" dirty="0" smtClean="0">
+                <a:solidFill>
+                  <a:schemeClr val="tx1"/>
+                </a:solidFill>
+                <a:latin typeface="Century Schoolbook" panose="02040604050505020304" pitchFamily="18" charset="0"/>
+              </a:rPr>
+              <a:t>CoAP Support</a:t>
+            </a:r>
+          </a:p>
+          <a:p>
+            <a:pPr lvl="0" algn="ctr"/>
+            <a:r>
+              <a:rPr lang="it-IT" sz="1100" i="1" dirty="0" smtClean="0">
+                <a:solidFill>
+                  <a:prstClr val="black"/>
+                </a:solidFill>
+                <a:latin typeface="Century Schoolbook" panose="02040604050505020304" pitchFamily="18" charset="0"/>
+              </a:rPr>
+              <a:t>(Observer)</a:t>
+            </a:r>
+            <a:endParaRPr lang="it-IT" sz="1400" i="1" dirty="0">
+              <a:solidFill>
+                <a:prstClr val="black"/>
+              </a:solidFill>
+              <a:latin typeface="Century Schoolbook" panose="02040604050505020304" pitchFamily="18" charset="0"/>
+            </a:endParaRPr>
+          </a:p>
+        </p:txBody>
+      </p:sp>
+      <p:cxnSp>
+        <p:nvCxnSpPr>
+          <p:cNvPr id="27" name="Connettore 2 26"/>
+          <p:cNvCxnSpPr>
+            <a:stCxn id="25" idx="2"/>
+            <a:endCxn id="9" idx="6"/>
+          </p:cNvCxnSpPr>
+          <p:nvPr/>
+        </p:nvCxnSpPr>
+        <p:spPr>
+          <a:xfrm flipH="1" flipV="1">
+            <a:off x="4167559" y="2027041"/>
+            <a:ext cx="3884854" cy="26892"/>
+          </a:xfrm>
+          <a:prstGeom prst="straightConnector1">
+            <a:avLst/>
+          </a:prstGeom>
+          <a:ln w="19050">
+            <a:solidFill>
+              <a:schemeClr val="tx1"/>
+            </a:solidFill>
+            <a:prstDash val="sysDash"/>
+            <a:headEnd type="none" w="med" len="med"/>
+            <a:tailEnd type="triangle" w="med" len="med"/>
+          </a:ln>
+        </p:spPr>
+        <p:style>
+          <a:lnRef idx="1">
+            <a:schemeClr val="accent1"/>
+          </a:lnRef>
+          <a:fillRef idx="0">
+            <a:schemeClr val="accent1"/>
+          </a:fillRef>
+          <a:effectRef idx="0">
+            <a:schemeClr val="accent1"/>
+          </a:effectRef>
+          <a:fontRef idx="minor">
+            <a:schemeClr val="tx1"/>
+          </a:fontRef>
+        </p:style>
+      </p:cxnSp>
+      <p:cxnSp>
+        <p:nvCxnSpPr>
+          <p:cNvPr id="32" name="Connettore 2 31"/>
+          <p:cNvCxnSpPr>
+            <a:stCxn id="20" idx="5"/>
+            <a:endCxn id="25" idx="4"/>
+          </p:cNvCxnSpPr>
+          <p:nvPr/>
+        </p:nvCxnSpPr>
+        <p:spPr>
+          <a:xfrm flipV="1">
+            <a:off x="8882885" y="2586899"/>
+            <a:ext cx="1" cy="946690"/>
+          </a:xfrm>
+          <a:prstGeom prst="straightConnector1">
+            <a:avLst/>
+          </a:prstGeom>
+          <a:ln w="19050">
+            <a:solidFill>
+              <a:schemeClr val="tx1"/>
+            </a:solidFill>
+            <a:headEnd type="none" w="med" len="med"/>
+            <a:tailEnd type="arrow" w="med" len="med"/>
+          </a:ln>
+        </p:spPr>
+        <p:style>
+          <a:lnRef idx="1">
+            <a:schemeClr val="accent1"/>
+          </a:lnRef>
+          <a:fillRef idx="0">
+            <a:schemeClr val="accent1"/>
+          </a:fillRef>
+          <a:effectRef idx="0">
+            <a:schemeClr val="accent1"/>
+          </a:effectRef>
+          <a:fontRef idx="minor">
+            <a:schemeClr val="tx1"/>
+          </a:fontRef>
+        </p:style>
+      </p:cxnSp>
+      <p:sp>
+        <p:nvSpPr>
+          <p:cNvPr id="36" name="Rettangolo arrotondato 35"/>
+          <p:cNvSpPr/>
+          <p:nvPr/>
+        </p:nvSpPr>
+        <p:spPr>
+          <a:xfrm>
+            <a:off x="5364723" y="3433306"/>
+            <a:ext cx="2009062" cy="471580"/>
+          </a:xfrm>
+          <a:prstGeom prst="roundRect">
+            <a:avLst/>
+          </a:prstGeom>
+          <a:solidFill>
+            <a:schemeClr val="accent4">
+              <a:lumMod val="20000"/>
+              <a:lumOff val="80000"/>
+            </a:schemeClr>
+          </a:solidFill>
+          <a:ln>
+            <a:solidFill>
+              <a:schemeClr val="tx1"/>
+            </a:solidFill>
+          </a:ln>
+        </p:spPr>
+        <p:style>
+          <a:lnRef idx="2">
+            <a:schemeClr val="accent1">
+              <a:shade val="50000"/>
+            </a:schemeClr>
+          </a:lnRef>
+          <a:fillRef idx="1">
+            <a:schemeClr val="accent1"/>
+          </a:fillRef>
+          <a:effectRef idx="0">
+            <a:schemeClr val="accent1"/>
+          </a:effectRef>
+          <a:fontRef idx="minor">
+            <a:schemeClr val="lt1"/>
+          </a:fontRef>
+        </p:style>
+        <p:txBody>
+          <a:bodyPr rtlCol="0" anchor="ctr"/>
+          <a:lstStyle/>
+          <a:p>
+            <a:pPr algn="ctr"/>
+            <a:r>
+              <a:rPr lang="it-IT" sz="1400" dirty="0" smtClean="0">
+                <a:solidFill>
+                  <a:schemeClr val="tx1"/>
+                </a:solidFill>
+                <a:latin typeface="Century Schoolbook" panose="02040604050505020304" pitchFamily="18" charset="0"/>
+              </a:rPr>
+              <a:t>Conn Qak TPC</a:t>
+            </a:r>
+            <a:endParaRPr lang="it-IT" sz="1400" dirty="0">
+              <a:solidFill>
+                <a:schemeClr val="tx1"/>
+              </a:solidFill>
+              <a:latin typeface="Century Schoolbook" panose="02040604050505020304" pitchFamily="18" charset="0"/>
+            </a:endParaRPr>
+          </a:p>
+        </p:txBody>
+      </p:sp>
+      <p:sp>
+        <p:nvSpPr>
+          <p:cNvPr id="37" name="Rettangolo arrotondato 36"/>
+          <p:cNvSpPr/>
+          <p:nvPr/>
+        </p:nvSpPr>
+        <p:spPr>
+          <a:xfrm>
+            <a:off x="5364723" y="3911854"/>
+            <a:ext cx="2009062" cy="471580"/>
+          </a:xfrm>
+          <a:prstGeom prst="roundRect">
+            <a:avLst/>
+          </a:prstGeom>
+          <a:solidFill>
+            <a:schemeClr val="accent6">
+              <a:lumMod val="20000"/>
+              <a:lumOff val="80000"/>
+            </a:schemeClr>
+          </a:solidFill>
+          <a:ln>
+            <a:solidFill>
+              <a:schemeClr val="tx1"/>
+            </a:solidFill>
+          </a:ln>
+        </p:spPr>
+        <p:style>
+          <a:lnRef idx="2">
+            <a:schemeClr val="accent1">
+              <a:shade val="50000"/>
+            </a:schemeClr>
+          </a:lnRef>
+          <a:fillRef idx="1">
+            <a:schemeClr val="accent1"/>
+          </a:fillRef>
+          <a:effectRef idx="0">
+            <a:schemeClr val="accent1"/>
+          </a:effectRef>
+          <a:fontRef idx="minor">
+            <a:schemeClr val="lt1"/>
+          </a:fontRef>
+        </p:style>
+        <p:txBody>
+          <a:bodyPr rtlCol="0" anchor="ctr"/>
+          <a:lstStyle/>
+          <a:p>
+            <a:pPr algn="ctr"/>
+            <a:r>
+              <a:rPr lang="it-IT" sz="1400" dirty="0" smtClean="0">
+                <a:solidFill>
+                  <a:schemeClr val="tx1"/>
+                </a:solidFill>
+                <a:latin typeface="Century Schoolbook" panose="02040604050505020304" pitchFamily="18" charset="0"/>
+              </a:rPr>
+              <a:t>Conn Qak Base</a:t>
+            </a:r>
+            <a:endParaRPr lang="it-IT" sz="1400" dirty="0">
+              <a:solidFill>
+                <a:schemeClr val="tx1"/>
+              </a:solidFill>
+              <a:latin typeface="Century Schoolbook" panose="02040604050505020304" pitchFamily="18" charset="0"/>
+            </a:endParaRPr>
+          </a:p>
+          <a:p>
+            <a:pPr algn="ctr"/>
+            <a:r>
+              <a:rPr lang="it-IT" sz="1400" i="1" dirty="0" smtClean="0">
+                <a:solidFill>
+                  <a:schemeClr val="tx1"/>
+                </a:solidFill>
+                <a:latin typeface="Century Schoolbook" panose="02040604050505020304" pitchFamily="18" charset="0"/>
+              </a:rPr>
+              <a:t>abstract class</a:t>
+            </a:r>
+            <a:endParaRPr lang="it-IT" sz="1400" i="1" dirty="0">
+              <a:solidFill>
+                <a:schemeClr val="tx1"/>
+              </a:solidFill>
+              <a:latin typeface="Century Schoolbook" panose="02040604050505020304" pitchFamily="18" charset="0"/>
+            </a:endParaRPr>
+          </a:p>
+        </p:txBody>
+      </p:sp>
+      <p:cxnSp>
+        <p:nvCxnSpPr>
+          <p:cNvPr id="38" name="Connettore 2 37"/>
+          <p:cNvCxnSpPr>
+            <a:stCxn id="19" idx="2"/>
+            <a:endCxn id="37" idx="3"/>
+          </p:cNvCxnSpPr>
+          <p:nvPr/>
+        </p:nvCxnSpPr>
+        <p:spPr>
+          <a:xfrm flipH="1">
+            <a:off x="7373785" y="4140676"/>
+            <a:ext cx="678627" cy="6968"/>
+          </a:xfrm>
+          <a:prstGeom prst="straightConnector1">
+            <a:avLst/>
+          </a:prstGeom>
+          <a:ln w="19050">
+            <a:solidFill>
+              <a:schemeClr val="tx1"/>
+            </a:solidFill>
+            <a:headEnd type="none" w="med" len="med"/>
+            <a:tailEnd type="arrow" w="med" len="med"/>
+          </a:ln>
+        </p:spPr>
+        <p:style>
+          <a:lnRef idx="1">
+            <a:schemeClr val="accent1"/>
+          </a:lnRef>
+          <a:fillRef idx="0">
+            <a:schemeClr val="accent1"/>
+          </a:fillRef>
+          <a:effectRef idx="0">
+            <a:schemeClr val="accent1"/>
+          </a:effectRef>
+          <a:fontRef idx="minor">
+            <a:schemeClr val="tx1"/>
+          </a:fontRef>
+        </p:style>
+      </p:cxnSp>
+      <p:cxnSp>
+        <p:nvCxnSpPr>
+          <p:cNvPr id="41" name="Connettore 2 40"/>
+          <p:cNvCxnSpPr>
+            <a:stCxn id="36" idx="1"/>
+            <a:endCxn id="5" idx="6"/>
+          </p:cNvCxnSpPr>
+          <p:nvPr/>
+        </p:nvCxnSpPr>
+        <p:spPr>
+          <a:xfrm flipH="1">
+            <a:off x="4167559" y="3669096"/>
+            <a:ext cx="1197164" cy="9127"/>
+          </a:xfrm>
+          <a:prstGeom prst="straightConnector1">
+            <a:avLst/>
+          </a:prstGeom>
+          <a:ln w="19050">
+            <a:solidFill>
+              <a:schemeClr val="tx1"/>
+            </a:solidFill>
+            <a:prstDash val="sysDash"/>
+            <a:headEnd type="none" w="med" len="med"/>
+            <a:tailEnd type="arrow" w="med" len="med"/>
+          </a:ln>
+        </p:spPr>
+        <p:style>
+          <a:lnRef idx="1">
+            <a:schemeClr val="accent1"/>
+          </a:lnRef>
+          <a:fillRef idx="0">
+            <a:schemeClr val="accent1"/>
+          </a:fillRef>
+          <a:effectRef idx="0">
+            <a:schemeClr val="accent1"/>
+          </a:effectRef>
+          <a:fontRef idx="minor">
+            <a:schemeClr val="tx1"/>
+          </a:fontRef>
+        </p:style>
+      </p:cxnSp>
+    </p:spTree>
+    <p:extLst>
+      <p:ext uri="{BB962C8B-B14F-4D97-AF65-F5344CB8AC3E}">
+        <p14:creationId xmlns:p14="http://schemas.microsoft.com/office/powerpoint/2010/main" val="3790863276"/>
+      </p:ext>
+    </p:extLst>
+  </p:cSld>
+  <p:clrMapOvr>
+    <a:masterClrMapping/>
+  </p:clrMapOvr>
+</p:sld>
+</file>
+
 <file path=ppt/theme/theme1.xml><?xml version="1.0" encoding="utf-8"?>
 <a:theme xmlns:a="http://schemas.openxmlformats.org/drawingml/2006/main" name="Tema di Office">
   <a:themeElements>

--- a/userDocs/img/final_task_schema.pptx
+++ b/userDocs/img/final_task_schema.pptx
@@ -14819,7 +14819,7 @@
                 </a:solidFill>
                 <a:latin typeface="Bookman Old Style" panose="02050604050505020204" pitchFamily="18" charset="0"/>
               </a:rPr>
-              <a:t>step( 350 )</a:t>
+              <a:t>step( 340 )</a:t>
             </a:r>
             <a:endParaRPr lang="it-IT" sz="1200" dirty="0">
               <a:solidFill>
@@ -14991,6 +14991,197 @@
         <p:sp>
           <p:nvSpPr>
             <p:cNvPr id="5" name="Ovale 4"/>
+            <p:cNvSpPr/>
+            <p:nvPr/>
+          </p:nvSpPr>
+          <p:spPr>
+            <a:xfrm>
+              <a:off x="667957" y="5332857"/>
+              <a:ext cx="1660945" cy="1065933"/>
+            </a:xfrm>
+            <a:prstGeom prst="ellipse">
+              <a:avLst/>
+            </a:prstGeom>
+            <a:solidFill>
+              <a:schemeClr val="accent2">
+                <a:lumMod val="20000"/>
+                <a:lumOff val="80000"/>
+              </a:schemeClr>
+            </a:solidFill>
+            <a:ln w="12700">
+              <a:solidFill>
+                <a:schemeClr val="tx1"/>
+              </a:solidFill>
+            </a:ln>
+          </p:spPr>
+          <p:style>
+            <a:lnRef idx="2">
+              <a:schemeClr val="accent1">
+                <a:shade val="50000"/>
+              </a:schemeClr>
+            </a:lnRef>
+            <a:fillRef idx="1">
+              <a:schemeClr val="accent1"/>
+            </a:fillRef>
+            <a:effectRef idx="0">
+              <a:schemeClr val="accent1"/>
+            </a:effectRef>
+            <a:fontRef idx="minor">
+              <a:schemeClr val="lt1"/>
+            </a:fontRef>
+          </p:style>
+          <p:txBody>
+            <a:bodyPr rtlCol="0" anchor="ctr"/>
+            <a:lstStyle/>
+            <a:p>
+              <a:pPr algn="ctr"/>
+              <a:r>
+                <a:rPr lang="it-IT" sz="1200" dirty="0">
+                  <a:solidFill>
+                    <a:schemeClr val="tx1"/>
+                  </a:solidFill>
+                  <a:latin typeface="Century Schoolbook" panose="02040604050505020304" pitchFamily="18" charset="0"/>
+                </a:rPr>
+                <a:t>Park Manager Service</a:t>
+              </a:r>
+            </a:p>
+            <a:p>
+              <a:pPr algn="ctr"/>
+              <a:r>
+                <a:rPr lang="it-IT" sz="1100" i="1" dirty="0">
+                  <a:solidFill>
+                    <a:schemeClr val="tx1"/>
+                  </a:solidFill>
+                  <a:latin typeface="Century Schoolbook" panose="02040604050505020304" pitchFamily="18" charset="0"/>
+                </a:rPr>
+                <a:t>(business logic)</a:t>
+              </a:r>
+              <a:endParaRPr lang="it-IT" sz="1400" i="1" dirty="0">
+                <a:solidFill>
+                  <a:schemeClr val="tx1"/>
+                </a:solidFill>
+                <a:latin typeface="Century Schoolbook" panose="02040604050505020304" pitchFamily="18" charset="0"/>
+              </a:endParaRPr>
+            </a:p>
+          </p:txBody>
+        </p:sp>
+        <p:sp>
+          <p:nvSpPr>
+            <p:cNvPr id="6" name="Triangolo isoscele 5"/>
+            <p:cNvSpPr/>
+            <p:nvPr/>
+          </p:nvSpPr>
+          <p:spPr>
+            <a:xfrm rot="16200000">
+              <a:off x="1350190" y="5205064"/>
+              <a:ext cx="296478" cy="255585"/>
+            </a:xfrm>
+            <a:prstGeom prst="triangle">
+              <a:avLst/>
+            </a:prstGeom>
+            <a:solidFill>
+              <a:srgbClr val="FF0000"/>
+            </a:solidFill>
+            <a:ln w="12700">
+              <a:solidFill>
+                <a:schemeClr val="tx1"/>
+              </a:solidFill>
+            </a:ln>
+          </p:spPr>
+          <p:style>
+            <a:lnRef idx="2">
+              <a:schemeClr val="accent1">
+                <a:shade val="50000"/>
+              </a:schemeClr>
+            </a:lnRef>
+            <a:fillRef idx="1">
+              <a:schemeClr val="accent1"/>
+            </a:fillRef>
+            <a:effectRef idx="0">
+              <a:schemeClr val="accent1"/>
+            </a:effectRef>
+            <a:fontRef idx="minor">
+              <a:schemeClr val="lt1"/>
+            </a:fontRef>
+          </p:style>
+          <p:txBody>
+            <a:bodyPr rtlCol="0" anchor="ctr"/>
+            <a:lstStyle/>
+            <a:p>
+              <a:pPr algn="ctr"/>
+              <a:endParaRPr lang="it-IT"/>
+            </a:p>
+          </p:txBody>
+        </p:sp>
+        <p:sp>
+          <p:nvSpPr>
+            <p:cNvPr id="7" name="Rettangolo 6"/>
+            <p:cNvSpPr/>
+            <p:nvPr/>
+          </p:nvSpPr>
+          <p:spPr>
+            <a:xfrm>
+              <a:off x="402476" y="5739696"/>
+              <a:ext cx="530961" cy="252254"/>
+            </a:xfrm>
+            <a:prstGeom prst="rect">
+              <a:avLst/>
+            </a:prstGeom>
+            <a:solidFill>
+              <a:schemeClr val="accent2">
+                <a:lumMod val="20000"/>
+                <a:lumOff val="80000"/>
+              </a:schemeClr>
+            </a:solidFill>
+            <a:ln w="12700">
+              <a:solidFill>
+                <a:schemeClr val="tx1"/>
+              </a:solidFill>
+            </a:ln>
+          </p:spPr>
+          <p:style>
+            <a:lnRef idx="2">
+              <a:schemeClr val="accent1">
+                <a:shade val="50000"/>
+              </a:schemeClr>
+            </a:lnRef>
+            <a:fillRef idx="1">
+              <a:schemeClr val="accent1"/>
+            </a:fillRef>
+            <a:effectRef idx="0">
+              <a:schemeClr val="accent1"/>
+            </a:effectRef>
+            <a:fontRef idx="minor">
+              <a:schemeClr val="lt1"/>
+            </a:fontRef>
+          </p:style>
+          <p:txBody>
+            <a:bodyPr rtlCol="0" anchor="ctr"/>
+            <a:lstStyle/>
+            <a:p>
+              <a:pPr algn="ctr"/>
+              <a:endParaRPr lang="it-IT"/>
+            </a:p>
+          </p:txBody>
+        </p:sp>
+      </p:grpSp>
+      <p:grpSp>
+        <p:nvGrpSpPr>
+          <p:cNvPr id="8" name="Gruppo 7"/>
+          <p:cNvGrpSpPr/>
+          <p:nvPr/>
+        </p:nvGrpSpPr>
+        <p:grpSpPr>
+          <a:xfrm>
+            <a:off x="2241133" y="1345835"/>
+            <a:ext cx="1926426" cy="1214172"/>
+            <a:chOff x="402476" y="5184618"/>
+            <a:chExt cx="1926426" cy="1214172"/>
+          </a:xfrm>
+        </p:grpSpPr>
+        <p:sp>
+          <p:nvSpPr>
+            <p:cNvPr id="9" name="Ovale 8"/>
             <p:cNvSpPr/>
             <p:nvPr/>
           </p:nvSpPr>
@@ -15067,197 +15258,6 @@
         </p:sp>
         <p:sp>
           <p:nvSpPr>
-            <p:cNvPr id="6" name="Triangolo isoscele 5"/>
-            <p:cNvSpPr/>
-            <p:nvPr/>
-          </p:nvSpPr>
-          <p:spPr>
-            <a:xfrm rot="16200000">
-              <a:off x="1350190" y="5205064"/>
-              <a:ext cx="296478" cy="255585"/>
-            </a:xfrm>
-            <a:prstGeom prst="triangle">
-              <a:avLst/>
-            </a:prstGeom>
-            <a:solidFill>
-              <a:srgbClr val="FF0000"/>
-            </a:solidFill>
-            <a:ln w="12700">
-              <a:solidFill>
-                <a:schemeClr val="tx1"/>
-              </a:solidFill>
-            </a:ln>
-          </p:spPr>
-          <p:style>
-            <a:lnRef idx="2">
-              <a:schemeClr val="accent1">
-                <a:shade val="50000"/>
-              </a:schemeClr>
-            </a:lnRef>
-            <a:fillRef idx="1">
-              <a:schemeClr val="accent1"/>
-            </a:fillRef>
-            <a:effectRef idx="0">
-              <a:schemeClr val="accent1"/>
-            </a:effectRef>
-            <a:fontRef idx="minor">
-              <a:schemeClr val="lt1"/>
-            </a:fontRef>
-          </p:style>
-          <p:txBody>
-            <a:bodyPr rtlCol="0" anchor="ctr"/>
-            <a:lstStyle/>
-            <a:p>
-              <a:pPr algn="ctr"/>
-              <a:endParaRPr lang="it-IT"/>
-            </a:p>
-          </p:txBody>
-        </p:sp>
-        <p:sp>
-          <p:nvSpPr>
-            <p:cNvPr id="7" name="Rettangolo 6"/>
-            <p:cNvSpPr/>
-            <p:nvPr/>
-          </p:nvSpPr>
-          <p:spPr>
-            <a:xfrm>
-              <a:off x="402476" y="5739696"/>
-              <a:ext cx="530961" cy="252254"/>
-            </a:xfrm>
-            <a:prstGeom prst="rect">
-              <a:avLst/>
-            </a:prstGeom>
-            <a:solidFill>
-              <a:schemeClr val="accent2">
-                <a:lumMod val="20000"/>
-                <a:lumOff val="80000"/>
-              </a:schemeClr>
-            </a:solidFill>
-            <a:ln w="12700">
-              <a:solidFill>
-                <a:schemeClr val="tx1"/>
-              </a:solidFill>
-            </a:ln>
-          </p:spPr>
-          <p:style>
-            <a:lnRef idx="2">
-              <a:schemeClr val="accent1">
-                <a:shade val="50000"/>
-              </a:schemeClr>
-            </a:lnRef>
-            <a:fillRef idx="1">
-              <a:schemeClr val="accent1"/>
-            </a:fillRef>
-            <a:effectRef idx="0">
-              <a:schemeClr val="accent1"/>
-            </a:effectRef>
-            <a:fontRef idx="minor">
-              <a:schemeClr val="lt1"/>
-            </a:fontRef>
-          </p:style>
-          <p:txBody>
-            <a:bodyPr rtlCol="0" anchor="ctr"/>
-            <a:lstStyle/>
-            <a:p>
-              <a:pPr algn="ctr"/>
-              <a:endParaRPr lang="it-IT"/>
-            </a:p>
-          </p:txBody>
-        </p:sp>
-      </p:grpSp>
-      <p:grpSp>
-        <p:nvGrpSpPr>
-          <p:cNvPr id="8" name="Gruppo 7"/>
-          <p:cNvGrpSpPr/>
-          <p:nvPr/>
-        </p:nvGrpSpPr>
-        <p:grpSpPr>
-          <a:xfrm>
-            <a:off x="2241133" y="1345835"/>
-            <a:ext cx="1926426" cy="1214172"/>
-            <a:chOff x="402476" y="5184618"/>
-            <a:chExt cx="1926426" cy="1214172"/>
-          </a:xfrm>
-        </p:grpSpPr>
-        <p:sp>
-          <p:nvSpPr>
-            <p:cNvPr id="9" name="Ovale 8"/>
-            <p:cNvSpPr/>
-            <p:nvPr/>
-          </p:nvSpPr>
-          <p:spPr>
-            <a:xfrm>
-              <a:off x="667957" y="5332857"/>
-              <a:ext cx="1660945" cy="1065933"/>
-            </a:xfrm>
-            <a:prstGeom prst="ellipse">
-              <a:avLst/>
-            </a:prstGeom>
-            <a:solidFill>
-              <a:schemeClr val="accent2">
-                <a:lumMod val="20000"/>
-                <a:lumOff val="80000"/>
-              </a:schemeClr>
-            </a:solidFill>
-            <a:ln w="12700">
-              <a:solidFill>
-                <a:schemeClr val="tx1"/>
-              </a:solidFill>
-            </a:ln>
-          </p:spPr>
-          <p:style>
-            <a:lnRef idx="2">
-              <a:schemeClr val="accent1">
-                <a:shade val="50000"/>
-              </a:schemeClr>
-            </a:lnRef>
-            <a:fillRef idx="1">
-              <a:schemeClr val="accent1"/>
-            </a:fillRef>
-            <a:effectRef idx="0">
-              <a:schemeClr val="accent1"/>
-            </a:effectRef>
-            <a:fontRef idx="minor">
-              <a:schemeClr val="lt1"/>
-            </a:fontRef>
-          </p:style>
-          <p:txBody>
-            <a:bodyPr rtlCol="0" anchor="ctr"/>
-            <a:lstStyle/>
-            <a:p>
-              <a:pPr algn="ctr"/>
-              <a:r>
-                <a:rPr lang="it-IT" sz="1200" dirty="0">
-                  <a:solidFill>
-                    <a:schemeClr val="tx1"/>
-                  </a:solidFill>
-                  <a:latin typeface="Century Schoolbook" panose="02040604050505020304" pitchFamily="18" charset="0"/>
-                </a:rPr>
-                <a:t>Park Service Status GUI Actor</a:t>
-              </a:r>
-            </a:p>
-            <a:p>
-              <a:pPr lvl="0" algn="ctr"/>
-              <a:r>
-                <a:rPr lang="it-IT" sz="1100" i="1" dirty="0">
-                  <a:solidFill>
-                    <a:prstClr val="black"/>
-                  </a:solidFill>
-                  <a:latin typeface="Century Schoolbook" panose="02040604050505020304" pitchFamily="18" charset="0"/>
-                </a:rPr>
-                <a:t>(manager’s)</a:t>
-              </a:r>
-              <a:endParaRPr lang="it-IT" sz="1400" i="1" dirty="0">
-                <a:solidFill>
-                  <a:prstClr val="black"/>
-                </a:solidFill>
-                <a:latin typeface="Century Schoolbook" panose="02040604050505020304" pitchFamily="18" charset="0"/>
-              </a:endParaRPr>
-            </a:p>
-          </p:txBody>
-        </p:sp>
-        <p:sp>
-          <p:nvSpPr>
             <p:cNvPr id="10" name="Triangolo isoscele 9"/>
             <p:cNvSpPr/>
             <p:nvPr/>
@@ -15429,7 +15429,7 @@
         </p:nvGrpSpPr>
         <p:grpSpPr>
           <a:xfrm>
-            <a:off x="8052412" y="3459470"/>
+            <a:off x="8699398" y="3459470"/>
             <a:ext cx="1660945" cy="1214172"/>
             <a:chOff x="7744200" y="2907063"/>
             <a:chExt cx="1660945" cy="1214172"/>
@@ -15575,7 +15575,7 @@
         </p:nvSpPr>
         <p:spPr>
           <a:xfrm>
-            <a:off x="8052413" y="1520966"/>
+            <a:off x="8699399" y="1520966"/>
             <a:ext cx="1660945" cy="1065933"/>
           </a:xfrm>
           <a:prstGeom prst="ellipse">
@@ -15656,7 +15656,7 @@
         <p:spPr>
           <a:xfrm flipH="1" flipV="1">
             <a:off x="4167559" y="2027041"/>
-            <a:ext cx="3884854" cy="26892"/>
+            <a:ext cx="4531840" cy="26892"/>
           </a:xfrm>
           <a:prstGeom prst="straightConnector1">
             <a:avLst/>
@@ -15696,7 +15696,7 @@
         </p:nvCxnSpPr>
         <p:spPr>
           <a:xfrm flipV="1">
-            <a:off x="8882885" y="2586899"/>
+            <a:off x="9529871" y="2586899"/>
             <a:ext cx="1" cy="946690"/>
           </a:xfrm>
           <a:prstGeom prst="straightConnector1">
@@ -15733,7 +15733,7 @@
         </p:nvSpPr>
         <p:spPr>
           <a:xfrm>
-            <a:off x="5364723" y="3433306"/>
+            <a:off x="6166977" y="3433306"/>
             <a:ext cx="2009062" cy="471580"/>
           </a:xfrm>
           <a:prstGeom prst="roundRect">
@@ -15798,7 +15798,7 @@
         </p:nvSpPr>
         <p:spPr>
           <a:xfrm>
-            <a:off x="5364723" y="3911854"/>
+            <a:off x="6166977" y="3911854"/>
             <a:ext cx="2009062" cy="471580"/>
           </a:xfrm>
           <a:prstGeom prst="roundRect">
@@ -15884,8 +15884,8 @@
         </p:nvCxnSpPr>
         <p:spPr>
           <a:xfrm flipH="1">
-            <a:off x="7373785" y="4140676"/>
-            <a:ext cx="678627" cy="6968"/>
+            <a:off x="8176039" y="4140676"/>
+            <a:ext cx="523359" cy="6968"/>
           </a:xfrm>
           <a:prstGeom prst="straightConnector1">
             <a:avLst/>
@@ -15925,7 +15925,7 @@
         <p:spPr>
           <a:xfrm flipH="1">
             <a:off x="4167559" y="3669096"/>
-            <a:ext cx="1197164" cy="9127"/>
+            <a:ext cx="1999418" cy="9127"/>
           </a:xfrm>
           <a:prstGeom prst="straightConnector1">
             <a:avLst/>
@@ -15935,6 +15935,220 @@
               <a:schemeClr val="tx1"/>
             </a:solidFill>
             <a:prstDash val="sysDash"/>
+            <a:headEnd type="none" w="med" len="med"/>
+            <a:tailEnd type="arrow" w="med" len="med"/>
+          </a:ln>
+        </p:spPr>
+        <p:style>
+          <a:lnRef idx="1">
+            <a:schemeClr val="accent1"/>
+          </a:lnRef>
+          <a:fillRef idx="0">
+            <a:schemeClr val="accent1"/>
+          </a:fillRef>
+          <a:effectRef idx="0">
+            <a:schemeClr val="accent1"/>
+          </a:effectRef>
+          <a:fontRef idx="minor">
+            <a:schemeClr val="tx1"/>
+          </a:fontRef>
+        </p:style>
+      </p:cxnSp>
+      <p:sp>
+        <p:nvSpPr>
+          <p:cNvPr id="23" name="CasellaDiTesto 22"/>
+          <p:cNvSpPr txBox="1"/>
+          <p:nvPr/>
+        </p:nvSpPr>
+        <p:spPr>
+          <a:xfrm>
+            <a:off x="4860344" y="2926306"/>
+            <a:ext cx="1340432" cy="738664"/>
+          </a:xfrm>
+          <a:prstGeom prst="rect">
+            <a:avLst/>
+          </a:prstGeom>
+          <a:noFill/>
+        </p:spPr>
+        <p:txBody>
+          <a:bodyPr wrap="none" rtlCol="0">
+            <a:spAutoFit/>
+          </a:bodyPr>
+          <a:lstStyle/>
+          <a:p>
+            <a:r>
+              <a:rPr lang="it-IT" sz="1400" dirty="0" smtClean="0">
+                <a:solidFill>
+                  <a:schemeClr val="bg2">
+                    <a:lumMod val="25000"/>
+                  </a:schemeClr>
+                </a:solidFill>
+                <a:latin typeface="Bookman Old Style" panose="02050604050505020204" pitchFamily="18" charset="0"/>
+              </a:rPr>
+              <a:t>enterRequest</a:t>
+            </a:r>
+          </a:p>
+          <a:p>
+            <a:r>
+              <a:rPr lang="it-IT" sz="1400" dirty="0" smtClean="0">
+                <a:solidFill>
+                  <a:schemeClr val="bg2">
+                    <a:lumMod val="25000"/>
+                  </a:schemeClr>
+                </a:solidFill>
+                <a:latin typeface="Bookman Old Style" panose="02050604050505020204" pitchFamily="18" charset="0"/>
+              </a:rPr>
+              <a:t>carEnter</a:t>
+            </a:r>
+          </a:p>
+          <a:p>
+            <a:r>
+              <a:rPr lang="it-IT" sz="1400" dirty="0" smtClean="0">
+                <a:solidFill>
+                  <a:schemeClr val="bg2">
+                    <a:lumMod val="25000"/>
+                  </a:schemeClr>
+                </a:solidFill>
+                <a:latin typeface="Bookman Old Style" panose="02050604050505020204" pitchFamily="18" charset="0"/>
+              </a:rPr>
+              <a:t>exitRequest</a:t>
+            </a:r>
+            <a:endParaRPr lang="it-IT" sz="1400" dirty="0">
+              <a:solidFill>
+                <a:schemeClr val="bg2">
+                  <a:lumMod val="25000"/>
+                </a:schemeClr>
+              </a:solidFill>
+              <a:latin typeface="Bookman Old Style" panose="02050604050505020204" pitchFamily="18" charset="0"/>
+            </a:endParaRPr>
+          </a:p>
+        </p:txBody>
+      </p:sp>
+      <p:cxnSp>
+        <p:nvCxnSpPr>
+          <p:cNvPr id="24" name="Connettore 2 23"/>
+          <p:cNvCxnSpPr/>
+          <p:nvPr/>
+        </p:nvCxnSpPr>
+        <p:spPr>
+          <a:xfrm>
+            <a:off x="6704165" y="1281409"/>
+            <a:ext cx="524722" cy="0"/>
+          </a:xfrm>
+          <a:prstGeom prst="straightConnector1">
+            <a:avLst/>
+          </a:prstGeom>
+          <a:ln w="19050">
+            <a:solidFill>
+              <a:schemeClr val="tx1"/>
+            </a:solidFill>
+            <a:headEnd type="none" w="med" len="med"/>
+            <a:tailEnd type="arrow" w="med" len="med"/>
+          </a:ln>
+        </p:spPr>
+        <p:style>
+          <a:lnRef idx="1">
+            <a:schemeClr val="accent1"/>
+          </a:lnRef>
+          <a:fillRef idx="0">
+            <a:schemeClr val="accent1"/>
+          </a:fillRef>
+          <a:effectRef idx="0">
+            <a:schemeClr val="accent1"/>
+          </a:effectRef>
+          <a:fontRef idx="minor">
+            <a:schemeClr val="tx1"/>
+          </a:fontRef>
+        </p:style>
+      </p:cxnSp>
+      <p:sp>
+        <p:nvSpPr>
+          <p:cNvPr id="26" name="CasellaDiTesto 25"/>
+          <p:cNvSpPr txBox="1"/>
+          <p:nvPr/>
+        </p:nvSpPr>
+        <p:spPr>
+          <a:xfrm>
+            <a:off x="6511113" y="1281409"/>
+            <a:ext cx="910827" cy="738664"/>
+          </a:xfrm>
+          <a:prstGeom prst="rect">
+            <a:avLst/>
+          </a:prstGeom>
+          <a:noFill/>
+        </p:spPr>
+        <p:txBody>
+          <a:bodyPr wrap="none" rtlCol="0">
+            <a:spAutoFit/>
+          </a:bodyPr>
+          <a:lstStyle/>
+          <a:p>
+            <a:r>
+              <a:rPr lang="it-IT" sz="1400" dirty="0" smtClean="0">
+                <a:solidFill>
+                  <a:schemeClr val="bg2">
+                    <a:lumMod val="25000"/>
+                  </a:schemeClr>
+                </a:solidFill>
+                <a:latin typeface="Bookman Old Style" panose="02050604050505020204" pitchFamily="18" charset="0"/>
+              </a:rPr>
+              <a:t>slotnum</a:t>
+            </a:r>
+          </a:p>
+          <a:p>
+            <a:r>
+              <a:rPr lang="it-IT" sz="1400" dirty="0" smtClean="0">
+                <a:solidFill>
+                  <a:schemeClr val="bg2">
+                    <a:lumMod val="25000"/>
+                  </a:schemeClr>
+                </a:solidFill>
+                <a:latin typeface="Bookman Old Style" panose="02050604050505020204" pitchFamily="18" charset="0"/>
+              </a:rPr>
+              <a:t>tokenid</a:t>
+            </a:r>
+          </a:p>
+          <a:p>
+            <a:r>
+              <a:rPr lang="it-IT" sz="1400" dirty="0" smtClean="0">
+                <a:solidFill>
+                  <a:schemeClr val="bg2">
+                    <a:lumMod val="25000"/>
+                  </a:schemeClr>
+                </a:solidFill>
+                <a:latin typeface="Bookman Old Style" panose="02050604050505020204" pitchFamily="18" charset="0"/>
+              </a:rPr>
+              <a:t>notice</a:t>
+            </a:r>
+            <a:endParaRPr lang="it-IT" sz="1400" dirty="0">
+              <a:solidFill>
+                <a:schemeClr val="bg2">
+                  <a:lumMod val="25000"/>
+                </a:schemeClr>
+              </a:solidFill>
+              <a:latin typeface="Bookman Old Style" panose="02050604050505020204" pitchFamily="18" charset="0"/>
+            </a:endParaRPr>
+          </a:p>
+        </p:txBody>
+      </p:sp>
+      <p:cxnSp>
+        <p:nvCxnSpPr>
+          <p:cNvPr id="29" name="Connettore 2 28"/>
+          <p:cNvCxnSpPr/>
+          <p:nvPr/>
+        </p:nvCxnSpPr>
+        <p:spPr>
+          <a:xfrm flipH="1">
+            <a:off x="5167268" y="2903270"/>
+            <a:ext cx="524722" cy="0"/>
+          </a:xfrm>
+          <a:prstGeom prst="straightConnector1">
+            <a:avLst/>
+          </a:prstGeom>
+          <a:ln w="19050">
+            <a:solidFill>
+              <a:schemeClr val="tx1"/>
+            </a:solidFill>
             <a:headEnd type="none" w="med" len="med"/>
             <a:tailEnd type="arrow" w="med" len="med"/>
           </a:ln>

--- a/userDocs/img/final_task_schema.pptx
+++ b/userDocs/img/final_task_schema.pptx
@@ -13,6 +13,7 @@
     <p:sldId id="270" r:id="rId7"/>
     <p:sldId id="277" r:id="rId8"/>
     <p:sldId id="278" r:id="rId9"/>
+    <p:sldId id="279" r:id="rId10"/>
   </p:sldIdLst>
   <p:sldSz cx="12192000" cy="6858000"/>
   <p:notesSz cx="6858000" cy="9144000"/>
@@ -248,7 +249,7 @@
           <a:p>
             <a:fld id="{B54D5996-1787-4713-9AAF-D983FFC67929}" type="datetimeFigureOut">
               <a:rPr lang="it-IT" smtClean="0"/>
-              <a:t>28/07/2021</a:t>
+              <a:t>30/07/2021</a:t>
             </a:fld>
             <a:endParaRPr lang="it-IT"/>
           </a:p>
@@ -416,7 +417,7 @@
           <a:p>
             <a:fld id="{B54D5996-1787-4713-9AAF-D983FFC67929}" type="datetimeFigureOut">
               <a:rPr lang="it-IT" smtClean="0"/>
-              <a:t>28/07/2021</a:t>
+              <a:t>30/07/2021</a:t>
             </a:fld>
             <a:endParaRPr lang="it-IT"/>
           </a:p>
@@ -594,7 +595,7 @@
           <a:p>
             <a:fld id="{B54D5996-1787-4713-9AAF-D983FFC67929}" type="datetimeFigureOut">
               <a:rPr lang="it-IT" smtClean="0"/>
-              <a:t>28/07/2021</a:t>
+              <a:t>30/07/2021</a:t>
             </a:fld>
             <a:endParaRPr lang="it-IT"/>
           </a:p>
@@ -762,7 +763,7 @@
           <a:p>
             <a:fld id="{B54D5996-1787-4713-9AAF-D983FFC67929}" type="datetimeFigureOut">
               <a:rPr lang="it-IT" smtClean="0"/>
-              <a:t>28/07/2021</a:t>
+              <a:t>30/07/2021</a:t>
             </a:fld>
             <a:endParaRPr lang="it-IT"/>
           </a:p>
@@ -1007,7 +1008,7 @@
           <a:p>
             <a:fld id="{B54D5996-1787-4713-9AAF-D983FFC67929}" type="datetimeFigureOut">
               <a:rPr lang="it-IT" smtClean="0"/>
-              <a:t>28/07/2021</a:t>
+              <a:t>30/07/2021</a:t>
             </a:fld>
             <a:endParaRPr lang="it-IT"/>
           </a:p>
@@ -1236,7 +1237,7 @@
           <a:p>
             <a:fld id="{B54D5996-1787-4713-9AAF-D983FFC67929}" type="datetimeFigureOut">
               <a:rPr lang="it-IT" smtClean="0"/>
-              <a:t>28/07/2021</a:t>
+              <a:t>30/07/2021</a:t>
             </a:fld>
             <a:endParaRPr lang="it-IT"/>
           </a:p>
@@ -1600,7 +1601,7 @@
           <a:p>
             <a:fld id="{B54D5996-1787-4713-9AAF-D983FFC67929}" type="datetimeFigureOut">
               <a:rPr lang="it-IT" smtClean="0"/>
-              <a:t>28/07/2021</a:t>
+              <a:t>30/07/2021</a:t>
             </a:fld>
             <a:endParaRPr lang="it-IT"/>
           </a:p>
@@ -1717,7 +1718,7 @@
           <a:p>
             <a:fld id="{B54D5996-1787-4713-9AAF-D983FFC67929}" type="datetimeFigureOut">
               <a:rPr lang="it-IT" smtClean="0"/>
-              <a:t>28/07/2021</a:t>
+              <a:t>30/07/2021</a:t>
             </a:fld>
             <a:endParaRPr lang="it-IT"/>
           </a:p>
@@ -1812,7 +1813,7 @@
           <a:p>
             <a:fld id="{B54D5996-1787-4713-9AAF-D983FFC67929}" type="datetimeFigureOut">
               <a:rPr lang="it-IT" smtClean="0"/>
-              <a:t>28/07/2021</a:t>
+              <a:t>30/07/2021</a:t>
             </a:fld>
             <a:endParaRPr lang="it-IT"/>
           </a:p>
@@ -2087,7 +2088,7 @@
           <a:p>
             <a:fld id="{B54D5996-1787-4713-9AAF-D983FFC67929}" type="datetimeFigureOut">
               <a:rPr lang="it-IT" smtClean="0"/>
-              <a:t>28/07/2021</a:t>
+              <a:t>30/07/2021</a:t>
             </a:fld>
             <a:endParaRPr lang="it-IT"/>
           </a:p>
@@ -2339,7 +2340,7 @@
           <a:p>
             <a:fld id="{B54D5996-1787-4713-9AAF-D983FFC67929}" type="datetimeFigureOut">
               <a:rPr lang="it-IT" smtClean="0"/>
-              <a:t>28/07/2021</a:t>
+              <a:t>30/07/2021</a:t>
             </a:fld>
             <a:endParaRPr lang="it-IT"/>
           </a:p>
@@ -2550,7 +2551,7 @@
           <a:p>
             <a:fld id="{B54D5996-1787-4713-9AAF-D983FFC67929}" type="datetimeFigureOut">
               <a:rPr lang="it-IT" smtClean="0"/>
-              <a:t>28/07/2021</a:t>
+              <a:t>30/07/2021</a:t>
             </a:fld>
             <a:endParaRPr lang="it-IT"/>
           </a:p>
@@ -16181,6 +16182,1405 @@
 </p:sld>
 </file>
 
+<file path=ppt/slides/slide9.xml><?xml version="1.0" encoding="utf-8"?>
+<p:sld xmlns:a="http://schemas.openxmlformats.org/drawingml/2006/main" xmlns:r="http://schemas.openxmlformats.org/officeDocument/2006/relationships" xmlns:p="http://schemas.openxmlformats.org/presentationml/2006/main">
+  <p:cSld>
+    <p:spTree>
+      <p:nvGrpSpPr>
+        <p:cNvPr id="1" name=""/>
+        <p:cNvGrpSpPr/>
+        <p:nvPr/>
+      </p:nvGrpSpPr>
+      <p:grpSpPr>
+        <a:xfrm>
+          <a:off x="0" y="0"/>
+          <a:ext cx="0" cy="0"/>
+          <a:chOff x="0" y="0"/>
+          <a:chExt cx="0" cy="0"/>
+        </a:xfrm>
+      </p:grpSpPr>
+      <p:grpSp>
+        <p:nvGrpSpPr>
+          <p:cNvPr id="27" name="Gruppo 26"/>
+          <p:cNvGrpSpPr/>
+          <p:nvPr/>
+        </p:nvGrpSpPr>
+        <p:grpSpPr>
+          <a:xfrm>
+            <a:off x="1427008" y="3414623"/>
+            <a:ext cx="1926426" cy="1214172"/>
+            <a:chOff x="402476" y="3280190"/>
+            <a:chExt cx="1926426" cy="1214172"/>
+          </a:xfrm>
+        </p:grpSpPr>
+        <p:sp>
+          <p:nvSpPr>
+            <p:cNvPr id="28" name="Ovale 27"/>
+            <p:cNvSpPr/>
+            <p:nvPr/>
+          </p:nvSpPr>
+          <p:spPr>
+            <a:xfrm>
+              <a:off x="667957" y="3428429"/>
+              <a:ext cx="1660945" cy="1065933"/>
+            </a:xfrm>
+            <a:prstGeom prst="ellipse">
+              <a:avLst/>
+            </a:prstGeom>
+            <a:solidFill>
+              <a:schemeClr val="accent2">
+                <a:lumMod val="20000"/>
+                <a:lumOff val="80000"/>
+              </a:schemeClr>
+            </a:solidFill>
+            <a:ln w="12700">
+              <a:solidFill>
+                <a:schemeClr val="tx1"/>
+              </a:solidFill>
+            </a:ln>
+          </p:spPr>
+          <p:style>
+            <a:lnRef idx="2">
+              <a:schemeClr val="accent1">
+                <a:shade val="50000"/>
+              </a:schemeClr>
+            </a:lnRef>
+            <a:fillRef idx="1">
+              <a:schemeClr val="accent1"/>
+            </a:fillRef>
+            <a:effectRef idx="0">
+              <a:schemeClr val="accent1"/>
+            </a:effectRef>
+            <a:fontRef idx="minor">
+              <a:schemeClr val="lt1"/>
+            </a:fontRef>
+          </p:style>
+          <p:txBody>
+            <a:bodyPr rtlCol="0" anchor="ctr"/>
+            <a:lstStyle/>
+            <a:p>
+              <a:pPr algn="ctr"/>
+              <a:r>
+                <a:rPr lang="it-IT" sz="1200" dirty="0" smtClean="0">
+                  <a:solidFill>
+                    <a:schemeClr val="tx1"/>
+                  </a:solidFill>
+                  <a:latin typeface="Century Schoolbook" panose="02040604050505020304" pitchFamily="18" charset="0"/>
+                </a:rPr>
+                <a:t>Sonar</a:t>
+              </a:r>
+              <a:endParaRPr lang="it-IT" sz="1200" dirty="0">
+                <a:solidFill>
+                  <a:schemeClr val="tx1"/>
+                </a:solidFill>
+                <a:latin typeface="Century Schoolbook" panose="02040604050505020304" pitchFamily="18" charset="0"/>
+              </a:endParaRPr>
+            </a:p>
+            <a:p>
+              <a:pPr algn="ctr"/>
+              <a:r>
+                <a:rPr lang="it-IT" sz="1200" dirty="0" smtClean="0">
+                  <a:solidFill>
+                    <a:schemeClr val="tx1"/>
+                  </a:solidFill>
+                  <a:latin typeface="Century Schoolbook" panose="02040604050505020304" pitchFamily="18" charset="0"/>
+                </a:rPr>
+                <a:t>Actor</a:t>
+              </a:r>
+              <a:endParaRPr lang="it-IT" sz="1200" dirty="0">
+                <a:solidFill>
+                  <a:schemeClr val="tx1"/>
+                </a:solidFill>
+                <a:latin typeface="Century Schoolbook" panose="02040604050505020304" pitchFamily="18" charset="0"/>
+              </a:endParaRPr>
+            </a:p>
+          </p:txBody>
+        </p:sp>
+        <p:sp>
+          <p:nvSpPr>
+            <p:cNvPr id="29" name="Triangolo isoscele 28"/>
+            <p:cNvSpPr/>
+            <p:nvPr/>
+          </p:nvSpPr>
+          <p:spPr>
+            <a:xfrm rot="16200000">
+              <a:off x="1350190" y="3300636"/>
+              <a:ext cx="296478" cy="255585"/>
+            </a:xfrm>
+            <a:prstGeom prst="triangle">
+              <a:avLst/>
+            </a:prstGeom>
+            <a:solidFill>
+              <a:srgbClr val="FF0000"/>
+            </a:solidFill>
+            <a:ln w="12700">
+              <a:solidFill>
+                <a:schemeClr val="tx1"/>
+              </a:solidFill>
+            </a:ln>
+          </p:spPr>
+          <p:style>
+            <a:lnRef idx="2">
+              <a:schemeClr val="accent1">
+                <a:shade val="50000"/>
+              </a:schemeClr>
+            </a:lnRef>
+            <a:fillRef idx="1">
+              <a:schemeClr val="accent1"/>
+            </a:fillRef>
+            <a:effectRef idx="0">
+              <a:schemeClr val="accent1"/>
+            </a:effectRef>
+            <a:fontRef idx="minor">
+              <a:schemeClr val="lt1"/>
+            </a:fontRef>
+          </p:style>
+          <p:txBody>
+            <a:bodyPr rtlCol="0" anchor="ctr"/>
+            <a:lstStyle/>
+            <a:p>
+              <a:pPr algn="ctr"/>
+              <a:endParaRPr lang="it-IT"/>
+            </a:p>
+          </p:txBody>
+        </p:sp>
+        <p:sp>
+          <p:nvSpPr>
+            <p:cNvPr id="30" name="Rettangolo 29"/>
+            <p:cNvSpPr/>
+            <p:nvPr/>
+          </p:nvSpPr>
+          <p:spPr>
+            <a:xfrm>
+              <a:off x="402476" y="3835268"/>
+              <a:ext cx="530961" cy="252254"/>
+            </a:xfrm>
+            <a:prstGeom prst="rect">
+              <a:avLst/>
+            </a:prstGeom>
+            <a:solidFill>
+              <a:schemeClr val="accent2">
+                <a:lumMod val="20000"/>
+                <a:lumOff val="80000"/>
+              </a:schemeClr>
+            </a:solidFill>
+            <a:ln w="12700">
+              <a:solidFill>
+                <a:schemeClr val="tx1"/>
+              </a:solidFill>
+            </a:ln>
+          </p:spPr>
+          <p:style>
+            <a:lnRef idx="2">
+              <a:schemeClr val="accent1">
+                <a:shade val="50000"/>
+              </a:schemeClr>
+            </a:lnRef>
+            <a:fillRef idx="1">
+              <a:schemeClr val="accent1"/>
+            </a:fillRef>
+            <a:effectRef idx="0">
+              <a:schemeClr val="accent1"/>
+            </a:effectRef>
+            <a:fontRef idx="minor">
+              <a:schemeClr val="lt1"/>
+            </a:fontRef>
+          </p:style>
+          <p:txBody>
+            <a:bodyPr rtlCol="0" anchor="ctr"/>
+            <a:lstStyle/>
+            <a:p>
+              <a:pPr algn="ctr"/>
+              <a:endParaRPr lang="it-IT"/>
+            </a:p>
+          </p:txBody>
+        </p:sp>
+      </p:grpSp>
+      <p:grpSp>
+        <p:nvGrpSpPr>
+          <p:cNvPr id="31" name="Gruppo 30"/>
+          <p:cNvGrpSpPr/>
+          <p:nvPr/>
+        </p:nvGrpSpPr>
+        <p:grpSpPr>
+          <a:xfrm>
+            <a:off x="1377629" y="2143647"/>
+            <a:ext cx="1926426" cy="1214172"/>
+            <a:chOff x="402476" y="309828"/>
+            <a:chExt cx="1926426" cy="1214172"/>
+          </a:xfrm>
+        </p:grpSpPr>
+        <p:sp>
+          <p:nvSpPr>
+            <p:cNvPr id="32" name="Ovale 31"/>
+            <p:cNvSpPr/>
+            <p:nvPr/>
+          </p:nvSpPr>
+          <p:spPr>
+            <a:xfrm>
+              <a:off x="667957" y="458067"/>
+              <a:ext cx="1660945" cy="1065933"/>
+            </a:xfrm>
+            <a:prstGeom prst="ellipse">
+              <a:avLst/>
+            </a:prstGeom>
+            <a:solidFill>
+              <a:schemeClr val="accent2">
+                <a:lumMod val="20000"/>
+                <a:lumOff val="80000"/>
+              </a:schemeClr>
+            </a:solidFill>
+            <a:ln w="12700">
+              <a:solidFill>
+                <a:schemeClr val="tx1"/>
+              </a:solidFill>
+            </a:ln>
+          </p:spPr>
+          <p:style>
+            <a:lnRef idx="2">
+              <a:schemeClr val="accent1">
+                <a:shade val="50000"/>
+              </a:schemeClr>
+            </a:lnRef>
+            <a:fillRef idx="1">
+              <a:schemeClr val="accent1"/>
+            </a:fillRef>
+            <a:effectRef idx="0">
+              <a:schemeClr val="accent1"/>
+            </a:effectRef>
+            <a:fontRef idx="minor">
+              <a:schemeClr val="lt1"/>
+            </a:fontRef>
+          </p:style>
+          <p:txBody>
+            <a:bodyPr rtlCol="0" anchor="ctr"/>
+            <a:lstStyle/>
+            <a:p>
+              <a:pPr algn="ctr"/>
+              <a:r>
+                <a:rPr lang="it-IT" sz="1200" dirty="0" smtClean="0">
+                  <a:solidFill>
+                    <a:schemeClr val="tx1"/>
+                  </a:solidFill>
+                  <a:latin typeface="Century Schoolbook" panose="02040604050505020304" pitchFamily="18" charset="0"/>
+                </a:rPr>
+                <a:t>Weight</a:t>
+              </a:r>
+              <a:endParaRPr lang="it-IT" sz="1200" dirty="0">
+                <a:solidFill>
+                  <a:schemeClr val="tx1"/>
+                </a:solidFill>
+                <a:latin typeface="Century Schoolbook" panose="02040604050505020304" pitchFamily="18" charset="0"/>
+              </a:endParaRPr>
+            </a:p>
+            <a:p>
+              <a:pPr algn="ctr"/>
+              <a:r>
+                <a:rPr lang="it-IT" sz="1200" dirty="0" smtClean="0">
+                  <a:solidFill>
+                    <a:schemeClr val="tx1"/>
+                  </a:solidFill>
+                  <a:latin typeface="Century Schoolbook" panose="02040604050505020304" pitchFamily="18" charset="0"/>
+                </a:rPr>
+                <a:t>Actor</a:t>
+              </a:r>
+              <a:endParaRPr lang="it-IT" sz="1200" dirty="0">
+                <a:solidFill>
+                  <a:schemeClr val="tx1"/>
+                </a:solidFill>
+                <a:latin typeface="Century Schoolbook" panose="02040604050505020304" pitchFamily="18" charset="0"/>
+              </a:endParaRPr>
+            </a:p>
+          </p:txBody>
+        </p:sp>
+        <p:sp>
+          <p:nvSpPr>
+            <p:cNvPr id="33" name="Triangolo isoscele 32"/>
+            <p:cNvSpPr/>
+            <p:nvPr/>
+          </p:nvSpPr>
+          <p:spPr>
+            <a:xfrm rot="16200000">
+              <a:off x="1350190" y="330274"/>
+              <a:ext cx="296478" cy="255585"/>
+            </a:xfrm>
+            <a:prstGeom prst="triangle">
+              <a:avLst/>
+            </a:prstGeom>
+            <a:solidFill>
+              <a:srgbClr val="FF0000"/>
+            </a:solidFill>
+            <a:ln w="12700">
+              <a:solidFill>
+                <a:schemeClr val="tx1"/>
+              </a:solidFill>
+            </a:ln>
+          </p:spPr>
+          <p:style>
+            <a:lnRef idx="2">
+              <a:schemeClr val="accent1">
+                <a:shade val="50000"/>
+              </a:schemeClr>
+            </a:lnRef>
+            <a:fillRef idx="1">
+              <a:schemeClr val="accent1"/>
+            </a:fillRef>
+            <a:effectRef idx="0">
+              <a:schemeClr val="accent1"/>
+            </a:effectRef>
+            <a:fontRef idx="minor">
+              <a:schemeClr val="lt1"/>
+            </a:fontRef>
+          </p:style>
+          <p:txBody>
+            <a:bodyPr rtlCol="0" anchor="ctr"/>
+            <a:lstStyle/>
+            <a:p>
+              <a:pPr algn="ctr"/>
+              <a:endParaRPr lang="it-IT"/>
+            </a:p>
+          </p:txBody>
+        </p:sp>
+        <p:sp>
+          <p:nvSpPr>
+            <p:cNvPr id="34" name="Rettangolo 33"/>
+            <p:cNvSpPr/>
+            <p:nvPr/>
+          </p:nvSpPr>
+          <p:spPr>
+            <a:xfrm>
+              <a:off x="402476" y="864906"/>
+              <a:ext cx="530961" cy="252254"/>
+            </a:xfrm>
+            <a:prstGeom prst="rect">
+              <a:avLst/>
+            </a:prstGeom>
+            <a:solidFill>
+              <a:schemeClr val="accent2">
+                <a:lumMod val="20000"/>
+                <a:lumOff val="80000"/>
+              </a:schemeClr>
+            </a:solidFill>
+            <a:ln w="12700">
+              <a:solidFill>
+                <a:schemeClr val="tx1"/>
+              </a:solidFill>
+            </a:ln>
+          </p:spPr>
+          <p:style>
+            <a:lnRef idx="2">
+              <a:schemeClr val="accent1">
+                <a:shade val="50000"/>
+              </a:schemeClr>
+            </a:lnRef>
+            <a:fillRef idx="1">
+              <a:schemeClr val="accent1"/>
+            </a:fillRef>
+            <a:effectRef idx="0">
+              <a:schemeClr val="accent1"/>
+            </a:effectRef>
+            <a:fontRef idx="minor">
+              <a:schemeClr val="lt1"/>
+            </a:fontRef>
+          </p:style>
+          <p:txBody>
+            <a:bodyPr rtlCol="0" anchor="ctr"/>
+            <a:lstStyle/>
+            <a:p>
+              <a:pPr algn="ctr"/>
+              <a:endParaRPr lang="it-IT"/>
+            </a:p>
+          </p:txBody>
+        </p:sp>
+      </p:grpSp>
+      <p:grpSp>
+        <p:nvGrpSpPr>
+          <p:cNvPr id="35" name="Gruppo 34"/>
+          <p:cNvGrpSpPr/>
+          <p:nvPr/>
+        </p:nvGrpSpPr>
+        <p:grpSpPr>
+          <a:xfrm>
+            <a:off x="4664438" y="2705067"/>
+            <a:ext cx="1926426" cy="1214172"/>
+            <a:chOff x="402476" y="5184618"/>
+            <a:chExt cx="1926426" cy="1214172"/>
+          </a:xfrm>
+        </p:grpSpPr>
+        <p:sp>
+          <p:nvSpPr>
+            <p:cNvPr id="36" name="Ovale 35"/>
+            <p:cNvSpPr/>
+            <p:nvPr/>
+          </p:nvSpPr>
+          <p:spPr>
+            <a:xfrm>
+              <a:off x="667957" y="5332857"/>
+              <a:ext cx="1660945" cy="1065933"/>
+            </a:xfrm>
+            <a:prstGeom prst="ellipse">
+              <a:avLst/>
+            </a:prstGeom>
+            <a:solidFill>
+              <a:schemeClr val="accent2">
+                <a:lumMod val="20000"/>
+                <a:lumOff val="80000"/>
+              </a:schemeClr>
+            </a:solidFill>
+            <a:ln w="12700">
+              <a:solidFill>
+                <a:schemeClr val="tx1"/>
+              </a:solidFill>
+            </a:ln>
+          </p:spPr>
+          <p:style>
+            <a:lnRef idx="2">
+              <a:schemeClr val="accent1">
+                <a:shade val="50000"/>
+              </a:schemeClr>
+            </a:lnRef>
+            <a:fillRef idx="1">
+              <a:schemeClr val="accent1"/>
+            </a:fillRef>
+            <a:effectRef idx="0">
+              <a:schemeClr val="accent1"/>
+            </a:effectRef>
+            <a:fontRef idx="minor">
+              <a:schemeClr val="lt1"/>
+            </a:fontRef>
+          </p:style>
+          <p:txBody>
+            <a:bodyPr rtlCol="0" anchor="ctr"/>
+            <a:lstStyle/>
+            <a:p>
+              <a:pPr algn="ctr"/>
+              <a:r>
+                <a:rPr lang="it-IT" sz="1200" dirty="0" smtClean="0">
+                  <a:solidFill>
+                    <a:schemeClr val="tx1"/>
+                  </a:solidFill>
+                  <a:latin typeface="Century Schoolbook" panose="02040604050505020304" pitchFamily="18" charset="0"/>
+                </a:rPr>
+                <a:t>Sensors Broker Actor</a:t>
+              </a:r>
+              <a:endParaRPr lang="it-IT" sz="1400" i="1" dirty="0">
+                <a:solidFill>
+                  <a:schemeClr val="tx1"/>
+                </a:solidFill>
+                <a:latin typeface="Century Schoolbook" panose="02040604050505020304" pitchFamily="18" charset="0"/>
+              </a:endParaRPr>
+            </a:p>
+          </p:txBody>
+        </p:sp>
+        <p:sp>
+          <p:nvSpPr>
+            <p:cNvPr id="37" name="Triangolo isoscele 36"/>
+            <p:cNvSpPr/>
+            <p:nvPr/>
+          </p:nvSpPr>
+          <p:spPr>
+            <a:xfrm rot="16200000">
+              <a:off x="1350190" y="5205064"/>
+              <a:ext cx="296478" cy="255585"/>
+            </a:xfrm>
+            <a:prstGeom prst="triangle">
+              <a:avLst/>
+            </a:prstGeom>
+            <a:solidFill>
+              <a:srgbClr val="FF0000"/>
+            </a:solidFill>
+            <a:ln w="12700">
+              <a:solidFill>
+                <a:schemeClr val="tx1"/>
+              </a:solidFill>
+            </a:ln>
+          </p:spPr>
+          <p:style>
+            <a:lnRef idx="2">
+              <a:schemeClr val="accent1">
+                <a:shade val="50000"/>
+              </a:schemeClr>
+            </a:lnRef>
+            <a:fillRef idx="1">
+              <a:schemeClr val="accent1"/>
+            </a:fillRef>
+            <a:effectRef idx="0">
+              <a:schemeClr val="accent1"/>
+            </a:effectRef>
+            <a:fontRef idx="minor">
+              <a:schemeClr val="lt1"/>
+            </a:fontRef>
+          </p:style>
+          <p:txBody>
+            <a:bodyPr rtlCol="0" anchor="ctr"/>
+            <a:lstStyle/>
+            <a:p>
+              <a:pPr algn="ctr"/>
+              <a:endParaRPr lang="it-IT"/>
+            </a:p>
+          </p:txBody>
+        </p:sp>
+        <p:sp>
+          <p:nvSpPr>
+            <p:cNvPr id="38" name="Rettangolo 37"/>
+            <p:cNvSpPr/>
+            <p:nvPr/>
+          </p:nvSpPr>
+          <p:spPr>
+            <a:xfrm>
+              <a:off x="402476" y="5739696"/>
+              <a:ext cx="530961" cy="252254"/>
+            </a:xfrm>
+            <a:prstGeom prst="rect">
+              <a:avLst/>
+            </a:prstGeom>
+            <a:solidFill>
+              <a:schemeClr val="accent2">
+                <a:lumMod val="20000"/>
+                <a:lumOff val="80000"/>
+              </a:schemeClr>
+            </a:solidFill>
+            <a:ln w="12700">
+              <a:solidFill>
+                <a:schemeClr val="tx1"/>
+              </a:solidFill>
+            </a:ln>
+          </p:spPr>
+          <p:style>
+            <a:lnRef idx="2">
+              <a:schemeClr val="accent1">
+                <a:shade val="50000"/>
+              </a:schemeClr>
+            </a:lnRef>
+            <a:fillRef idx="1">
+              <a:schemeClr val="accent1"/>
+            </a:fillRef>
+            <a:effectRef idx="0">
+              <a:schemeClr val="accent1"/>
+            </a:effectRef>
+            <a:fontRef idx="minor">
+              <a:schemeClr val="lt1"/>
+            </a:fontRef>
+          </p:style>
+          <p:txBody>
+            <a:bodyPr rtlCol="0" anchor="ctr"/>
+            <a:lstStyle/>
+            <a:p>
+              <a:pPr algn="ctr"/>
+              <a:endParaRPr lang="it-IT"/>
+            </a:p>
+          </p:txBody>
+        </p:sp>
+      </p:grpSp>
+      <p:sp>
+        <p:nvSpPr>
+          <p:cNvPr id="39" name="Figura a mano libera 38"/>
+          <p:cNvSpPr/>
+          <p:nvPr/>
+        </p:nvSpPr>
+        <p:spPr>
+          <a:xfrm>
+            <a:off x="3488946" y="2534138"/>
+            <a:ext cx="990600" cy="638334"/>
+          </a:xfrm>
+          <a:custGeom>
+            <a:avLst/>
+            <a:gdLst>
+              <a:gd name="connsiteX0" fmla="*/ 0 w 990600"/>
+              <a:gd name="connsiteY0" fmla="*/ 439954 h 638334"/>
+              <a:gd name="connsiteX1" fmla="*/ 314325 w 990600"/>
+              <a:gd name="connsiteY1" fmla="*/ 439954 h 638334"/>
+              <a:gd name="connsiteX2" fmla="*/ 390525 w 990600"/>
+              <a:gd name="connsiteY2" fmla="*/ 1804 h 638334"/>
+              <a:gd name="connsiteX3" fmla="*/ 571500 w 990600"/>
+              <a:gd name="connsiteY3" fmla="*/ 630454 h 638334"/>
+              <a:gd name="connsiteX4" fmla="*/ 685800 w 990600"/>
+              <a:gd name="connsiteY4" fmla="*/ 354229 h 638334"/>
+              <a:gd name="connsiteX5" fmla="*/ 990600 w 990600"/>
+              <a:gd name="connsiteY5" fmla="*/ 344704 h 638334"/>
+            </a:gdLst>
+            <a:ahLst/>
+            <a:cxnLst>
+              <a:cxn ang="0">
+                <a:pos x="connsiteX0" y="connsiteY0"/>
+              </a:cxn>
+              <a:cxn ang="0">
+                <a:pos x="connsiteX1" y="connsiteY1"/>
+              </a:cxn>
+              <a:cxn ang="0">
+                <a:pos x="connsiteX2" y="connsiteY2"/>
+              </a:cxn>
+              <a:cxn ang="0">
+                <a:pos x="connsiteX3" y="connsiteY3"/>
+              </a:cxn>
+              <a:cxn ang="0">
+                <a:pos x="connsiteX4" y="connsiteY4"/>
+              </a:cxn>
+              <a:cxn ang="0">
+                <a:pos x="connsiteX5" y="connsiteY5"/>
+              </a:cxn>
+            </a:cxnLst>
+            <a:rect l="l" t="t" r="r" b="b"/>
+            <a:pathLst>
+              <a:path w="990600" h="638334">
+                <a:moveTo>
+                  <a:pt x="0" y="439954"/>
+                </a:moveTo>
+                <a:cubicBezTo>
+                  <a:pt x="124619" y="476466"/>
+                  <a:pt x="249238" y="512979"/>
+                  <a:pt x="314325" y="439954"/>
+                </a:cubicBezTo>
+                <a:cubicBezTo>
+                  <a:pt x="379412" y="366929"/>
+                  <a:pt x="347663" y="-29946"/>
+                  <a:pt x="390525" y="1804"/>
+                </a:cubicBezTo>
+                <a:cubicBezTo>
+                  <a:pt x="433387" y="33554"/>
+                  <a:pt x="522288" y="571717"/>
+                  <a:pt x="571500" y="630454"/>
+                </a:cubicBezTo>
+                <a:cubicBezTo>
+                  <a:pt x="620713" y="689192"/>
+                  <a:pt x="615950" y="401854"/>
+                  <a:pt x="685800" y="354229"/>
+                </a:cubicBezTo>
+                <a:cubicBezTo>
+                  <a:pt x="755650" y="306604"/>
+                  <a:pt x="873125" y="325654"/>
+                  <a:pt x="990600" y="344704"/>
+                </a:cubicBezTo>
+              </a:path>
+            </a:pathLst>
+          </a:custGeom>
+          <a:noFill/>
+          <a:ln w="15875">
+            <a:solidFill>
+              <a:schemeClr val="tx1"/>
+            </a:solidFill>
+            <a:tailEnd type="arrow"/>
+          </a:ln>
+        </p:spPr>
+        <p:style>
+          <a:lnRef idx="2">
+            <a:schemeClr val="accent1">
+              <a:shade val="50000"/>
+            </a:schemeClr>
+          </a:lnRef>
+          <a:fillRef idx="1">
+            <a:schemeClr val="accent1"/>
+          </a:fillRef>
+          <a:effectRef idx="0">
+            <a:schemeClr val="accent1"/>
+          </a:effectRef>
+          <a:fontRef idx="minor">
+            <a:schemeClr val="lt1"/>
+          </a:fontRef>
+        </p:style>
+        <p:txBody>
+          <a:bodyPr rtlCol="0" anchor="ctr"/>
+          <a:lstStyle/>
+          <a:p>
+            <a:pPr algn="ctr"/>
+            <a:endParaRPr lang="it-IT"/>
+          </a:p>
+        </p:txBody>
+      </p:sp>
+      <p:sp>
+        <p:nvSpPr>
+          <p:cNvPr id="40" name="Figura a mano libera 39"/>
+          <p:cNvSpPr/>
+          <p:nvPr/>
+        </p:nvSpPr>
+        <p:spPr>
+          <a:xfrm>
+            <a:off x="3592258" y="3471048"/>
+            <a:ext cx="990600" cy="638334"/>
+          </a:xfrm>
+          <a:custGeom>
+            <a:avLst/>
+            <a:gdLst>
+              <a:gd name="connsiteX0" fmla="*/ 0 w 990600"/>
+              <a:gd name="connsiteY0" fmla="*/ 439954 h 638334"/>
+              <a:gd name="connsiteX1" fmla="*/ 314325 w 990600"/>
+              <a:gd name="connsiteY1" fmla="*/ 439954 h 638334"/>
+              <a:gd name="connsiteX2" fmla="*/ 390525 w 990600"/>
+              <a:gd name="connsiteY2" fmla="*/ 1804 h 638334"/>
+              <a:gd name="connsiteX3" fmla="*/ 571500 w 990600"/>
+              <a:gd name="connsiteY3" fmla="*/ 630454 h 638334"/>
+              <a:gd name="connsiteX4" fmla="*/ 685800 w 990600"/>
+              <a:gd name="connsiteY4" fmla="*/ 354229 h 638334"/>
+              <a:gd name="connsiteX5" fmla="*/ 990600 w 990600"/>
+              <a:gd name="connsiteY5" fmla="*/ 344704 h 638334"/>
+            </a:gdLst>
+            <a:ahLst/>
+            <a:cxnLst>
+              <a:cxn ang="0">
+                <a:pos x="connsiteX0" y="connsiteY0"/>
+              </a:cxn>
+              <a:cxn ang="0">
+                <a:pos x="connsiteX1" y="connsiteY1"/>
+              </a:cxn>
+              <a:cxn ang="0">
+                <a:pos x="connsiteX2" y="connsiteY2"/>
+              </a:cxn>
+              <a:cxn ang="0">
+                <a:pos x="connsiteX3" y="connsiteY3"/>
+              </a:cxn>
+              <a:cxn ang="0">
+                <a:pos x="connsiteX4" y="connsiteY4"/>
+              </a:cxn>
+              <a:cxn ang="0">
+                <a:pos x="connsiteX5" y="connsiteY5"/>
+              </a:cxn>
+            </a:cxnLst>
+            <a:rect l="l" t="t" r="r" b="b"/>
+            <a:pathLst>
+              <a:path w="990600" h="638334">
+                <a:moveTo>
+                  <a:pt x="0" y="439954"/>
+                </a:moveTo>
+                <a:cubicBezTo>
+                  <a:pt x="124619" y="476466"/>
+                  <a:pt x="249238" y="512979"/>
+                  <a:pt x="314325" y="439954"/>
+                </a:cubicBezTo>
+                <a:cubicBezTo>
+                  <a:pt x="379412" y="366929"/>
+                  <a:pt x="347663" y="-29946"/>
+                  <a:pt x="390525" y="1804"/>
+                </a:cubicBezTo>
+                <a:cubicBezTo>
+                  <a:pt x="433387" y="33554"/>
+                  <a:pt x="522288" y="571717"/>
+                  <a:pt x="571500" y="630454"/>
+                </a:cubicBezTo>
+                <a:cubicBezTo>
+                  <a:pt x="620713" y="689192"/>
+                  <a:pt x="615950" y="401854"/>
+                  <a:pt x="685800" y="354229"/>
+                </a:cubicBezTo>
+                <a:cubicBezTo>
+                  <a:pt x="755650" y="306604"/>
+                  <a:pt x="873125" y="325654"/>
+                  <a:pt x="990600" y="344704"/>
+                </a:cubicBezTo>
+              </a:path>
+            </a:pathLst>
+          </a:custGeom>
+          <a:noFill/>
+          <a:ln w="15875">
+            <a:solidFill>
+              <a:schemeClr val="tx1"/>
+            </a:solidFill>
+            <a:tailEnd type="arrow"/>
+          </a:ln>
+        </p:spPr>
+        <p:style>
+          <a:lnRef idx="2">
+            <a:schemeClr val="accent1">
+              <a:shade val="50000"/>
+            </a:schemeClr>
+          </a:lnRef>
+          <a:fillRef idx="1">
+            <a:schemeClr val="accent1"/>
+          </a:fillRef>
+          <a:effectRef idx="0">
+            <a:schemeClr val="accent1"/>
+          </a:effectRef>
+          <a:fontRef idx="minor">
+            <a:schemeClr val="lt1"/>
+          </a:fontRef>
+        </p:style>
+        <p:txBody>
+          <a:bodyPr rtlCol="0" anchor="ctr"/>
+          <a:lstStyle/>
+          <a:p>
+            <a:pPr algn="ctr"/>
+            <a:endParaRPr lang="it-IT"/>
+          </a:p>
+        </p:txBody>
+      </p:sp>
+      <p:sp>
+        <p:nvSpPr>
+          <p:cNvPr id="41" name="CasellaDiTesto 40"/>
+          <p:cNvSpPr txBox="1"/>
+          <p:nvPr/>
+        </p:nvSpPr>
+        <p:spPr>
+          <a:xfrm>
+            <a:off x="3318885" y="2052726"/>
+            <a:ext cx="1375698" cy="461665"/>
+          </a:xfrm>
+          <a:prstGeom prst="rect">
+            <a:avLst/>
+          </a:prstGeom>
+          <a:noFill/>
+        </p:spPr>
+        <p:txBody>
+          <a:bodyPr wrap="none" rtlCol="0">
+            <a:spAutoFit/>
+          </a:bodyPr>
+          <a:lstStyle/>
+          <a:p>
+            <a:r>
+              <a:rPr lang="it-IT" sz="1200" dirty="0" smtClean="0">
+                <a:solidFill>
+                  <a:schemeClr val="accent1">
+                    <a:lumMod val="75000"/>
+                  </a:schemeClr>
+                </a:solidFill>
+                <a:latin typeface="Bookman Old Style" panose="02050604050505020204" pitchFamily="18" charset="0"/>
+              </a:rPr>
+              <a:t>indoorOccupied</a:t>
+            </a:r>
+            <a:endParaRPr lang="it-IT" sz="1200" dirty="0" smtClean="0">
+              <a:solidFill>
+                <a:schemeClr val="accent1">
+                  <a:lumMod val="75000"/>
+                </a:schemeClr>
+              </a:solidFill>
+              <a:latin typeface="Bookman Old Style" panose="02050604050505020204" pitchFamily="18" charset="0"/>
+            </a:endParaRPr>
+          </a:p>
+          <a:p>
+            <a:r>
+              <a:rPr lang="it-IT" sz="1200" dirty="0" smtClean="0">
+                <a:solidFill>
+                  <a:schemeClr val="accent1">
+                    <a:lumMod val="75000"/>
+                  </a:schemeClr>
+                </a:solidFill>
+                <a:latin typeface="Bookman Old Style" panose="02050604050505020204" pitchFamily="18" charset="0"/>
+              </a:rPr>
+              <a:t>indoorCleared</a:t>
+            </a:r>
+            <a:endParaRPr lang="it-IT" sz="1200" dirty="0">
+              <a:solidFill>
+                <a:schemeClr val="accent1">
+                  <a:lumMod val="75000"/>
+                </a:schemeClr>
+              </a:solidFill>
+              <a:latin typeface="Bookman Old Style" panose="02050604050505020204" pitchFamily="18" charset="0"/>
+            </a:endParaRPr>
+          </a:p>
+        </p:txBody>
+      </p:sp>
+      <p:sp>
+        <p:nvSpPr>
+          <p:cNvPr id="42" name="CasellaDiTesto 41"/>
+          <p:cNvSpPr txBox="1"/>
+          <p:nvPr/>
+        </p:nvSpPr>
+        <p:spPr>
+          <a:xfrm>
+            <a:off x="3453232" y="4109382"/>
+            <a:ext cx="1476686" cy="461665"/>
+          </a:xfrm>
+          <a:prstGeom prst="rect">
+            <a:avLst/>
+          </a:prstGeom>
+          <a:noFill/>
+        </p:spPr>
+        <p:txBody>
+          <a:bodyPr wrap="none" rtlCol="0">
+            <a:spAutoFit/>
+          </a:bodyPr>
+          <a:lstStyle/>
+          <a:p>
+            <a:r>
+              <a:rPr lang="it-IT" sz="1200" dirty="0" smtClean="0">
+                <a:solidFill>
+                  <a:schemeClr val="accent1">
+                    <a:lumMod val="75000"/>
+                  </a:schemeClr>
+                </a:solidFill>
+                <a:latin typeface="Bookman Old Style" panose="02050604050505020204" pitchFamily="18" charset="0"/>
+              </a:rPr>
+              <a:t>outdoorOccupied</a:t>
+            </a:r>
+            <a:endParaRPr lang="it-IT" sz="1200" dirty="0">
+              <a:solidFill>
+                <a:schemeClr val="accent1">
+                  <a:lumMod val="75000"/>
+                </a:schemeClr>
+              </a:solidFill>
+              <a:latin typeface="Bookman Old Style" panose="02050604050505020204" pitchFamily="18" charset="0"/>
+            </a:endParaRPr>
+          </a:p>
+          <a:p>
+            <a:r>
+              <a:rPr lang="it-IT" sz="1200" dirty="0" smtClean="0">
+                <a:solidFill>
+                  <a:schemeClr val="accent1">
+                    <a:lumMod val="75000"/>
+                  </a:schemeClr>
+                </a:solidFill>
+                <a:latin typeface="Bookman Old Style" panose="02050604050505020204" pitchFamily="18" charset="0"/>
+              </a:rPr>
+              <a:t>outdoorCleared</a:t>
+            </a:r>
+            <a:endParaRPr lang="it-IT" sz="1200" dirty="0">
+              <a:solidFill>
+                <a:schemeClr val="accent1">
+                  <a:lumMod val="75000"/>
+                </a:schemeClr>
+              </a:solidFill>
+              <a:latin typeface="Bookman Old Style" panose="02050604050505020204" pitchFamily="18" charset="0"/>
+            </a:endParaRPr>
+          </a:p>
+        </p:txBody>
+      </p:sp>
+      <p:grpSp>
+        <p:nvGrpSpPr>
+          <p:cNvPr id="43" name="Gruppo 42"/>
+          <p:cNvGrpSpPr/>
+          <p:nvPr/>
+        </p:nvGrpSpPr>
+        <p:grpSpPr>
+          <a:xfrm>
+            <a:off x="8852683" y="2698725"/>
+            <a:ext cx="1926426" cy="1214172"/>
+            <a:chOff x="402476" y="5184618"/>
+            <a:chExt cx="1926426" cy="1214172"/>
+          </a:xfrm>
+        </p:grpSpPr>
+        <p:sp>
+          <p:nvSpPr>
+            <p:cNvPr id="44" name="Ovale 43"/>
+            <p:cNvSpPr/>
+            <p:nvPr/>
+          </p:nvSpPr>
+          <p:spPr>
+            <a:xfrm>
+              <a:off x="667957" y="5332857"/>
+              <a:ext cx="1660945" cy="1065933"/>
+            </a:xfrm>
+            <a:prstGeom prst="ellipse">
+              <a:avLst/>
+            </a:prstGeom>
+            <a:solidFill>
+              <a:schemeClr val="accent2">
+                <a:lumMod val="20000"/>
+                <a:lumOff val="80000"/>
+              </a:schemeClr>
+            </a:solidFill>
+            <a:ln w="12700">
+              <a:solidFill>
+                <a:schemeClr val="tx1"/>
+              </a:solidFill>
+            </a:ln>
+          </p:spPr>
+          <p:style>
+            <a:lnRef idx="2">
+              <a:schemeClr val="accent1">
+                <a:shade val="50000"/>
+              </a:schemeClr>
+            </a:lnRef>
+            <a:fillRef idx="1">
+              <a:schemeClr val="accent1"/>
+            </a:fillRef>
+            <a:effectRef idx="0">
+              <a:schemeClr val="accent1"/>
+            </a:effectRef>
+            <a:fontRef idx="minor">
+              <a:schemeClr val="lt1"/>
+            </a:fontRef>
+          </p:style>
+          <p:txBody>
+            <a:bodyPr rtlCol="0" anchor="ctr"/>
+            <a:lstStyle/>
+            <a:p>
+              <a:pPr algn="ctr"/>
+              <a:r>
+                <a:rPr lang="it-IT" sz="1200" dirty="0" smtClean="0">
+                  <a:solidFill>
+                    <a:schemeClr val="tx1"/>
+                  </a:solidFill>
+                  <a:latin typeface="Century Schoolbook" panose="02040604050505020304" pitchFamily="18" charset="0"/>
+                </a:rPr>
+                <a:t>Park Manager Service</a:t>
+              </a:r>
+            </a:p>
+            <a:p>
+              <a:pPr algn="ctr"/>
+              <a:r>
+                <a:rPr lang="it-IT" sz="1100" i="1" dirty="0" smtClean="0">
+                  <a:solidFill>
+                    <a:schemeClr val="tx1"/>
+                  </a:solidFill>
+                  <a:latin typeface="Century Schoolbook" panose="02040604050505020304" pitchFamily="18" charset="0"/>
+                </a:rPr>
+                <a:t>(business logic)</a:t>
+              </a:r>
+              <a:endParaRPr lang="it-IT" sz="1400" i="1" dirty="0">
+                <a:solidFill>
+                  <a:schemeClr val="tx1"/>
+                </a:solidFill>
+                <a:latin typeface="Century Schoolbook" panose="02040604050505020304" pitchFamily="18" charset="0"/>
+              </a:endParaRPr>
+            </a:p>
+          </p:txBody>
+        </p:sp>
+        <p:sp>
+          <p:nvSpPr>
+            <p:cNvPr id="45" name="Triangolo isoscele 44"/>
+            <p:cNvSpPr/>
+            <p:nvPr/>
+          </p:nvSpPr>
+          <p:spPr>
+            <a:xfrm rot="16200000">
+              <a:off x="1350190" y="5205064"/>
+              <a:ext cx="296478" cy="255585"/>
+            </a:xfrm>
+            <a:prstGeom prst="triangle">
+              <a:avLst/>
+            </a:prstGeom>
+            <a:solidFill>
+              <a:srgbClr val="FF0000"/>
+            </a:solidFill>
+            <a:ln w="12700">
+              <a:solidFill>
+                <a:schemeClr val="tx1"/>
+              </a:solidFill>
+            </a:ln>
+          </p:spPr>
+          <p:style>
+            <a:lnRef idx="2">
+              <a:schemeClr val="accent1">
+                <a:shade val="50000"/>
+              </a:schemeClr>
+            </a:lnRef>
+            <a:fillRef idx="1">
+              <a:schemeClr val="accent1"/>
+            </a:fillRef>
+            <a:effectRef idx="0">
+              <a:schemeClr val="accent1"/>
+            </a:effectRef>
+            <a:fontRef idx="minor">
+              <a:schemeClr val="lt1"/>
+            </a:fontRef>
+          </p:style>
+          <p:txBody>
+            <a:bodyPr rtlCol="0" anchor="ctr"/>
+            <a:lstStyle/>
+            <a:p>
+              <a:pPr algn="ctr"/>
+              <a:endParaRPr lang="it-IT"/>
+            </a:p>
+          </p:txBody>
+        </p:sp>
+        <p:sp>
+          <p:nvSpPr>
+            <p:cNvPr id="46" name="Rettangolo 45"/>
+            <p:cNvSpPr/>
+            <p:nvPr/>
+          </p:nvSpPr>
+          <p:spPr>
+            <a:xfrm>
+              <a:off x="402476" y="5739696"/>
+              <a:ext cx="530961" cy="252254"/>
+            </a:xfrm>
+            <a:prstGeom prst="rect">
+              <a:avLst/>
+            </a:prstGeom>
+            <a:solidFill>
+              <a:schemeClr val="accent2">
+                <a:lumMod val="20000"/>
+                <a:lumOff val="80000"/>
+              </a:schemeClr>
+            </a:solidFill>
+            <a:ln w="12700">
+              <a:solidFill>
+                <a:schemeClr val="tx1"/>
+              </a:solidFill>
+            </a:ln>
+          </p:spPr>
+          <p:style>
+            <a:lnRef idx="2">
+              <a:schemeClr val="accent1">
+                <a:shade val="50000"/>
+              </a:schemeClr>
+            </a:lnRef>
+            <a:fillRef idx="1">
+              <a:schemeClr val="accent1"/>
+            </a:fillRef>
+            <a:effectRef idx="0">
+              <a:schemeClr val="accent1"/>
+            </a:effectRef>
+            <a:fontRef idx="minor">
+              <a:schemeClr val="lt1"/>
+            </a:fontRef>
+          </p:style>
+          <p:txBody>
+            <a:bodyPr rtlCol="0" anchor="ctr"/>
+            <a:lstStyle/>
+            <a:p>
+              <a:pPr algn="ctr"/>
+              <a:endParaRPr lang="it-IT"/>
+            </a:p>
+          </p:txBody>
+        </p:sp>
+      </p:grpSp>
+      <p:sp>
+        <p:nvSpPr>
+          <p:cNvPr id="47" name="CasellaDiTesto 46"/>
+          <p:cNvSpPr txBox="1"/>
+          <p:nvPr/>
+        </p:nvSpPr>
+        <p:spPr>
+          <a:xfrm>
+            <a:off x="6653079" y="2652329"/>
+            <a:ext cx="2071401" cy="461665"/>
+          </a:xfrm>
+          <a:prstGeom prst="rect">
+            <a:avLst/>
+          </a:prstGeom>
+          <a:noFill/>
+        </p:spPr>
+        <p:txBody>
+          <a:bodyPr wrap="none" rtlCol="0">
+            <a:spAutoFit/>
+          </a:bodyPr>
+          <a:lstStyle/>
+          <a:p>
+            <a:r>
+              <a:rPr lang="it-IT" sz="1200" dirty="0" smtClean="0">
+                <a:solidFill>
+                  <a:schemeClr val="accent1">
+                    <a:lumMod val="75000"/>
+                  </a:schemeClr>
+                </a:solidFill>
+                <a:latin typeface="Bookman Old Style" panose="02050604050505020204" pitchFamily="18" charset="0"/>
+              </a:rPr>
+              <a:t>indoorStatus( STATUS )</a:t>
+            </a:r>
+          </a:p>
+          <a:p>
+            <a:r>
+              <a:rPr lang="it-IT" sz="1200" dirty="0" smtClean="0">
+                <a:solidFill>
+                  <a:schemeClr val="accent1">
+                    <a:lumMod val="75000"/>
+                  </a:schemeClr>
+                </a:solidFill>
+                <a:latin typeface="Bookman Old Style" panose="02050604050505020204" pitchFamily="18" charset="0"/>
+              </a:rPr>
+              <a:t>outdoorStatus( STATUS )</a:t>
+            </a:r>
+            <a:endParaRPr lang="it-IT" sz="1200" dirty="0">
+              <a:solidFill>
+                <a:schemeClr val="accent1">
+                  <a:lumMod val="75000"/>
+                </a:schemeClr>
+              </a:solidFill>
+              <a:latin typeface="Bookman Old Style" panose="02050604050505020204" pitchFamily="18" charset="0"/>
+            </a:endParaRPr>
+          </a:p>
+        </p:txBody>
+      </p:sp>
+      <p:grpSp>
+        <p:nvGrpSpPr>
+          <p:cNvPr id="59" name="Gruppo 58"/>
+          <p:cNvGrpSpPr/>
+          <p:nvPr/>
+        </p:nvGrpSpPr>
+        <p:grpSpPr>
+          <a:xfrm>
+            <a:off x="6821715" y="3173790"/>
+            <a:ext cx="1800118" cy="342073"/>
+            <a:chOff x="6062590" y="2958130"/>
+            <a:chExt cx="1800118" cy="342073"/>
+          </a:xfrm>
+        </p:grpSpPr>
+        <p:cxnSp>
+          <p:nvCxnSpPr>
+            <p:cNvPr id="49" name="Connettore 2 48"/>
+            <p:cNvCxnSpPr/>
+            <p:nvPr/>
+          </p:nvCxnSpPr>
+          <p:spPr>
+            <a:xfrm flipH="1">
+              <a:off x="6185505" y="3029422"/>
+              <a:ext cx="1677203" cy="0"/>
+            </a:xfrm>
+            <a:prstGeom prst="straightConnector1">
+              <a:avLst/>
+            </a:prstGeom>
+            <a:ln w="19050">
+              <a:solidFill>
+                <a:schemeClr val="tx1"/>
+              </a:solidFill>
+              <a:headEnd type="none" w="med" len="med"/>
+              <a:tailEnd type="none" w="med" len="med"/>
+            </a:ln>
+          </p:spPr>
+          <p:style>
+            <a:lnRef idx="1">
+              <a:schemeClr val="accent1"/>
+            </a:lnRef>
+            <a:fillRef idx="0">
+              <a:schemeClr val="accent1"/>
+            </a:fillRef>
+            <a:effectRef idx="0">
+              <a:schemeClr val="accent1"/>
+            </a:effectRef>
+            <a:fontRef idx="minor">
+              <a:schemeClr val="tx1"/>
+            </a:fontRef>
+          </p:style>
+        </p:cxnSp>
+        <p:sp>
+          <p:nvSpPr>
+            <p:cNvPr id="50" name="Triangolo isoscele 49"/>
+            <p:cNvSpPr/>
+            <p:nvPr/>
+          </p:nvSpPr>
+          <p:spPr>
+            <a:xfrm rot="5400000" flipH="1" flipV="1">
+              <a:off x="6052756" y="2967964"/>
+              <a:ext cx="142583" cy="122916"/>
+            </a:xfrm>
+            <a:prstGeom prst="triangle">
+              <a:avLst/>
+            </a:prstGeom>
+            <a:solidFill>
+              <a:schemeClr val="bg1"/>
+            </a:solidFill>
+            <a:ln w="15875">
+              <a:solidFill>
+                <a:schemeClr val="tx1"/>
+              </a:solidFill>
+            </a:ln>
+          </p:spPr>
+          <p:style>
+            <a:lnRef idx="2">
+              <a:schemeClr val="accent1">
+                <a:shade val="50000"/>
+              </a:schemeClr>
+            </a:lnRef>
+            <a:fillRef idx="1">
+              <a:schemeClr val="accent1"/>
+            </a:fillRef>
+            <a:effectRef idx="0">
+              <a:schemeClr val="accent1"/>
+            </a:effectRef>
+            <a:fontRef idx="minor">
+              <a:schemeClr val="lt1"/>
+            </a:fontRef>
+          </p:style>
+          <p:txBody>
+            <a:bodyPr rtlCol="0" anchor="ctr"/>
+            <a:lstStyle/>
+            <a:p>
+              <a:pPr algn="ctr"/>
+              <a:endParaRPr lang="it-IT"/>
+            </a:p>
+          </p:txBody>
+        </p:sp>
+        <p:cxnSp>
+          <p:nvCxnSpPr>
+            <p:cNvPr id="51" name="Connettore 2 50"/>
+            <p:cNvCxnSpPr>
+              <a:stCxn id="52" idx="3"/>
+            </p:cNvCxnSpPr>
+            <p:nvPr/>
+          </p:nvCxnSpPr>
+          <p:spPr>
+            <a:xfrm flipH="1" flipV="1">
+              <a:off x="6062590" y="3228910"/>
+              <a:ext cx="1677202" cy="2"/>
+            </a:xfrm>
+            <a:prstGeom prst="straightConnector1">
+              <a:avLst/>
+            </a:prstGeom>
+            <a:ln w="19050">
+              <a:solidFill>
+                <a:schemeClr val="tx1"/>
+              </a:solidFill>
+              <a:prstDash val="sysDash"/>
+              <a:headEnd type="none" w="med" len="med"/>
+              <a:tailEnd type="none" w="med" len="med"/>
+            </a:ln>
+          </p:spPr>
+          <p:style>
+            <a:lnRef idx="1">
+              <a:schemeClr val="accent1"/>
+            </a:lnRef>
+            <a:fillRef idx="0">
+              <a:schemeClr val="accent1"/>
+            </a:fillRef>
+            <a:effectRef idx="0">
+              <a:schemeClr val="accent1"/>
+            </a:effectRef>
+            <a:fontRef idx="minor">
+              <a:schemeClr val="tx1"/>
+            </a:fontRef>
+          </p:style>
+        </p:cxnSp>
+        <p:sp>
+          <p:nvSpPr>
+            <p:cNvPr id="52" name="Triangolo isoscele 51"/>
+            <p:cNvSpPr/>
+            <p:nvPr/>
+          </p:nvSpPr>
+          <p:spPr>
+            <a:xfrm rot="16200000" flipV="1">
+              <a:off x="7729958" y="3167454"/>
+              <a:ext cx="142583" cy="122916"/>
+            </a:xfrm>
+            <a:prstGeom prst="triangle">
+              <a:avLst/>
+            </a:prstGeom>
+            <a:solidFill>
+              <a:schemeClr val="bg1"/>
+            </a:solidFill>
+            <a:ln w="15875">
+              <a:solidFill>
+                <a:schemeClr val="tx1"/>
+              </a:solidFill>
+            </a:ln>
+          </p:spPr>
+          <p:style>
+            <a:lnRef idx="2">
+              <a:schemeClr val="accent1">
+                <a:shade val="50000"/>
+              </a:schemeClr>
+            </a:lnRef>
+            <a:fillRef idx="1">
+              <a:schemeClr val="accent1"/>
+            </a:fillRef>
+            <a:effectRef idx="0">
+              <a:schemeClr val="accent1"/>
+            </a:effectRef>
+            <a:fontRef idx="minor">
+              <a:schemeClr val="lt1"/>
+            </a:fontRef>
+          </p:style>
+          <p:txBody>
+            <a:bodyPr rtlCol="0" anchor="ctr"/>
+            <a:lstStyle/>
+            <a:p>
+              <a:pPr algn="ctr"/>
+              <a:endParaRPr lang="it-IT"/>
+            </a:p>
+          </p:txBody>
+        </p:sp>
+      </p:grpSp>
+    </p:spTree>
+    <p:extLst>
+      <p:ext uri="{BB962C8B-B14F-4D97-AF65-F5344CB8AC3E}">
+        <p14:creationId xmlns:p14="http://schemas.microsoft.com/office/powerpoint/2010/main" val="617578794"/>
+      </p:ext>
+    </p:extLst>
+  </p:cSld>
+  <p:clrMapOvr>
+    <a:masterClrMapping/>
+  </p:clrMapOvr>
+</p:sld>
+</file>
+
 <file path=ppt/theme/theme1.xml><?xml version="1.0" encoding="utf-8"?>
 <a:theme xmlns:a="http://schemas.openxmlformats.org/drawingml/2006/main" name="Tema di Office">
   <a:themeElements>

--- a/userDocs/img/final_task_schema.pptx
+++ b/userDocs/img/final_task_schema.pptx
@@ -16,9 +16,12 @@
     <p:sldId id="269" r:id="rId10"/>
     <p:sldId id="271" r:id="rId11"/>
     <p:sldId id="270" r:id="rId12"/>
-    <p:sldId id="277" r:id="rId13"/>
-    <p:sldId id="278" r:id="rId14"/>
-    <p:sldId id="279" r:id="rId15"/>
+    <p:sldId id="278" r:id="rId13"/>
+    <p:sldId id="285" r:id="rId14"/>
+    <p:sldId id="277" r:id="rId15"/>
+    <p:sldId id="279" r:id="rId16"/>
+    <p:sldId id="286" r:id="rId17"/>
+    <p:sldId id="287" r:id="rId18"/>
   </p:sldIdLst>
   <p:sldSz cx="12192000" cy="6858000"/>
   <p:notesSz cx="6858000" cy="9144000"/>
@@ -7175,6 +7178,2842 @@
           <a:chExt cx="0" cy="0"/>
         </a:xfrm>
       </p:grpSpPr>
+      <p:sp>
+        <p:nvSpPr>
+          <p:cNvPr id="16" name="Rettangolo arrotondato 15"/>
+          <p:cNvSpPr/>
+          <p:nvPr/>
+        </p:nvSpPr>
+        <p:spPr>
+          <a:xfrm>
+            <a:off x="1631851" y="931220"/>
+            <a:ext cx="3152753" cy="3526479"/>
+          </a:xfrm>
+          <a:prstGeom prst="roundRect">
+            <a:avLst/>
+          </a:prstGeom>
+          <a:solidFill>
+            <a:schemeClr val="bg1">
+              <a:lumMod val="95000"/>
+            </a:schemeClr>
+          </a:solidFill>
+          <a:ln w="19050">
+            <a:solidFill>
+              <a:schemeClr val="tx1"/>
+            </a:solidFill>
+          </a:ln>
+        </p:spPr>
+        <p:style>
+          <a:lnRef idx="2">
+            <a:schemeClr val="accent1">
+              <a:shade val="50000"/>
+            </a:schemeClr>
+          </a:lnRef>
+          <a:fillRef idx="1">
+            <a:schemeClr val="accent1"/>
+          </a:fillRef>
+          <a:effectRef idx="0">
+            <a:schemeClr val="accent1"/>
+          </a:effectRef>
+          <a:fontRef idx="minor">
+            <a:schemeClr val="lt1"/>
+          </a:fontRef>
+        </p:style>
+        <p:txBody>
+          <a:bodyPr rtlCol="0" anchor="ctr"/>
+          <a:lstStyle/>
+          <a:p>
+            <a:pPr algn="ctr"/>
+            <a:endParaRPr lang="it-IT" sz="1400" dirty="0">
+              <a:solidFill>
+                <a:schemeClr val="tx1"/>
+              </a:solidFill>
+              <a:latin typeface="Century Schoolbook" panose="02040604050505020304" pitchFamily="18" charset="0"/>
+            </a:endParaRPr>
+          </a:p>
+        </p:txBody>
+      </p:sp>
+      <p:grpSp>
+        <p:nvGrpSpPr>
+          <p:cNvPr id="4" name="Gruppo 3"/>
+          <p:cNvGrpSpPr/>
+          <p:nvPr/>
+        </p:nvGrpSpPr>
+        <p:grpSpPr>
+          <a:xfrm>
+            <a:off x="2241133" y="2997017"/>
+            <a:ext cx="1926426" cy="1214172"/>
+            <a:chOff x="402476" y="5184618"/>
+            <a:chExt cx="1926426" cy="1214172"/>
+          </a:xfrm>
+        </p:grpSpPr>
+        <p:sp>
+          <p:nvSpPr>
+            <p:cNvPr id="5" name="Ovale 4"/>
+            <p:cNvSpPr/>
+            <p:nvPr/>
+          </p:nvSpPr>
+          <p:spPr>
+            <a:xfrm>
+              <a:off x="667957" y="5332857"/>
+              <a:ext cx="1660945" cy="1065933"/>
+            </a:xfrm>
+            <a:prstGeom prst="ellipse">
+              <a:avLst/>
+            </a:prstGeom>
+            <a:solidFill>
+              <a:schemeClr val="accent2">
+                <a:lumMod val="20000"/>
+                <a:lumOff val="80000"/>
+              </a:schemeClr>
+            </a:solidFill>
+            <a:ln w="12700">
+              <a:solidFill>
+                <a:schemeClr val="tx1"/>
+              </a:solidFill>
+            </a:ln>
+          </p:spPr>
+          <p:style>
+            <a:lnRef idx="2">
+              <a:schemeClr val="accent1">
+                <a:shade val="50000"/>
+              </a:schemeClr>
+            </a:lnRef>
+            <a:fillRef idx="1">
+              <a:schemeClr val="accent1"/>
+            </a:fillRef>
+            <a:effectRef idx="0">
+              <a:schemeClr val="accent1"/>
+            </a:effectRef>
+            <a:fontRef idx="minor">
+              <a:schemeClr val="lt1"/>
+            </a:fontRef>
+          </p:style>
+          <p:txBody>
+            <a:bodyPr rtlCol="0" anchor="ctr"/>
+            <a:lstStyle/>
+            <a:p>
+              <a:pPr algn="ctr"/>
+              <a:r>
+                <a:rPr lang="it-IT" sz="1200" dirty="0">
+                  <a:solidFill>
+                    <a:schemeClr val="tx1"/>
+                  </a:solidFill>
+                  <a:latin typeface="Century Schoolbook" panose="02040604050505020304" pitchFamily="18" charset="0"/>
+                </a:rPr>
+                <a:t>Park Manager Service</a:t>
+              </a:r>
+            </a:p>
+            <a:p>
+              <a:pPr algn="ctr"/>
+              <a:r>
+                <a:rPr lang="it-IT" sz="1100" i="1" dirty="0">
+                  <a:solidFill>
+                    <a:schemeClr val="tx1"/>
+                  </a:solidFill>
+                  <a:latin typeface="Century Schoolbook" panose="02040604050505020304" pitchFamily="18" charset="0"/>
+                </a:rPr>
+                <a:t>(business logic)</a:t>
+              </a:r>
+              <a:endParaRPr lang="it-IT" sz="1400" i="1" dirty="0">
+                <a:solidFill>
+                  <a:schemeClr val="tx1"/>
+                </a:solidFill>
+                <a:latin typeface="Century Schoolbook" panose="02040604050505020304" pitchFamily="18" charset="0"/>
+              </a:endParaRPr>
+            </a:p>
+          </p:txBody>
+        </p:sp>
+        <p:sp>
+          <p:nvSpPr>
+            <p:cNvPr id="6" name="Triangolo isoscele 5"/>
+            <p:cNvSpPr/>
+            <p:nvPr/>
+          </p:nvSpPr>
+          <p:spPr>
+            <a:xfrm rot="16200000">
+              <a:off x="1350190" y="5205064"/>
+              <a:ext cx="296478" cy="255585"/>
+            </a:xfrm>
+            <a:prstGeom prst="triangle">
+              <a:avLst/>
+            </a:prstGeom>
+            <a:solidFill>
+              <a:srgbClr val="FF0000"/>
+            </a:solidFill>
+            <a:ln w="12700">
+              <a:solidFill>
+                <a:schemeClr val="tx1"/>
+              </a:solidFill>
+            </a:ln>
+          </p:spPr>
+          <p:style>
+            <a:lnRef idx="2">
+              <a:schemeClr val="accent1">
+                <a:shade val="50000"/>
+              </a:schemeClr>
+            </a:lnRef>
+            <a:fillRef idx="1">
+              <a:schemeClr val="accent1"/>
+            </a:fillRef>
+            <a:effectRef idx="0">
+              <a:schemeClr val="accent1"/>
+            </a:effectRef>
+            <a:fontRef idx="minor">
+              <a:schemeClr val="lt1"/>
+            </a:fontRef>
+          </p:style>
+          <p:txBody>
+            <a:bodyPr rtlCol="0" anchor="ctr"/>
+            <a:lstStyle/>
+            <a:p>
+              <a:pPr algn="ctr"/>
+              <a:endParaRPr lang="it-IT"/>
+            </a:p>
+          </p:txBody>
+        </p:sp>
+        <p:sp>
+          <p:nvSpPr>
+            <p:cNvPr id="7" name="Rettangolo 6"/>
+            <p:cNvSpPr/>
+            <p:nvPr/>
+          </p:nvSpPr>
+          <p:spPr>
+            <a:xfrm>
+              <a:off x="402476" y="5739696"/>
+              <a:ext cx="530961" cy="252254"/>
+            </a:xfrm>
+            <a:prstGeom prst="rect">
+              <a:avLst/>
+            </a:prstGeom>
+            <a:solidFill>
+              <a:schemeClr val="accent2">
+                <a:lumMod val="20000"/>
+                <a:lumOff val="80000"/>
+              </a:schemeClr>
+            </a:solidFill>
+            <a:ln w="12700">
+              <a:solidFill>
+                <a:schemeClr val="tx1"/>
+              </a:solidFill>
+            </a:ln>
+          </p:spPr>
+          <p:style>
+            <a:lnRef idx="2">
+              <a:schemeClr val="accent1">
+                <a:shade val="50000"/>
+              </a:schemeClr>
+            </a:lnRef>
+            <a:fillRef idx="1">
+              <a:schemeClr val="accent1"/>
+            </a:fillRef>
+            <a:effectRef idx="0">
+              <a:schemeClr val="accent1"/>
+            </a:effectRef>
+            <a:fontRef idx="minor">
+              <a:schemeClr val="lt1"/>
+            </a:fontRef>
+          </p:style>
+          <p:txBody>
+            <a:bodyPr rtlCol="0" anchor="ctr"/>
+            <a:lstStyle/>
+            <a:p>
+              <a:pPr algn="ctr"/>
+              <a:endParaRPr lang="it-IT"/>
+            </a:p>
+          </p:txBody>
+        </p:sp>
+      </p:grpSp>
+      <p:grpSp>
+        <p:nvGrpSpPr>
+          <p:cNvPr id="8" name="Gruppo 7"/>
+          <p:cNvGrpSpPr/>
+          <p:nvPr/>
+        </p:nvGrpSpPr>
+        <p:grpSpPr>
+          <a:xfrm>
+            <a:off x="2241133" y="1345835"/>
+            <a:ext cx="1926426" cy="1214172"/>
+            <a:chOff x="402476" y="5184618"/>
+            <a:chExt cx="1926426" cy="1214172"/>
+          </a:xfrm>
+        </p:grpSpPr>
+        <p:sp>
+          <p:nvSpPr>
+            <p:cNvPr id="9" name="Ovale 8"/>
+            <p:cNvSpPr/>
+            <p:nvPr/>
+          </p:nvSpPr>
+          <p:spPr>
+            <a:xfrm>
+              <a:off x="667957" y="5332857"/>
+              <a:ext cx="1660945" cy="1065933"/>
+            </a:xfrm>
+            <a:prstGeom prst="ellipse">
+              <a:avLst/>
+            </a:prstGeom>
+            <a:solidFill>
+              <a:schemeClr val="accent2">
+                <a:lumMod val="20000"/>
+                <a:lumOff val="80000"/>
+              </a:schemeClr>
+            </a:solidFill>
+            <a:ln w="12700">
+              <a:solidFill>
+                <a:schemeClr val="tx1"/>
+              </a:solidFill>
+            </a:ln>
+          </p:spPr>
+          <p:style>
+            <a:lnRef idx="2">
+              <a:schemeClr val="accent1">
+                <a:shade val="50000"/>
+              </a:schemeClr>
+            </a:lnRef>
+            <a:fillRef idx="1">
+              <a:schemeClr val="accent1"/>
+            </a:fillRef>
+            <a:effectRef idx="0">
+              <a:schemeClr val="accent1"/>
+            </a:effectRef>
+            <a:fontRef idx="minor">
+              <a:schemeClr val="lt1"/>
+            </a:fontRef>
+          </p:style>
+          <p:txBody>
+            <a:bodyPr rtlCol="0" anchor="ctr"/>
+            <a:lstStyle/>
+            <a:p>
+              <a:pPr algn="ctr"/>
+              <a:r>
+                <a:rPr lang="it-IT" sz="1200" dirty="0">
+                  <a:solidFill>
+                    <a:schemeClr val="tx1"/>
+                  </a:solidFill>
+                  <a:latin typeface="Century Schoolbook" panose="02040604050505020304" pitchFamily="18" charset="0"/>
+                </a:rPr>
+                <a:t>Park Service GUI Actor</a:t>
+              </a:r>
+            </a:p>
+            <a:p>
+              <a:pPr lvl="0" algn="ctr"/>
+              <a:r>
+                <a:rPr lang="it-IT" sz="1100" i="1" dirty="0">
+                  <a:solidFill>
+                    <a:prstClr val="black"/>
+                  </a:solidFill>
+                  <a:latin typeface="Century Schoolbook" panose="02040604050505020304" pitchFamily="18" charset="0"/>
+                </a:rPr>
+                <a:t>(client’s)</a:t>
+              </a:r>
+              <a:endParaRPr lang="it-IT" sz="1400" i="1" dirty="0">
+                <a:solidFill>
+                  <a:prstClr val="black"/>
+                </a:solidFill>
+                <a:latin typeface="Century Schoolbook" panose="02040604050505020304" pitchFamily="18" charset="0"/>
+              </a:endParaRPr>
+            </a:p>
+          </p:txBody>
+        </p:sp>
+        <p:sp>
+          <p:nvSpPr>
+            <p:cNvPr id="10" name="Triangolo isoscele 9"/>
+            <p:cNvSpPr/>
+            <p:nvPr/>
+          </p:nvSpPr>
+          <p:spPr>
+            <a:xfrm rot="16200000">
+              <a:off x="1350190" y="5205064"/>
+              <a:ext cx="296478" cy="255585"/>
+            </a:xfrm>
+            <a:prstGeom prst="triangle">
+              <a:avLst/>
+            </a:prstGeom>
+            <a:solidFill>
+              <a:srgbClr val="FF0000"/>
+            </a:solidFill>
+            <a:ln w="12700">
+              <a:solidFill>
+                <a:schemeClr val="tx1"/>
+              </a:solidFill>
+            </a:ln>
+          </p:spPr>
+          <p:style>
+            <a:lnRef idx="2">
+              <a:schemeClr val="accent1">
+                <a:shade val="50000"/>
+              </a:schemeClr>
+            </a:lnRef>
+            <a:fillRef idx="1">
+              <a:schemeClr val="accent1"/>
+            </a:fillRef>
+            <a:effectRef idx="0">
+              <a:schemeClr val="accent1"/>
+            </a:effectRef>
+            <a:fontRef idx="minor">
+              <a:schemeClr val="lt1"/>
+            </a:fontRef>
+          </p:style>
+          <p:txBody>
+            <a:bodyPr rtlCol="0" anchor="ctr"/>
+            <a:lstStyle/>
+            <a:p>
+              <a:pPr algn="ctr"/>
+              <a:endParaRPr lang="it-IT"/>
+            </a:p>
+          </p:txBody>
+        </p:sp>
+        <p:sp>
+          <p:nvSpPr>
+            <p:cNvPr id="11" name="Rettangolo 10"/>
+            <p:cNvSpPr/>
+            <p:nvPr/>
+          </p:nvSpPr>
+          <p:spPr>
+            <a:xfrm>
+              <a:off x="402476" y="5739696"/>
+              <a:ext cx="530961" cy="252254"/>
+            </a:xfrm>
+            <a:prstGeom prst="rect">
+              <a:avLst/>
+            </a:prstGeom>
+            <a:solidFill>
+              <a:schemeClr val="accent2">
+                <a:lumMod val="20000"/>
+                <a:lumOff val="80000"/>
+              </a:schemeClr>
+            </a:solidFill>
+            <a:ln w="12700">
+              <a:solidFill>
+                <a:schemeClr val="tx1"/>
+              </a:solidFill>
+            </a:ln>
+          </p:spPr>
+          <p:style>
+            <a:lnRef idx="2">
+              <a:schemeClr val="accent1">
+                <a:shade val="50000"/>
+              </a:schemeClr>
+            </a:lnRef>
+            <a:fillRef idx="1">
+              <a:schemeClr val="accent1"/>
+            </a:fillRef>
+            <a:effectRef idx="0">
+              <a:schemeClr val="accent1"/>
+            </a:effectRef>
+            <a:fontRef idx="minor">
+              <a:schemeClr val="lt1"/>
+            </a:fontRef>
+          </p:style>
+          <p:txBody>
+            <a:bodyPr rtlCol="0" anchor="ctr"/>
+            <a:lstStyle/>
+            <a:p>
+              <a:pPr algn="ctr"/>
+              <a:endParaRPr lang="it-IT"/>
+            </a:p>
+          </p:txBody>
+        </p:sp>
+      </p:grpSp>
+      <p:sp>
+        <p:nvSpPr>
+          <p:cNvPr id="17" name="Rettangolo arrotondato 16"/>
+          <p:cNvSpPr/>
+          <p:nvPr/>
+        </p:nvSpPr>
+        <p:spPr>
+          <a:xfrm>
+            <a:off x="2199815" y="692525"/>
+            <a:ext cx="2009062" cy="471580"/>
+          </a:xfrm>
+          <a:prstGeom prst="roundRect">
+            <a:avLst/>
+          </a:prstGeom>
+          <a:solidFill>
+            <a:schemeClr val="accent1">
+              <a:lumMod val="20000"/>
+              <a:lumOff val="80000"/>
+            </a:schemeClr>
+          </a:solidFill>
+          <a:ln>
+            <a:solidFill>
+              <a:schemeClr val="tx1"/>
+            </a:solidFill>
+          </a:ln>
+        </p:spPr>
+        <p:style>
+          <a:lnRef idx="2">
+            <a:schemeClr val="accent1">
+              <a:shade val="50000"/>
+            </a:schemeClr>
+          </a:lnRef>
+          <a:fillRef idx="1">
+            <a:schemeClr val="accent1"/>
+          </a:fillRef>
+          <a:effectRef idx="0">
+            <a:schemeClr val="accent1"/>
+          </a:effectRef>
+          <a:fontRef idx="minor">
+            <a:schemeClr val="lt1"/>
+          </a:fontRef>
+        </p:style>
+        <p:txBody>
+          <a:bodyPr rtlCol="0" anchor="ctr"/>
+          <a:lstStyle/>
+          <a:p>
+            <a:pPr algn="ctr"/>
+            <a:r>
+              <a:rPr lang="it-IT" sz="1400" dirty="0">
+                <a:solidFill>
+                  <a:schemeClr val="tx1"/>
+                </a:solidFill>
+                <a:latin typeface="Century Schoolbook" panose="02040604050505020304" pitchFamily="18" charset="0"/>
+              </a:rPr>
+              <a:t>ctx Car Parking</a:t>
+            </a:r>
+          </a:p>
+        </p:txBody>
+      </p:sp>
+      <p:grpSp>
+        <p:nvGrpSpPr>
+          <p:cNvPr id="22" name="Gruppo 21"/>
+          <p:cNvGrpSpPr/>
+          <p:nvPr/>
+        </p:nvGrpSpPr>
+        <p:grpSpPr>
+          <a:xfrm>
+            <a:off x="8699398" y="3459470"/>
+            <a:ext cx="1660945" cy="1214172"/>
+            <a:chOff x="7744200" y="2907063"/>
+            <a:chExt cx="1660945" cy="1214172"/>
+          </a:xfrm>
+        </p:grpSpPr>
+        <p:sp>
+          <p:nvSpPr>
+            <p:cNvPr id="19" name="Ovale 18"/>
+            <p:cNvSpPr/>
+            <p:nvPr/>
+          </p:nvSpPr>
+          <p:spPr>
+            <a:xfrm>
+              <a:off x="7744200" y="3055302"/>
+              <a:ext cx="1660945" cy="1065933"/>
+            </a:xfrm>
+            <a:prstGeom prst="ellipse">
+              <a:avLst/>
+            </a:prstGeom>
+            <a:solidFill>
+              <a:schemeClr val="accent4">
+                <a:lumMod val="20000"/>
+                <a:lumOff val="80000"/>
+              </a:schemeClr>
+            </a:solidFill>
+            <a:ln w="12700">
+              <a:solidFill>
+                <a:schemeClr val="tx1"/>
+              </a:solidFill>
+            </a:ln>
+          </p:spPr>
+          <p:style>
+            <a:lnRef idx="2">
+              <a:schemeClr val="accent1">
+                <a:shade val="50000"/>
+              </a:schemeClr>
+            </a:lnRef>
+            <a:fillRef idx="1">
+              <a:schemeClr val="accent1"/>
+            </a:fillRef>
+            <a:effectRef idx="0">
+              <a:schemeClr val="accent1"/>
+            </a:effectRef>
+            <a:fontRef idx="minor">
+              <a:schemeClr val="lt1"/>
+            </a:fontRef>
+          </p:style>
+          <p:txBody>
+            <a:bodyPr rtlCol="0" anchor="ctr"/>
+            <a:lstStyle/>
+            <a:p>
+              <a:pPr algn="ctr"/>
+              <a:r>
+                <a:rPr lang="it-IT" sz="1200" dirty="0">
+                  <a:solidFill>
+                    <a:schemeClr val="tx1"/>
+                  </a:solidFill>
+                  <a:latin typeface="Century Schoolbook" panose="02040604050505020304" pitchFamily="18" charset="0"/>
+                </a:rPr>
+                <a:t>Client GUI</a:t>
+              </a:r>
+            </a:p>
+            <a:p>
+              <a:pPr lvl="0" algn="ctr"/>
+              <a:r>
+                <a:rPr lang="it-IT" sz="1100" i="1" dirty="0">
+                  <a:solidFill>
+                    <a:prstClr val="black"/>
+                  </a:solidFill>
+                  <a:latin typeface="Century Schoolbook" panose="02040604050505020304" pitchFamily="18" charset="0"/>
+                </a:rPr>
+                <a:t>(Web GUI)</a:t>
+              </a:r>
+              <a:endParaRPr lang="it-IT" sz="1400" i="1" dirty="0">
+                <a:solidFill>
+                  <a:prstClr val="black"/>
+                </a:solidFill>
+                <a:latin typeface="Century Schoolbook" panose="02040604050505020304" pitchFamily="18" charset="0"/>
+              </a:endParaRPr>
+            </a:p>
+          </p:txBody>
+        </p:sp>
+        <p:sp>
+          <p:nvSpPr>
+            <p:cNvPr id="20" name="Triangolo isoscele 19"/>
+            <p:cNvSpPr/>
+            <p:nvPr/>
+          </p:nvSpPr>
+          <p:spPr>
+            <a:xfrm rot="16200000">
+              <a:off x="8426433" y="2927509"/>
+              <a:ext cx="296478" cy="255585"/>
+            </a:xfrm>
+            <a:prstGeom prst="triangle">
+              <a:avLst/>
+            </a:prstGeom>
+            <a:solidFill>
+              <a:srgbClr val="FF0000"/>
+            </a:solidFill>
+            <a:ln w="12700">
+              <a:solidFill>
+                <a:schemeClr val="tx1"/>
+              </a:solidFill>
+            </a:ln>
+          </p:spPr>
+          <p:style>
+            <a:lnRef idx="2">
+              <a:schemeClr val="accent1">
+                <a:shade val="50000"/>
+              </a:schemeClr>
+            </a:lnRef>
+            <a:fillRef idx="1">
+              <a:schemeClr val="accent1"/>
+            </a:fillRef>
+            <a:effectRef idx="0">
+              <a:schemeClr val="accent1"/>
+            </a:effectRef>
+            <a:fontRef idx="minor">
+              <a:schemeClr val="lt1"/>
+            </a:fontRef>
+          </p:style>
+          <p:txBody>
+            <a:bodyPr rtlCol="0" anchor="ctr"/>
+            <a:lstStyle/>
+            <a:p>
+              <a:pPr algn="ctr"/>
+              <a:endParaRPr lang="it-IT"/>
+            </a:p>
+          </p:txBody>
+        </p:sp>
+      </p:grpSp>
+      <p:sp>
+        <p:nvSpPr>
+          <p:cNvPr id="25" name="Ovale 24"/>
+          <p:cNvSpPr/>
+          <p:nvPr/>
+        </p:nvSpPr>
+        <p:spPr>
+          <a:xfrm>
+            <a:off x="8699399" y="1520966"/>
+            <a:ext cx="1660945" cy="1065933"/>
+          </a:xfrm>
+          <a:prstGeom prst="ellipse">
+            <a:avLst/>
+          </a:prstGeom>
+          <a:solidFill>
+            <a:schemeClr val="accent1">
+              <a:lumMod val="20000"/>
+              <a:lumOff val="80000"/>
+            </a:schemeClr>
+          </a:solidFill>
+          <a:ln w="12700">
+            <a:solidFill>
+              <a:schemeClr val="tx1"/>
+            </a:solidFill>
+          </a:ln>
+        </p:spPr>
+        <p:style>
+          <a:lnRef idx="2">
+            <a:schemeClr val="accent1">
+              <a:shade val="50000"/>
+            </a:schemeClr>
+          </a:lnRef>
+          <a:fillRef idx="1">
+            <a:schemeClr val="accent1"/>
+          </a:fillRef>
+          <a:effectRef idx="0">
+            <a:schemeClr val="accent1"/>
+          </a:effectRef>
+          <a:fontRef idx="minor">
+            <a:schemeClr val="lt1"/>
+          </a:fontRef>
+        </p:style>
+        <p:txBody>
+          <a:bodyPr rtlCol="0" anchor="ctr"/>
+          <a:lstStyle/>
+          <a:p>
+            <a:pPr algn="ctr"/>
+            <a:r>
+              <a:rPr lang="it-IT" sz="1200" dirty="0">
+                <a:solidFill>
+                  <a:schemeClr val="tx1"/>
+                </a:solidFill>
+                <a:latin typeface="Century Schoolbook" panose="02040604050505020304" pitchFamily="18" charset="0"/>
+              </a:rPr>
+              <a:t>CoAP Support</a:t>
+            </a:r>
+          </a:p>
+          <a:p>
+            <a:pPr lvl="0" algn="ctr"/>
+            <a:r>
+              <a:rPr lang="it-IT" sz="1100" i="1" dirty="0">
+                <a:solidFill>
+                  <a:prstClr val="black"/>
+                </a:solidFill>
+                <a:latin typeface="Century Schoolbook" panose="02040604050505020304" pitchFamily="18" charset="0"/>
+              </a:rPr>
+              <a:t>(Observer)</a:t>
+            </a:r>
+            <a:endParaRPr lang="it-IT" sz="1400" i="1" dirty="0">
+              <a:solidFill>
+                <a:prstClr val="black"/>
+              </a:solidFill>
+              <a:latin typeface="Century Schoolbook" panose="02040604050505020304" pitchFamily="18" charset="0"/>
+            </a:endParaRPr>
+          </a:p>
+        </p:txBody>
+      </p:sp>
+      <p:cxnSp>
+        <p:nvCxnSpPr>
+          <p:cNvPr id="27" name="Connettore 2 26"/>
+          <p:cNvCxnSpPr>
+            <a:stCxn id="25" idx="2"/>
+            <a:endCxn id="9" idx="6"/>
+          </p:cNvCxnSpPr>
+          <p:nvPr/>
+        </p:nvCxnSpPr>
+        <p:spPr>
+          <a:xfrm flipH="1" flipV="1">
+            <a:off x="4167559" y="2027041"/>
+            <a:ext cx="4531840" cy="26892"/>
+          </a:xfrm>
+          <a:prstGeom prst="straightConnector1">
+            <a:avLst/>
+          </a:prstGeom>
+          <a:ln w="19050">
+            <a:solidFill>
+              <a:schemeClr val="tx1"/>
+            </a:solidFill>
+            <a:prstDash val="sysDash"/>
+            <a:headEnd type="none" w="med" len="med"/>
+            <a:tailEnd type="triangle" w="med" len="med"/>
+          </a:ln>
+        </p:spPr>
+        <p:style>
+          <a:lnRef idx="1">
+            <a:schemeClr val="accent1"/>
+          </a:lnRef>
+          <a:fillRef idx="0">
+            <a:schemeClr val="accent1"/>
+          </a:fillRef>
+          <a:effectRef idx="0">
+            <a:schemeClr val="accent1"/>
+          </a:effectRef>
+          <a:fontRef idx="minor">
+            <a:schemeClr val="tx1"/>
+          </a:fontRef>
+        </p:style>
+      </p:cxnSp>
+      <p:cxnSp>
+        <p:nvCxnSpPr>
+          <p:cNvPr id="32" name="Connettore 2 31"/>
+          <p:cNvCxnSpPr>
+            <a:stCxn id="20" idx="5"/>
+            <a:endCxn id="25" idx="4"/>
+          </p:cNvCxnSpPr>
+          <p:nvPr/>
+        </p:nvCxnSpPr>
+        <p:spPr>
+          <a:xfrm flipV="1">
+            <a:off x="9529871" y="2586899"/>
+            <a:ext cx="1" cy="946690"/>
+          </a:xfrm>
+          <a:prstGeom prst="straightConnector1">
+            <a:avLst/>
+          </a:prstGeom>
+          <a:ln w="19050">
+            <a:solidFill>
+              <a:schemeClr val="tx1"/>
+            </a:solidFill>
+            <a:headEnd type="none" w="med" len="med"/>
+            <a:tailEnd type="arrow" w="med" len="med"/>
+          </a:ln>
+        </p:spPr>
+        <p:style>
+          <a:lnRef idx="1">
+            <a:schemeClr val="accent1"/>
+          </a:lnRef>
+          <a:fillRef idx="0">
+            <a:schemeClr val="accent1"/>
+          </a:fillRef>
+          <a:effectRef idx="0">
+            <a:schemeClr val="accent1"/>
+          </a:effectRef>
+          <a:fontRef idx="minor">
+            <a:schemeClr val="tx1"/>
+          </a:fontRef>
+        </p:style>
+      </p:cxnSp>
+      <p:sp>
+        <p:nvSpPr>
+          <p:cNvPr id="36" name="Rettangolo arrotondato 35"/>
+          <p:cNvSpPr/>
+          <p:nvPr/>
+        </p:nvSpPr>
+        <p:spPr>
+          <a:xfrm>
+            <a:off x="6166977" y="3433306"/>
+            <a:ext cx="2009062" cy="471580"/>
+          </a:xfrm>
+          <a:prstGeom prst="roundRect">
+            <a:avLst/>
+          </a:prstGeom>
+          <a:solidFill>
+            <a:schemeClr val="accent4">
+              <a:lumMod val="20000"/>
+              <a:lumOff val="80000"/>
+            </a:schemeClr>
+          </a:solidFill>
+          <a:ln>
+            <a:solidFill>
+              <a:schemeClr val="tx1"/>
+            </a:solidFill>
+          </a:ln>
+        </p:spPr>
+        <p:style>
+          <a:lnRef idx="2">
+            <a:schemeClr val="accent1">
+              <a:shade val="50000"/>
+            </a:schemeClr>
+          </a:lnRef>
+          <a:fillRef idx="1">
+            <a:schemeClr val="accent1"/>
+          </a:fillRef>
+          <a:effectRef idx="0">
+            <a:schemeClr val="accent1"/>
+          </a:effectRef>
+          <a:fontRef idx="minor">
+            <a:schemeClr val="lt1"/>
+          </a:fontRef>
+        </p:style>
+        <p:txBody>
+          <a:bodyPr rtlCol="0" anchor="ctr"/>
+          <a:lstStyle/>
+          <a:p>
+            <a:pPr algn="ctr"/>
+            <a:r>
+              <a:rPr lang="it-IT" sz="1400" dirty="0">
+                <a:solidFill>
+                  <a:schemeClr val="tx1"/>
+                </a:solidFill>
+                <a:latin typeface="Century Schoolbook" panose="02040604050505020304" pitchFamily="18" charset="0"/>
+              </a:rPr>
+              <a:t>Conn Qak TPC</a:t>
+            </a:r>
+          </a:p>
+        </p:txBody>
+      </p:sp>
+      <p:sp>
+        <p:nvSpPr>
+          <p:cNvPr id="37" name="Rettangolo arrotondato 36"/>
+          <p:cNvSpPr/>
+          <p:nvPr/>
+        </p:nvSpPr>
+        <p:spPr>
+          <a:xfrm>
+            <a:off x="6166977" y="3911854"/>
+            <a:ext cx="2009062" cy="471580"/>
+          </a:xfrm>
+          <a:prstGeom prst="roundRect">
+            <a:avLst/>
+          </a:prstGeom>
+          <a:solidFill>
+            <a:schemeClr val="accent6">
+              <a:lumMod val="20000"/>
+              <a:lumOff val="80000"/>
+            </a:schemeClr>
+          </a:solidFill>
+          <a:ln>
+            <a:solidFill>
+              <a:schemeClr val="tx1"/>
+            </a:solidFill>
+          </a:ln>
+        </p:spPr>
+        <p:style>
+          <a:lnRef idx="2">
+            <a:schemeClr val="accent1">
+              <a:shade val="50000"/>
+            </a:schemeClr>
+          </a:lnRef>
+          <a:fillRef idx="1">
+            <a:schemeClr val="accent1"/>
+          </a:fillRef>
+          <a:effectRef idx="0">
+            <a:schemeClr val="accent1"/>
+          </a:effectRef>
+          <a:fontRef idx="minor">
+            <a:schemeClr val="lt1"/>
+          </a:fontRef>
+        </p:style>
+        <p:txBody>
+          <a:bodyPr rtlCol="0" anchor="ctr"/>
+          <a:lstStyle/>
+          <a:p>
+            <a:pPr algn="ctr"/>
+            <a:r>
+              <a:rPr lang="it-IT" sz="1400" dirty="0">
+                <a:solidFill>
+                  <a:schemeClr val="tx1"/>
+                </a:solidFill>
+                <a:latin typeface="Century Schoolbook" panose="02040604050505020304" pitchFamily="18" charset="0"/>
+              </a:rPr>
+              <a:t>Conn Qak Base</a:t>
+            </a:r>
+          </a:p>
+          <a:p>
+            <a:pPr algn="ctr"/>
+            <a:r>
+              <a:rPr lang="it-IT" sz="1400" i="1" dirty="0">
+                <a:solidFill>
+                  <a:schemeClr val="tx1"/>
+                </a:solidFill>
+                <a:latin typeface="Century Schoolbook" panose="02040604050505020304" pitchFamily="18" charset="0"/>
+              </a:rPr>
+              <a:t>abstract class</a:t>
+            </a:r>
+          </a:p>
+        </p:txBody>
+      </p:sp>
+      <p:cxnSp>
+        <p:nvCxnSpPr>
+          <p:cNvPr id="38" name="Connettore 2 37"/>
+          <p:cNvCxnSpPr>
+            <a:stCxn id="19" idx="2"/>
+            <a:endCxn id="37" idx="3"/>
+          </p:cNvCxnSpPr>
+          <p:nvPr/>
+        </p:nvCxnSpPr>
+        <p:spPr>
+          <a:xfrm flipH="1">
+            <a:off x="8176039" y="4140676"/>
+            <a:ext cx="523359" cy="6968"/>
+          </a:xfrm>
+          <a:prstGeom prst="straightConnector1">
+            <a:avLst/>
+          </a:prstGeom>
+          <a:ln w="19050">
+            <a:solidFill>
+              <a:schemeClr val="tx1"/>
+            </a:solidFill>
+            <a:headEnd type="none" w="med" len="med"/>
+            <a:tailEnd type="arrow" w="med" len="med"/>
+          </a:ln>
+        </p:spPr>
+        <p:style>
+          <a:lnRef idx="1">
+            <a:schemeClr val="accent1"/>
+          </a:lnRef>
+          <a:fillRef idx="0">
+            <a:schemeClr val="accent1"/>
+          </a:fillRef>
+          <a:effectRef idx="0">
+            <a:schemeClr val="accent1"/>
+          </a:effectRef>
+          <a:fontRef idx="minor">
+            <a:schemeClr val="tx1"/>
+          </a:fontRef>
+        </p:style>
+      </p:cxnSp>
+      <p:cxnSp>
+        <p:nvCxnSpPr>
+          <p:cNvPr id="41" name="Connettore 2 40"/>
+          <p:cNvCxnSpPr>
+            <a:stCxn id="36" idx="1"/>
+            <a:endCxn id="5" idx="6"/>
+          </p:cNvCxnSpPr>
+          <p:nvPr/>
+        </p:nvCxnSpPr>
+        <p:spPr>
+          <a:xfrm flipH="1">
+            <a:off x="4167559" y="3669096"/>
+            <a:ext cx="1999418" cy="9127"/>
+          </a:xfrm>
+          <a:prstGeom prst="straightConnector1">
+            <a:avLst/>
+          </a:prstGeom>
+          <a:ln w="19050">
+            <a:solidFill>
+              <a:schemeClr val="tx1"/>
+            </a:solidFill>
+            <a:prstDash val="sysDash"/>
+            <a:headEnd type="none" w="med" len="med"/>
+            <a:tailEnd type="arrow" w="med" len="med"/>
+          </a:ln>
+        </p:spPr>
+        <p:style>
+          <a:lnRef idx="1">
+            <a:schemeClr val="accent1"/>
+          </a:lnRef>
+          <a:fillRef idx="0">
+            <a:schemeClr val="accent1"/>
+          </a:fillRef>
+          <a:effectRef idx="0">
+            <a:schemeClr val="accent1"/>
+          </a:effectRef>
+          <a:fontRef idx="minor">
+            <a:schemeClr val="tx1"/>
+          </a:fontRef>
+        </p:style>
+      </p:cxnSp>
+      <p:sp>
+        <p:nvSpPr>
+          <p:cNvPr id="23" name="CasellaDiTesto 22"/>
+          <p:cNvSpPr txBox="1"/>
+          <p:nvPr/>
+        </p:nvSpPr>
+        <p:spPr>
+          <a:xfrm>
+            <a:off x="4860344" y="2926306"/>
+            <a:ext cx="1340432" cy="738664"/>
+          </a:xfrm>
+          <a:prstGeom prst="rect">
+            <a:avLst/>
+          </a:prstGeom>
+          <a:noFill/>
+        </p:spPr>
+        <p:txBody>
+          <a:bodyPr wrap="none" rtlCol="0">
+            <a:spAutoFit/>
+          </a:bodyPr>
+          <a:lstStyle/>
+          <a:p>
+            <a:r>
+              <a:rPr lang="it-IT" sz="1400" dirty="0">
+                <a:solidFill>
+                  <a:schemeClr val="bg2">
+                    <a:lumMod val="25000"/>
+                  </a:schemeClr>
+                </a:solidFill>
+                <a:latin typeface="Bookman Old Style" panose="02050604050505020204" pitchFamily="18" charset="0"/>
+              </a:rPr>
+              <a:t>enterRequest</a:t>
+            </a:r>
+          </a:p>
+          <a:p>
+            <a:r>
+              <a:rPr lang="it-IT" sz="1400" dirty="0">
+                <a:solidFill>
+                  <a:schemeClr val="bg2">
+                    <a:lumMod val="25000"/>
+                  </a:schemeClr>
+                </a:solidFill>
+                <a:latin typeface="Bookman Old Style" panose="02050604050505020204" pitchFamily="18" charset="0"/>
+              </a:rPr>
+              <a:t>carEnter</a:t>
+            </a:r>
+          </a:p>
+          <a:p>
+            <a:r>
+              <a:rPr lang="it-IT" sz="1400" dirty="0">
+                <a:solidFill>
+                  <a:schemeClr val="bg2">
+                    <a:lumMod val="25000"/>
+                  </a:schemeClr>
+                </a:solidFill>
+                <a:latin typeface="Bookman Old Style" panose="02050604050505020204" pitchFamily="18" charset="0"/>
+              </a:rPr>
+              <a:t>exitRequest</a:t>
+            </a:r>
+          </a:p>
+        </p:txBody>
+      </p:sp>
+      <p:cxnSp>
+        <p:nvCxnSpPr>
+          <p:cNvPr id="24" name="Connettore 2 23"/>
+          <p:cNvCxnSpPr/>
+          <p:nvPr/>
+        </p:nvCxnSpPr>
+        <p:spPr>
+          <a:xfrm>
+            <a:off x="6704165" y="1281409"/>
+            <a:ext cx="524722" cy="0"/>
+          </a:xfrm>
+          <a:prstGeom prst="straightConnector1">
+            <a:avLst/>
+          </a:prstGeom>
+          <a:ln w="19050">
+            <a:solidFill>
+              <a:schemeClr val="tx1"/>
+            </a:solidFill>
+            <a:headEnd type="none" w="med" len="med"/>
+            <a:tailEnd type="arrow" w="med" len="med"/>
+          </a:ln>
+        </p:spPr>
+        <p:style>
+          <a:lnRef idx="1">
+            <a:schemeClr val="accent1"/>
+          </a:lnRef>
+          <a:fillRef idx="0">
+            <a:schemeClr val="accent1"/>
+          </a:fillRef>
+          <a:effectRef idx="0">
+            <a:schemeClr val="accent1"/>
+          </a:effectRef>
+          <a:fontRef idx="minor">
+            <a:schemeClr val="tx1"/>
+          </a:fontRef>
+        </p:style>
+      </p:cxnSp>
+      <p:sp>
+        <p:nvSpPr>
+          <p:cNvPr id="26" name="CasellaDiTesto 25"/>
+          <p:cNvSpPr txBox="1"/>
+          <p:nvPr/>
+        </p:nvSpPr>
+        <p:spPr>
+          <a:xfrm>
+            <a:off x="6511113" y="1281409"/>
+            <a:ext cx="910827" cy="738664"/>
+          </a:xfrm>
+          <a:prstGeom prst="rect">
+            <a:avLst/>
+          </a:prstGeom>
+          <a:noFill/>
+        </p:spPr>
+        <p:txBody>
+          <a:bodyPr wrap="none" rtlCol="0">
+            <a:spAutoFit/>
+          </a:bodyPr>
+          <a:lstStyle/>
+          <a:p>
+            <a:r>
+              <a:rPr lang="it-IT" sz="1400" dirty="0">
+                <a:solidFill>
+                  <a:schemeClr val="bg2">
+                    <a:lumMod val="25000"/>
+                  </a:schemeClr>
+                </a:solidFill>
+                <a:latin typeface="Bookman Old Style" panose="02050604050505020204" pitchFamily="18" charset="0"/>
+              </a:rPr>
+              <a:t>slotnum</a:t>
+            </a:r>
+          </a:p>
+          <a:p>
+            <a:r>
+              <a:rPr lang="it-IT" sz="1400" dirty="0">
+                <a:solidFill>
+                  <a:schemeClr val="bg2">
+                    <a:lumMod val="25000"/>
+                  </a:schemeClr>
+                </a:solidFill>
+                <a:latin typeface="Bookman Old Style" panose="02050604050505020204" pitchFamily="18" charset="0"/>
+              </a:rPr>
+              <a:t>tokenid</a:t>
+            </a:r>
+          </a:p>
+          <a:p>
+            <a:r>
+              <a:rPr lang="it-IT" sz="1400" dirty="0">
+                <a:solidFill>
+                  <a:schemeClr val="bg2">
+                    <a:lumMod val="25000"/>
+                  </a:schemeClr>
+                </a:solidFill>
+                <a:latin typeface="Bookman Old Style" panose="02050604050505020204" pitchFamily="18" charset="0"/>
+              </a:rPr>
+              <a:t>notice</a:t>
+            </a:r>
+          </a:p>
+        </p:txBody>
+      </p:sp>
+      <p:cxnSp>
+        <p:nvCxnSpPr>
+          <p:cNvPr id="29" name="Connettore 2 28"/>
+          <p:cNvCxnSpPr/>
+          <p:nvPr/>
+        </p:nvCxnSpPr>
+        <p:spPr>
+          <a:xfrm flipH="1">
+            <a:off x="5167268" y="2903270"/>
+            <a:ext cx="524722" cy="0"/>
+          </a:xfrm>
+          <a:prstGeom prst="straightConnector1">
+            <a:avLst/>
+          </a:prstGeom>
+          <a:ln w="19050">
+            <a:solidFill>
+              <a:schemeClr val="tx1"/>
+            </a:solidFill>
+            <a:headEnd type="none" w="med" len="med"/>
+            <a:tailEnd type="arrow" w="med" len="med"/>
+          </a:ln>
+        </p:spPr>
+        <p:style>
+          <a:lnRef idx="1">
+            <a:schemeClr val="accent1"/>
+          </a:lnRef>
+          <a:fillRef idx="0">
+            <a:schemeClr val="accent1"/>
+          </a:fillRef>
+          <a:effectRef idx="0">
+            <a:schemeClr val="accent1"/>
+          </a:effectRef>
+          <a:fontRef idx="minor">
+            <a:schemeClr val="tx1"/>
+          </a:fontRef>
+        </p:style>
+      </p:cxnSp>
+    </p:spTree>
+    <p:extLst>
+      <p:ext uri="{BB962C8B-B14F-4D97-AF65-F5344CB8AC3E}">
+        <p14:creationId xmlns:p14="http://schemas.microsoft.com/office/powerpoint/2010/main" val="3790863276"/>
+      </p:ext>
+    </p:extLst>
+  </p:cSld>
+  <p:clrMapOvr>
+    <a:masterClrMapping/>
+  </p:clrMapOvr>
+</p:sld>
+</file>
+
+<file path=ppt/slides/slide13.xml><?xml version="1.0" encoding="utf-8"?>
+<p:sld xmlns:a="http://schemas.openxmlformats.org/drawingml/2006/main" xmlns:r="http://schemas.openxmlformats.org/officeDocument/2006/relationships" xmlns:p="http://schemas.openxmlformats.org/presentationml/2006/main">
+  <p:cSld>
+    <p:spTree>
+      <p:nvGrpSpPr>
+        <p:cNvPr id="1" name=""/>
+        <p:cNvGrpSpPr/>
+        <p:nvPr/>
+      </p:nvGrpSpPr>
+      <p:grpSpPr>
+        <a:xfrm>
+          <a:off x="0" y="0"/>
+          <a:ext cx="0" cy="0"/>
+          <a:chOff x="0" y="0"/>
+          <a:chExt cx="0" cy="0"/>
+        </a:xfrm>
+      </p:grpSpPr>
+      <p:sp>
+        <p:nvSpPr>
+          <p:cNvPr id="16" name="Rettangolo arrotondato 15"/>
+          <p:cNvSpPr/>
+          <p:nvPr/>
+        </p:nvSpPr>
+        <p:spPr>
+          <a:xfrm>
+            <a:off x="1207698" y="1336662"/>
+            <a:ext cx="4525812" cy="4316785"/>
+          </a:xfrm>
+          <a:prstGeom prst="roundRect">
+            <a:avLst/>
+          </a:prstGeom>
+          <a:solidFill>
+            <a:schemeClr val="bg1">
+              <a:lumMod val="95000"/>
+            </a:schemeClr>
+          </a:solidFill>
+          <a:ln w="19050">
+            <a:solidFill>
+              <a:schemeClr val="tx1"/>
+            </a:solidFill>
+          </a:ln>
+        </p:spPr>
+        <p:style>
+          <a:lnRef idx="2">
+            <a:schemeClr val="accent1">
+              <a:shade val="50000"/>
+            </a:schemeClr>
+          </a:lnRef>
+          <a:fillRef idx="1">
+            <a:schemeClr val="accent1"/>
+          </a:fillRef>
+          <a:effectRef idx="0">
+            <a:schemeClr val="accent1"/>
+          </a:effectRef>
+          <a:fontRef idx="minor">
+            <a:schemeClr val="lt1"/>
+          </a:fontRef>
+        </p:style>
+        <p:txBody>
+          <a:bodyPr rtlCol="0" anchor="ctr"/>
+          <a:lstStyle/>
+          <a:p>
+            <a:pPr algn="ctr"/>
+            <a:endParaRPr lang="it-IT" sz="1400" dirty="0">
+              <a:solidFill>
+                <a:schemeClr val="tx1"/>
+              </a:solidFill>
+              <a:latin typeface="Century Schoolbook" panose="02040604050505020304" pitchFamily="18" charset="0"/>
+            </a:endParaRPr>
+          </a:p>
+        </p:txBody>
+      </p:sp>
+      <p:grpSp>
+        <p:nvGrpSpPr>
+          <p:cNvPr id="4" name="Gruppo 3"/>
+          <p:cNvGrpSpPr/>
+          <p:nvPr/>
+        </p:nvGrpSpPr>
+        <p:grpSpPr>
+          <a:xfrm>
+            <a:off x="1347900" y="1642067"/>
+            <a:ext cx="1926426" cy="1214172"/>
+            <a:chOff x="402476" y="5184618"/>
+            <a:chExt cx="1926426" cy="1214172"/>
+          </a:xfrm>
+        </p:grpSpPr>
+        <p:sp>
+          <p:nvSpPr>
+            <p:cNvPr id="5" name="Ovale 4"/>
+            <p:cNvSpPr/>
+            <p:nvPr/>
+          </p:nvSpPr>
+          <p:spPr>
+            <a:xfrm>
+              <a:off x="667957" y="5332857"/>
+              <a:ext cx="1660945" cy="1065933"/>
+            </a:xfrm>
+            <a:prstGeom prst="ellipse">
+              <a:avLst/>
+            </a:prstGeom>
+            <a:solidFill>
+              <a:schemeClr val="accent2">
+                <a:lumMod val="20000"/>
+                <a:lumOff val="80000"/>
+              </a:schemeClr>
+            </a:solidFill>
+            <a:ln w="12700">
+              <a:solidFill>
+                <a:schemeClr val="tx1"/>
+              </a:solidFill>
+            </a:ln>
+          </p:spPr>
+          <p:style>
+            <a:lnRef idx="2">
+              <a:schemeClr val="accent1">
+                <a:shade val="50000"/>
+              </a:schemeClr>
+            </a:lnRef>
+            <a:fillRef idx="1">
+              <a:schemeClr val="accent1"/>
+            </a:fillRef>
+            <a:effectRef idx="0">
+              <a:schemeClr val="accent1"/>
+            </a:effectRef>
+            <a:fontRef idx="minor">
+              <a:schemeClr val="lt1"/>
+            </a:fontRef>
+          </p:style>
+          <p:txBody>
+            <a:bodyPr rtlCol="0" anchor="ctr"/>
+            <a:lstStyle/>
+            <a:p>
+              <a:pPr algn="ctr"/>
+              <a:r>
+                <a:rPr lang="it-IT" sz="1200" dirty="0">
+                  <a:solidFill>
+                    <a:schemeClr val="tx1"/>
+                  </a:solidFill>
+                  <a:latin typeface="Century Schoolbook" panose="02040604050505020304" pitchFamily="18" charset="0"/>
+                </a:rPr>
+                <a:t>Park Manager Service</a:t>
+              </a:r>
+            </a:p>
+            <a:p>
+              <a:pPr algn="ctr"/>
+              <a:r>
+                <a:rPr lang="it-IT" sz="1100" i="1" dirty="0">
+                  <a:solidFill>
+                    <a:schemeClr val="tx1"/>
+                  </a:solidFill>
+                  <a:latin typeface="Century Schoolbook" panose="02040604050505020304" pitchFamily="18" charset="0"/>
+                </a:rPr>
+                <a:t>(business logic)</a:t>
+              </a:r>
+              <a:endParaRPr lang="it-IT" sz="1400" i="1" dirty="0">
+                <a:solidFill>
+                  <a:schemeClr val="tx1"/>
+                </a:solidFill>
+                <a:latin typeface="Century Schoolbook" panose="02040604050505020304" pitchFamily="18" charset="0"/>
+              </a:endParaRPr>
+            </a:p>
+          </p:txBody>
+        </p:sp>
+        <p:sp>
+          <p:nvSpPr>
+            <p:cNvPr id="6" name="Triangolo isoscele 5"/>
+            <p:cNvSpPr/>
+            <p:nvPr/>
+          </p:nvSpPr>
+          <p:spPr>
+            <a:xfrm rot="16200000">
+              <a:off x="1350190" y="5205064"/>
+              <a:ext cx="296478" cy="255585"/>
+            </a:xfrm>
+            <a:prstGeom prst="triangle">
+              <a:avLst/>
+            </a:prstGeom>
+            <a:solidFill>
+              <a:srgbClr val="FF0000"/>
+            </a:solidFill>
+            <a:ln w="12700">
+              <a:solidFill>
+                <a:schemeClr val="tx1"/>
+              </a:solidFill>
+            </a:ln>
+          </p:spPr>
+          <p:style>
+            <a:lnRef idx="2">
+              <a:schemeClr val="accent1">
+                <a:shade val="50000"/>
+              </a:schemeClr>
+            </a:lnRef>
+            <a:fillRef idx="1">
+              <a:schemeClr val="accent1"/>
+            </a:fillRef>
+            <a:effectRef idx="0">
+              <a:schemeClr val="accent1"/>
+            </a:effectRef>
+            <a:fontRef idx="minor">
+              <a:schemeClr val="lt1"/>
+            </a:fontRef>
+          </p:style>
+          <p:txBody>
+            <a:bodyPr rtlCol="0" anchor="ctr"/>
+            <a:lstStyle/>
+            <a:p>
+              <a:pPr algn="ctr"/>
+              <a:endParaRPr lang="it-IT"/>
+            </a:p>
+          </p:txBody>
+        </p:sp>
+        <p:sp>
+          <p:nvSpPr>
+            <p:cNvPr id="7" name="Rettangolo 6"/>
+            <p:cNvSpPr/>
+            <p:nvPr/>
+          </p:nvSpPr>
+          <p:spPr>
+            <a:xfrm>
+              <a:off x="402476" y="5739696"/>
+              <a:ext cx="530961" cy="252254"/>
+            </a:xfrm>
+            <a:prstGeom prst="rect">
+              <a:avLst/>
+            </a:prstGeom>
+            <a:solidFill>
+              <a:schemeClr val="accent2">
+                <a:lumMod val="20000"/>
+                <a:lumOff val="80000"/>
+              </a:schemeClr>
+            </a:solidFill>
+            <a:ln w="12700">
+              <a:solidFill>
+                <a:schemeClr val="tx1"/>
+              </a:solidFill>
+            </a:ln>
+          </p:spPr>
+          <p:style>
+            <a:lnRef idx="2">
+              <a:schemeClr val="accent1">
+                <a:shade val="50000"/>
+              </a:schemeClr>
+            </a:lnRef>
+            <a:fillRef idx="1">
+              <a:schemeClr val="accent1"/>
+            </a:fillRef>
+            <a:effectRef idx="0">
+              <a:schemeClr val="accent1"/>
+            </a:effectRef>
+            <a:fontRef idx="minor">
+              <a:schemeClr val="lt1"/>
+            </a:fontRef>
+          </p:style>
+          <p:txBody>
+            <a:bodyPr rtlCol="0" anchor="ctr"/>
+            <a:lstStyle/>
+            <a:p>
+              <a:pPr algn="ctr"/>
+              <a:endParaRPr lang="it-IT"/>
+            </a:p>
+          </p:txBody>
+        </p:sp>
+      </p:grpSp>
+      <p:sp>
+        <p:nvSpPr>
+          <p:cNvPr id="17" name="Rettangolo arrotondato 16"/>
+          <p:cNvSpPr/>
+          <p:nvPr/>
+        </p:nvSpPr>
+        <p:spPr>
+          <a:xfrm>
+            <a:off x="2015719" y="1030509"/>
+            <a:ext cx="2884031" cy="471580"/>
+          </a:xfrm>
+          <a:prstGeom prst="roundRect">
+            <a:avLst/>
+          </a:prstGeom>
+          <a:solidFill>
+            <a:schemeClr val="accent1">
+              <a:lumMod val="20000"/>
+              <a:lumOff val="80000"/>
+            </a:schemeClr>
+          </a:solidFill>
+          <a:ln>
+            <a:solidFill>
+              <a:schemeClr val="tx1"/>
+            </a:solidFill>
+          </a:ln>
+        </p:spPr>
+        <p:style>
+          <a:lnRef idx="2">
+            <a:schemeClr val="accent1">
+              <a:shade val="50000"/>
+            </a:schemeClr>
+          </a:lnRef>
+          <a:fillRef idx="1">
+            <a:schemeClr val="accent1"/>
+          </a:fillRef>
+          <a:effectRef idx="0">
+            <a:schemeClr val="accent1"/>
+          </a:effectRef>
+          <a:fontRef idx="minor">
+            <a:schemeClr val="lt1"/>
+          </a:fontRef>
+        </p:style>
+        <p:txBody>
+          <a:bodyPr rtlCol="0" anchor="ctr"/>
+          <a:lstStyle/>
+          <a:p>
+            <a:pPr algn="ctr"/>
+            <a:r>
+              <a:rPr lang="it-IT" sz="1400" dirty="0" smtClean="0">
+                <a:solidFill>
+                  <a:schemeClr val="tx1"/>
+                </a:solidFill>
+                <a:latin typeface="Century Schoolbook" panose="02040604050505020304" pitchFamily="18" charset="0"/>
+              </a:rPr>
+              <a:t>ctx Car Parking</a:t>
+            </a:r>
+            <a:endParaRPr lang="it-IT" sz="1400" dirty="0">
+              <a:solidFill>
+                <a:schemeClr val="tx1"/>
+              </a:solidFill>
+              <a:latin typeface="Century Schoolbook" panose="02040604050505020304" pitchFamily="18" charset="0"/>
+            </a:endParaRPr>
+          </a:p>
+        </p:txBody>
+      </p:sp>
+      <p:grpSp>
+        <p:nvGrpSpPr>
+          <p:cNvPr id="22" name="Gruppo 21"/>
+          <p:cNvGrpSpPr/>
+          <p:nvPr/>
+        </p:nvGrpSpPr>
+        <p:grpSpPr>
+          <a:xfrm>
+            <a:off x="9648303" y="4089198"/>
+            <a:ext cx="1660945" cy="1214172"/>
+            <a:chOff x="7744200" y="2907063"/>
+            <a:chExt cx="1660945" cy="1214172"/>
+          </a:xfrm>
+        </p:grpSpPr>
+        <p:sp>
+          <p:nvSpPr>
+            <p:cNvPr id="19" name="Ovale 18"/>
+            <p:cNvSpPr/>
+            <p:nvPr/>
+          </p:nvSpPr>
+          <p:spPr>
+            <a:xfrm>
+              <a:off x="7744200" y="3055302"/>
+              <a:ext cx="1660945" cy="1065933"/>
+            </a:xfrm>
+            <a:prstGeom prst="ellipse">
+              <a:avLst/>
+            </a:prstGeom>
+            <a:solidFill>
+              <a:schemeClr val="accent4">
+                <a:lumMod val="20000"/>
+                <a:lumOff val="80000"/>
+              </a:schemeClr>
+            </a:solidFill>
+            <a:ln w="12700">
+              <a:solidFill>
+                <a:schemeClr val="tx1"/>
+              </a:solidFill>
+            </a:ln>
+          </p:spPr>
+          <p:style>
+            <a:lnRef idx="2">
+              <a:schemeClr val="accent1">
+                <a:shade val="50000"/>
+              </a:schemeClr>
+            </a:lnRef>
+            <a:fillRef idx="1">
+              <a:schemeClr val="accent1"/>
+            </a:fillRef>
+            <a:effectRef idx="0">
+              <a:schemeClr val="accent1"/>
+            </a:effectRef>
+            <a:fontRef idx="minor">
+              <a:schemeClr val="lt1"/>
+            </a:fontRef>
+          </p:style>
+          <p:txBody>
+            <a:bodyPr rtlCol="0" anchor="ctr"/>
+            <a:lstStyle/>
+            <a:p>
+              <a:pPr algn="ctr"/>
+              <a:r>
+                <a:rPr lang="it-IT" sz="1200" dirty="0" smtClean="0">
+                  <a:solidFill>
+                    <a:schemeClr val="tx1"/>
+                  </a:solidFill>
+                  <a:latin typeface="Century Schoolbook" panose="02040604050505020304" pitchFamily="18" charset="0"/>
+                </a:rPr>
+                <a:t>Manager GUI</a:t>
+              </a:r>
+              <a:endParaRPr lang="it-IT" sz="1200" dirty="0">
+                <a:solidFill>
+                  <a:schemeClr val="tx1"/>
+                </a:solidFill>
+                <a:latin typeface="Century Schoolbook" panose="02040604050505020304" pitchFamily="18" charset="0"/>
+              </a:endParaRPr>
+            </a:p>
+            <a:p>
+              <a:pPr lvl="0" algn="ctr"/>
+              <a:r>
+                <a:rPr lang="it-IT" sz="1100" i="1" dirty="0" smtClean="0">
+                  <a:solidFill>
+                    <a:prstClr val="black"/>
+                  </a:solidFill>
+                  <a:latin typeface="Century Schoolbook" panose="02040604050505020304" pitchFamily="18" charset="0"/>
+                </a:rPr>
+                <a:t>(Web GUI)</a:t>
+              </a:r>
+              <a:endParaRPr lang="it-IT" sz="1400" i="1" dirty="0">
+                <a:solidFill>
+                  <a:prstClr val="black"/>
+                </a:solidFill>
+                <a:latin typeface="Century Schoolbook" panose="02040604050505020304" pitchFamily="18" charset="0"/>
+              </a:endParaRPr>
+            </a:p>
+          </p:txBody>
+        </p:sp>
+        <p:sp>
+          <p:nvSpPr>
+            <p:cNvPr id="20" name="Triangolo isoscele 19"/>
+            <p:cNvSpPr/>
+            <p:nvPr/>
+          </p:nvSpPr>
+          <p:spPr>
+            <a:xfrm rot="16200000">
+              <a:off x="8426433" y="2927509"/>
+              <a:ext cx="296478" cy="255585"/>
+            </a:xfrm>
+            <a:prstGeom prst="triangle">
+              <a:avLst/>
+            </a:prstGeom>
+            <a:solidFill>
+              <a:srgbClr val="FF0000"/>
+            </a:solidFill>
+            <a:ln w="12700">
+              <a:solidFill>
+                <a:schemeClr val="tx1"/>
+              </a:solidFill>
+            </a:ln>
+          </p:spPr>
+          <p:style>
+            <a:lnRef idx="2">
+              <a:schemeClr val="accent1">
+                <a:shade val="50000"/>
+              </a:schemeClr>
+            </a:lnRef>
+            <a:fillRef idx="1">
+              <a:schemeClr val="accent1"/>
+            </a:fillRef>
+            <a:effectRef idx="0">
+              <a:schemeClr val="accent1"/>
+            </a:effectRef>
+            <a:fontRef idx="minor">
+              <a:schemeClr val="lt1"/>
+            </a:fontRef>
+          </p:style>
+          <p:txBody>
+            <a:bodyPr rtlCol="0" anchor="ctr"/>
+            <a:lstStyle/>
+            <a:p>
+              <a:pPr algn="ctr"/>
+              <a:endParaRPr lang="it-IT"/>
+            </a:p>
+          </p:txBody>
+        </p:sp>
+      </p:grpSp>
+      <p:sp>
+        <p:nvSpPr>
+          <p:cNvPr id="25" name="Ovale 24"/>
+          <p:cNvSpPr/>
+          <p:nvPr/>
+        </p:nvSpPr>
+        <p:spPr>
+          <a:xfrm>
+            <a:off x="9648304" y="2202449"/>
+            <a:ext cx="1660945" cy="1065933"/>
+          </a:xfrm>
+          <a:prstGeom prst="ellipse">
+            <a:avLst/>
+          </a:prstGeom>
+          <a:solidFill>
+            <a:schemeClr val="accent1">
+              <a:lumMod val="20000"/>
+              <a:lumOff val="80000"/>
+            </a:schemeClr>
+          </a:solidFill>
+          <a:ln w="12700">
+            <a:solidFill>
+              <a:schemeClr val="tx1"/>
+            </a:solidFill>
+          </a:ln>
+        </p:spPr>
+        <p:style>
+          <a:lnRef idx="2">
+            <a:schemeClr val="accent1">
+              <a:shade val="50000"/>
+            </a:schemeClr>
+          </a:lnRef>
+          <a:fillRef idx="1">
+            <a:schemeClr val="accent1"/>
+          </a:fillRef>
+          <a:effectRef idx="0">
+            <a:schemeClr val="accent1"/>
+          </a:effectRef>
+          <a:fontRef idx="minor">
+            <a:schemeClr val="lt1"/>
+          </a:fontRef>
+        </p:style>
+        <p:txBody>
+          <a:bodyPr rtlCol="0" anchor="ctr"/>
+          <a:lstStyle/>
+          <a:p>
+            <a:pPr algn="ctr"/>
+            <a:r>
+              <a:rPr lang="it-IT" sz="1200" dirty="0" smtClean="0">
+                <a:solidFill>
+                  <a:schemeClr val="tx1"/>
+                </a:solidFill>
+                <a:latin typeface="Century Schoolbook" panose="02040604050505020304" pitchFamily="18" charset="0"/>
+              </a:rPr>
+              <a:t>CoAP Support</a:t>
+            </a:r>
+          </a:p>
+        </p:txBody>
+      </p:sp>
+      <p:cxnSp>
+        <p:nvCxnSpPr>
+          <p:cNvPr id="32" name="Connettore 2 31"/>
+          <p:cNvCxnSpPr>
+            <a:stCxn id="20" idx="5"/>
+            <a:endCxn id="25" idx="4"/>
+          </p:cNvCxnSpPr>
+          <p:nvPr/>
+        </p:nvCxnSpPr>
+        <p:spPr>
+          <a:xfrm flipV="1">
+            <a:off x="10478776" y="3268382"/>
+            <a:ext cx="1" cy="894935"/>
+          </a:xfrm>
+          <a:prstGeom prst="straightConnector1">
+            <a:avLst/>
+          </a:prstGeom>
+          <a:ln w="19050">
+            <a:solidFill>
+              <a:schemeClr val="tx1"/>
+            </a:solidFill>
+            <a:headEnd type="none" w="med" len="med"/>
+            <a:tailEnd type="arrow" w="med" len="med"/>
+          </a:ln>
+        </p:spPr>
+        <p:style>
+          <a:lnRef idx="1">
+            <a:schemeClr val="accent1"/>
+          </a:lnRef>
+          <a:fillRef idx="0">
+            <a:schemeClr val="accent1"/>
+          </a:fillRef>
+          <a:effectRef idx="0">
+            <a:schemeClr val="accent1"/>
+          </a:effectRef>
+          <a:fontRef idx="minor">
+            <a:schemeClr val="tx1"/>
+          </a:fontRef>
+        </p:style>
+      </p:cxnSp>
+      <p:cxnSp>
+        <p:nvCxnSpPr>
+          <p:cNvPr id="38" name="Connettore 2 37"/>
+          <p:cNvCxnSpPr>
+            <a:stCxn id="19" idx="2"/>
+            <a:endCxn id="28" idx="6"/>
+          </p:cNvCxnSpPr>
+          <p:nvPr/>
+        </p:nvCxnSpPr>
+        <p:spPr>
+          <a:xfrm flipH="1">
+            <a:off x="8986923" y="4770404"/>
+            <a:ext cx="661380" cy="0"/>
+          </a:xfrm>
+          <a:prstGeom prst="straightConnector1">
+            <a:avLst/>
+          </a:prstGeom>
+          <a:ln w="19050">
+            <a:solidFill>
+              <a:schemeClr val="tx1"/>
+            </a:solidFill>
+            <a:headEnd type="none" w="med" len="med"/>
+            <a:tailEnd type="arrow" w="med" len="med"/>
+          </a:ln>
+        </p:spPr>
+        <p:style>
+          <a:lnRef idx="1">
+            <a:schemeClr val="accent1"/>
+          </a:lnRef>
+          <a:fillRef idx="0">
+            <a:schemeClr val="accent1"/>
+          </a:fillRef>
+          <a:effectRef idx="0">
+            <a:schemeClr val="accent1"/>
+          </a:effectRef>
+          <a:fontRef idx="minor">
+            <a:schemeClr val="tx1"/>
+          </a:fontRef>
+        </p:style>
+      </p:cxnSp>
+      <p:cxnSp>
+        <p:nvCxnSpPr>
+          <p:cNvPr id="41" name="Connettore 2 40"/>
+          <p:cNvCxnSpPr>
+            <a:stCxn id="28" idx="2"/>
+            <a:endCxn id="34" idx="6"/>
+          </p:cNvCxnSpPr>
+          <p:nvPr/>
+        </p:nvCxnSpPr>
+        <p:spPr>
+          <a:xfrm flipH="1" flipV="1">
+            <a:off x="3411184" y="4768660"/>
+            <a:ext cx="3914794" cy="1744"/>
+          </a:xfrm>
+          <a:prstGeom prst="straightConnector1">
+            <a:avLst/>
+          </a:prstGeom>
+          <a:ln w="19050">
+            <a:solidFill>
+              <a:schemeClr val="tx1"/>
+            </a:solidFill>
+            <a:prstDash val="sysDash"/>
+            <a:headEnd type="none" w="med" len="med"/>
+            <a:tailEnd type="arrow" w="med" len="med"/>
+          </a:ln>
+        </p:spPr>
+        <p:style>
+          <a:lnRef idx="1">
+            <a:schemeClr val="accent1"/>
+          </a:lnRef>
+          <a:fillRef idx="0">
+            <a:schemeClr val="accent1"/>
+          </a:fillRef>
+          <a:effectRef idx="0">
+            <a:schemeClr val="accent1"/>
+          </a:effectRef>
+          <a:fontRef idx="minor">
+            <a:schemeClr val="tx1"/>
+          </a:fontRef>
+        </p:style>
+      </p:cxnSp>
+      <p:sp>
+        <p:nvSpPr>
+          <p:cNvPr id="23" name="CasellaDiTesto 22"/>
+          <p:cNvSpPr txBox="1"/>
+          <p:nvPr/>
+        </p:nvSpPr>
+        <p:spPr>
+          <a:xfrm>
+            <a:off x="6394890" y="4209886"/>
+            <a:ext cx="904415" cy="523220"/>
+          </a:xfrm>
+          <a:prstGeom prst="rect">
+            <a:avLst/>
+          </a:prstGeom>
+          <a:noFill/>
+        </p:spPr>
+        <p:txBody>
+          <a:bodyPr wrap="none" rtlCol="0">
+            <a:spAutoFit/>
+          </a:bodyPr>
+          <a:lstStyle/>
+          <a:p>
+            <a:r>
+              <a:rPr lang="it-IT" sz="1400" dirty="0" smtClean="0">
+                <a:solidFill>
+                  <a:schemeClr val="bg2">
+                    <a:lumMod val="25000"/>
+                  </a:schemeClr>
+                </a:solidFill>
+                <a:latin typeface="Bookman Old Style" panose="02050604050505020204" pitchFamily="18" charset="0"/>
+              </a:rPr>
+              <a:t>fanStart</a:t>
+            </a:r>
+          </a:p>
+          <a:p>
+            <a:r>
+              <a:rPr lang="it-IT" sz="1400" dirty="0" smtClean="0">
+                <a:solidFill>
+                  <a:schemeClr val="bg2">
+                    <a:lumMod val="25000"/>
+                  </a:schemeClr>
+                </a:solidFill>
+                <a:latin typeface="Bookman Old Style" panose="02050604050505020204" pitchFamily="18" charset="0"/>
+              </a:rPr>
+              <a:t>fanStop</a:t>
+            </a:r>
+            <a:endParaRPr lang="it-IT" sz="1400" dirty="0">
+              <a:solidFill>
+                <a:schemeClr val="bg2">
+                  <a:lumMod val="25000"/>
+                </a:schemeClr>
+              </a:solidFill>
+              <a:latin typeface="Bookman Old Style" panose="02050604050505020204" pitchFamily="18" charset="0"/>
+            </a:endParaRPr>
+          </a:p>
+        </p:txBody>
+      </p:sp>
+      <p:cxnSp>
+        <p:nvCxnSpPr>
+          <p:cNvPr id="29" name="Connettore 2 28"/>
+          <p:cNvCxnSpPr/>
+          <p:nvPr/>
+        </p:nvCxnSpPr>
+        <p:spPr>
+          <a:xfrm flipH="1">
+            <a:off x="6584736" y="4174311"/>
+            <a:ext cx="524722" cy="0"/>
+          </a:xfrm>
+          <a:prstGeom prst="straightConnector1">
+            <a:avLst/>
+          </a:prstGeom>
+          <a:ln w="19050">
+            <a:solidFill>
+              <a:schemeClr val="tx1"/>
+            </a:solidFill>
+            <a:headEnd type="none" w="med" len="med"/>
+            <a:tailEnd type="arrow" w="med" len="med"/>
+          </a:ln>
+        </p:spPr>
+        <p:style>
+          <a:lnRef idx="1">
+            <a:schemeClr val="accent1"/>
+          </a:lnRef>
+          <a:fillRef idx="0">
+            <a:schemeClr val="accent1"/>
+          </a:fillRef>
+          <a:effectRef idx="0">
+            <a:schemeClr val="accent1"/>
+          </a:effectRef>
+          <a:fontRef idx="minor">
+            <a:schemeClr val="tx1"/>
+          </a:fontRef>
+        </p:style>
+      </p:cxnSp>
+      <p:sp>
+        <p:nvSpPr>
+          <p:cNvPr id="28" name="Ovale 27"/>
+          <p:cNvSpPr/>
+          <p:nvPr/>
+        </p:nvSpPr>
+        <p:spPr>
+          <a:xfrm>
+            <a:off x="7325978" y="4237437"/>
+            <a:ext cx="1660945" cy="1065933"/>
+          </a:xfrm>
+          <a:prstGeom prst="ellipse">
+            <a:avLst/>
+          </a:prstGeom>
+          <a:solidFill>
+            <a:schemeClr val="accent1">
+              <a:lumMod val="20000"/>
+              <a:lumOff val="80000"/>
+            </a:schemeClr>
+          </a:solidFill>
+          <a:ln w="12700">
+            <a:solidFill>
+              <a:schemeClr val="tx1"/>
+            </a:solidFill>
+          </a:ln>
+        </p:spPr>
+        <p:style>
+          <a:lnRef idx="2">
+            <a:schemeClr val="accent1">
+              <a:shade val="50000"/>
+            </a:schemeClr>
+          </a:lnRef>
+          <a:fillRef idx="1">
+            <a:schemeClr val="accent1"/>
+          </a:fillRef>
+          <a:effectRef idx="0">
+            <a:schemeClr val="accent1"/>
+          </a:effectRef>
+          <a:fontRef idx="minor">
+            <a:schemeClr val="lt1"/>
+          </a:fontRef>
+        </p:style>
+        <p:txBody>
+          <a:bodyPr rtlCol="0" anchor="ctr"/>
+          <a:lstStyle/>
+          <a:p>
+            <a:pPr algn="ctr"/>
+            <a:r>
+              <a:rPr lang="it-IT" sz="1200" dirty="0" smtClean="0">
+                <a:solidFill>
+                  <a:schemeClr val="tx1"/>
+                </a:solidFill>
+                <a:latin typeface="Century Schoolbook" panose="02040604050505020304" pitchFamily="18" charset="0"/>
+              </a:rPr>
+              <a:t>Conn Qak Base</a:t>
+            </a:r>
+          </a:p>
+        </p:txBody>
+      </p:sp>
+      <p:grpSp>
+        <p:nvGrpSpPr>
+          <p:cNvPr id="33" name="Gruppo 32"/>
+          <p:cNvGrpSpPr/>
+          <p:nvPr/>
+        </p:nvGrpSpPr>
+        <p:grpSpPr>
+          <a:xfrm>
+            <a:off x="1484758" y="4087454"/>
+            <a:ext cx="1926426" cy="1214172"/>
+            <a:chOff x="402476" y="5184618"/>
+            <a:chExt cx="1926426" cy="1214172"/>
+          </a:xfrm>
+        </p:grpSpPr>
+        <p:sp>
+          <p:nvSpPr>
+            <p:cNvPr id="34" name="Ovale 33"/>
+            <p:cNvSpPr/>
+            <p:nvPr/>
+          </p:nvSpPr>
+          <p:spPr>
+            <a:xfrm>
+              <a:off x="667957" y="5332857"/>
+              <a:ext cx="1660945" cy="1065933"/>
+            </a:xfrm>
+            <a:prstGeom prst="ellipse">
+              <a:avLst/>
+            </a:prstGeom>
+            <a:solidFill>
+              <a:schemeClr val="accent2">
+                <a:lumMod val="20000"/>
+                <a:lumOff val="80000"/>
+              </a:schemeClr>
+            </a:solidFill>
+            <a:ln w="12700">
+              <a:solidFill>
+                <a:schemeClr val="tx1"/>
+              </a:solidFill>
+            </a:ln>
+          </p:spPr>
+          <p:style>
+            <a:lnRef idx="2">
+              <a:schemeClr val="accent1">
+                <a:shade val="50000"/>
+              </a:schemeClr>
+            </a:lnRef>
+            <a:fillRef idx="1">
+              <a:schemeClr val="accent1"/>
+            </a:fillRef>
+            <a:effectRef idx="0">
+              <a:schemeClr val="accent1"/>
+            </a:effectRef>
+            <a:fontRef idx="minor">
+              <a:schemeClr val="lt1"/>
+            </a:fontRef>
+          </p:style>
+          <p:txBody>
+            <a:bodyPr rtlCol="0" anchor="ctr"/>
+            <a:lstStyle/>
+            <a:p>
+              <a:pPr algn="ctr"/>
+              <a:r>
+                <a:rPr lang="it-IT" sz="1200" dirty="0" smtClean="0">
+                  <a:solidFill>
+                    <a:schemeClr val="tx1"/>
+                  </a:solidFill>
+                  <a:latin typeface="Century Schoolbook" panose="02040604050505020304" pitchFamily="18" charset="0"/>
+                </a:rPr>
+                <a:t>Fan</a:t>
+              </a:r>
+            </a:p>
+            <a:p>
+              <a:pPr algn="ctr"/>
+              <a:r>
+                <a:rPr lang="it-IT" sz="1200" dirty="0" smtClean="0">
+                  <a:solidFill>
+                    <a:schemeClr val="tx1"/>
+                  </a:solidFill>
+                  <a:latin typeface="Century Schoolbook" panose="02040604050505020304" pitchFamily="18" charset="0"/>
+                </a:rPr>
+                <a:t>Actor</a:t>
+              </a:r>
+              <a:endParaRPr lang="it-IT" sz="1400" i="1" dirty="0">
+                <a:solidFill>
+                  <a:schemeClr val="tx1"/>
+                </a:solidFill>
+                <a:latin typeface="Century Schoolbook" panose="02040604050505020304" pitchFamily="18" charset="0"/>
+              </a:endParaRPr>
+            </a:p>
+          </p:txBody>
+        </p:sp>
+        <p:sp>
+          <p:nvSpPr>
+            <p:cNvPr id="35" name="Triangolo isoscele 34"/>
+            <p:cNvSpPr/>
+            <p:nvPr/>
+          </p:nvSpPr>
+          <p:spPr>
+            <a:xfrm rot="16200000">
+              <a:off x="1350190" y="5205064"/>
+              <a:ext cx="296478" cy="255585"/>
+            </a:xfrm>
+            <a:prstGeom prst="triangle">
+              <a:avLst/>
+            </a:prstGeom>
+            <a:solidFill>
+              <a:srgbClr val="FF0000"/>
+            </a:solidFill>
+            <a:ln w="12700">
+              <a:solidFill>
+                <a:schemeClr val="tx1"/>
+              </a:solidFill>
+            </a:ln>
+          </p:spPr>
+          <p:style>
+            <a:lnRef idx="2">
+              <a:schemeClr val="accent1">
+                <a:shade val="50000"/>
+              </a:schemeClr>
+            </a:lnRef>
+            <a:fillRef idx="1">
+              <a:schemeClr val="accent1"/>
+            </a:fillRef>
+            <a:effectRef idx="0">
+              <a:schemeClr val="accent1"/>
+            </a:effectRef>
+            <a:fontRef idx="minor">
+              <a:schemeClr val="lt1"/>
+            </a:fontRef>
+          </p:style>
+          <p:txBody>
+            <a:bodyPr rtlCol="0" anchor="ctr"/>
+            <a:lstStyle/>
+            <a:p>
+              <a:pPr algn="ctr"/>
+              <a:endParaRPr lang="it-IT"/>
+            </a:p>
+          </p:txBody>
+        </p:sp>
+        <p:sp>
+          <p:nvSpPr>
+            <p:cNvPr id="39" name="Rettangolo 38"/>
+            <p:cNvSpPr/>
+            <p:nvPr/>
+          </p:nvSpPr>
+          <p:spPr>
+            <a:xfrm>
+              <a:off x="402476" y="5739696"/>
+              <a:ext cx="530961" cy="252254"/>
+            </a:xfrm>
+            <a:prstGeom prst="rect">
+              <a:avLst/>
+            </a:prstGeom>
+            <a:solidFill>
+              <a:schemeClr val="accent2">
+                <a:lumMod val="20000"/>
+                <a:lumOff val="80000"/>
+              </a:schemeClr>
+            </a:solidFill>
+            <a:ln w="12700">
+              <a:solidFill>
+                <a:schemeClr val="tx1"/>
+              </a:solidFill>
+            </a:ln>
+          </p:spPr>
+          <p:style>
+            <a:lnRef idx="2">
+              <a:schemeClr val="accent1">
+                <a:shade val="50000"/>
+              </a:schemeClr>
+            </a:lnRef>
+            <a:fillRef idx="1">
+              <a:schemeClr val="accent1"/>
+            </a:fillRef>
+            <a:effectRef idx="0">
+              <a:schemeClr val="accent1"/>
+            </a:effectRef>
+            <a:fontRef idx="minor">
+              <a:schemeClr val="lt1"/>
+            </a:fontRef>
+          </p:style>
+          <p:txBody>
+            <a:bodyPr rtlCol="0" anchor="ctr"/>
+            <a:lstStyle/>
+            <a:p>
+              <a:pPr algn="ctr"/>
+              <a:endParaRPr lang="it-IT"/>
+            </a:p>
+          </p:txBody>
+        </p:sp>
+      </p:grpSp>
+      <p:grpSp>
+        <p:nvGrpSpPr>
+          <p:cNvPr id="40" name="Gruppo 39"/>
+          <p:cNvGrpSpPr/>
+          <p:nvPr/>
+        </p:nvGrpSpPr>
+        <p:grpSpPr>
+          <a:xfrm>
+            <a:off x="3539807" y="2465987"/>
+            <a:ext cx="1926426" cy="1214172"/>
+            <a:chOff x="402476" y="5184618"/>
+            <a:chExt cx="1926426" cy="1214172"/>
+          </a:xfrm>
+        </p:grpSpPr>
+        <p:sp>
+          <p:nvSpPr>
+            <p:cNvPr id="42" name="Ovale 41"/>
+            <p:cNvSpPr/>
+            <p:nvPr/>
+          </p:nvSpPr>
+          <p:spPr>
+            <a:xfrm>
+              <a:off x="667957" y="5332857"/>
+              <a:ext cx="1660945" cy="1065933"/>
+            </a:xfrm>
+            <a:prstGeom prst="ellipse">
+              <a:avLst/>
+            </a:prstGeom>
+            <a:solidFill>
+              <a:schemeClr val="accent2">
+                <a:lumMod val="20000"/>
+                <a:lumOff val="80000"/>
+              </a:schemeClr>
+            </a:solidFill>
+            <a:ln w="12700">
+              <a:solidFill>
+                <a:schemeClr val="tx1"/>
+              </a:solidFill>
+            </a:ln>
+          </p:spPr>
+          <p:style>
+            <a:lnRef idx="2">
+              <a:schemeClr val="accent1">
+                <a:shade val="50000"/>
+              </a:schemeClr>
+            </a:lnRef>
+            <a:fillRef idx="1">
+              <a:schemeClr val="accent1"/>
+            </a:fillRef>
+            <a:effectRef idx="0">
+              <a:schemeClr val="accent1"/>
+            </a:effectRef>
+            <a:fontRef idx="minor">
+              <a:schemeClr val="lt1"/>
+            </a:fontRef>
+          </p:style>
+          <p:txBody>
+            <a:bodyPr rtlCol="0" anchor="ctr"/>
+            <a:lstStyle/>
+            <a:p>
+              <a:pPr algn="ctr"/>
+              <a:r>
+                <a:rPr lang="it-IT" sz="1200" dirty="0" smtClean="0">
+                  <a:solidFill>
+                    <a:schemeClr val="tx1"/>
+                  </a:solidFill>
+                  <a:latin typeface="Century Schoolbook" panose="02040604050505020304" pitchFamily="18" charset="0"/>
+                </a:rPr>
+                <a:t>Thermometer</a:t>
+              </a:r>
+              <a:endParaRPr lang="it-IT" sz="1200" dirty="0">
+                <a:solidFill>
+                  <a:schemeClr val="tx1"/>
+                </a:solidFill>
+                <a:latin typeface="Century Schoolbook" panose="02040604050505020304" pitchFamily="18" charset="0"/>
+              </a:endParaRPr>
+            </a:p>
+            <a:p>
+              <a:pPr algn="ctr"/>
+              <a:r>
+                <a:rPr lang="it-IT" sz="1200" dirty="0" smtClean="0">
+                  <a:solidFill>
+                    <a:schemeClr val="tx1"/>
+                  </a:solidFill>
+                  <a:latin typeface="Century Schoolbook" panose="02040604050505020304" pitchFamily="18" charset="0"/>
+                </a:rPr>
+                <a:t>Actor</a:t>
+              </a:r>
+              <a:endParaRPr lang="it-IT" sz="1200" dirty="0">
+                <a:solidFill>
+                  <a:schemeClr val="tx1"/>
+                </a:solidFill>
+                <a:latin typeface="Century Schoolbook" panose="02040604050505020304" pitchFamily="18" charset="0"/>
+              </a:endParaRPr>
+            </a:p>
+          </p:txBody>
+        </p:sp>
+        <p:sp>
+          <p:nvSpPr>
+            <p:cNvPr id="43" name="Triangolo isoscele 42"/>
+            <p:cNvSpPr/>
+            <p:nvPr/>
+          </p:nvSpPr>
+          <p:spPr>
+            <a:xfrm rot="16200000">
+              <a:off x="1350190" y="5205064"/>
+              <a:ext cx="296478" cy="255585"/>
+            </a:xfrm>
+            <a:prstGeom prst="triangle">
+              <a:avLst/>
+            </a:prstGeom>
+            <a:solidFill>
+              <a:srgbClr val="FF0000"/>
+            </a:solidFill>
+            <a:ln w="12700">
+              <a:solidFill>
+                <a:schemeClr val="tx1"/>
+              </a:solidFill>
+            </a:ln>
+          </p:spPr>
+          <p:style>
+            <a:lnRef idx="2">
+              <a:schemeClr val="accent1">
+                <a:shade val="50000"/>
+              </a:schemeClr>
+            </a:lnRef>
+            <a:fillRef idx="1">
+              <a:schemeClr val="accent1"/>
+            </a:fillRef>
+            <a:effectRef idx="0">
+              <a:schemeClr val="accent1"/>
+            </a:effectRef>
+            <a:fontRef idx="minor">
+              <a:schemeClr val="lt1"/>
+            </a:fontRef>
+          </p:style>
+          <p:txBody>
+            <a:bodyPr rtlCol="0" anchor="ctr"/>
+            <a:lstStyle/>
+            <a:p>
+              <a:pPr algn="ctr"/>
+              <a:endParaRPr lang="it-IT"/>
+            </a:p>
+          </p:txBody>
+        </p:sp>
+        <p:sp>
+          <p:nvSpPr>
+            <p:cNvPr id="44" name="Rettangolo 43"/>
+            <p:cNvSpPr/>
+            <p:nvPr/>
+          </p:nvSpPr>
+          <p:spPr>
+            <a:xfrm>
+              <a:off x="402476" y="5739696"/>
+              <a:ext cx="530961" cy="252254"/>
+            </a:xfrm>
+            <a:prstGeom prst="rect">
+              <a:avLst/>
+            </a:prstGeom>
+            <a:solidFill>
+              <a:schemeClr val="accent2">
+                <a:lumMod val="20000"/>
+                <a:lumOff val="80000"/>
+              </a:schemeClr>
+            </a:solidFill>
+            <a:ln w="12700">
+              <a:solidFill>
+                <a:schemeClr val="tx1"/>
+              </a:solidFill>
+            </a:ln>
+          </p:spPr>
+          <p:style>
+            <a:lnRef idx="2">
+              <a:schemeClr val="accent1">
+                <a:shade val="50000"/>
+              </a:schemeClr>
+            </a:lnRef>
+            <a:fillRef idx="1">
+              <a:schemeClr val="accent1"/>
+            </a:fillRef>
+            <a:effectRef idx="0">
+              <a:schemeClr val="accent1"/>
+            </a:effectRef>
+            <a:fontRef idx="minor">
+              <a:schemeClr val="lt1"/>
+            </a:fontRef>
+          </p:style>
+          <p:txBody>
+            <a:bodyPr rtlCol="0" anchor="ctr"/>
+            <a:lstStyle/>
+            <a:p>
+              <a:pPr algn="ctr"/>
+              <a:endParaRPr lang="it-IT"/>
+            </a:p>
+          </p:txBody>
+        </p:sp>
+      </p:grpSp>
+      <p:cxnSp>
+        <p:nvCxnSpPr>
+          <p:cNvPr id="45" name="Connettore 2 44"/>
+          <p:cNvCxnSpPr>
+            <a:stCxn id="25" idx="1"/>
+            <a:endCxn id="5" idx="6"/>
+          </p:cNvCxnSpPr>
+          <p:nvPr/>
+        </p:nvCxnSpPr>
+        <p:spPr>
+          <a:xfrm flipH="1" flipV="1">
+            <a:off x="3274326" y="2323273"/>
+            <a:ext cx="6617218" cy="35278"/>
+          </a:xfrm>
+          <a:prstGeom prst="straightConnector1">
+            <a:avLst/>
+          </a:prstGeom>
+          <a:ln w="19050">
+            <a:solidFill>
+              <a:schemeClr val="tx1"/>
+            </a:solidFill>
+            <a:prstDash val="sysDash"/>
+            <a:headEnd type="none" w="med" len="med"/>
+            <a:tailEnd type="triangle" w="med" len="med"/>
+          </a:ln>
+        </p:spPr>
+        <p:style>
+          <a:lnRef idx="1">
+            <a:schemeClr val="accent1"/>
+          </a:lnRef>
+          <a:fillRef idx="0">
+            <a:schemeClr val="accent1"/>
+          </a:fillRef>
+          <a:effectRef idx="0">
+            <a:schemeClr val="accent1"/>
+          </a:effectRef>
+          <a:fontRef idx="minor">
+            <a:schemeClr val="tx1"/>
+          </a:fontRef>
+        </p:style>
+      </p:cxnSp>
+      <p:cxnSp>
+        <p:nvCxnSpPr>
+          <p:cNvPr id="46" name="Connettore 2 45"/>
+          <p:cNvCxnSpPr>
+            <a:stCxn id="25" idx="2"/>
+            <a:endCxn id="42" idx="6"/>
+          </p:cNvCxnSpPr>
+          <p:nvPr/>
+        </p:nvCxnSpPr>
+        <p:spPr>
+          <a:xfrm flipH="1">
+            <a:off x="5466233" y="2735416"/>
+            <a:ext cx="4182071" cy="411777"/>
+          </a:xfrm>
+          <a:prstGeom prst="straightConnector1">
+            <a:avLst/>
+          </a:prstGeom>
+          <a:ln w="19050">
+            <a:solidFill>
+              <a:schemeClr val="tx1"/>
+            </a:solidFill>
+            <a:prstDash val="sysDash"/>
+            <a:headEnd type="none" w="med" len="med"/>
+            <a:tailEnd type="triangle" w="med" len="med"/>
+          </a:ln>
+        </p:spPr>
+        <p:style>
+          <a:lnRef idx="1">
+            <a:schemeClr val="accent1"/>
+          </a:lnRef>
+          <a:fillRef idx="0">
+            <a:schemeClr val="accent1"/>
+          </a:fillRef>
+          <a:effectRef idx="0">
+            <a:schemeClr val="accent1"/>
+          </a:effectRef>
+          <a:fontRef idx="minor">
+            <a:schemeClr val="tx1"/>
+          </a:fontRef>
+        </p:style>
+      </p:cxnSp>
+      <p:cxnSp>
+        <p:nvCxnSpPr>
+          <p:cNvPr id="47" name="Connettore 2 46"/>
+          <p:cNvCxnSpPr>
+            <a:stCxn id="25" idx="3"/>
+            <a:endCxn id="34" idx="7"/>
+          </p:cNvCxnSpPr>
+          <p:nvPr/>
+        </p:nvCxnSpPr>
+        <p:spPr>
+          <a:xfrm flipH="1">
+            <a:off x="3167944" y="3112280"/>
+            <a:ext cx="6723600" cy="1279515"/>
+          </a:xfrm>
+          <a:prstGeom prst="straightConnector1">
+            <a:avLst/>
+          </a:prstGeom>
+          <a:ln w="19050">
+            <a:solidFill>
+              <a:schemeClr val="tx1"/>
+            </a:solidFill>
+            <a:prstDash val="sysDash"/>
+            <a:headEnd type="none" w="med" len="med"/>
+            <a:tailEnd type="triangle" w="med" len="med"/>
+          </a:ln>
+        </p:spPr>
+        <p:style>
+          <a:lnRef idx="1">
+            <a:schemeClr val="accent1"/>
+          </a:lnRef>
+          <a:fillRef idx="0">
+            <a:schemeClr val="accent1"/>
+          </a:fillRef>
+          <a:effectRef idx="0">
+            <a:schemeClr val="accent1"/>
+          </a:effectRef>
+          <a:fontRef idx="minor">
+            <a:schemeClr val="tx1"/>
+          </a:fontRef>
+        </p:style>
+      </p:cxnSp>
+      <p:cxnSp>
+        <p:nvCxnSpPr>
+          <p:cNvPr id="51" name="Connettore 2 50"/>
+          <p:cNvCxnSpPr/>
+          <p:nvPr/>
+        </p:nvCxnSpPr>
+        <p:spPr>
+          <a:xfrm>
+            <a:off x="8363717" y="3514071"/>
+            <a:ext cx="524722" cy="0"/>
+          </a:xfrm>
+          <a:prstGeom prst="straightConnector1">
+            <a:avLst/>
+          </a:prstGeom>
+          <a:ln w="19050">
+            <a:solidFill>
+              <a:schemeClr val="tx1"/>
+            </a:solidFill>
+            <a:headEnd type="none" w="med" len="med"/>
+            <a:tailEnd type="arrow" w="med" len="med"/>
+          </a:ln>
+        </p:spPr>
+        <p:style>
+          <a:lnRef idx="1">
+            <a:schemeClr val="accent1"/>
+          </a:lnRef>
+          <a:fillRef idx="0">
+            <a:schemeClr val="accent1"/>
+          </a:fillRef>
+          <a:effectRef idx="0">
+            <a:schemeClr val="accent1"/>
+          </a:effectRef>
+          <a:fontRef idx="minor">
+            <a:schemeClr val="tx1"/>
+          </a:fontRef>
+        </p:style>
+      </p:cxnSp>
+      <p:sp>
+        <p:nvSpPr>
+          <p:cNvPr id="52" name="CasellaDiTesto 51"/>
+          <p:cNvSpPr txBox="1"/>
+          <p:nvPr/>
+        </p:nvSpPr>
+        <p:spPr>
+          <a:xfrm>
+            <a:off x="8173871" y="3543508"/>
+            <a:ext cx="904415" cy="523220"/>
+          </a:xfrm>
+          <a:prstGeom prst="rect">
+            <a:avLst/>
+          </a:prstGeom>
+          <a:noFill/>
+        </p:spPr>
+        <p:txBody>
+          <a:bodyPr wrap="none" rtlCol="0">
+            <a:spAutoFit/>
+          </a:bodyPr>
+          <a:lstStyle/>
+          <a:p>
+            <a:r>
+              <a:rPr lang="it-IT" sz="1400" dirty="0">
+                <a:solidFill>
+                  <a:schemeClr val="bg2">
+                    <a:lumMod val="25000"/>
+                  </a:schemeClr>
+                </a:solidFill>
+                <a:latin typeface="Bookman Old Style" panose="02050604050505020204" pitchFamily="18" charset="0"/>
+              </a:rPr>
+              <a:t>fanStart</a:t>
+            </a:r>
+          </a:p>
+          <a:p>
+            <a:r>
+              <a:rPr lang="it-IT" sz="1400" dirty="0">
+                <a:solidFill>
+                  <a:schemeClr val="bg2">
+                    <a:lumMod val="25000"/>
+                  </a:schemeClr>
+                </a:solidFill>
+                <a:latin typeface="Bookman Old Style" panose="02050604050505020204" pitchFamily="18" charset="0"/>
+              </a:rPr>
+              <a:t>fanStop</a:t>
+            </a:r>
+          </a:p>
+        </p:txBody>
+      </p:sp>
+      <p:cxnSp>
+        <p:nvCxnSpPr>
+          <p:cNvPr id="55" name="Connettore 2 54"/>
+          <p:cNvCxnSpPr/>
+          <p:nvPr/>
+        </p:nvCxnSpPr>
+        <p:spPr>
+          <a:xfrm>
+            <a:off x="6248060" y="2632192"/>
+            <a:ext cx="524722" cy="0"/>
+          </a:xfrm>
+          <a:prstGeom prst="straightConnector1">
+            <a:avLst/>
+          </a:prstGeom>
+          <a:ln w="19050">
+            <a:solidFill>
+              <a:schemeClr val="tx1"/>
+            </a:solidFill>
+            <a:headEnd type="none" w="med" len="med"/>
+            <a:tailEnd type="arrow" w="med" len="med"/>
+          </a:ln>
+        </p:spPr>
+        <p:style>
+          <a:lnRef idx="1">
+            <a:schemeClr val="accent1"/>
+          </a:lnRef>
+          <a:fillRef idx="0">
+            <a:schemeClr val="accent1"/>
+          </a:fillRef>
+          <a:effectRef idx="0">
+            <a:schemeClr val="accent1"/>
+          </a:effectRef>
+          <a:fontRef idx="minor">
+            <a:schemeClr val="tx1"/>
+          </a:fontRef>
+        </p:style>
+      </p:cxnSp>
+      <p:sp>
+        <p:nvSpPr>
+          <p:cNvPr id="56" name="CasellaDiTesto 55"/>
+          <p:cNvSpPr txBox="1"/>
+          <p:nvPr/>
+        </p:nvSpPr>
+        <p:spPr>
+          <a:xfrm>
+            <a:off x="5690325" y="2651537"/>
+            <a:ext cx="1640193" cy="307777"/>
+          </a:xfrm>
+          <a:prstGeom prst="rect">
+            <a:avLst/>
+          </a:prstGeom>
+          <a:noFill/>
+        </p:spPr>
+        <p:txBody>
+          <a:bodyPr wrap="none" rtlCol="0">
+            <a:spAutoFit/>
+          </a:bodyPr>
+          <a:lstStyle/>
+          <a:p>
+            <a:r>
+              <a:rPr lang="it-IT" sz="1400" dirty="0" smtClean="0">
+                <a:solidFill>
+                  <a:schemeClr val="bg2">
+                    <a:lumMod val="25000"/>
+                  </a:schemeClr>
+                </a:solidFill>
+                <a:latin typeface="Bookman Old Style" panose="02050604050505020204" pitchFamily="18" charset="0"/>
+              </a:rPr>
+              <a:t>Temperature( T )</a:t>
+            </a:r>
+            <a:endParaRPr lang="it-IT" sz="1400" dirty="0">
+              <a:solidFill>
+                <a:schemeClr val="bg2">
+                  <a:lumMod val="25000"/>
+                </a:schemeClr>
+              </a:solidFill>
+              <a:latin typeface="Bookman Old Style" panose="02050604050505020204" pitchFamily="18" charset="0"/>
+            </a:endParaRPr>
+          </a:p>
+        </p:txBody>
+      </p:sp>
+      <p:cxnSp>
+        <p:nvCxnSpPr>
+          <p:cNvPr id="57" name="Connettore 2 56"/>
+          <p:cNvCxnSpPr/>
+          <p:nvPr/>
+        </p:nvCxnSpPr>
+        <p:spPr>
+          <a:xfrm>
+            <a:off x="6061786" y="1804852"/>
+            <a:ext cx="524722" cy="0"/>
+          </a:xfrm>
+          <a:prstGeom prst="straightConnector1">
+            <a:avLst/>
+          </a:prstGeom>
+          <a:ln w="19050">
+            <a:solidFill>
+              <a:schemeClr val="tx1"/>
+            </a:solidFill>
+            <a:headEnd type="none" w="med" len="med"/>
+            <a:tailEnd type="arrow" w="med" len="med"/>
+          </a:ln>
+        </p:spPr>
+        <p:style>
+          <a:lnRef idx="1">
+            <a:schemeClr val="accent1"/>
+          </a:lnRef>
+          <a:fillRef idx="0">
+            <a:schemeClr val="accent1"/>
+          </a:fillRef>
+          <a:effectRef idx="0">
+            <a:schemeClr val="accent1"/>
+          </a:effectRef>
+          <a:fontRef idx="minor">
+            <a:schemeClr val="tx1"/>
+          </a:fontRef>
+        </p:style>
+      </p:cxnSp>
+      <p:sp>
+        <p:nvSpPr>
+          <p:cNvPr id="58" name="CasellaDiTesto 57"/>
+          <p:cNvSpPr txBox="1"/>
+          <p:nvPr/>
+        </p:nvSpPr>
+        <p:spPr>
+          <a:xfrm>
+            <a:off x="5728350" y="1804852"/>
+            <a:ext cx="1308371" cy="523220"/>
+          </a:xfrm>
+          <a:prstGeom prst="rect">
+            <a:avLst/>
+          </a:prstGeom>
+          <a:noFill/>
+        </p:spPr>
+        <p:txBody>
+          <a:bodyPr wrap="none" rtlCol="0">
+            <a:spAutoFit/>
+          </a:bodyPr>
+          <a:lstStyle/>
+          <a:p>
+            <a:r>
+              <a:rPr lang="it-IT" sz="1400" dirty="0">
+                <a:solidFill>
+                  <a:schemeClr val="bg2">
+                    <a:lumMod val="25000"/>
+                  </a:schemeClr>
+                </a:solidFill>
+                <a:latin typeface="Bookman Old Style" panose="02050604050505020204" pitchFamily="18" charset="0"/>
+              </a:rPr>
+              <a:t>s</a:t>
+            </a:r>
+            <a:r>
+              <a:rPr lang="it-IT" sz="1400" dirty="0" smtClean="0">
+                <a:solidFill>
+                  <a:schemeClr val="bg2">
+                    <a:lumMod val="25000"/>
+                  </a:schemeClr>
+                </a:solidFill>
+                <a:latin typeface="Bookman Old Style" panose="02050604050505020204" pitchFamily="18" charset="0"/>
+              </a:rPr>
+              <a:t>lot( vacant )</a:t>
+            </a:r>
+          </a:p>
+          <a:p>
+            <a:r>
+              <a:rPr lang="it-IT" sz="1400" dirty="0" smtClean="0">
+                <a:solidFill>
+                  <a:schemeClr val="bg2">
+                    <a:lumMod val="25000"/>
+                  </a:schemeClr>
+                </a:solidFill>
+                <a:latin typeface="Bookman Old Style" panose="02050604050505020204" pitchFamily="18" charset="0"/>
+              </a:rPr>
+              <a:t>slot( full )</a:t>
+            </a:r>
+            <a:endParaRPr lang="it-IT" sz="1400" dirty="0">
+              <a:solidFill>
+                <a:schemeClr val="bg2">
+                  <a:lumMod val="25000"/>
+                </a:schemeClr>
+              </a:solidFill>
+              <a:latin typeface="Bookman Old Style" panose="02050604050505020204" pitchFamily="18" charset="0"/>
+            </a:endParaRPr>
+          </a:p>
+        </p:txBody>
+      </p:sp>
+    </p:spTree>
+    <p:extLst>
+      <p:ext uri="{BB962C8B-B14F-4D97-AF65-F5344CB8AC3E}">
+        <p14:creationId xmlns:p14="http://schemas.microsoft.com/office/powerpoint/2010/main" val="391048476"/>
+      </p:ext>
+    </p:extLst>
+  </p:cSld>
+  <p:clrMapOvr>
+    <a:masterClrMapping/>
+  </p:clrMapOvr>
+</p:sld>
+</file>
+
+<file path=ppt/slides/slide14.xml><?xml version="1.0" encoding="utf-8"?>
+<p:sld xmlns:a="http://schemas.openxmlformats.org/drawingml/2006/main" xmlns:r="http://schemas.openxmlformats.org/officeDocument/2006/relationships" xmlns:p="http://schemas.openxmlformats.org/presentationml/2006/main">
+  <p:cSld>
+    <p:spTree>
+      <p:nvGrpSpPr>
+        <p:cNvPr id="1" name=""/>
+        <p:cNvGrpSpPr/>
+        <p:nvPr/>
+      </p:nvGrpSpPr>
+      <p:grpSpPr>
+        <a:xfrm>
+          <a:off x="0" y="0"/>
+          <a:ext cx="0" cy="0"/>
+          <a:chOff x="0" y="0"/>
+          <a:chExt cx="0" cy="0"/>
+        </a:xfrm>
+      </p:grpSpPr>
       <p:grpSp>
         <p:nvGrpSpPr>
           <p:cNvPr id="60" name="Gruppo 59"/>
@@ -7879,1240 +10718,7 @@
 </p:sld>
 </file>
 
-<file path=ppt/slides/slide13.xml><?xml version="1.0" encoding="utf-8"?>
-<p:sld xmlns:a="http://schemas.openxmlformats.org/drawingml/2006/main" xmlns:r="http://schemas.openxmlformats.org/officeDocument/2006/relationships" xmlns:p="http://schemas.openxmlformats.org/presentationml/2006/main">
-  <p:cSld>
-    <p:spTree>
-      <p:nvGrpSpPr>
-        <p:cNvPr id="1" name=""/>
-        <p:cNvGrpSpPr/>
-        <p:nvPr/>
-      </p:nvGrpSpPr>
-      <p:grpSpPr>
-        <a:xfrm>
-          <a:off x="0" y="0"/>
-          <a:ext cx="0" cy="0"/>
-          <a:chOff x="0" y="0"/>
-          <a:chExt cx="0" cy="0"/>
-        </a:xfrm>
-      </p:grpSpPr>
-      <p:sp>
-        <p:nvSpPr>
-          <p:cNvPr id="16" name="Rettangolo arrotondato 15"/>
-          <p:cNvSpPr/>
-          <p:nvPr/>
-        </p:nvSpPr>
-        <p:spPr>
-          <a:xfrm>
-            <a:off x="1631851" y="931220"/>
-            <a:ext cx="3152753" cy="3526479"/>
-          </a:xfrm>
-          <a:prstGeom prst="roundRect">
-            <a:avLst/>
-          </a:prstGeom>
-          <a:solidFill>
-            <a:schemeClr val="bg1">
-              <a:lumMod val="95000"/>
-            </a:schemeClr>
-          </a:solidFill>
-          <a:ln w="19050">
-            <a:solidFill>
-              <a:schemeClr val="tx1"/>
-            </a:solidFill>
-          </a:ln>
-        </p:spPr>
-        <p:style>
-          <a:lnRef idx="2">
-            <a:schemeClr val="accent1">
-              <a:shade val="50000"/>
-            </a:schemeClr>
-          </a:lnRef>
-          <a:fillRef idx="1">
-            <a:schemeClr val="accent1"/>
-          </a:fillRef>
-          <a:effectRef idx="0">
-            <a:schemeClr val="accent1"/>
-          </a:effectRef>
-          <a:fontRef idx="minor">
-            <a:schemeClr val="lt1"/>
-          </a:fontRef>
-        </p:style>
-        <p:txBody>
-          <a:bodyPr rtlCol="0" anchor="ctr"/>
-          <a:lstStyle/>
-          <a:p>
-            <a:pPr algn="ctr"/>
-            <a:endParaRPr lang="it-IT" sz="1400" dirty="0">
-              <a:solidFill>
-                <a:schemeClr val="tx1"/>
-              </a:solidFill>
-              <a:latin typeface="Century Schoolbook" panose="02040604050505020304" pitchFamily="18" charset="0"/>
-            </a:endParaRPr>
-          </a:p>
-        </p:txBody>
-      </p:sp>
-      <p:grpSp>
-        <p:nvGrpSpPr>
-          <p:cNvPr id="4" name="Gruppo 3"/>
-          <p:cNvGrpSpPr/>
-          <p:nvPr/>
-        </p:nvGrpSpPr>
-        <p:grpSpPr>
-          <a:xfrm>
-            <a:off x="2241133" y="2997017"/>
-            <a:ext cx="1926426" cy="1214172"/>
-            <a:chOff x="402476" y="5184618"/>
-            <a:chExt cx="1926426" cy="1214172"/>
-          </a:xfrm>
-        </p:grpSpPr>
-        <p:sp>
-          <p:nvSpPr>
-            <p:cNvPr id="5" name="Ovale 4"/>
-            <p:cNvSpPr/>
-            <p:nvPr/>
-          </p:nvSpPr>
-          <p:spPr>
-            <a:xfrm>
-              <a:off x="667957" y="5332857"/>
-              <a:ext cx="1660945" cy="1065933"/>
-            </a:xfrm>
-            <a:prstGeom prst="ellipse">
-              <a:avLst/>
-            </a:prstGeom>
-            <a:solidFill>
-              <a:schemeClr val="accent2">
-                <a:lumMod val="20000"/>
-                <a:lumOff val="80000"/>
-              </a:schemeClr>
-            </a:solidFill>
-            <a:ln w="12700">
-              <a:solidFill>
-                <a:schemeClr val="tx1"/>
-              </a:solidFill>
-            </a:ln>
-          </p:spPr>
-          <p:style>
-            <a:lnRef idx="2">
-              <a:schemeClr val="accent1">
-                <a:shade val="50000"/>
-              </a:schemeClr>
-            </a:lnRef>
-            <a:fillRef idx="1">
-              <a:schemeClr val="accent1"/>
-            </a:fillRef>
-            <a:effectRef idx="0">
-              <a:schemeClr val="accent1"/>
-            </a:effectRef>
-            <a:fontRef idx="minor">
-              <a:schemeClr val="lt1"/>
-            </a:fontRef>
-          </p:style>
-          <p:txBody>
-            <a:bodyPr rtlCol="0" anchor="ctr"/>
-            <a:lstStyle/>
-            <a:p>
-              <a:pPr algn="ctr"/>
-              <a:r>
-                <a:rPr lang="it-IT" sz="1200" dirty="0">
-                  <a:solidFill>
-                    <a:schemeClr val="tx1"/>
-                  </a:solidFill>
-                  <a:latin typeface="Century Schoolbook" panose="02040604050505020304" pitchFamily="18" charset="0"/>
-                </a:rPr>
-                <a:t>Park Manager Service</a:t>
-              </a:r>
-            </a:p>
-            <a:p>
-              <a:pPr algn="ctr"/>
-              <a:r>
-                <a:rPr lang="it-IT" sz="1100" i="1" dirty="0">
-                  <a:solidFill>
-                    <a:schemeClr val="tx1"/>
-                  </a:solidFill>
-                  <a:latin typeface="Century Schoolbook" panose="02040604050505020304" pitchFamily="18" charset="0"/>
-                </a:rPr>
-                <a:t>(business logic)</a:t>
-              </a:r>
-              <a:endParaRPr lang="it-IT" sz="1400" i="1" dirty="0">
-                <a:solidFill>
-                  <a:schemeClr val="tx1"/>
-                </a:solidFill>
-                <a:latin typeface="Century Schoolbook" panose="02040604050505020304" pitchFamily="18" charset="0"/>
-              </a:endParaRPr>
-            </a:p>
-          </p:txBody>
-        </p:sp>
-        <p:sp>
-          <p:nvSpPr>
-            <p:cNvPr id="6" name="Triangolo isoscele 5"/>
-            <p:cNvSpPr/>
-            <p:nvPr/>
-          </p:nvSpPr>
-          <p:spPr>
-            <a:xfrm rot="16200000">
-              <a:off x="1350190" y="5205064"/>
-              <a:ext cx="296478" cy="255585"/>
-            </a:xfrm>
-            <a:prstGeom prst="triangle">
-              <a:avLst/>
-            </a:prstGeom>
-            <a:solidFill>
-              <a:srgbClr val="FF0000"/>
-            </a:solidFill>
-            <a:ln w="12700">
-              <a:solidFill>
-                <a:schemeClr val="tx1"/>
-              </a:solidFill>
-            </a:ln>
-          </p:spPr>
-          <p:style>
-            <a:lnRef idx="2">
-              <a:schemeClr val="accent1">
-                <a:shade val="50000"/>
-              </a:schemeClr>
-            </a:lnRef>
-            <a:fillRef idx="1">
-              <a:schemeClr val="accent1"/>
-            </a:fillRef>
-            <a:effectRef idx="0">
-              <a:schemeClr val="accent1"/>
-            </a:effectRef>
-            <a:fontRef idx="minor">
-              <a:schemeClr val="lt1"/>
-            </a:fontRef>
-          </p:style>
-          <p:txBody>
-            <a:bodyPr rtlCol="0" anchor="ctr"/>
-            <a:lstStyle/>
-            <a:p>
-              <a:pPr algn="ctr"/>
-              <a:endParaRPr lang="it-IT"/>
-            </a:p>
-          </p:txBody>
-        </p:sp>
-        <p:sp>
-          <p:nvSpPr>
-            <p:cNvPr id="7" name="Rettangolo 6"/>
-            <p:cNvSpPr/>
-            <p:nvPr/>
-          </p:nvSpPr>
-          <p:spPr>
-            <a:xfrm>
-              <a:off x="402476" y="5739696"/>
-              <a:ext cx="530961" cy="252254"/>
-            </a:xfrm>
-            <a:prstGeom prst="rect">
-              <a:avLst/>
-            </a:prstGeom>
-            <a:solidFill>
-              <a:schemeClr val="accent2">
-                <a:lumMod val="20000"/>
-                <a:lumOff val="80000"/>
-              </a:schemeClr>
-            </a:solidFill>
-            <a:ln w="12700">
-              <a:solidFill>
-                <a:schemeClr val="tx1"/>
-              </a:solidFill>
-            </a:ln>
-          </p:spPr>
-          <p:style>
-            <a:lnRef idx="2">
-              <a:schemeClr val="accent1">
-                <a:shade val="50000"/>
-              </a:schemeClr>
-            </a:lnRef>
-            <a:fillRef idx="1">
-              <a:schemeClr val="accent1"/>
-            </a:fillRef>
-            <a:effectRef idx="0">
-              <a:schemeClr val="accent1"/>
-            </a:effectRef>
-            <a:fontRef idx="minor">
-              <a:schemeClr val="lt1"/>
-            </a:fontRef>
-          </p:style>
-          <p:txBody>
-            <a:bodyPr rtlCol="0" anchor="ctr"/>
-            <a:lstStyle/>
-            <a:p>
-              <a:pPr algn="ctr"/>
-              <a:endParaRPr lang="it-IT"/>
-            </a:p>
-          </p:txBody>
-        </p:sp>
-      </p:grpSp>
-      <p:grpSp>
-        <p:nvGrpSpPr>
-          <p:cNvPr id="8" name="Gruppo 7"/>
-          <p:cNvGrpSpPr/>
-          <p:nvPr/>
-        </p:nvGrpSpPr>
-        <p:grpSpPr>
-          <a:xfrm>
-            <a:off x="2241133" y="1345835"/>
-            <a:ext cx="1926426" cy="1214172"/>
-            <a:chOff x="402476" y="5184618"/>
-            <a:chExt cx="1926426" cy="1214172"/>
-          </a:xfrm>
-        </p:grpSpPr>
-        <p:sp>
-          <p:nvSpPr>
-            <p:cNvPr id="9" name="Ovale 8"/>
-            <p:cNvSpPr/>
-            <p:nvPr/>
-          </p:nvSpPr>
-          <p:spPr>
-            <a:xfrm>
-              <a:off x="667957" y="5332857"/>
-              <a:ext cx="1660945" cy="1065933"/>
-            </a:xfrm>
-            <a:prstGeom prst="ellipse">
-              <a:avLst/>
-            </a:prstGeom>
-            <a:solidFill>
-              <a:schemeClr val="accent2">
-                <a:lumMod val="20000"/>
-                <a:lumOff val="80000"/>
-              </a:schemeClr>
-            </a:solidFill>
-            <a:ln w="12700">
-              <a:solidFill>
-                <a:schemeClr val="tx1"/>
-              </a:solidFill>
-            </a:ln>
-          </p:spPr>
-          <p:style>
-            <a:lnRef idx="2">
-              <a:schemeClr val="accent1">
-                <a:shade val="50000"/>
-              </a:schemeClr>
-            </a:lnRef>
-            <a:fillRef idx="1">
-              <a:schemeClr val="accent1"/>
-            </a:fillRef>
-            <a:effectRef idx="0">
-              <a:schemeClr val="accent1"/>
-            </a:effectRef>
-            <a:fontRef idx="minor">
-              <a:schemeClr val="lt1"/>
-            </a:fontRef>
-          </p:style>
-          <p:txBody>
-            <a:bodyPr rtlCol="0" anchor="ctr"/>
-            <a:lstStyle/>
-            <a:p>
-              <a:pPr algn="ctr"/>
-              <a:r>
-                <a:rPr lang="it-IT" sz="1200" dirty="0">
-                  <a:solidFill>
-                    <a:schemeClr val="tx1"/>
-                  </a:solidFill>
-                  <a:latin typeface="Century Schoolbook" panose="02040604050505020304" pitchFamily="18" charset="0"/>
-                </a:rPr>
-                <a:t>Park Service GUI Actor</a:t>
-              </a:r>
-            </a:p>
-            <a:p>
-              <a:pPr lvl="0" algn="ctr"/>
-              <a:r>
-                <a:rPr lang="it-IT" sz="1100" i="1" dirty="0">
-                  <a:solidFill>
-                    <a:prstClr val="black"/>
-                  </a:solidFill>
-                  <a:latin typeface="Century Schoolbook" panose="02040604050505020304" pitchFamily="18" charset="0"/>
-                </a:rPr>
-                <a:t>(client’s)</a:t>
-              </a:r>
-              <a:endParaRPr lang="it-IT" sz="1400" i="1" dirty="0">
-                <a:solidFill>
-                  <a:prstClr val="black"/>
-                </a:solidFill>
-                <a:latin typeface="Century Schoolbook" panose="02040604050505020304" pitchFamily="18" charset="0"/>
-              </a:endParaRPr>
-            </a:p>
-          </p:txBody>
-        </p:sp>
-        <p:sp>
-          <p:nvSpPr>
-            <p:cNvPr id="10" name="Triangolo isoscele 9"/>
-            <p:cNvSpPr/>
-            <p:nvPr/>
-          </p:nvSpPr>
-          <p:spPr>
-            <a:xfrm rot="16200000">
-              <a:off x="1350190" y="5205064"/>
-              <a:ext cx="296478" cy="255585"/>
-            </a:xfrm>
-            <a:prstGeom prst="triangle">
-              <a:avLst/>
-            </a:prstGeom>
-            <a:solidFill>
-              <a:srgbClr val="FF0000"/>
-            </a:solidFill>
-            <a:ln w="12700">
-              <a:solidFill>
-                <a:schemeClr val="tx1"/>
-              </a:solidFill>
-            </a:ln>
-          </p:spPr>
-          <p:style>
-            <a:lnRef idx="2">
-              <a:schemeClr val="accent1">
-                <a:shade val="50000"/>
-              </a:schemeClr>
-            </a:lnRef>
-            <a:fillRef idx="1">
-              <a:schemeClr val="accent1"/>
-            </a:fillRef>
-            <a:effectRef idx="0">
-              <a:schemeClr val="accent1"/>
-            </a:effectRef>
-            <a:fontRef idx="minor">
-              <a:schemeClr val="lt1"/>
-            </a:fontRef>
-          </p:style>
-          <p:txBody>
-            <a:bodyPr rtlCol="0" anchor="ctr"/>
-            <a:lstStyle/>
-            <a:p>
-              <a:pPr algn="ctr"/>
-              <a:endParaRPr lang="it-IT"/>
-            </a:p>
-          </p:txBody>
-        </p:sp>
-        <p:sp>
-          <p:nvSpPr>
-            <p:cNvPr id="11" name="Rettangolo 10"/>
-            <p:cNvSpPr/>
-            <p:nvPr/>
-          </p:nvSpPr>
-          <p:spPr>
-            <a:xfrm>
-              <a:off x="402476" y="5739696"/>
-              <a:ext cx="530961" cy="252254"/>
-            </a:xfrm>
-            <a:prstGeom prst="rect">
-              <a:avLst/>
-            </a:prstGeom>
-            <a:solidFill>
-              <a:schemeClr val="accent2">
-                <a:lumMod val="20000"/>
-                <a:lumOff val="80000"/>
-              </a:schemeClr>
-            </a:solidFill>
-            <a:ln w="12700">
-              <a:solidFill>
-                <a:schemeClr val="tx1"/>
-              </a:solidFill>
-            </a:ln>
-          </p:spPr>
-          <p:style>
-            <a:lnRef idx="2">
-              <a:schemeClr val="accent1">
-                <a:shade val="50000"/>
-              </a:schemeClr>
-            </a:lnRef>
-            <a:fillRef idx="1">
-              <a:schemeClr val="accent1"/>
-            </a:fillRef>
-            <a:effectRef idx="0">
-              <a:schemeClr val="accent1"/>
-            </a:effectRef>
-            <a:fontRef idx="minor">
-              <a:schemeClr val="lt1"/>
-            </a:fontRef>
-          </p:style>
-          <p:txBody>
-            <a:bodyPr rtlCol="0" anchor="ctr"/>
-            <a:lstStyle/>
-            <a:p>
-              <a:pPr algn="ctr"/>
-              <a:endParaRPr lang="it-IT"/>
-            </a:p>
-          </p:txBody>
-        </p:sp>
-      </p:grpSp>
-      <p:sp>
-        <p:nvSpPr>
-          <p:cNvPr id="17" name="Rettangolo arrotondato 16"/>
-          <p:cNvSpPr/>
-          <p:nvPr/>
-        </p:nvSpPr>
-        <p:spPr>
-          <a:xfrm>
-            <a:off x="2199815" y="692525"/>
-            <a:ext cx="2009062" cy="471580"/>
-          </a:xfrm>
-          <a:prstGeom prst="roundRect">
-            <a:avLst/>
-          </a:prstGeom>
-          <a:solidFill>
-            <a:schemeClr val="accent1">
-              <a:lumMod val="20000"/>
-              <a:lumOff val="80000"/>
-            </a:schemeClr>
-          </a:solidFill>
-          <a:ln>
-            <a:solidFill>
-              <a:schemeClr val="tx1"/>
-            </a:solidFill>
-          </a:ln>
-        </p:spPr>
-        <p:style>
-          <a:lnRef idx="2">
-            <a:schemeClr val="accent1">
-              <a:shade val="50000"/>
-            </a:schemeClr>
-          </a:lnRef>
-          <a:fillRef idx="1">
-            <a:schemeClr val="accent1"/>
-          </a:fillRef>
-          <a:effectRef idx="0">
-            <a:schemeClr val="accent1"/>
-          </a:effectRef>
-          <a:fontRef idx="minor">
-            <a:schemeClr val="lt1"/>
-          </a:fontRef>
-        </p:style>
-        <p:txBody>
-          <a:bodyPr rtlCol="0" anchor="ctr"/>
-          <a:lstStyle/>
-          <a:p>
-            <a:pPr algn="ctr"/>
-            <a:r>
-              <a:rPr lang="it-IT" sz="1400" dirty="0">
-                <a:solidFill>
-                  <a:schemeClr val="tx1"/>
-                </a:solidFill>
-                <a:latin typeface="Century Schoolbook" panose="02040604050505020304" pitchFamily="18" charset="0"/>
-              </a:rPr>
-              <a:t>ctx Car Parking</a:t>
-            </a:r>
-          </a:p>
-        </p:txBody>
-      </p:sp>
-      <p:grpSp>
-        <p:nvGrpSpPr>
-          <p:cNvPr id="22" name="Gruppo 21"/>
-          <p:cNvGrpSpPr/>
-          <p:nvPr/>
-        </p:nvGrpSpPr>
-        <p:grpSpPr>
-          <a:xfrm>
-            <a:off x="8699398" y="3459470"/>
-            <a:ext cx="1660945" cy="1214172"/>
-            <a:chOff x="7744200" y="2907063"/>
-            <a:chExt cx="1660945" cy="1214172"/>
-          </a:xfrm>
-        </p:grpSpPr>
-        <p:sp>
-          <p:nvSpPr>
-            <p:cNvPr id="19" name="Ovale 18"/>
-            <p:cNvSpPr/>
-            <p:nvPr/>
-          </p:nvSpPr>
-          <p:spPr>
-            <a:xfrm>
-              <a:off x="7744200" y="3055302"/>
-              <a:ext cx="1660945" cy="1065933"/>
-            </a:xfrm>
-            <a:prstGeom prst="ellipse">
-              <a:avLst/>
-            </a:prstGeom>
-            <a:solidFill>
-              <a:schemeClr val="accent4">
-                <a:lumMod val="20000"/>
-                <a:lumOff val="80000"/>
-              </a:schemeClr>
-            </a:solidFill>
-            <a:ln w="12700">
-              <a:solidFill>
-                <a:schemeClr val="tx1"/>
-              </a:solidFill>
-            </a:ln>
-          </p:spPr>
-          <p:style>
-            <a:lnRef idx="2">
-              <a:schemeClr val="accent1">
-                <a:shade val="50000"/>
-              </a:schemeClr>
-            </a:lnRef>
-            <a:fillRef idx="1">
-              <a:schemeClr val="accent1"/>
-            </a:fillRef>
-            <a:effectRef idx="0">
-              <a:schemeClr val="accent1"/>
-            </a:effectRef>
-            <a:fontRef idx="minor">
-              <a:schemeClr val="lt1"/>
-            </a:fontRef>
-          </p:style>
-          <p:txBody>
-            <a:bodyPr rtlCol="0" anchor="ctr"/>
-            <a:lstStyle/>
-            <a:p>
-              <a:pPr algn="ctr"/>
-              <a:r>
-                <a:rPr lang="it-IT" sz="1200" dirty="0">
-                  <a:solidFill>
-                    <a:schemeClr val="tx1"/>
-                  </a:solidFill>
-                  <a:latin typeface="Century Schoolbook" panose="02040604050505020304" pitchFamily="18" charset="0"/>
-                </a:rPr>
-                <a:t>Client GUI</a:t>
-              </a:r>
-            </a:p>
-            <a:p>
-              <a:pPr lvl="0" algn="ctr"/>
-              <a:r>
-                <a:rPr lang="it-IT" sz="1100" i="1" dirty="0">
-                  <a:solidFill>
-                    <a:prstClr val="black"/>
-                  </a:solidFill>
-                  <a:latin typeface="Century Schoolbook" panose="02040604050505020304" pitchFamily="18" charset="0"/>
-                </a:rPr>
-                <a:t>(Web GUI)</a:t>
-              </a:r>
-              <a:endParaRPr lang="it-IT" sz="1400" i="1" dirty="0">
-                <a:solidFill>
-                  <a:prstClr val="black"/>
-                </a:solidFill>
-                <a:latin typeface="Century Schoolbook" panose="02040604050505020304" pitchFamily="18" charset="0"/>
-              </a:endParaRPr>
-            </a:p>
-          </p:txBody>
-        </p:sp>
-        <p:sp>
-          <p:nvSpPr>
-            <p:cNvPr id="20" name="Triangolo isoscele 19"/>
-            <p:cNvSpPr/>
-            <p:nvPr/>
-          </p:nvSpPr>
-          <p:spPr>
-            <a:xfrm rot="16200000">
-              <a:off x="8426433" y="2927509"/>
-              <a:ext cx="296478" cy="255585"/>
-            </a:xfrm>
-            <a:prstGeom prst="triangle">
-              <a:avLst/>
-            </a:prstGeom>
-            <a:solidFill>
-              <a:srgbClr val="FF0000"/>
-            </a:solidFill>
-            <a:ln w="12700">
-              <a:solidFill>
-                <a:schemeClr val="tx1"/>
-              </a:solidFill>
-            </a:ln>
-          </p:spPr>
-          <p:style>
-            <a:lnRef idx="2">
-              <a:schemeClr val="accent1">
-                <a:shade val="50000"/>
-              </a:schemeClr>
-            </a:lnRef>
-            <a:fillRef idx="1">
-              <a:schemeClr val="accent1"/>
-            </a:fillRef>
-            <a:effectRef idx="0">
-              <a:schemeClr val="accent1"/>
-            </a:effectRef>
-            <a:fontRef idx="minor">
-              <a:schemeClr val="lt1"/>
-            </a:fontRef>
-          </p:style>
-          <p:txBody>
-            <a:bodyPr rtlCol="0" anchor="ctr"/>
-            <a:lstStyle/>
-            <a:p>
-              <a:pPr algn="ctr"/>
-              <a:endParaRPr lang="it-IT"/>
-            </a:p>
-          </p:txBody>
-        </p:sp>
-      </p:grpSp>
-      <p:sp>
-        <p:nvSpPr>
-          <p:cNvPr id="25" name="Ovale 24"/>
-          <p:cNvSpPr/>
-          <p:nvPr/>
-        </p:nvSpPr>
-        <p:spPr>
-          <a:xfrm>
-            <a:off x="8699399" y="1520966"/>
-            <a:ext cx="1660945" cy="1065933"/>
-          </a:xfrm>
-          <a:prstGeom prst="ellipse">
-            <a:avLst/>
-          </a:prstGeom>
-          <a:solidFill>
-            <a:schemeClr val="accent1">
-              <a:lumMod val="20000"/>
-              <a:lumOff val="80000"/>
-            </a:schemeClr>
-          </a:solidFill>
-          <a:ln w="12700">
-            <a:solidFill>
-              <a:schemeClr val="tx1"/>
-            </a:solidFill>
-          </a:ln>
-        </p:spPr>
-        <p:style>
-          <a:lnRef idx="2">
-            <a:schemeClr val="accent1">
-              <a:shade val="50000"/>
-            </a:schemeClr>
-          </a:lnRef>
-          <a:fillRef idx="1">
-            <a:schemeClr val="accent1"/>
-          </a:fillRef>
-          <a:effectRef idx="0">
-            <a:schemeClr val="accent1"/>
-          </a:effectRef>
-          <a:fontRef idx="minor">
-            <a:schemeClr val="lt1"/>
-          </a:fontRef>
-        </p:style>
-        <p:txBody>
-          <a:bodyPr rtlCol="0" anchor="ctr"/>
-          <a:lstStyle/>
-          <a:p>
-            <a:pPr algn="ctr"/>
-            <a:r>
-              <a:rPr lang="it-IT" sz="1200" dirty="0">
-                <a:solidFill>
-                  <a:schemeClr val="tx1"/>
-                </a:solidFill>
-                <a:latin typeface="Century Schoolbook" panose="02040604050505020304" pitchFamily="18" charset="0"/>
-              </a:rPr>
-              <a:t>CoAP Support</a:t>
-            </a:r>
-          </a:p>
-          <a:p>
-            <a:pPr lvl="0" algn="ctr"/>
-            <a:r>
-              <a:rPr lang="it-IT" sz="1100" i="1" dirty="0">
-                <a:solidFill>
-                  <a:prstClr val="black"/>
-                </a:solidFill>
-                <a:latin typeface="Century Schoolbook" panose="02040604050505020304" pitchFamily="18" charset="0"/>
-              </a:rPr>
-              <a:t>(Observer)</a:t>
-            </a:r>
-            <a:endParaRPr lang="it-IT" sz="1400" i="1" dirty="0">
-              <a:solidFill>
-                <a:prstClr val="black"/>
-              </a:solidFill>
-              <a:latin typeface="Century Schoolbook" panose="02040604050505020304" pitchFamily="18" charset="0"/>
-            </a:endParaRPr>
-          </a:p>
-        </p:txBody>
-      </p:sp>
-      <p:cxnSp>
-        <p:nvCxnSpPr>
-          <p:cNvPr id="27" name="Connettore 2 26"/>
-          <p:cNvCxnSpPr>
-            <a:stCxn id="25" idx="2"/>
-            <a:endCxn id="9" idx="6"/>
-          </p:cNvCxnSpPr>
-          <p:nvPr/>
-        </p:nvCxnSpPr>
-        <p:spPr>
-          <a:xfrm flipH="1" flipV="1">
-            <a:off x="4167559" y="2027041"/>
-            <a:ext cx="4531840" cy="26892"/>
-          </a:xfrm>
-          <a:prstGeom prst="straightConnector1">
-            <a:avLst/>
-          </a:prstGeom>
-          <a:ln w="19050">
-            <a:solidFill>
-              <a:schemeClr val="tx1"/>
-            </a:solidFill>
-            <a:prstDash val="sysDash"/>
-            <a:headEnd type="none" w="med" len="med"/>
-            <a:tailEnd type="triangle" w="med" len="med"/>
-          </a:ln>
-        </p:spPr>
-        <p:style>
-          <a:lnRef idx="1">
-            <a:schemeClr val="accent1"/>
-          </a:lnRef>
-          <a:fillRef idx="0">
-            <a:schemeClr val="accent1"/>
-          </a:fillRef>
-          <a:effectRef idx="0">
-            <a:schemeClr val="accent1"/>
-          </a:effectRef>
-          <a:fontRef idx="minor">
-            <a:schemeClr val="tx1"/>
-          </a:fontRef>
-        </p:style>
-      </p:cxnSp>
-      <p:cxnSp>
-        <p:nvCxnSpPr>
-          <p:cNvPr id="32" name="Connettore 2 31"/>
-          <p:cNvCxnSpPr>
-            <a:stCxn id="20" idx="5"/>
-            <a:endCxn id="25" idx="4"/>
-          </p:cNvCxnSpPr>
-          <p:nvPr/>
-        </p:nvCxnSpPr>
-        <p:spPr>
-          <a:xfrm flipV="1">
-            <a:off x="9529871" y="2586899"/>
-            <a:ext cx="1" cy="946690"/>
-          </a:xfrm>
-          <a:prstGeom prst="straightConnector1">
-            <a:avLst/>
-          </a:prstGeom>
-          <a:ln w="19050">
-            <a:solidFill>
-              <a:schemeClr val="tx1"/>
-            </a:solidFill>
-            <a:headEnd type="none" w="med" len="med"/>
-            <a:tailEnd type="arrow" w="med" len="med"/>
-          </a:ln>
-        </p:spPr>
-        <p:style>
-          <a:lnRef idx="1">
-            <a:schemeClr val="accent1"/>
-          </a:lnRef>
-          <a:fillRef idx="0">
-            <a:schemeClr val="accent1"/>
-          </a:fillRef>
-          <a:effectRef idx="0">
-            <a:schemeClr val="accent1"/>
-          </a:effectRef>
-          <a:fontRef idx="minor">
-            <a:schemeClr val="tx1"/>
-          </a:fontRef>
-        </p:style>
-      </p:cxnSp>
-      <p:sp>
-        <p:nvSpPr>
-          <p:cNvPr id="36" name="Rettangolo arrotondato 35"/>
-          <p:cNvSpPr/>
-          <p:nvPr/>
-        </p:nvSpPr>
-        <p:spPr>
-          <a:xfrm>
-            <a:off x="6166977" y="3433306"/>
-            <a:ext cx="2009062" cy="471580"/>
-          </a:xfrm>
-          <a:prstGeom prst="roundRect">
-            <a:avLst/>
-          </a:prstGeom>
-          <a:solidFill>
-            <a:schemeClr val="accent4">
-              <a:lumMod val="20000"/>
-              <a:lumOff val="80000"/>
-            </a:schemeClr>
-          </a:solidFill>
-          <a:ln>
-            <a:solidFill>
-              <a:schemeClr val="tx1"/>
-            </a:solidFill>
-          </a:ln>
-        </p:spPr>
-        <p:style>
-          <a:lnRef idx="2">
-            <a:schemeClr val="accent1">
-              <a:shade val="50000"/>
-            </a:schemeClr>
-          </a:lnRef>
-          <a:fillRef idx="1">
-            <a:schemeClr val="accent1"/>
-          </a:fillRef>
-          <a:effectRef idx="0">
-            <a:schemeClr val="accent1"/>
-          </a:effectRef>
-          <a:fontRef idx="minor">
-            <a:schemeClr val="lt1"/>
-          </a:fontRef>
-        </p:style>
-        <p:txBody>
-          <a:bodyPr rtlCol="0" anchor="ctr"/>
-          <a:lstStyle/>
-          <a:p>
-            <a:pPr algn="ctr"/>
-            <a:r>
-              <a:rPr lang="it-IT" sz="1400" dirty="0">
-                <a:solidFill>
-                  <a:schemeClr val="tx1"/>
-                </a:solidFill>
-                <a:latin typeface="Century Schoolbook" panose="02040604050505020304" pitchFamily="18" charset="0"/>
-              </a:rPr>
-              <a:t>Conn Qak TPC</a:t>
-            </a:r>
-          </a:p>
-        </p:txBody>
-      </p:sp>
-      <p:sp>
-        <p:nvSpPr>
-          <p:cNvPr id="37" name="Rettangolo arrotondato 36"/>
-          <p:cNvSpPr/>
-          <p:nvPr/>
-        </p:nvSpPr>
-        <p:spPr>
-          <a:xfrm>
-            <a:off x="6166977" y="3911854"/>
-            <a:ext cx="2009062" cy="471580"/>
-          </a:xfrm>
-          <a:prstGeom prst="roundRect">
-            <a:avLst/>
-          </a:prstGeom>
-          <a:solidFill>
-            <a:schemeClr val="accent6">
-              <a:lumMod val="20000"/>
-              <a:lumOff val="80000"/>
-            </a:schemeClr>
-          </a:solidFill>
-          <a:ln>
-            <a:solidFill>
-              <a:schemeClr val="tx1"/>
-            </a:solidFill>
-          </a:ln>
-        </p:spPr>
-        <p:style>
-          <a:lnRef idx="2">
-            <a:schemeClr val="accent1">
-              <a:shade val="50000"/>
-            </a:schemeClr>
-          </a:lnRef>
-          <a:fillRef idx="1">
-            <a:schemeClr val="accent1"/>
-          </a:fillRef>
-          <a:effectRef idx="0">
-            <a:schemeClr val="accent1"/>
-          </a:effectRef>
-          <a:fontRef idx="minor">
-            <a:schemeClr val="lt1"/>
-          </a:fontRef>
-        </p:style>
-        <p:txBody>
-          <a:bodyPr rtlCol="0" anchor="ctr"/>
-          <a:lstStyle/>
-          <a:p>
-            <a:pPr algn="ctr"/>
-            <a:r>
-              <a:rPr lang="it-IT" sz="1400" dirty="0">
-                <a:solidFill>
-                  <a:schemeClr val="tx1"/>
-                </a:solidFill>
-                <a:latin typeface="Century Schoolbook" panose="02040604050505020304" pitchFamily="18" charset="0"/>
-              </a:rPr>
-              <a:t>Conn Qak Base</a:t>
-            </a:r>
-          </a:p>
-          <a:p>
-            <a:pPr algn="ctr"/>
-            <a:r>
-              <a:rPr lang="it-IT" sz="1400" i="1" dirty="0">
-                <a:solidFill>
-                  <a:schemeClr val="tx1"/>
-                </a:solidFill>
-                <a:latin typeface="Century Schoolbook" panose="02040604050505020304" pitchFamily="18" charset="0"/>
-              </a:rPr>
-              <a:t>abstract class</a:t>
-            </a:r>
-          </a:p>
-        </p:txBody>
-      </p:sp>
-      <p:cxnSp>
-        <p:nvCxnSpPr>
-          <p:cNvPr id="38" name="Connettore 2 37"/>
-          <p:cNvCxnSpPr>
-            <a:stCxn id="19" idx="2"/>
-            <a:endCxn id="37" idx="3"/>
-          </p:cNvCxnSpPr>
-          <p:nvPr/>
-        </p:nvCxnSpPr>
-        <p:spPr>
-          <a:xfrm flipH="1">
-            <a:off x="8176039" y="4140676"/>
-            <a:ext cx="523359" cy="6968"/>
-          </a:xfrm>
-          <a:prstGeom prst="straightConnector1">
-            <a:avLst/>
-          </a:prstGeom>
-          <a:ln w="19050">
-            <a:solidFill>
-              <a:schemeClr val="tx1"/>
-            </a:solidFill>
-            <a:headEnd type="none" w="med" len="med"/>
-            <a:tailEnd type="arrow" w="med" len="med"/>
-          </a:ln>
-        </p:spPr>
-        <p:style>
-          <a:lnRef idx="1">
-            <a:schemeClr val="accent1"/>
-          </a:lnRef>
-          <a:fillRef idx="0">
-            <a:schemeClr val="accent1"/>
-          </a:fillRef>
-          <a:effectRef idx="0">
-            <a:schemeClr val="accent1"/>
-          </a:effectRef>
-          <a:fontRef idx="minor">
-            <a:schemeClr val="tx1"/>
-          </a:fontRef>
-        </p:style>
-      </p:cxnSp>
-      <p:cxnSp>
-        <p:nvCxnSpPr>
-          <p:cNvPr id="41" name="Connettore 2 40"/>
-          <p:cNvCxnSpPr>
-            <a:stCxn id="36" idx="1"/>
-            <a:endCxn id="5" idx="6"/>
-          </p:cNvCxnSpPr>
-          <p:nvPr/>
-        </p:nvCxnSpPr>
-        <p:spPr>
-          <a:xfrm flipH="1">
-            <a:off x="4167559" y="3669096"/>
-            <a:ext cx="1999418" cy="9127"/>
-          </a:xfrm>
-          <a:prstGeom prst="straightConnector1">
-            <a:avLst/>
-          </a:prstGeom>
-          <a:ln w="19050">
-            <a:solidFill>
-              <a:schemeClr val="tx1"/>
-            </a:solidFill>
-            <a:prstDash val="sysDash"/>
-            <a:headEnd type="none" w="med" len="med"/>
-            <a:tailEnd type="arrow" w="med" len="med"/>
-          </a:ln>
-        </p:spPr>
-        <p:style>
-          <a:lnRef idx="1">
-            <a:schemeClr val="accent1"/>
-          </a:lnRef>
-          <a:fillRef idx="0">
-            <a:schemeClr val="accent1"/>
-          </a:fillRef>
-          <a:effectRef idx="0">
-            <a:schemeClr val="accent1"/>
-          </a:effectRef>
-          <a:fontRef idx="minor">
-            <a:schemeClr val="tx1"/>
-          </a:fontRef>
-        </p:style>
-      </p:cxnSp>
-      <p:sp>
-        <p:nvSpPr>
-          <p:cNvPr id="23" name="CasellaDiTesto 22"/>
-          <p:cNvSpPr txBox="1"/>
-          <p:nvPr/>
-        </p:nvSpPr>
-        <p:spPr>
-          <a:xfrm>
-            <a:off x="4860344" y="2926306"/>
-            <a:ext cx="1340432" cy="738664"/>
-          </a:xfrm>
-          <a:prstGeom prst="rect">
-            <a:avLst/>
-          </a:prstGeom>
-          <a:noFill/>
-        </p:spPr>
-        <p:txBody>
-          <a:bodyPr wrap="none" rtlCol="0">
-            <a:spAutoFit/>
-          </a:bodyPr>
-          <a:lstStyle/>
-          <a:p>
-            <a:r>
-              <a:rPr lang="it-IT" sz="1400" dirty="0">
-                <a:solidFill>
-                  <a:schemeClr val="bg2">
-                    <a:lumMod val="25000"/>
-                  </a:schemeClr>
-                </a:solidFill>
-                <a:latin typeface="Bookman Old Style" panose="02050604050505020204" pitchFamily="18" charset="0"/>
-              </a:rPr>
-              <a:t>enterRequest</a:t>
-            </a:r>
-          </a:p>
-          <a:p>
-            <a:r>
-              <a:rPr lang="it-IT" sz="1400" dirty="0">
-                <a:solidFill>
-                  <a:schemeClr val="bg2">
-                    <a:lumMod val="25000"/>
-                  </a:schemeClr>
-                </a:solidFill>
-                <a:latin typeface="Bookman Old Style" panose="02050604050505020204" pitchFamily="18" charset="0"/>
-              </a:rPr>
-              <a:t>carEnter</a:t>
-            </a:r>
-          </a:p>
-          <a:p>
-            <a:r>
-              <a:rPr lang="it-IT" sz="1400" dirty="0">
-                <a:solidFill>
-                  <a:schemeClr val="bg2">
-                    <a:lumMod val="25000"/>
-                  </a:schemeClr>
-                </a:solidFill>
-                <a:latin typeface="Bookman Old Style" panose="02050604050505020204" pitchFamily="18" charset="0"/>
-              </a:rPr>
-              <a:t>exitRequest</a:t>
-            </a:r>
-          </a:p>
-        </p:txBody>
-      </p:sp>
-      <p:cxnSp>
-        <p:nvCxnSpPr>
-          <p:cNvPr id="24" name="Connettore 2 23"/>
-          <p:cNvCxnSpPr/>
-          <p:nvPr/>
-        </p:nvCxnSpPr>
-        <p:spPr>
-          <a:xfrm>
-            <a:off x="6704165" y="1281409"/>
-            <a:ext cx="524722" cy="0"/>
-          </a:xfrm>
-          <a:prstGeom prst="straightConnector1">
-            <a:avLst/>
-          </a:prstGeom>
-          <a:ln w="19050">
-            <a:solidFill>
-              <a:schemeClr val="tx1"/>
-            </a:solidFill>
-            <a:headEnd type="none" w="med" len="med"/>
-            <a:tailEnd type="arrow" w="med" len="med"/>
-          </a:ln>
-        </p:spPr>
-        <p:style>
-          <a:lnRef idx="1">
-            <a:schemeClr val="accent1"/>
-          </a:lnRef>
-          <a:fillRef idx="0">
-            <a:schemeClr val="accent1"/>
-          </a:fillRef>
-          <a:effectRef idx="0">
-            <a:schemeClr val="accent1"/>
-          </a:effectRef>
-          <a:fontRef idx="minor">
-            <a:schemeClr val="tx1"/>
-          </a:fontRef>
-        </p:style>
-      </p:cxnSp>
-      <p:sp>
-        <p:nvSpPr>
-          <p:cNvPr id="26" name="CasellaDiTesto 25"/>
-          <p:cNvSpPr txBox="1"/>
-          <p:nvPr/>
-        </p:nvSpPr>
-        <p:spPr>
-          <a:xfrm>
-            <a:off x="6511113" y="1281409"/>
-            <a:ext cx="910827" cy="738664"/>
-          </a:xfrm>
-          <a:prstGeom prst="rect">
-            <a:avLst/>
-          </a:prstGeom>
-          <a:noFill/>
-        </p:spPr>
-        <p:txBody>
-          <a:bodyPr wrap="none" rtlCol="0">
-            <a:spAutoFit/>
-          </a:bodyPr>
-          <a:lstStyle/>
-          <a:p>
-            <a:r>
-              <a:rPr lang="it-IT" sz="1400" dirty="0">
-                <a:solidFill>
-                  <a:schemeClr val="bg2">
-                    <a:lumMod val="25000"/>
-                  </a:schemeClr>
-                </a:solidFill>
-                <a:latin typeface="Bookman Old Style" panose="02050604050505020204" pitchFamily="18" charset="0"/>
-              </a:rPr>
-              <a:t>slotnum</a:t>
-            </a:r>
-          </a:p>
-          <a:p>
-            <a:r>
-              <a:rPr lang="it-IT" sz="1400" dirty="0">
-                <a:solidFill>
-                  <a:schemeClr val="bg2">
-                    <a:lumMod val="25000"/>
-                  </a:schemeClr>
-                </a:solidFill>
-                <a:latin typeface="Bookman Old Style" panose="02050604050505020204" pitchFamily="18" charset="0"/>
-              </a:rPr>
-              <a:t>tokenid</a:t>
-            </a:r>
-          </a:p>
-          <a:p>
-            <a:r>
-              <a:rPr lang="it-IT" sz="1400" dirty="0">
-                <a:solidFill>
-                  <a:schemeClr val="bg2">
-                    <a:lumMod val="25000"/>
-                  </a:schemeClr>
-                </a:solidFill>
-                <a:latin typeface="Bookman Old Style" panose="02050604050505020204" pitchFamily="18" charset="0"/>
-              </a:rPr>
-              <a:t>notice</a:t>
-            </a:r>
-          </a:p>
-        </p:txBody>
-      </p:sp>
-      <p:cxnSp>
-        <p:nvCxnSpPr>
-          <p:cNvPr id="29" name="Connettore 2 28"/>
-          <p:cNvCxnSpPr/>
-          <p:nvPr/>
-        </p:nvCxnSpPr>
-        <p:spPr>
-          <a:xfrm flipH="1">
-            <a:off x="5167268" y="2903270"/>
-            <a:ext cx="524722" cy="0"/>
-          </a:xfrm>
-          <a:prstGeom prst="straightConnector1">
-            <a:avLst/>
-          </a:prstGeom>
-          <a:ln w="19050">
-            <a:solidFill>
-              <a:schemeClr val="tx1"/>
-            </a:solidFill>
-            <a:headEnd type="none" w="med" len="med"/>
-            <a:tailEnd type="arrow" w="med" len="med"/>
-          </a:ln>
-        </p:spPr>
-        <p:style>
-          <a:lnRef idx="1">
-            <a:schemeClr val="accent1"/>
-          </a:lnRef>
-          <a:fillRef idx="0">
-            <a:schemeClr val="accent1"/>
-          </a:fillRef>
-          <a:effectRef idx="0">
-            <a:schemeClr val="accent1"/>
-          </a:effectRef>
-          <a:fontRef idx="minor">
-            <a:schemeClr val="tx1"/>
-          </a:fontRef>
-        </p:style>
-      </p:cxnSp>
-    </p:spTree>
-    <p:extLst>
-      <p:ext uri="{BB962C8B-B14F-4D97-AF65-F5344CB8AC3E}">
-        <p14:creationId xmlns:p14="http://schemas.microsoft.com/office/powerpoint/2010/main" val="3790863276"/>
-      </p:ext>
-    </p:extLst>
-  </p:cSld>
-  <p:clrMapOvr>
-    <a:masterClrMapping/>
-  </p:clrMapOvr>
-</p:sld>
-</file>
-
-<file path=ppt/slides/slide14.xml><?xml version="1.0" encoding="utf-8"?>
+<file path=ppt/slides/slide15.xml><?xml version="1.0" encoding="utf-8"?>
 <p:sld xmlns:a="http://schemas.openxmlformats.org/drawingml/2006/main" xmlns:r="http://schemas.openxmlformats.org/officeDocument/2006/relationships" xmlns:p="http://schemas.openxmlformats.org/presentationml/2006/main">
   <p:cSld>
     <p:spTree>
@@ -10438,6 +12044,3073 @@
     <p:extLst>
       <p:ext uri="{BB962C8B-B14F-4D97-AF65-F5344CB8AC3E}">
         <p14:creationId xmlns:p14="http://schemas.microsoft.com/office/powerpoint/2010/main" val="617578794"/>
+      </p:ext>
+    </p:extLst>
+  </p:cSld>
+  <p:clrMapOvr>
+    <a:masterClrMapping/>
+  </p:clrMapOvr>
+</p:sld>
+</file>
+
+<file path=ppt/slides/slide16.xml><?xml version="1.0" encoding="utf-8"?>
+<p:sld xmlns:a="http://schemas.openxmlformats.org/drawingml/2006/main" xmlns:r="http://schemas.openxmlformats.org/officeDocument/2006/relationships" xmlns:p="http://schemas.openxmlformats.org/presentationml/2006/main">
+  <p:cSld>
+    <p:spTree>
+      <p:nvGrpSpPr>
+        <p:cNvPr id="1" name=""/>
+        <p:cNvGrpSpPr/>
+        <p:nvPr/>
+      </p:nvGrpSpPr>
+      <p:grpSpPr>
+        <a:xfrm>
+          <a:off x="0" y="0"/>
+          <a:ext cx="0" cy="0"/>
+          <a:chOff x="0" y="0"/>
+          <a:chExt cx="0" cy="0"/>
+        </a:xfrm>
+      </p:grpSpPr>
+      <p:sp>
+        <p:nvSpPr>
+          <p:cNvPr id="28" name="Rettangolo arrotondato 27"/>
+          <p:cNvSpPr/>
+          <p:nvPr/>
+        </p:nvSpPr>
+        <p:spPr>
+          <a:xfrm>
+            <a:off x="1190445" y="879462"/>
+            <a:ext cx="4525812" cy="4857104"/>
+          </a:xfrm>
+          <a:prstGeom prst="roundRect">
+            <a:avLst/>
+          </a:prstGeom>
+          <a:solidFill>
+            <a:schemeClr val="bg1">
+              <a:lumMod val="95000"/>
+            </a:schemeClr>
+          </a:solidFill>
+          <a:ln w="19050">
+            <a:solidFill>
+              <a:schemeClr val="tx1"/>
+            </a:solidFill>
+          </a:ln>
+        </p:spPr>
+        <p:style>
+          <a:lnRef idx="2">
+            <a:schemeClr val="accent1">
+              <a:shade val="50000"/>
+            </a:schemeClr>
+          </a:lnRef>
+          <a:fillRef idx="1">
+            <a:schemeClr val="accent1"/>
+          </a:fillRef>
+          <a:effectRef idx="0">
+            <a:schemeClr val="accent1"/>
+          </a:effectRef>
+          <a:fontRef idx="minor">
+            <a:schemeClr val="lt1"/>
+          </a:fontRef>
+        </p:style>
+        <p:txBody>
+          <a:bodyPr rtlCol="0" anchor="ctr"/>
+          <a:lstStyle/>
+          <a:p>
+            <a:pPr algn="ctr"/>
+            <a:endParaRPr lang="it-IT" sz="1400" dirty="0">
+              <a:solidFill>
+                <a:schemeClr val="tx1"/>
+              </a:solidFill>
+              <a:latin typeface="Century Schoolbook" panose="02040604050505020304" pitchFamily="18" charset="0"/>
+            </a:endParaRPr>
+          </a:p>
+        </p:txBody>
+      </p:sp>
+      <p:grpSp>
+        <p:nvGrpSpPr>
+          <p:cNvPr id="29" name="Gruppo 28"/>
+          <p:cNvGrpSpPr/>
+          <p:nvPr/>
+        </p:nvGrpSpPr>
+        <p:grpSpPr>
+          <a:xfrm>
+            <a:off x="1330647" y="1184867"/>
+            <a:ext cx="1926426" cy="1214172"/>
+            <a:chOff x="402476" y="5184618"/>
+            <a:chExt cx="1926426" cy="1214172"/>
+          </a:xfrm>
+        </p:grpSpPr>
+        <p:sp>
+          <p:nvSpPr>
+            <p:cNvPr id="30" name="Ovale 29"/>
+            <p:cNvSpPr/>
+            <p:nvPr/>
+          </p:nvSpPr>
+          <p:spPr>
+            <a:xfrm>
+              <a:off x="667957" y="5332857"/>
+              <a:ext cx="1660945" cy="1065933"/>
+            </a:xfrm>
+            <a:prstGeom prst="ellipse">
+              <a:avLst/>
+            </a:prstGeom>
+            <a:solidFill>
+              <a:schemeClr val="accent2">
+                <a:lumMod val="20000"/>
+                <a:lumOff val="80000"/>
+              </a:schemeClr>
+            </a:solidFill>
+            <a:ln w="12700">
+              <a:solidFill>
+                <a:schemeClr val="tx1"/>
+              </a:solidFill>
+            </a:ln>
+          </p:spPr>
+          <p:style>
+            <a:lnRef idx="2">
+              <a:schemeClr val="accent1">
+                <a:shade val="50000"/>
+              </a:schemeClr>
+            </a:lnRef>
+            <a:fillRef idx="1">
+              <a:schemeClr val="accent1"/>
+            </a:fillRef>
+            <a:effectRef idx="0">
+              <a:schemeClr val="accent1"/>
+            </a:effectRef>
+            <a:fontRef idx="minor">
+              <a:schemeClr val="lt1"/>
+            </a:fontRef>
+          </p:style>
+          <p:txBody>
+            <a:bodyPr rtlCol="0" anchor="ctr"/>
+            <a:lstStyle/>
+            <a:p>
+              <a:pPr algn="ctr"/>
+              <a:r>
+                <a:rPr lang="it-IT" sz="1200" dirty="0">
+                  <a:solidFill>
+                    <a:schemeClr val="tx1"/>
+                  </a:solidFill>
+                  <a:latin typeface="Century Schoolbook" panose="02040604050505020304" pitchFamily="18" charset="0"/>
+                </a:rPr>
+                <a:t>Park Manager Service</a:t>
+              </a:r>
+            </a:p>
+            <a:p>
+              <a:pPr algn="ctr"/>
+              <a:r>
+                <a:rPr lang="it-IT" sz="1100" i="1" dirty="0">
+                  <a:solidFill>
+                    <a:schemeClr val="tx1"/>
+                  </a:solidFill>
+                  <a:latin typeface="Century Schoolbook" panose="02040604050505020304" pitchFamily="18" charset="0"/>
+                </a:rPr>
+                <a:t>(business logic)</a:t>
+              </a:r>
+              <a:endParaRPr lang="it-IT" sz="1400" i="1" dirty="0">
+                <a:solidFill>
+                  <a:schemeClr val="tx1"/>
+                </a:solidFill>
+                <a:latin typeface="Century Schoolbook" panose="02040604050505020304" pitchFamily="18" charset="0"/>
+              </a:endParaRPr>
+            </a:p>
+          </p:txBody>
+        </p:sp>
+        <p:sp>
+          <p:nvSpPr>
+            <p:cNvPr id="31" name="Triangolo isoscele 30"/>
+            <p:cNvSpPr/>
+            <p:nvPr/>
+          </p:nvSpPr>
+          <p:spPr>
+            <a:xfrm rot="16200000">
+              <a:off x="1350190" y="5205064"/>
+              <a:ext cx="296478" cy="255585"/>
+            </a:xfrm>
+            <a:prstGeom prst="triangle">
+              <a:avLst/>
+            </a:prstGeom>
+            <a:solidFill>
+              <a:srgbClr val="FF0000"/>
+            </a:solidFill>
+            <a:ln w="12700">
+              <a:solidFill>
+                <a:schemeClr val="tx1"/>
+              </a:solidFill>
+            </a:ln>
+          </p:spPr>
+          <p:style>
+            <a:lnRef idx="2">
+              <a:schemeClr val="accent1">
+                <a:shade val="50000"/>
+              </a:schemeClr>
+            </a:lnRef>
+            <a:fillRef idx="1">
+              <a:schemeClr val="accent1"/>
+            </a:fillRef>
+            <a:effectRef idx="0">
+              <a:schemeClr val="accent1"/>
+            </a:effectRef>
+            <a:fontRef idx="minor">
+              <a:schemeClr val="lt1"/>
+            </a:fontRef>
+          </p:style>
+          <p:txBody>
+            <a:bodyPr rtlCol="0" anchor="ctr"/>
+            <a:lstStyle/>
+            <a:p>
+              <a:pPr algn="ctr"/>
+              <a:endParaRPr lang="it-IT"/>
+            </a:p>
+          </p:txBody>
+        </p:sp>
+        <p:sp>
+          <p:nvSpPr>
+            <p:cNvPr id="32" name="Rettangolo 31"/>
+            <p:cNvSpPr/>
+            <p:nvPr/>
+          </p:nvSpPr>
+          <p:spPr>
+            <a:xfrm>
+              <a:off x="402476" y="5739696"/>
+              <a:ext cx="530961" cy="252254"/>
+            </a:xfrm>
+            <a:prstGeom prst="rect">
+              <a:avLst/>
+            </a:prstGeom>
+            <a:solidFill>
+              <a:schemeClr val="accent2">
+                <a:lumMod val="20000"/>
+                <a:lumOff val="80000"/>
+              </a:schemeClr>
+            </a:solidFill>
+            <a:ln w="12700">
+              <a:solidFill>
+                <a:schemeClr val="tx1"/>
+              </a:solidFill>
+            </a:ln>
+          </p:spPr>
+          <p:style>
+            <a:lnRef idx="2">
+              <a:schemeClr val="accent1">
+                <a:shade val="50000"/>
+              </a:schemeClr>
+            </a:lnRef>
+            <a:fillRef idx="1">
+              <a:schemeClr val="accent1"/>
+            </a:fillRef>
+            <a:effectRef idx="0">
+              <a:schemeClr val="accent1"/>
+            </a:effectRef>
+            <a:fontRef idx="minor">
+              <a:schemeClr val="lt1"/>
+            </a:fontRef>
+          </p:style>
+          <p:txBody>
+            <a:bodyPr rtlCol="0" anchor="ctr"/>
+            <a:lstStyle/>
+            <a:p>
+              <a:pPr algn="ctr"/>
+              <a:endParaRPr lang="it-IT"/>
+            </a:p>
+          </p:txBody>
+        </p:sp>
+      </p:grpSp>
+      <p:sp>
+        <p:nvSpPr>
+          <p:cNvPr id="33" name="Rettangolo arrotondato 32"/>
+          <p:cNvSpPr/>
+          <p:nvPr/>
+        </p:nvSpPr>
+        <p:spPr>
+          <a:xfrm>
+            <a:off x="2554394" y="573309"/>
+            <a:ext cx="1772176" cy="471580"/>
+          </a:xfrm>
+          <a:prstGeom prst="roundRect">
+            <a:avLst/>
+          </a:prstGeom>
+          <a:solidFill>
+            <a:schemeClr val="accent1">
+              <a:lumMod val="20000"/>
+              <a:lumOff val="80000"/>
+            </a:schemeClr>
+          </a:solidFill>
+          <a:ln>
+            <a:solidFill>
+              <a:schemeClr val="tx1"/>
+            </a:solidFill>
+          </a:ln>
+        </p:spPr>
+        <p:style>
+          <a:lnRef idx="2">
+            <a:schemeClr val="accent1">
+              <a:shade val="50000"/>
+            </a:schemeClr>
+          </a:lnRef>
+          <a:fillRef idx="1">
+            <a:schemeClr val="accent1"/>
+          </a:fillRef>
+          <a:effectRef idx="0">
+            <a:schemeClr val="accent1"/>
+          </a:effectRef>
+          <a:fontRef idx="minor">
+            <a:schemeClr val="lt1"/>
+          </a:fontRef>
+        </p:style>
+        <p:txBody>
+          <a:bodyPr rtlCol="0" anchor="ctr"/>
+          <a:lstStyle/>
+          <a:p>
+            <a:pPr algn="ctr"/>
+            <a:r>
+              <a:rPr lang="it-IT" sz="1400" dirty="0" smtClean="0">
+                <a:solidFill>
+                  <a:schemeClr val="tx1"/>
+                </a:solidFill>
+                <a:latin typeface="Century Schoolbook" panose="02040604050505020304" pitchFamily="18" charset="0"/>
+              </a:rPr>
+              <a:t>ctx Car Parking</a:t>
+            </a:r>
+            <a:endParaRPr lang="it-IT" sz="1400" dirty="0">
+              <a:solidFill>
+                <a:schemeClr val="tx1"/>
+              </a:solidFill>
+              <a:latin typeface="Century Schoolbook" panose="02040604050505020304" pitchFamily="18" charset="0"/>
+            </a:endParaRPr>
+          </a:p>
+        </p:txBody>
+      </p:sp>
+      <p:grpSp>
+        <p:nvGrpSpPr>
+          <p:cNvPr id="34" name="Gruppo 33"/>
+          <p:cNvGrpSpPr/>
+          <p:nvPr/>
+        </p:nvGrpSpPr>
+        <p:grpSpPr>
+          <a:xfrm>
+            <a:off x="9631050" y="4201342"/>
+            <a:ext cx="1660945" cy="1214172"/>
+            <a:chOff x="7744200" y="2907063"/>
+            <a:chExt cx="1660945" cy="1214172"/>
+          </a:xfrm>
+        </p:grpSpPr>
+        <p:sp>
+          <p:nvSpPr>
+            <p:cNvPr id="35" name="Ovale 34"/>
+            <p:cNvSpPr/>
+            <p:nvPr/>
+          </p:nvSpPr>
+          <p:spPr>
+            <a:xfrm>
+              <a:off x="7744200" y="3055302"/>
+              <a:ext cx="1660945" cy="1065933"/>
+            </a:xfrm>
+            <a:prstGeom prst="ellipse">
+              <a:avLst/>
+            </a:prstGeom>
+            <a:solidFill>
+              <a:schemeClr val="accent4">
+                <a:lumMod val="20000"/>
+                <a:lumOff val="80000"/>
+              </a:schemeClr>
+            </a:solidFill>
+            <a:ln w="12700">
+              <a:solidFill>
+                <a:schemeClr val="tx1"/>
+              </a:solidFill>
+            </a:ln>
+          </p:spPr>
+          <p:style>
+            <a:lnRef idx="2">
+              <a:schemeClr val="accent1">
+                <a:shade val="50000"/>
+              </a:schemeClr>
+            </a:lnRef>
+            <a:fillRef idx="1">
+              <a:schemeClr val="accent1"/>
+            </a:fillRef>
+            <a:effectRef idx="0">
+              <a:schemeClr val="accent1"/>
+            </a:effectRef>
+            <a:fontRef idx="minor">
+              <a:schemeClr val="lt1"/>
+            </a:fontRef>
+          </p:style>
+          <p:txBody>
+            <a:bodyPr rtlCol="0" anchor="ctr"/>
+            <a:lstStyle/>
+            <a:p>
+              <a:pPr algn="ctr"/>
+              <a:r>
+                <a:rPr lang="it-IT" sz="1200" dirty="0" smtClean="0">
+                  <a:solidFill>
+                    <a:schemeClr val="tx1"/>
+                  </a:solidFill>
+                  <a:latin typeface="Century Schoolbook" panose="02040604050505020304" pitchFamily="18" charset="0"/>
+                </a:rPr>
+                <a:t>Manager GUI</a:t>
+              </a:r>
+              <a:endParaRPr lang="it-IT" sz="1200" dirty="0">
+                <a:solidFill>
+                  <a:schemeClr val="tx1"/>
+                </a:solidFill>
+                <a:latin typeface="Century Schoolbook" panose="02040604050505020304" pitchFamily="18" charset="0"/>
+              </a:endParaRPr>
+            </a:p>
+            <a:p>
+              <a:pPr lvl="0" algn="ctr"/>
+              <a:r>
+                <a:rPr lang="it-IT" sz="1100" i="1" dirty="0" smtClean="0">
+                  <a:solidFill>
+                    <a:prstClr val="black"/>
+                  </a:solidFill>
+                  <a:latin typeface="Century Schoolbook" panose="02040604050505020304" pitchFamily="18" charset="0"/>
+                </a:rPr>
+                <a:t>(Web GUI)</a:t>
+              </a:r>
+              <a:endParaRPr lang="it-IT" sz="1400" i="1" dirty="0">
+                <a:solidFill>
+                  <a:prstClr val="black"/>
+                </a:solidFill>
+                <a:latin typeface="Century Schoolbook" panose="02040604050505020304" pitchFamily="18" charset="0"/>
+              </a:endParaRPr>
+            </a:p>
+          </p:txBody>
+        </p:sp>
+        <p:sp>
+          <p:nvSpPr>
+            <p:cNvPr id="36" name="Triangolo isoscele 35"/>
+            <p:cNvSpPr/>
+            <p:nvPr/>
+          </p:nvSpPr>
+          <p:spPr>
+            <a:xfrm rot="16200000">
+              <a:off x="8426433" y="2927509"/>
+              <a:ext cx="296478" cy="255585"/>
+            </a:xfrm>
+            <a:prstGeom prst="triangle">
+              <a:avLst/>
+            </a:prstGeom>
+            <a:solidFill>
+              <a:srgbClr val="FF0000"/>
+            </a:solidFill>
+            <a:ln w="12700">
+              <a:solidFill>
+                <a:schemeClr val="tx1"/>
+              </a:solidFill>
+            </a:ln>
+          </p:spPr>
+          <p:style>
+            <a:lnRef idx="2">
+              <a:schemeClr val="accent1">
+                <a:shade val="50000"/>
+              </a:schemeClr>
+            </a:lnRef>
+            <a:fillRef idx="1">
+              <a:schemeClr val="accent1"/>
+            </a:fillRef>
+            <a:effectRef idx="0">
+              <a:schemeClr val="accent1"/>
+            </a:effectRef>
+            <a:fontRef idx="minor">
+              <a:schemeClr val="lt1"/>
+            </a:fontRef>
+          </p:style>
+          <p:txBody>
+            <a:bodyPr rtlCol="0" anchor="ctr"/>
+            <a:lstStyle/>
+            <a:p>
+              <a:pPr algn="ctr"/>
+              <a:endParaRPr lang="it-IT"/>
+            </a:p>
+          </p:txBody>
+        </p:sp>
+      </p:grpSp>
+      <p:sp>
+        <p:nvSpPr>
+          <p:cNvPr id="37" name="Ovale 36"/>
+          <p:cNvSpPr/>
+          <p:nvPr/>
+        </p:nvSpPr>
+        <p:spPr>
+          <a:xfrm>
+            <a:off x="9631051" y="2142063"/>
+            <a:ext cx="1660945" cy="1065933"/>
+          </a:xfrm>
+          <a:prstGeom prst="ellipse">
+            <a:avLst/>
+          </a:prstGeom>
+          <a:solidFill>
+            <a:schemeClr val="accent1">
+              <a:lumMod val="20000"/>
+              <a:lumOff val="80000"/>
+            </a:schemeClr>
+          </a:solidFill>
+          <a:ln w="12700">
+            <a:solidFill>
+              <a:schemeClr val="tx1"/>
+            </a:solidFill>
+          </a:ln>
+        </p:spPr>
+        <p:style>
+          <a:lnRef idx="2">
+            <a:schemeClr val="accent1">
+              <a:shade val="50000"/>
+            </a:schemeClr>
+          </a:lnRef>
+          <a:fillRef idx="1">
+            <a:schemeClr val="accent1"/>
+          </a:fillRef>
+          <a:effectRef idx="0">
+            <a:schemeClr val="accent1"/>
+          </a:effectRef>
+          <a:fontRef idx="minor">
+            <a:schemeClr val="lt1"/>
+          </a:fontRef>
+        </p:style>
+        <p:txBody>
+          <a:bodyPr rtlCol="0" anchor="ctr"/>
+          <a:lstStyle/>
+          <a:p>
+            <a:pPr algn="ctr"/>
+            <a:r>
+              <a:rPr lang="it-IT" sz="1200" dirty="0" smtClean="0">
+                <a:solidFill>
+                  <a:schemeClr val="tx1"/>
+                </a:solidFill>
+                <a:latin typeface="Century Schoolbook" panose="02040604050505020304" pitchFamily="18" charset="0"/>
+              </a:rPr>
+              <a:t>CoAP Support</a:t>
+            </a:r>
+          </a:p>
+        </p:txBody>
+      </p:sp>
+      <p:cxnSp>
+        <p:nvCxnSpPr>
+          <p:cNvPr id="38" name="Connettore 2 37"/>
+          <p:cNvCxnSpPr>
+            <a:stCxn id="36" idx="5"/>
+            <a:endCxn id="37" idx="4"/>
+          </p:cNvCxnSpPr>
+          <p:nvPr/>
+        </p:nvCxnSpPr>
+        <p:spPr>
+          <a:xfrm flipV="1">
+            <a:off x="10461523" y="3207996"/>
+            <a:ext cx="1" cy="1067465"/>
+          </a:xfrm>
+          <a:prstGeom prst="straightConnector1">
+            <a:avLst/>
+          </a:prstGeom>
+          <a:ln w="19050">
+            <a:solidFill>
+              <a:schemeClr val="tx1"/>
+            </a:solidFill>
+            <a:headEnd type="none" w="med" len="med"/>
+            <a:tailEnd type="arrow" w="med" len="med"/>
+          </a:ln>
+        </p:spPr>
+        <p:style>
+          <a:lnRef idx="1">
+            <a:schemeClr val="accent1"/>
+          </a:lnRef>
+          <a:fillRef idx="0">
+            <a:schemeClr val="accent1"/>
+          </a:fillRef>
+          <a:effectRef idx="0">
+            <a:schemeClr val="accent1"/>
+          </a:effectRef>
+          <a:fontRef idx="minor">
+            <a:schemeClr val="tx1"/>
+          </a:fontRef>
+        </p:style>
+      </p:cxnSp>
+      <p:cxnSp>
+        <p:nvCxnSpPr>
+          <p:cNvPr id="39" name="Connettore 2 38"/>
+          <p:cNvCxnSpPr>
+            <a:stCxn id="35" idx="2"/>
+            <a:endCxn id="43" idx="6"/>
+          </p:cNvCxnSpPr>
+          <p:nvPr/>
+        </p:nvCxnSpPr>
+        <p:spPr>
+          <a:xfrm flipH="1">
+            <a:off x="8969670" y="4882548"/>
+            <a:ext cx="661380" cy="0"/>
+          </a:xfrm>
+          <a:prstGeom prst="straightConnector1">
+            <a:avLst/>
+          </a:prstGeom>
+          <a:ln w="19050">
+            <a:solidFill>
+              <a:schemeClr val="tx1"/>
+            </a:solidFill>
+            <a:headEnd type="none" w="med" len="med"/>
+            <a:tailEnd type="arrow" w="med" len="med"/>
+          </a:ln>
+        </p:spPr>
+        <p:style>
+          <a:lnRef idx="1">
+            <a:schemeClr val="accent1"/>
+          </a:lnRef>
+          <a:fillRef idx="0">
+            <a:schemeClr val="accent1"/>
+          </a:fillRef>
+          <a:effectRef idx="0">
+            <a:schemeClr val="accent1"/>
+          </a:effectRef>
+          <a:fontRef idx="minor">
+            <a:schemeClr val="tx1"/>
+          </a:fontRef>
+        </p:style>
+      </p:cxnSp>
+      <p:cxnSp>
+        <p:nvCxnSpPr>
+          <p:cNvPr id="40" name="Connettore 2 39"/>
+          <p:cNvCxnSpPr>
+            <a:stCxn id="43" idx="2"/>
+            <a:endCxn id="65" idx="6"/>
+          </p:cNvCxnSpPr>
+          <p:nvPr/>
+        </p:nvCxnSpPr>
+        <p:spPr>
+          <a:xfrm flipH="1" flipV="1">
+            <a:off x="5357000" y="4882547"/>
+            <a:ext cx="1951725" cy="1"/>
+          </a:xfrm>
+          <a:prstGeom prst="straightConnector1">
+            <a:avLst/>
+          </a:prstGeom>
+          <a:ln w="19050">
+            <a:solidFill>
+              <a:schemeClr val="tx1"/>
+            </a:solidFill>
+            <a:prstDash val="sysDash"/>
+            <a:headEnd type="none" w="med" len="med"/>
+            <a:tailEnd type="arrow" w="med" len="med"/>
+          </a:ln>
+        </p:spPr>
+        <p:style>
+          <a:lnRef idx="1">
+            <a:schemeClr val="accent1"/>
+          </a:lnRef>
+          <a:fillRef idx="0">
+            <a:schemeClr val="accent1"/>
+          </a:fillRef>
+          <a:effectRef idx="0">
+            <a:schemeClr val="accent1"/>
+          </a:effectRef>
+          <a:fontRef idx="minor">
+            <a:schemeClr val="tx1"/>
+          </a:fontRef>
+        </p:style>
+      </p:cxnSp>
+      <p:sp>
+        <p:nvSpPr>
+          <p:cNvPr id="41" name="CasellaDiTesto 40"/>
+          <p:cNvSpPr txBox="1"/>
+          <p:nvPr/>
+        </p:nvSpPr>
+        <p:spPr>
+          <a:xfrm>
+            <a:off x="5972676" y="5057940"/>
+            <a:ext cx="904415" cy="523220"/>
+          </a:xfrm>
+          <a:prstGeom prst="rect">
+            <a:avLst/>
+          </a:prstGeom>
+          <a:noFill/>
+        </p:spPr>
+        <p:txBody>
+          <a:bodyPr wrap="none" rtlCol="0">
+            <a:spAutoFit/>
+          </a:bodyPr>
+          <a:lstStyle/>
+          <a:p>
+            <a:r>
+              <a:rPr lang="it-IT" sz="1400" dirty="0" smtClean="0">
+                <a:solidFill>
+                  <a:schemeClr val="bg2">
+                    <a:lumMod val="25000"/>
+                  </a:schemeClr>
+                </a:solidFill>
+                <a:latin typeface="Bookman Old Style" panose="02050604050505020204" pitchFamily="18" charset="0"/>
+              </a:rPr>
+              <a:t>fanStart</a:t>
+            </a:r>
+          </a:p>
+          <a:p>
+            <a:r>
+              <a:rPr lang="it-IT" sz="1400" dirty="0" smtClean="0">
+                <a:solidFill>
+                  <a:schemeClr val="bg2">
+                    <a:lumMod val="25000"/>
+                  </a:schemeClr>
+                </a:solidFill>
+                <a:latin typeface="Bookman Old Style" panose="02050604050505020204" pitchFamily="18" charset="0"/>
+              </a:rPr>
+              <a:t>fanStop</a:t>
+            </a:r>
+            <a:endParaRPr lang="it-IT" sz="1400" dirty="0">
+              <a:solidFill>
+                <a:schemeClr val="bg2">
+                  <a:lumMod val="25000"/>
+                </a:schemeClr>
+              </a:solidFill>
+              <a:latin typeface="Bookman Old Style" panose="02050604050505020204" pitchFamily="18" charset="0"/>
+            </a:endParaRPr>
+          </a:p>
+        </p:txBody>
+      </p:sp>
+      <p:cxnSp>
+        <p:nvCxnSpPr>
+          <p:cNvPr id="42" name="Connettore 2 41"/>
+          <p:cNvCxnSpPr/>
+          <p:nvPr/>
+        </p:nvCxnSpPr>
+        <p:spPr>
+          <a:xfrm flipH="1">
+            <a:off x="6162522" y="5022365"/>
+            <a:ext cx="524722" cy="0"/>
+          </a:xfrm>
+          <a:prstGeom prst="straightConnector1">
+            <a:avLst/>
+          </a:prstGeom>
+          <a:ln w="19050">
+            <a:solidFill>
+              <a:schemeClr val="tx1"/>
+            </a:solidFill>
+            <a:headEnd type="none" w="med" len="med"/>
+            <a:tailEnd type="arrow" w="med" len="med"/>
+          </a:ln>
+        </p:spPr>
+        <p:style>
+          <a:lnRef idx="1">
+            <a:schemeClr val="accent1"/>
+          </a:lnRef>
+          <a:fillRef idx="0">
+            <a:schemeClr val="accent1"/>
+          </a:fillRef>
+          <a:effectRef idx="0">
+            <a:schemeClr val="accent1"/>
+          </a:effectRef>
+          <a:fontRef idx="minor">
+            <a:schemeClr val="tx1"/>
+          </a:fontRef>
+        </p:style>
+      </p:cxnSp>
+      <p:sp>
+        <p:nvSpPr>
+          <p:cNvPr id="43" name="Ovale 42"/>
+          <p:cNvSpPr/>
+          <p:nvPr/>
+        </p:nvSpPr>
+        <p:spPr>
+          <a:xfrm>
+            <a:off x="7308725" y="4349581"/>
+            <a:ext cx="1660945" cy="1065933"/>
+          </a:xfrm>
+          <a:prstGeom prst="ellipse">
+            <a:avLst/>
+          </a:prstGeom>
+          <a:solidFill>
+            <a:schemeClr val="accent1">
+              <a:lumMod val="20000"/>
+              <a:lumOff val="80000"/>
+            </a:schemeClr>
+          </a:solidFill>
+          <a:ln w="12700">
+            <a:solidFill>
+              <a:schemeClr val="tx1"/>
+            </a:solidFill>
+          </a:ln>
+        </p:spPr>
+        <p:style>
+          <a:lnRef idx="2">
+            <a:schemeClr val="accent1">
+              <a:shade val="50000"/>
+            </a:schemeClr>
+          </a:lnRef>
+          <a:fillRef idx="1">
+            <a:schemeClr val="accent1"/>
+          </a:fillRef>
+          <a:effectRef idx="0">
+            <a:schemeClr val="accent1"/>
+          </a:effectRef>
+          <a:fontRef idx="minor">
+            <a:schemeClr val="lt1"/>
+          </a:fontRef>
+        </p:style>
+        <p:txBody>
+          <a:bodyPr rtlCol="0" anchor="ctr"/>
+          <a:lstStyle/>
+          <a:p>
+            <a:pPr algn="ctr"/>
+            <a:r>
+              <a:rPr lang="it-IT" sz="1200" dirty="0" smtClean="0">
+                <a:solidFill>
+                  <a:schemeClr val="tx1"/>
+                </a:solidFill>
+                <a:latin typeface="Century Schoolbook" panose="02040604050505020304" pitchFamily="18" charset="0"/>
+              </a:rPr>
+              <a:t>Conn Qak Base</a:t>
+            </a:r>
+          </a:p>
+        </p:txBody>
+      </p:sp>
+      <p:grpSp>
+        <p:nvGrpSpPr>
+          <p:cNvPr id="44" name="Gruppo 43"/>
+          <p:cNvGrpSpPr/>
+          <p:nvPr/>
+        </p:nvGrpSpPr>
+        <p:grpSpPr>
+          <a:xfrm>
+            <a:off x="1330647" y="2852682"/>
+            <a:ext cx="1926426" cy="1214172"/>
+            <a:chOff x="402476" y="5184618"/>
+            <a:chExt cx="1926426" cy="1214172"/>
+          </a:xfrm>
+        </p:grpSpPr>
+        <p:sp>
+          <p:nvSpPr>
+            <p:cNvPr id="45" name="Ovale 44"/>
+            <p:cNvSpPr/>
+            <p:nvPr/>
+          </p:nvSpPr>
+          <p:spPr>
+            <a:xfrm>
+              <a:off x="667957" y="5332857"/>
+              <a:ext cx="1660945" cy="1065933"/>
+            </a:xfrm>
+            <a:prstGeom prst="ellipse">
+              <a:avLst/>
+            </a:prstGeom>
+            <a:solidFill>
+              <a:schemeClr val="accent2">
+                <a:lumMod val="20000"/>
+                <a:lumOff val="80000"/>
+              </a:schemeClr>
+            </a:solidFill>
+            <a:ln w="12700">
+              <a:solidFill>
+                <a:schemeClr val="tx1"/>
+              </a:solidFill>
+            </a:ln>
+          </p:spPr>
+          <p:style>
+            <a:lnRef idx="2">
+              <a:schemeClr val="accent1">
+                <a:shade val="50000"/>
+              </a:schemeClr>
+            </a:lnRef>
+            <a:fillRef idx="1">
+              <a:schemeClr val="accent1"/>
+            </a:fillRef>
+            <a:effectRef idx="0">
+              <a:schemeClr val="accent1"/>
+            </a:effectRef>
+            <a:fontRef idx="minor">
+              <a:schemeClr val="lt1"/>
+            </a:fontRef>
+          </p:style>
+          <p:txBody>
+            <a:bodyPr rtlCol="0" anchor="ctr"/>
+            <a:lstStyle/>
+            <a:p>
+              <a:pPr algn="ctr"/>
+              <a:r>
+                <a:rPr lang="it-IT" sz="1200" dirty="0" smtClean="0">
+                  <a:solidFill>
+                    <a:schemeClr val="tx1"/>
+                  </a:solidFill>
+                  <a:latin typeface="Century Schoolbook" panose="02040604050505020304" pitchFamily="18" charset="0"/>
+                </a:rPr>
+                <a:t>Fan</a:t>
+              </a:r>
+            </a:p>
+            <a:p>
+              <a:pPr algn="ctr"/>
+              <a:r>
+                <a:rPr lang="it-IT" sz="1200" dirty="0" smtClean="0">
+                  <a:solidFill>
+                    <a:schemeClr val="tx1"/>
+                  </a:solidFill>
+                  <a:latin typeface="Century Schoolbook" panose="02040604050505020304" pitchFamily="18" charset="0"/>
+                </a:rPr>
+                <a:t>Actor</a:t>
+              </a:r>
+              <a:endParaRPr lang="it-IT" sz="1400" i="1" dirty="0">
+                <a:solidFill>
+                  <a:schemeClr val="tx1"/>
+                </a:solidFill>
+                <a:latin typeface="Century Schoolbook" panose="02040604050505020304" pitchFamily="18" charset="0"/>
+              </a:endParaRPr>
+            </a:p>
+          </p:txBody>
+        </p:sp>
+        <p:sp>
+          <p:nvSpPr>
+            <p:cNvPr id="46" name="Triangolo isoscele 45"/>
+            <p:cNvSpPr/>
+            <p:nvPr/>
+          </p:nvSpPr>
+          <p:spPr>
+            <a:xfrm rot="16200000">
+              <a:off x="1350190" y="5205064"/>
+              <a:ext cx="296478" cy="255585"/>
+            </a:xfrm>
+            <a:prstGeom prst="triangle">
+              <a:avLst/>
+            </a:prstGeom>
+            <a:solidFill>
+              <a:srgbClr val="FF0000"/>
+            </a:solidFill>
+            <a:ln w="12700">
+              <a:solidFill>
+                <a:schemeClr val="tx1"/>
+              </a:solidFill>
+            </a:ln>
+          </p:spPr>
+          <p:style>
+            <a:lnRef idx="2">
+              <a:schemeClr val="accent1">
+                <a:shade val="50000"/>
+              </a:schemeClr>
+            </a:lnRef>
+            <a:fillRef idx="1">
+              <a:schemeClr val="accent1"/>
+            </a:fillRef>
+            <a:effectRef idx="0">
+              <a:schemeClr val="accent1"/>
+            </a:effectRef>
+            <a:fontRef idx="minor">
+              <a:schemeClr val="lt1"/>
+            </a:fontRef>
+          </p:style>
+          <p:txBody>
+            <a:bodyPr rtlCol="0" anchor="ctr"/>
+            <a:lstStyle/>
+            <a:p>
+              <a:pPr algn="ctr"/>
+              <a:endParaRPr lang="it-IT"/>
+            </a:p>
+          </p:txBody>
+        </p:sp>
+        <p:sp>
+          <p:nvSpPr>
+            <p:cNvPr id="47" name="Rettangolo 46"/>
+            <p:cNvSpPr/>
+            <p:nvPr/>
+          </p:nvSpPr>
+          <p:spPr>
+            <a:xfrm>
+              <a:off x="402476" y="5739696"/>
+              <a:ext cx="530961" cy="252254"/>
+            </a:xfrm>
+            <a:prstGeom prst="rect">
+              <a:avLst/>
+            </a:prstGeom>
+            <a:solidFill>
+              <a:schemeClr val="accent2">
+                <a:lumMod val="20000"/>
+                <a:lumOff val="80000"/>
+              </a:schemeClr>
+            </a:solidFill>
+            <a:ln w="12700">
+              <a:solidFill>
+                <a:schemeClr val="tx1"/>
+              </a:solidFill>
+            </a:ln>
+          </p:spPr>
+          <p:style>
+            <a:lnRef idx="2">
+              <a:schemeClr val="accent1">
+                <a:shade val="50000"/>
+              </a:schemeClr>
+            </a:lnRef>
+            <a:fillRef idx="1">
+              <a:schemeClr val="accent1"/>
+            </a:fillRef>
+            <a:effectRef idx="0">
+              <a:schemeClr val="accent1"/>
+            </a:effectRef>
+            <a:fontRef idx="minor">
+              <a:schemeClr val="lt1"/>
+            </a:fontRef>
+          </p:style>
+          <p:txBody>
+            <a:bodyPr rtlCol="0" anchor="ctr"/>
+            <a:lstStyle/>
+            <a:p>
+              <a:pPr algn="ctr"/>
+              <a:endParaRPr lang="it-IT"/>
+            </a:p>
+          </p:txBody>
+        </p:sp>
+      </p:grpSp>
+      <p:grpSp>
+        <p:nvGrpSpPr>
+          <p:cNvPr id="48" name="Gruppo 47"/>
+          <p:cNvGrpSpPr/>
+          <p:nvPr/>
+        </p:nvGrpSpPr>
+        <p:grpSpPr>
+          <a:xfrm>
+            <a:off x="3522554" y="2069169"/>
+            <a:ext cx="1926426" cy="1214172"/>
+            <a:chOff x="402476" y="5184618"/>
+            <a:chExt cx="1926426" cy="1214172"/>
+          </a:xfrm>
+        </p:grpSpPr>
+        <p:sp>
+          <p:nvSpPr>
+            <p:cNvPr id="49" name="Ovale 48"/>
+            <p:cNvSpPr/>
+            <p:nvPr/>
+          </p:nvSpPr>
+          <p:spPr>
+            <a:xfrm>
+              <a:off x="667957" y="5332857"/>
+              <a:ext cx="1660945" cy="1065933"/>
+            </a:xfrm>
+            <a:prstGeom prst="ellipse">
+              <a:avLst/>
+            </a:prstGeom>
+            <a:solidFill>
+              <a:schemeClr val="accent2">
+                <a:lumMod val="20000"/>
+                <a:lumOff val="80000"/>
+              </a:schemeClr>
+            </a:solidFill>
+            <a:ln w="12700">
+              <a:solidFill>
+                <a:schemeClr val="tx1"/>
+              </a:solidFill>
+            </a:ln>
+          </p:spPr>
+          <p:style>
+            <a:lnRef idx="2">
+              <a:schemeClr val="accent1">
+                <a:shade val="50000"/>
+              </a:schemeClr>
+            </a:lnRef>
+            <a:fillRef idx="1">
+              <a:schemeClr val="accent1"/>
+            </a:fillRef>
+            <a:effectRef idx="0">
+              <a:schemeClr val="accent1"/>
+            </a:effectRef>
+            <a:fontRef idx="minor">
+              <a:schemeClr val="lt1"/>
+            </a:fontRef>
+          </p:style>
+          <p:txBody>
+            <a:bodyPr rtlCol="0" anchor="ctr"/>
+            <a:lstStyle/>
+            <a:p>
+              <a:pPr algn="ctr"/>
+              <a:r>
+                <a:rPr lang="it-IT" sz="1200" dirty="0" smtClean="0">
+                  <a:solidFill>
+                    <a:schemeClr val="tx1"/>
+                  </a:solidFill>
+                  <a:latin typeface="Century Schoolbook" panose="02040604050505020304" pitchFamily="18" charset="0"/>
+                </a:rPr>
+                <a:t>Thermometer</a:t>
+              </a:r>
+              <a:endParaRPr lang="it-IT" sz="1200" dirty="0">
+                <a:solidFill>
+                  <a:schemeClr val="tx1"/>
+                </a:solidFill>
+                <a:latin typeface="Century Schoolbook" panose="02040604050505020304" pitchFamily="18" charset="0"/>
+              </a:endParaRPr>
+            </a:p>
+            <a:p>
+              <a:pPr algn="ctr"/>
+              <a:r>
+                <a:rPr lang="it-IT" sz="1200" dirty="0" smtClean="0">
+                  <a:solidFill>
+                    <a:schemeClr val="tx1"/>
+                  </a:solidFill>
+                  <a:latin typeface="Century Schoolbook" panose="02040604050505020304" pitchFamily="18" charset="0"/>
+                </a:rPr>
+                <a:t>Actor</a:t>
+              </a:r>
+              <a:endParaRPr lang="it-IT" sz="1200" dirty="0">
+                <a:solidFill>
+                  <a:schemeClr val="tx1"/>
+                </a:solidFill>
+                <a:latin typeface="Century Schoolbook" panose="02040604050505020304" pitchFamily="18" charset="0"/>
+              </a:endParaRPr>
+            </a:p>
+          </p:txBody>
+        </p:sp>
+        <p:sp>
+          <p:nvSpPr>
+            <p:cNvPr id="50" name="Triangolo isoscele 49"/>
+            <p:cNvSpPr/>
+            <p:nvPr/>
+          </p:nvSpPr>
+          <p:spPr>
+            <a:xfrm rot="16200000">
+              <a:off x="1350190" y="5205064"/>
+              <a:ext cx="296478" cy="255585"/>
+            </a:xfrm>
+            <a:prstGeom prst="triangle">
+              <a:avLst/>
+            </a:prstGeom>
+            <a:solidFill>
+              <a:srgbClr val="FF0000"/>
+            </a:solidFill>
+            <a:ln w="12700">
+              <a:solidFill>
+                <a:schemeClr val="tx1"/>
+              </a:solidFill>
+            </a:ln>
+          </p:spPr>
+          <p:style>
+            <a:lnRef idx="2">
+              <a:schemeClr val="accent1">
+                <a:shade val="50000"/>
+              </a:schemeClr>
+            </a:lnRef>
+            <a:fillRef idx="1">
+              <a:schemeClr val="accent1"/>
+            </a:fillRef>
+            <a:effectRef idx="0">
+              <a:schemeClr val="accent1"/>
+            </a:effectRef>
+            <a:fontRef idx="minor">
+              <a:schemeClr val="lt1"/>
+            </a:fontRef>
+          </p:style>
+          <p:txBody>
+            <a:bodyPr rtlCol="0" anchor="ctr"/>
+            <a:lstStyle/>
+            <a:p>
+              <a:pPr algn="ctr"/>
+              <a:endParaRPr lang="it-IT"/>
+            </a:p>
+          </p:txBody>
+        </p:sp>
+        <p:sp>
+          <p:nvSpPr>
+            <p:cNvPr id="51" name="Rettangolo 50"/>
+            <p:cNvSpPr/>
+            <p:nvPr/>
+          </p:nvSpPr>
+          <p:spPr>
+            <a:xfrm>
+              <a:off x="402476" y="5739696"/>
+              <a:ext cx="530961" cy="252254"/>
+            </a:xfrm>
+            <a:prstGeom prst="rect">
+              <a:avLst/>
+            </a:prstGeom>
+            <a:solidFill>
+              <a:schemeClr val="accent2">
+                <a:lumMod val="20000"/>
+                <a:lumOff val="80000"/>
+              </a:schemeClr>
+            </a:solidFill>
+            <a:ln w="12700">
+              <a:solidFill>
+                <a:schemeClr val="tx1"/>
+              </a:solidFill>
+            </a:ln>
+          </p:spPr>
+          <p:style>
+            <a:lnRef idx="2">
+              <a:schemeClr val="accent1">
+                <a:shade val="50000"/>
+              </a:schemeClr>
+            </a:lnRef>
+            <a:fillRef idx="1">
+              <a:schemeClr val="accent1"/>
+            </a:fillRef>
+            <a:effectRef idx="0">
+              <a:schemeClr val="accent1"/>
+            </a:effectRef>
+            <a:fontRef idx="minor">
+              <a:schemeClr val="lt1"/>
+            </a:fontRef>
+          </p:style>
+          <p:txBody>
+            <a:bodyPr rtlCol="0" anchor="ctr"/>
+            <a:lstStyle/>
+            <a:p>
+              <a:pPr algn="ctr"/>
+              <a:endParaRPr lang="it-IT"/>
+            </a:p>
+          </p:txBody>
+        </p:sp>
+      </p:grpSp>
+      <p:cxnSp>
+        <p:nvCxnSpPr>
+          <p:cNvPr id="52" name="Connettore 2 51"/>
+          <p:cNvCxnSpPr>
+            <a:stCxn id="37" idx="1"/>
+            <a:endCxn id="30" idx="6"/>
+          </p:cNvCxnSpPr>
+          <p:nvPr/>
+        </p:nvCxnSpPr>
+        <p:spPr>
+          <a:xfrm flipH="1" flipV="1">
+            <a:off x="3257073" y="1866073"/>
+            <a:ext cx="6617218" cy="432092"/>
+          </a:xfrm>
+          <a:prstGeom prst="straightConnector1">
+            <a:avLst/>
+          </a:prstGeom>
+          <a:ln w="19050">
+            <a:solidFill>
+              <a:schemeClr val="tx1"/>
+            </a:solidFill>
+            <a:prstDash val="sysDash"/>
+            <a:headEnd type="none" w="med" len="med"/>
+            <a:tailEnd type="triangle" w="med" len="med"/>
+          </a:ln>
+        </p:spPr>
+        <p:style>
+          <a:lnRef idx="1">
+            <a:schemeClr val="accent1"/>
+          </a:lnRef>
+          <a:fillRef idx="0">
+            <a:schemeClr val="accent1"/>
+          </a:fillRef>
+          <a:effectRef idx="0">
+            <a:schemeClr val="accent1"/>
+          </a:effectRef>
+          <a:fontRef idx="minor">
+            <a:schemeClr val="tx1"/>
+          </a:fontRef>
+        </p:style>
+      </p:cxnSp>
+      <p:cxnSp>
+        <p:nvCxnSpPr>
+          <p:cNvPr id="53" name="Connettore 2 52"/>
+          <p:cNvCxnSpPr>
+            <a:stCxn id="37" idx="2"/>
+            <a:endCxn id="49" idx="6"/>
+          </p:cNvCxnSpPr>
+          <p:nvPr/>
+        </p:nvCxnSpPr>
+        <p:spPr>
+          <a:xfrm flipH="1">
+            <a:off x="5448980" y="2675030"/>
+            <a:ext cx="4182071" cy="75345"/>
+          </a:xfrm>
+          <a:prstGeom prst="straightConnector1">
+            <a:avLst/>
+          </a:prstGeom>
+          <a:ln w="19050">
+            <a:solidFill>
+              <a:schemeClr val="tx1"/>
+            </a:solidFill>
+            <a:prstDash val="sysDash"/>
+            <a:headEnd type="none" w="med" len="med"/>
+            <a:tailEnd type="triangle" w="med" len="med"/>
+          </a:ln>
+        </p:spPr>
+        <p:style>
+          <a:lnRef idx="1">
+            <a:schemeClr val="accent1"/>
+          </a:lnRef>
+          <a:fillRef idx="0">
+            <a:schemeClr val="accent1"/>
+          </a:fillRef>
+          <a:effectRef idx="0">
+            <a:schemeClr val="accent1"/>
+          </a:effectRef>
+          <a:fontRef idx="minor">
+            <a:schemeClr val="tx1"/>
+          </a:fontRef>
+        </p:style>
+      </p:cxnSp>
+      <p:cxnSp>
+        <p:nvCxnSpPr>
+          <p:cNvPr id="54" name="Connettore 2 53"/>
+          <p:cNvCxnSpPr>
+            <a:stCxn id="37" idx="3"/>
+            <a:endCxn id="45" idx="6"/>
+          </p:cNvCxnSpPr>
+          <p:nvPr/>
+        </p:nvCxnSpPr>
+        <p:spPr>
+          <a:xfrm flipH="1">
+            <a:off x="3257073" y="3051894"/>
+            <a:ext cx="6617218" cy="481994"/>
+          </a:xfrm>
+          <a:prstGeom prst="straightConnector1">
+            <a:avLst/>
+          </a:prstGeom>
+          <a:ln w="19050">
+            <a:solidFill>
+              <a:schemeClr val="tx1"/>
+            </a:solidFill>
+            <a:prstDash val="sysDash"/>
+            <a:headEnd type="none" w="med" len="med"/>
+            <a:tailEnd type="triangle" w="med" len="med"/>
+          </a:ln>
+        </p:spPr>
+        <p:style>
+          <a:lnRef idx="1">
+            <a:schemeClr val="accent1"/>
+          </a:lnRef>
+          <a:fillRef idx="0">
+            <a:schemeClr val="accent1"/>
+          </a:fillRef>
+          <a:effectRef idx="0">
+            <a:schemeClr val="accent1"/>
+          </a:effectRef>
+          <a:fontRef idx="minor">
+            <a:schemeClr val="tx1"/>
+          </a:fontRef>
+        </p:style>
+      </p:cxnSp>
+      <p:cxnSp>
+        <p:nvCxnSpPr>
+          <p:cNvPr id="55" name="Connettore 2 54"/>
+          <p:cNvCxnSpPr/>
+          <p:nvPr/>
+        </p:nvCxnSpPr>
+        <p:spPr>
+          <a:xfrm>
+            <a:off x="5952529" y="3504451"/>
+            <a:ext cx="524722" cy="0"/>
+          </a:xfrm>
+          <a:prstGeom prst="straightConnector1">
+            <a:avLst/>
+          </a:prstGeom>
+          <a:ln w="19050">
+            <a:solidFill>
+              <a:schemeClr val="tx1"/>
+            </a:solidFill>
+            <a:headEnd type="none" w="med" len="med"/>
+            <a:tailEnd type="arrow" w="med" len="med"/>
+          </a:ln>
+        </p:spPr>
+        <p:style>
+          <a:lnRef idx="1">
+            <a:schemeClr val="accent1"/>
+          </a:lnRef>
+          <a:fillRef idx="0">
+            <a:schemeClr val="accent1"/>
+          </a:fillRef>
+          <a:effectRef idx="0">
+            <a:schemeClr val="accent1"/>
+          </a:effectRef>
+          <a:fontRef idx="minor">
+            <a:schemeClr val="tx1"/>
+          </a:fontRef>
+        </p:style>
+      </p:cxnSp>
+      <p:sp>
+        <p:nvSpPr>
+          <p:cNvPr id="56" name="CasellaDiTesto 55"/>
+          <p:cNvSpPr txBox="1"/>
+          <p:nvPr/>
+        </p:nvSpPr>
+        <p:spPr>
+          <a:xfrm>
+            <a:off x="5762683" y="3533888"/>
+            <a:ext cx="904415" cy="523220"/>
+          </a:xfrm>
+          <a:prstGeom prst="rect">
+            <a:avLst/>
+          </a:prstGeom>
+          <a:noFill/>
+        </p:spPr>
+        <p:txBody>
+          <a:bodyPr wrap="none" rtlCol="0">
+            <a:spAutoFit/>
+          </a:bodyPr>
+          <a:lstStyle/>
+          <a:p>
+            <a:r>
+              <a:rPr lang="it-IT" sz="1400" dirty="0">
+                <a:solidFill>
+                  <a:schemeClr val="bg2">
+                    <a:lumMod val="25000"/>
+                  </a:schemeClr>
+                </a:solidFill>
+                <a:latin typeface="Bookman Old Style" panose="02050604050505020204" pitchFamily="18" charset="0"/>
+              </a:rPr>
+              <a:t>fanStart</a:t>
+            </a:r>
+          </a:p>
+          <a:p>
+            <a:r>
+              <a:rPr lang="it-IT" sz="1400" dirty="0">
+                <a:solidFill>
+                  <a:schemeClr val="bg2">
+                    <a:lumMod val="25000"/>
+                  </a:schemeClr>
+                </a:solidFill>
+                <a:latin typeface="Bookman Old Style" panose="02050604050505020204" pitchFamily="18" charset="0"/>
+              </a:rPr>
+              <a:t>fanStop</a:t>
+            </a:r>
+          </a:p>
+        </p:txBody>
+      </p:sp>
+      <p:cxnSp>
+        <p:nvCxnSpPr>
+          <p:cNvPr id="57" name="Connettore 2 56"/>
+          <p:cNvCxnSpPr/>
+          <p:nvPr/>
+        </p:nvCxnSpPr>
+        <p:spPr>
+          <a:xfrm>
+            <a:off x="6268832" y="2356491"/>
+            <a:ext cx="524722" cy="0"/>
+          </a:xfrm>
+          <a:prstGeom prst="straightConnector1">
+            <a:avLst/>
+          </a:prstGeom>
+          <a:ln w="19050">
+            <a:solidFill>
+              <a:schemeClr val="tx1"/>
+            </a:solidFill>
+            <a:headEnd type="none" w="med" len="med"/>
+            <a:tailEnd type="arrow" w="med" len="med"/>
+          </a:ln>
+        </p:spPr>
+        <p:style>
+          <a:lnRef idx="1">
+            <a:schemeClr val="accent1"/>
+          </a:lnRef>
+          <a:fillRef idx="0">
+            <a:schemeClr val="accent1"/>
+          </a:fillRef>
+          <a:effectRef idx="0">
+            <a:schemeClr val="accent1"/>
+          </a:effectRef>
+          <a:fontRef idx="minor">
+            <a:schemeClr val="tx1"/>
+          </a:fontRef>
+        </p:style>
+      </p:cxnSp>
+      <p:sp>
+        <p:nvSpPr>
+          <p:cNvPr id="58" name="CasellaDiTesto 57"/>
+          <p:cNvSpPr txBox="1"/>
+          <p:nvPr/>
+        </p:nvSpPr>
+        <p:spPr>
+          <a:xfrm>
+            <a:off x="5711097" y="2375836"/>
+            <a:ext cx="1640193" cy="307777"/>
+          </a:xfrm>
+          <a:prstGeom prst="rect">
+            <a:avLst/>
+          </a:prstGeom>
+          <a:noFill/>
+        </p:spPr>
+        <p:txBody>
+          <a:bodyPr wrap="none" rtlCol="0">
+            <a:spAutoFit/>
+          </a:bodyPr>
+          <a:lstStyle/>
+          <a:p>
+            <a:r>
+              <a:rPr lang="it-IT" sz="1400" dirty="0" smtClean="0">
+                <a:solidFill>
+                  <a:schemeClr val="bg2">
+                    <a:lumMod val="25000"/>
+                  </a:schemeClr>
+                </a:solidFill>
+                <a:latin typeface="Bookman Old Style" panose="02050604050505020204" pitchFamily="18" charset="0"/>
+              </a:rPr>
+              <a:t>Temperature( T )</a:t>
+            </a:r>
+            <a:endParaRPr lang="it-IT" sz="1400" dirty="0">
+              <a:solidFill>
+                <a:schemeClr val="bg2">
+                  <a:lumMod val="25000"/>
+                </a:schemeClr>
+              </a:solidFill>
+              <a:latin typeface="Bookman Old Style" panose="02050604050505020204" pitchFamily="18" charset="0"/>
+            </a:endParaRPr>
+          </a:p>
+        </p:txBody>
+      </p:sp>
+      <p:cxnSp>
+        <p:nvCxnSpPr>
+          <p:cNvPr id="59" name="Connettore 2 58"/>
+          <p:cNvCxnSpPr/>
+          <p:nvPr/>
+        </p:nvCxnSpPr>
+        <p:spPr>
+          <a:xfrm>
+            <a:off x="6056426" y="1503274"/>
+            <a:ext cx="524722" cy="0"/>
+          </a:xfrm>
+          <a:prstGeom prst="straightConnector1">
+            <a:avLst/>
+          </a:prstGeom>
+          <a:ln w="19050">
+            <a:solidFill>
+              <a:schemeClr val="tx1"/>
+            </a:solidFill>
+            <a:headEnd type="none" w="med" len="med"/>
+            <a:tailEnd type="arrow" w="med" len="med"/>
+          </a:ln>
+        </p:spPr>
+        <p:style>
+          <a:lnRef idx="1">
+            <a:schemeClr val="accent1"/>
+          </a:lnRef>
+          <a:fillRef idx="0">
+            <a:schemeClr val="accent1"/>
+          </a:fillRef>
+          <a:effectRef idx="0">
+            <a:schemeClr val="accent1"/>
+          </a:effectRef>
+          <a:fontRef idx="minor">
+            <a:schemeClr val="tx1"/>
+          </a:fontRef>
+        </p:style>
+      </p:cxnSp>
+      <p:sp>
+        <p:nvSpPr>
+          <p:cNvPr id="60" name="CasellaDiTesto 59"/>
+          <p:cNvSpPr txBox="1"/>
+          <p:nvPr/>
+        </p:nvSpPr>
+        <p:spPr>
+          <a:xfrm>
+            <a:off x="5722990" y="1503274"/>
+            <a:ext cx="1308371" cy="523220"/>
+          </a:xfrm>
+          <a:prstGeom prst="rect">
+            <a:avLst/>
+          </a:prstGeom>
+          <a:noFill/>
+        </p:spPr>
+        <p:txBody>
+          <a:bodyPr wrap="none" rtlCol="0">
+            <a:spAutoFit/>
+          </a:bodyPr>
+          <a:lstStyle/>
+          <a:p>
+            <a:r>
+              <a:rPr lang="it-IT" sz="1400" dirty="0">
+                <a:solidFill>
+                  <a:schemeClr val="bg2">
+                    <a:lumMod val="25000"/>
+                  </a:schemeClr>
+                </a:solidFill>
+                <a:latin typeface="Bookman Old Style" panose="02050604050505020204" pitchFamily="18" charset="0"/>
+              </a:rPr>
+              <a:t>s</a:t>
+            </a:r>
+            <a:r>
+              <a:rPr lang="it-IT" sz="1400" dirty="0" smtClean="0">
+                <a:solidFill>
+                  <a:schemeClr val="bg2">
+                    <a:lumMod val="25000"/>
+                  </a:schemeClr>
+                </a:solidFill>
+                <a:latin typeface="Bookman Old Style" panose="02050604050505020204" pitchFamily="18" charset="0"/>
+              </a:rPr>
+              <a:t>lot( vacant )</a:t>
+            </a:r>
+          </a:p>
+          <a:p>
+            <a:r>
+              <a:rPr lang="it-IT" sz="1400" dirty="0" smtClean="0">
+                <a:solidFill>
+                  <a:schemeClr val="bg2">
+                    <a:lumMod val="25000"/>
+                  </a:schemeClr>
+                </a:solidFill>
+                <a:latin typeface="Bookman Old Style" panose="02050604050505020204" pitchFamily="18" charset="0"/>
+              </a:rPr>
+              <a:t>slot( full )</a:t>
+            </a:r>
+            <a:endParaRPr lang="it-IT" sz="1400" dirty="0">
+              <a:solidFill>
+                <a:schemeClr val="bg2">
+                  <a:lumMod val="25000"/>
+                </a:schemeClr>
+              </a:solidFill>
+              <a:latin typeface="Bookman Old Style" panose="02050604050505020204" pitchFamily="18" charset="0"/>
+            </a:endParaRPr>
+          </a:p>
+        </p:txBody>
+      </p:sp>
+      <p:grpSp>
+        <p:nvGrpSpPr>
+          <p:cNvPr id="64" name="Gruppo 63"/>
+          <p:cNvGrpSpPr/>
+          <p:nvPr/>
+        </p:nvGrpSpPr>
+        <p:grpSpPr>
+          <a:xfrm>
+            <a:off x="3430574" y="4201341"/>
+            <a:ext cx="1926426" cy="1214172"/>
+            <a:chOff x="402476" y="5184618"/>
+            <a:chExt cx="1926426" cy="1214172"/>
+          </a:xfrm>
+        </p:grpSpPr>
+        <p:sp>
+          <p:nvSpPr>
+            <p:cNvPr id="65" name="Ovale 64"/>
+            <p:cNvSpPr/>
+            <p:nvPr/>
+          </p:nvSpPr>
+          <p:spPr>
+            <a:xfrm>
+              <a:off x="667957" y="5332857"/>
+              <a:ext cx="1660945" cy="1065933"/>
+            </a:xfrm>
+            <a:prstGeom prst="ellipse">
+              <a:avLst/>
+            </a:prstGeom>
+            <a:solidFill>
+              <a:schemeClr val="accent2">
+                <a:lumMod val="20000"/>
+                <a:lumOff val="80000"/>
+              </a:schemeClr>
+            </a:solidFill>
+            <a:ln w="12700">
+              <a:solidFill>
+                <a:schemeClr val="tx1"/>
+              </a:solidFill>
+            </a:ln>
+          </p:spPr>
+          <p:style>
+            <a:lnRef idx="2">
+              <a:schemeClr val="accent1">
+                <a:shade val="50000"/>
+              </a:schemeClr>
+            </a:lnRef>
+            <a:fillRef idx="1">
+              <a:schemeClr val="accent1"/>
+            </a:fillRef>
+            <a:effectRef idx="0">
+              <a:schemeClr val="accent1"/>
+            </a:effectRef>
+            <a:fontRef idx="minor">
+              <a:schemeClr val="lt1"/>
+            </a:fontRef>
+          </p:style>
+          <p:txBody>
+            <a:bodyPr rtlCol="0" anchor="ctr"/>
+            <a:lstStyle/>
+            <a:p>
+              <a:pPr algn="ctr"/>
+              <a:r>
+                <a:rPr lang="it-IT" sz="1200" dirty="0">
+                  <a:solidFill>
+                    <a:schemeClr val="tx1"/>
+                  </a:solidFill>
+                  <a:latin typeface="Century Schoolbook" panose="02040604050505020304" pitchFamily="18" charset="0"/>
+                </a:rPr>
+                <a:t>Park Service Status GUI Actor</a:t>
+              </a:r>
+            </a:p>
+            <a:p>
+              <a:pPr lvl="0" algn="ctr"/>
+              <a:r>
+                <a:rPr lang="it-IT" sz="1100" i="1" dirty="0">
+                  <a:solidFill>
+                    <a:prstClr val="black"/>
+                  </a:solidFill>
+                  <a:latin typeface="Century Schoolbook" panose="02040604050505020304" pitchFamily="18" charset="0"/>
+                </a:rPr>
+                <a:t>(manager’s)</a:t>
+              </a:r>
+              <a:endParaRPr lang="it-IT" sz="1400" i="1" dirty="0">
+                <a:solidFill>
+                  <a:prstClr val="black"/>
+                </a:solidFill>
+                <a:latin typeface="Century Schoolbook" panose="02040604050505020304" pitchFamily="18" charset="0"/>
+              </a:endParaRPr>
+            </a:p>
+          </p:txBody>
+        </p:sp>
+        <p:sp>
+          <p:nvSpPr>
+            <p:cNvPr id="66" name="Triangolo isoscele 65"/>
+            <p:cNvSpPr/>
+            <p:nvPr/>
+          </p:nvSpPr>
+          <p:spPr>
+            <a:xfrm rot="16200000">
+              <a:off x="1350190" y="5205064"/>
+              <a:ext cx="296478" cy="255585"/>
+            </a:xfrm>
+            <a:prstGeom prst="triangle">
+              <a:avLst/>
+            </a:prstGeom>
+            <a:solidFill>
+              <a:srgbClr val="FF0000"/>
+            </a:solidFill>
+            <a:ln w="12700">
+              <a:solidFill>
+                <a:schemeClr val="tx1"/>
+              </a:solidFill>
+            </a:ln>
+          </p:spPr>
+          <p:style>
+            <a:lnRef idx="2">
+              <a:schemeClr val="accent1">
+                <a:shade val="50000"/>
+              </a:schemeClr>
+            </a:lnRef>
+            <a:fillRef idx="1">
+              <a:schemeClr val="accent1"/>
+            </a:fillRef>
+            <a:effectRef idx="0">
+              <a:schemeClr val="accent1"/>
+            </a:effectRef>
+            <a:fontRef idx="minor">
+              <a:schemeClr val="lt1"/>
+            </a:fontRef>
+          </p:style>
+          <p:txBody>
+            <a:bodyPr rtlCol="0" anchor="ctr"/>
+            <a:lstStyle/>
+            <a:p>
+              <a:pPr algn="ctr"/>
+              <a:endParaRPr lang="it-IT"/>
+            </a:p>
+          </p:txBody>
+        </p:sp>
+        <p:sp>
+          <p:nvSpPr>
+            <p:cNvPr id="67" name="Rettangolo 66"/>
+            <p:cNvSpPr/>
+            <p:nvPr/>
+          </p:nvSpPr>
+          <p:spPr>
+            <a:xfrm>
+              <a:off x="402476" y="5739696"/>
+              <a:ext cx="530961" cy="252254"/>
+            </a:xfrm>
+            <a:prstGeom prst="rect">
+              <a:avLst/>
+            </a:prstGeom>
+            <a:solidFill>
+              <a:schemeClr val="accent2">
+                <a:lumMod val="20000"/>
+                <a:lumOff val="80000"/>
+              </a:schemeClr>
+            </a:solidFill>
+            <a:ln w="12700">
+              <a:solidFill>
+                <a:schemeClr val="tx1"/>
+              </a:solidFill>
+            </a:ln>
+          </p:spPr>
+          <p:style>
+            <a:lnRef idx="2">
+              <a:schemeClr val="accent1">
+                <a:shade val="50000"/>
+              </a:schemeClr>
+            </a:lnRef>
+            <a:fillRef idx="1">
+              <a:schemeClr val="accent1"/>
+            </a:fillRef>
+            <a:effectRef idx="0">
+              <a:schemeClr val="accent1"/>
+            </a:effectRef>
+            <a:fontRef idx="minor">
+              <a:schemeClr val="lt1"/>
+            </a:fontRef>
+          </p:style>
+          <p:txBody>
+            <a:bodyPr rtlCol="0" anchor="ctr"/>
+            <a:lstStyle/>
+            <a:p>
+              <a:pPr algn="ctr"/>
+              <a:endParaRPr lang="it-IT"/>
+            </a:p>
+          </p:txBody>
+        </p:sp>
+      </p:grpSp>
+      <p:cxnSp>
+        <p:nvCxnSpPr>
+          <p:cNvPr id="70" name="Connettore 2 69"/>
+          <p:cNvCxnSpPr>
+            <a:stCxn id="65" idx="1"/>
+            <a:endCxn id="45" idx="5"/>
+          </p:cNvCxnSpPr>
+          <p:nvPr/>
+        </p:nvCxnSpPr>
+        <p:spPr>
+          <a:xfrm flipH="1" flipV="1">
+            <a:off x="3013833" y="3910752"/>
+            <a:ext cx="925462" cy="594930"/>
+          </a:xfrm>
+          <a:prstGeom prst="straightConnector1">
+            <a:avLst/>
+          </a:prstGeom>
+          <a:ln w="19050">
+            <a:solidFill>
+              <a:schemeClr val="tx1"/>
+            </a:solidFill>
+            <a:prstDash val="sysDash"/>
+            <a:headEnd type="none" w="med" len="med"/>
+            <a:tailEnd type="arrow" w="med" len="med"/>
+          </a:ln>
+        </p:spPr>
+        <p:style>
+          <a:lnRef idx="1">
+            <a:schemeClr val="accent1"/>
+          </a:lnRef>
+          <a:fillRef idx="0">
+            <a:schemeClr val="accent1"/>
+          </a:fillRef>
+          <a:effectRef idx="0">
+            <a:schemeClr val="accent1"/>
+          </a:effectRef>
+          <a:fontRef idx="minor">
+            <a:schemeClr val="tx1"/>
+          </a:fontRef>
+        </p:style>
+      </p:cxnSp>
+    </p:spTree>
+    <p:extLst>
+      <p:ext uri="{BB962C8B-B14F-4D97-AF65-F5344CB8AC3E}">
+        <p14:creationId xmlns:p14="http://schemas.microsoft.com/office/powerpoint/2010/main" val="2550696523"/>
+      </p:ext>
+    </p:extLst>
+  </p:cSld>
+  <p:clrMapOvr>
+    <a:masterClrMapping/>
+  </p:clrMapOvr>
+</p:sld>
+</file>
+
+<file path=ppt/slides/slide17.xml><?xml version="1.0" encoding="utf-8"?>
+<p:sld xmlns:a="http://schemas.openxmlformats.org/drawingml/2006/main" xmlns:r="http://schemas.openxmlformats.org/officeDocument/2006/relationships" xmlns:p="http://schemas.openxmlformats.org/presentationml/2006/main">
+  <p:cSld>
+    <p:spTree>
+      <p:nvGrpSpPr>
+        <p:cNvPr id="1" name=""/>
+        <p:cNvGrpSpPr/>
+        <p:nvPr/>
+      </p:nvGrpSpPr>
+      <p:grpSpPr>
+        <a:xfrm>
+          <a:off x="0" y="0"/>
+          <a:ext cx="0" cy="0"/>
+          <a:chOff x="0" y="0"/>
+          <a:chExt cx="0" cy="0"/>
+        </a:xfrm>
+      </p:grpSpPr>
+      <p:sp>
+        <p:nvSpPr>
+          <p:cNvPr id="37" name="Rettangolo arrotondato 36"/>
+          <p:cNvSpPr/>
+          <p:nvPr/>
+        </p:nvSpPr>
+        <p:spPr>
+          <a:xfrm>
+            <a:off x="810882" y="1655839"/>
+            <a:ext cx="5233178" cy="3951330"/>
+          </a:xfrm>
+          <a:prstGeom prst="roundRect">
+            <a:avLst/>
+          </a:prstGeom>
+          <a:solidFill>
+            <a:schemeClr val="bg1">
+              <a:lumMod val="95000"/>
+            </a:schemeClr>
+          </a:solidFill>
+          <a:ln w="19050">
+            <a:solidFill>
+              <a:schemeClr val="tx1"/>
+            </a:solidFill>
+          </a:ln>
+        </p:spPr>
+        <p:style>
+          <a:lnRef idx="2">
+            <a:schemeClr val="accent1">
+              <a:shade val="50000"/>
+            </a:schemeClr>
+          </a:lnRef>
+          <a:fillRef idx="1">
+            <a:schemeClr val="accent1"/>
+          </a:fillRef>
+          <a:effectRef idx="0">
+            <a:schemeClr val="accent1"/>
+          </a:effectRef>
+          <a:fontRef idx="minor">
+            <a:schemeClr val="lt1"/>
+          </a:fontRef>
+        </p:style>
+        <p:txBody>
+          <a:bodyPr rtlCol="0" anchor="ctr"/>
+          <a:lstStyle/>
+          <a:p>
+            <a:pPr algn="ctr"/>
+            <a:endParaRPr lang="it-IT" sz="1400" dirty="0">
+              <a:solidFill>
+                <a:schemeClr val="tx1"/>
+              </a:solidFill>
+              <a:latin typeface="Century Schoolbook" panose="02040604050505020304" pitchFamily="18" charset="0"/>
+            </a:endParaRPr>
+          </a:p>
+        </p:txBody>
+      </p:sp>
+      <p:sp>
+        <p:nvSpPr>
+          <p:cNvPr id="42" name="Rettangolo arrotondato 41"/>
+          <p:cNvSpPr/>
+          <p:nvPr/>
+        </p:nvSpPr>
+        <p:spPr>
+          <a:xfrm>
+            <a:off x="2541383" y="1420049"/>
+            <a:ext cx="1772176" cy="471580"/>
+          </a:xfrm>
+          <a:prstGeom prst="roundRect">
+            <a:avLst/>
+          </a:prstGeom>
+          <a:solidFill>
+            <a:schemeClr val="accent1">
+              <a:lumMod val="20000"/>
+              <a:lumOff val="80000"/>
+            </a:schemeClr>
+          </a:solidFill>
+          <a:ln>
+            <a:solidFill>
+              <a:schemeClr val="tx1"/>
+            </a:solidFill>
+          </a:ln>
+        </p:spPr>
+        <p:style>
+          <a:lnRef idx="2">
+            <a:schemeClr val="accent1">
+              <a:shade val="50000"/>
+            </a:schemeClr>
+          </a:lnRef>
+          <a:fillRef idx="1">
+            <a:schemeClr val="accent1"/>
+          </a:fillRef>
+          <a:effectRef idx="0">
+            <a:schemeClr val="accent1"/>
+          </a:effectRef>
+          <a:fontRef idx="minor">
+            <a:schemeClr val="lt1"/>
+          </a:fontRef>
+        </p:style>
+        <p:txBody>
+          <a:bodyPr rtlCol="0" anchor="ctr"/>
+          <a:lstStyle/>
+          <a:p>
+            <a:pPr algn="ctr"/>
+            <a:r>
+              <a:rPr lang="it-IT" sz="1400" dirty="0" smtClean="0">
+                <a:solidFill>
+                  <a:schemeClr val="tx1"/>
+                </a:solidFill>
+                <a:latin typeface="Century Schoolbook" panose="02040604050505020304" pitchFamily="18" charset="0"/>
+              </a:rPr>
+              <a:t>ctx Car Parking</a:t>
+            </a:r>
+            <a:endParaRPr lang="it-IT" sz="1400" dirty="0">
+              <a:solidFill>
+                <a:schemeClr val="tx1"/>
+              </a:solidFill>
+              <a:latin typeface="Century Schoolbook" panose="02040604050505020304" pitchFamily="18" charset="0"/>
+            </a:endParaRPr>
+          </a:p>
+        </p:txBody>
+      </p:sp>
+      <p:grpSp>
+        <p:nvGrpSpPr>
+          <p:cNvPr id="43" name="Gruppo 42"/>
+          <p:cNvGrpSpPr/>
+          <p:nvPr/>
+        </p:nvGrpSpPr>
+        <p:grpSpPr>
+          <a:xfrm>
+            <a:off x="9958853" y="3537110"/>
+            <a:ext cx="1660945" cy="1214172"/>
+            <a:chOff x="7744200" y="2907063"/>
+            <a:chExt cx="1660945" cy="1214172"/>
+          </a:xfrm>
+        </p:grpSpPr>
+        <p:sp>
+          <p:nvSpPr>
+            <p:cNvPr id="44" name="Ovale 43"/>
+            <p:cNvSpPr/>
+            <p:nvPr/>
+          </p:nvSpPr>
+          <p:spPr>
+            <a:xfrm>
+              <a:off x="7744200" y="3055302"/>
+              <a:ext cx="1660945" cy="1065933"/>
+            </a:xfrm>
+            <a:prstGeom prst="ellipse">
+              <a:avLst/>
+            </a:prstGeom>
+            <a:solidFill>
+              <a:schemeClr val="accent4">
+                <a:lumMod val="20000"/>
+                <a:lumOff val="80000"/>
+              </a:schemeClr>
+            </a:solidFill>
+            <a:ln w="12700">
+              <a:solidFill>
+                <a:schemeClr val="tx1"/>
+              </a:solidFill>
+            </a:ln>
+          </p:spPr>
+          <p:style>
+            <a:lnRef idx="2">
+              <a:schemeClr val="accent1">
+                <a:shade val="50000"/>
+              </a:schemeClr>
+            </a:lnRef>
+            <a:fillRef idx="1">
+              <a:schemeClr val="accent1"/>
+            </a:fillRef>
+            <a:effectRef idx="0">
+              <a:schemeClr val="accent1"/>
+            </a:effectRef>
+            <a:fontRef idx="minor">
+              <a:schemeClr val="lt1"/>
+            </a:fontRef>
+          </p:style>
+          <p:txBody>
+            <a:bodyPr rtlCol="0" anchor="ctr"/>
+            <a:lstStyle/>
+            <a:p>
+              <a:pPr algn="ctr"/>
+              <a:r>
+                <a:rPr lang="it-IT" sz="1200" dirty="0">
+                  <a:solidFill>
+                    <a:schemeClr val="tx1"/>
+                  </a:solidFill>
+                  <a:latin typeface="Century Schoolbook" panose="02040604050505020304" pitchFamily="18" charset="0"/>
+                </a:rPr>
+                <a:t>Client GUI</a:t>
+              </a:r>
+            </a:p>
+            <a:p>
+              <a:pPr lvl="0" algn="ctr"/>
+              <a:r>
+                <a:rPr lang="it-IT" sz="1100" i="1" dirty="0">
+                  <a:solidFill>
+                    <a:prstClr val="black"/>
+                  </a:solidFill>
+                  <a:latin typeface="Century Schoolbook" panose="02040604050505020304" pitchFamily="18" charset="0"/>
+                </a:rPr>
+                <a:t>(Web GUI)</a:t>
+              </a:r>
+              <a:endParaRPr lang="it-IT" sz="1400" i="1" dirty="0">
+                <a:solidFill>
+                  <a:prstClr val="black"/>
+                </a:solidFill>
+                <a:latin typeface="Century Schoolbook" panose="02040604050505020304" pitchFamily="18" charset="0"/>
+              </a:endParaRPr>
+            </a:p>
+          </p:txBody>
+        </p:sp>
+        <p:sp>
+          <p:nvSpPr>
+            <p:cNvPr id="45" name="Triangolo isoscele 44"/>
+            <p:cNvSpPr/>
+            <p:nvPr/>
+          </p:nvSpPr>
+          <p:spPr>
+            <a:xfrm rot="16200000">
+              <a:off x="8426433" y="2927509"/>
+              <a:ext cx="296478" cy="255585"/>
+            </a:xfrm>
+            <a:prstGeom prst="triangle">
+              <a:avLst/>
+            </a:prstGeom>
+            <a:solidFill>
+              <a:srgbClr val="FF0000"/>
+            </a:solidFill>
+            <a:ln w="12700">
+              <a:solidFill>
+                <a:schemeClr val="tx1"/>
+              </a:solidFill>
+            </a:ln>
+          </p:spPr>
+          <p:style>
+            <a:lnRef idx="2">
+              <a:schemeClr val="accent1">
+                <a:shade val="50000"/>
+              </a:schemeClr>
+            </a:lnRef>
+            <a:fillRef idx="1">
+              <a:schemeClr val="accent1"/>
+            </a:fillRef>
+            <a:effectRef idx="0">
+              <a:schemeClr val="accent1"/>
+            </a:effectRef>
+            <a:fontRef idx="minor">
+              <a:schemeClr val="lt1"/>
+            </a:fontRef>
+          </p:style>
+          <p:txBody>
+            <a:bodyPr rtlCol="0" anchor="ctr"/>
+            <a:lstStyle/>
+            <a:p>
+              <a:pPr algn="ctr"/>
+              <a:endParaRPr lang="it-IT"/>
+            </a:p>
+          </p:txBody>
+        </p:sp>
+      </p:grpSp>
+      <p:sp>
+        <p:nvSpPr>
+          <p:cNvPr id="46" name="Ovale 45"/>
+          <p:cNvSpPr/>
+          <p:nvPr/>
+        </p:nvSpPr>
+        <p:spPr>
+          <a:xfrm>
+            <a:off x="9958854" y="1866018"/>
+            <a:ext cx="1660945" cy="1065933"/>
+          </a:xfrm>
+          <a:prstGeom prst="ellipse">
+            <a:avLst/>
+          </a:prstGeom>
+          <a:solidFill>
+            <a:schemeClr val="accent1">
+              <a:lumMod val="20000"/>
+              <a:lumOff val="80000"/>
+            </a:schemeClr>
+          </a:solidFill>
+          <a:ln w="12700">
+            <a:solidFill>
+              <a:schemeClr val="tx1"/>
+            </a:solidFill>
+          </a:ln>
+        </p:spPr>
+        <p:style>
+          <a:lnRef idx="2">
+            <a:schemeClr val="accent1">
+              <a:shade val="50000"/>
+            </a:schemeClr>
+          </a:lnRef>
+          <a:fillRef idx="1">
+            <a:schemeClr val="accent1"/>
+          </a:fillRef>
+          <a:effectRef idx="0">
+            <a:schemeClr val="accent1"/>
+          </a:effectRef>
+          <a:fontRef idx="minor">
+            <a:schemeClr val="lt1"/>
+          </a:fontRef>
+        </p:style>
+        <p:txBody>
+          <a:bodyPr rtlCol="0" anchor="ctr"/>
+          <a:lstStyle/>
+          <a:p>
+            <a:pPr algn="ctr"/>
+            <a:r>
+              <a:rPr lang="it-IT" sz="1200" dirty="0" smtClean="0">
+                <a:solidFill>
+                  <a:schemeClr val="tx1"/>
+                </a:solidFill>
+                <a:latin typeface="Century Schoolbook" panose="02040604050505020304" pitchFamily="18" charset="0"/>
+              </a:rPr>
+              <a:t>CoAP Support</a:t>
+            </a:r>
+          </a:p>
+        </p:txBody>
+      </p:sp>
+      <p:cxnSp>
+        <p:nvCxnSpPr>
+          <p:cNvPr id="47" name="Connettore 2 46"/>
+          <p:cNvCxnSpPr>
+            <a:stCxn id="45" idx="5"/>
+            <a:endCxn id="46" idx="4"/>
+          </p:cNvCxnSpPr>
+          <p:nvPr/>
+        </p:nvCxnSpPr>
+        <p:spPr>
+          <a:xfrm flipV="1">
+            <a:off x="10789326" y="2931951"/>
+            <a:ext cx="1" cy="679278"/>
+          </a:xfrm>
+          <a:prstGeom prst="straightConnector1">
+            <a:avLst/>
+          </a:prstGeom>
+          <a:ln w="19050">
+            <a:solidFill>
+              <a:schemeClr val="tx1"/>
+            </a:solidFill>
+            <a:headEnd type="none" w="med" len="med"/>
+            <a:tailEnd type="arrow" w="med" len="med"/>
+          </a:ln>
+        </p:spPr>
+        <p:style>
+          <a:lnRef idx="1">
+            <a:schemeClr val="accent1"/>
+          </a:lnRef>
+          <a:fillRef idx="0">
+            <a:schemeClr val="accent1"/>
+          </a:fillRef>
+          <a:effectRef idx="0">
+            <a:schemeClr val="accent1"/>
+          </a:effectRef>
+          <a:fontRef idx="minor">
+            <a:schemeClr val="tx1"/>
+          </a:fontRef>
+        </p:style>
+      </p:cxnSp>
+      <p:cxnSp>
+        <p:nvCxnSpPr>
+          <p:cNvPr id="48" name="Connettore 2 47"/>
+          <p:cNvCxnSpPr>
+            <a:stCxn id="44" idx="2"/>
+            <a:endCxn id="52" idx="6"/>
+          </p:cNvCxnSpPr>
+          <p:nvPr/>
+        </p:nvCxnSpPr>
+        <p:spPr>
+          <a:xfrm flipH="1">
+            <a:off x="9297473" y="4218316"/>
+            <a:ext cx="661380" cy="0"/>
+          </a:xfrm>
+          <a:prstGeom prst="straightConnector1">
+            <a:avLst/>
+          </a:prstGeom>
+          <a:ln w="19050">
+            <a:solidFill>
+              <a:schemeClr val="tx1"/>
+            </a:solidFill>
+            <a:headEnd type="none" w="med" len="med"/>
+            <a:tailEnd type="arrow" w="med" len="med"/>
+          </a:ln>
+        </p:spPr>
+        <p:style>
+          <a:lnRef idx="1">
+            <a:schemeClr val="accent1"/>
+          </a:lnRef>
+          <a:fillRef idx="0">
+            <a:schemeClr val="accent1"/>
+          </a:fillRef>
+          <a:effectRef idx="0">
+            <a:schemeClr val="accent1"/>
+          </a:effectRef>
+          <a:fontRef idx="minor">
+            <a:schemeClr val="tx1"/>
+          </a:fontRef>
+        </p:style>
+      </p:cxnSp>
+      <p:cxnSp>
+        <p:nvCxnSpPr>
+          <p:cNvPr id="49" name="Connettore 2 48"/>
+          <p:cNvCxnSpPr>
+            <a:stCxn id="52" idx="2"/>
+            <a:endCxn id="71" idx="6"/>
+          </p:cNvCxnSpPr>
+          <p:nvPr/>
+        </p:nvCxnSpPr>
+        <p:spPr>
+          <a:xfrm flipH="1" flipV="1">
+            <a:off x="5684803" y="4218315"/>
+            <a:ext cx="1951725" cy="1"/>
+          </a:xfrm>
+          <a:prstGeom prst="straightConnector1">
+            <a:avLst/>
+          </a:prstGeom>
+          <a:ln w="19050">
+            <a:solidFill>
+              <a:schemeClr val="tx1"/>
+            </a:solidFill>
+            <a:prstDash val="sysDash"/>
+            <a:headEnd type="none" w="med" len="med"/>
+            <a:tailEnd type="arrow" w="med" len="med"/>
+          </a:ln>
+        </p:spPr>
+        <p:style>
+          <a:lnRef idx="1">
+            <a:schemeClr val="accent1"/>
+          </a:lnRef>
+          <a:fillRef idx="0">
+            <a:schemeClr val="accent1"/>
+          </a:fillRef>
+          <a:effectRef idx="0">
+            <a:schemeClr val="accent1"/>
+          </a:effectRef>
+          <a:fontRef idx="minor">
+            <a:schemeClr val="tx1"/>
+          </a:fontRef>
+        </p:style>
+      </p:cxnSp>
+      <p:sp>
+        <p:nvSpPr>
+          <p:cNvPr id="52" name="Ovale 51"/>
+          <p:cNvSpPr/>
+          <p:nvPr/>
+        </p:nvSpPr>
+        <p:spPr>
+          <a:xfrm>
+            <a:off x="7636528" y="3685349"/>
+            <a:ext cx="1660945" cy="1065933"/>
+          </a:xfrm>
+          <a:prstGeom prst="ellipse">
+            <a:avLst/>
+          </a:prstGeom>
+          <a:solidFill>
+            <a:schemeClr val="accent1">
+              <a:lumMod val="20000"/>
+              <a:lumOff val="80000"/>
+            </a:schemeClr>
+          </a:solidFill>
+          <a:ln w="12700">
+            <a:solidFill>
+              <a:schemeClr val="tx1"/>
+            </a:solidFill>
+          </a:ln>
+        </p:spPr>
+        <p:style>
+          <a:lnRef idx="2">
+            <a:schemeClr val="accent1">
+              <a:shade val="50000"/>
+            </a:schemeClr>
+          </a:lnRef>
+          <a:fillRef idx="1">
+            <a:schemeClr val="accent1"/>
+          </a:fillRef>
+          <a:effectRef idx="0">
+            <a:schemeClr val="accent1"/>
+          </a:effectRef>
+          <a:fontRef idx="minor">
+            <a:schemeClr val="lt1"/>
+          </a:fontRef>
+        </p:style>
+        <p:txBody>
+          <a:bodyPr rtlCol="0" anchor="ctr"/>
+          <a:lstStyle/>
+          <a:p>
+            <a:pPr algn="ctr"/>
+            <a:r>
+              <a:rPr lang="it-IT" sz="1200" dirty="0" smtClean="0">
+                <a:solidFill>
+                  <a:schemeClr val="tx1"/>
+                </a:solidFill>
+                <a:latin typeface="Century Schoolbook" panose="02040604050505020304" pitchFamily="18" charset="0"/>
+              </a:rPr>
+              <a:t>Conn Qak Base</a:t>
+            </a:r>
+          </a:p>
+        </p:txBody>
+      </p:sp>
+      <p:cxnSp>
+        <p:nvCxnSpPr>
+          <p:cNvPr id="62" name="Connettore 2 61"/>
+          <p:cNvCxnSpPr>
+            <a:stCxn id="46" idx="2"/>
+            <a:endCxn id="71" idx="7"/>
+          </p:cNvCxnSpPr>
+          <p:nvPr/>
+        </p:nvCxnSpPr>
+        <p:spPr>
+          <a:xfrm flipH="1">
+            <a:off x="5441563" y="2398985"/>
+            <a:ext cx="4517291" cy="1442465"/>
+          </a:xfrm>
+          <a:prstGeom prst="straightConnector1">
+            <a:avLst/>
+          </a:prstGeom>
+          <a:ln w="19050">
+            <a:solidFill>
+              <a:schemeClr val="tx1"/>
+            </a:solidFill>
+            <a:prstDash val="sysDash"/>
+            <a:headEnd type="none" w="med" len="med"/>
+            <a:tailEnd type="triangle" w="med" len="med"/>
+          </a:ln>
+        </p:spPr>
+        <p:style>
+          <a:lnRef idx="1">
+            <a:schemeClr val="accent1"/>
+          </a:lnRef>
+          <a:fillRef idx="0">
+            <a:schemeClr val="accent1"/>
+          </a:fillRef>
+          <a:effectRef idx="0">
+            <a:schemeClr val="accent1"/>
+          </a:effectRef>
+          <a:fontRef idx="minor">
+            <a:schemeClr val="tx1"/>
+          </a:fontRef>
+        </p:style>
+      </p:cxnSp>
+      <p:grpSp>
+        <p:nvGrpSpPr>
+          <p:cNvPr id="70" name="Gruppo 69"/>
+          <p:cNvGrpSpPr/>
+          <p:nvPr/>
+        </p:nvGrpSpPr>
+        <p:grpSpPr>
+          <a:xfrm>
+            <a:off x="3758377" y="3537109"/>
+            <a:ext cx="1926426" cy="1214172"/>
+            <a:chOff x="402476" y="5184618"/>
+            <a:chExt cx="1926426" cy="1214172"/>
+          </a:xfrm>
+        </p:grpSpPr>
+        <p:sp>
+          <p:nvSpPr>
+            <p:cNvPr id="71" name="Ovale 70"/>
+            <p:cNvSpPr/>
+            <p:nvPr/>
+          </p:nvSpPr>
+          <p:spPr>
+            <a:xfrm>
+              <a:off x="667957" y="5332857"/>
+              <a:ext cx="1660945" cy="1065933"/>
+            </a:xfrm>
+            <a:prstGeom prst="ellipse">
+              <a:avLst/>
+            </a:prstGeom>
+            <a:solidFill>
+              <a:schemeClr val="accent2">
+                <a:lumMod val="20000"/>
+                <a:lumOff val="80000"/>
+              </a:schemeClr>
+            </a:solidFill>
+            <a:ln w="12700">
+              <a:solidFill>
+                <a:schemeClr val="tx1"/>
+              </a:solidFill>
+            </a:ln>
+          </p:spPr>
+          <p:style>
+            <a:lnRef idx="2">
+              <a:schemeClr val="accent1">
+                <a:shade val="50000"/>
+              </a:schemeClr>
+            </a:lnRef>
+            <a:fillRef idx="1">
+              <a:schemeClr val="accent1"/>
+            </a:fillRef>
+            <a:effectRef idx="0">
+              <a:schemeClr val="accent1"/>
+            </a:effectRef>
+            <a:fontRef idx="minor">
+              <a:schemeClr val="lt1"/>
+            </a:fontRef>
+          </p:style>
+          <p:txBody>
+            <a:bodyPr rtlCol="0" anchor="ctr"/>
+            <a:lstStyle/>
+            <a:p>
+              <a:pPr algn="ctr"/>
+              <a:r>
+                <a:rPr lang="it-IT" sz="1200" dirty="0">
+                  <a:solidFill>
+                    <a:schemeClr val="tx1"/>
+                  </a:solidFill>
+                  <a:latin typeface="Century Schoolbook" panose="02040604050505020304" pitchFamily="18" charset="0"/>
+                </a:rPr>
+                <a:t>Park Service GUI Actor</a:t>
+              </a:r>
+            </a:p>
+            <a:p>
+              <a:pPr lvl="0" algn="ctr"/>
+              <a:r>
+                <a:rPr lang="it-IT" sz="1100" i="1" dirty="0">
+                  <a:solidFill>
+                    <a:prstClr val="black"/>
+                  </a:solidFill>
+                  <a:latin typeface="Century Schoolbook" panose="02040604050505020304" pitchFamily="18" charset="0"/>
+                </a:rPr>
+                <a:t>(client’s)</a:t>
+              </a:r>
+              <a:endParaRPr lang="it-IT" sz="1400" i="1" dirty="0">
+                <a:solidFill>
+                  <a:prstClr val="black"/>
+                </a:solidFill>
+                <a:latin typeface="Century Schoolbook" panose="02040604050505020304" pitchFamily="18" charset="0"/>
+              </a:endParaRPr>
+            </a:p>
+          </p:txBody>
+        </p:sp>
+        <p:sp>
+          <p:nvSpPr>
+            <p:cNvPr id="72" name="Triangolo isoscele 71"/>
+            <p:cNvSpPr/>
+            <p:nvPr/>
+          </p:nvSpPr>
+          <p:spPr>
+            <a:xfrm rot="16200000">
+              <a:off x="1350190" y="5205064"/>
+              <a:ext cx="296478" cy="255585"/>
+            </a:xfrm>
+            <a:prstGeom prst="triangle">
+              <a:avLst/>
+            </a:prstGeom>
+            <a:solidFill>
+              <a:srgbClr val="FF0000"/>
+            </a:solidFill>
+            <a:ln w="12700">
+              <a:solidFill>
+                <a:schemeClr val="tx1"/>
+              </a:solidFill>
+            </a:ln>
+          </p:spPr>
+          <p:style>
+            <a:lnRef idx="2">
+              <a:schemeClr val="accent1">
+                <a:shade val="50000"/>
+              </a:schemeClr>
+            </a:lnRef>
+            <a:fillRef idx="1">
+              <a:schemeClr val="accent1"/>
+            </a:fillRef>
+            <a:effectRef idx="0">
+              <a:schemeClr val="accent1"/>
+            </a:effectRef>
+            <a:fontRef idx="minor">
+              <a:schemeClr val="lt1"/>
+            </a:fontRef>
+          </p:style>
+          <p:txBody>
+            <a:bodyPr rtlCol="0" anchor="ctr"/>
+            <a:lstStyle/>
+            <a:p>
+              <a:pPr algn="ctr"/>
+              <a:endParaRPr lang="it-IT"/>
+            </a:p>
+          </p:txBody>
+        </p:sp>
+        <p:sp>
+          <p:nvSpPr>
+            <p:cNvPr id="73" name="Rettangolo 72"/>
+            <p:cNvSpPr/>
+            <p:nvPr/>
+          </p:nvSpPr>
+          <p:spPr>
+            <a:xfrm>
+              <a:off x="402476" y="5739696"/>
+              <a:ext cx="530961" cy="252254"/>
+            </a:xfrm>
+            <a:prstGeom prst="rect">
+              <a:avLst/>
+            </a:prstGeom>
+            <a:solidFill>
+              <a:schemeClr val="accent2">
+                <a:lumMod val="20000"/>
+                <a:lumOff val="80000"/>
+              </a:schemeClr>
+            </a:solidFill>
+            <a:ln w="12700">
+              <a:solidFill>
+                <a:schemeClr val="tx1"/>
+              </a:solidFill>
+            </a:ln>
+          </p:spPr>
+          <p:style>
+            <a:lnRef idx="2">
+              <a:schemeClr val="accent1">
+                <a:shade val="50000"/>
+              </a:schemeClr>
+            </a:lnRef>
+            <a:fillRef idx="1">
+              <a:schemeClr val="accent1"/>
+            </a:fillRef>
+            <a:effectRef idx="0">
+              <a:schemeClr val="accent1"/>
+            </a:effectRef>
+            <a:fontRef idx="minor">
+              <a:schemeClr val="lt1"/>
+            </a:fontRef>
+          </p:style>
+          <p:txBody>
+            <a:bodyPr rtlCol="0" anchor="ctr"/>
+            <a:lstStyle/>
+            <a:p>
+              <a:pPr algn="ctr"/>
+              <a:endParaRPr lang="it-IT"/>
+            </a:p>
+          </p:txBody>
+        </p:sp>
+      </p:grpSp>
+      <p:sp>
+        <p:nvSpPr>
+          <p:cNvPr id="77" name="CasellaDiTesto 76"/>
+          <p:cNvSpPr txBox="1"/>
+          <p:nvPr/>
+        </p:nvSpPr>
+        <p:spPr>
+          <a:xfrm>
+            <a:off x="6163784" y="4381949"/>
+            <a:ext cx="1340432" cy="738664"/>
+          </a:xfrm>
+          <a:prstGeom prst="rect">
+            <a:avLst/>
+          </a:prstGeom>
+          <a:noFill/>
+        </p:spPr>
+        <p:txBody>
+          <a:bodyPr wrap="none" rtlCol="0">
+            <a:spAutoFit/>
+          </a:bodyPr>
+          <a:lstStyle/>
+          <a:p>
+            <a:r>
+              <a:rPr lang="it-IT" sz="1400" dirty="0">
+                <a:solidFill>
+                  <a:schemeClr val="bg2">
+                    <a:lumMod val="25000"/>
+                  </a:schemeClr>
+                </a:solidFill>
+                <a:latin typeface="Bookman Old Style" panose="02050604050505020204" pitchFamily="18" charset="0"/>
+              </a:rPr>
+              <a:t>enterRequest</a:t>
+            </a:r>
+          </a:p>
+          <a:p>
+            <a:r>
+              <a:rPr lang="it-IT" sz="1400" dirty="0">
+                <a:solidFill>
+                  <a:schemeClr val="bg2">
+                    <a:lumMod val="25000"/>
+                  </a:schemeClr>
+                </a:solidFill>
+                <a:latin typeface="Bookman Old Style" panose="02050604050505020204" pitchFamily="18" charset="0"/>
+              </a:rPr>
+              <a:t>carEnter</a:t>
+            </a:r>
+          </a:p>
+          <a:p>
+            <a:r>
+              <a:rPr lang="it-IT" sz="1400" dirty="0">
+                <a:solidFill>
+                  <a:schemeClr val="bg2">
+                    <a:lumMod val="25000"/>
+                  </a:schemeClr>
+                </a:solidFill>
+                <a:latin typeface="Bookman Old Style" panose="02050604050505020204" pitchFamily="18" charset="0"/>
+              </a:rPr>
+              <a:t>exitRequest</a:t>
+            </a:r>
+          </a:p>
+        </p:txBody>
+      </p:sp>
+      <p:cxnSp>
+        <p:nvCxnSpPr>
+          <p:cNvPr id="78" name="Connettore 2 77"/>
+          <p:cNvCxnSpPr/>
+          <p:nvPr/>
+        </p:nvCxnSpPr>
+        <p:spPr>
+          <a:xfrm flipH="1">
+            <a:off x="6470708" y="4358913"/>
+            <a:ext cx="524722" cy="0"/>
+          </a:xfrm>
+          <a:prstGeom prst="straightConnector1">
+            <a:avLst/>
+          </a:prstGeom>
+          <a:ln w="19050">
+            <a:solidFill>
+              <a:schemeClr val="tx1"/>
+            </a:solidFill>
+            <a:headEnd type="none" w="med" len="med"/>
+            <a:tailEnd type="arrow" w="med" len="med"/>
+          </a:ln>
+        </p:spPr>
+        <p:style>
+          <a:lnRef idx="1">
+            <a:schemeClr val="accent1"/>
+          </a:lnRef>
+          <a:fillRef idx="0">
+            <a:schemeClr val="accent1"/>
+          </a:fillRef>
+          <a:effectRef idx="0">
+            <a:schemeClr val="accent1"/>
+          </a:effectRef>
+          <a:fontRef idx="minor">
+            <a:schemeClr val="tx1"/>
+          </a:fontRef>
+        </p:style>
+      </p:cxnSp>
+      <p:cxnSp>
+        <p:nvCxnSpPr>
+          <p:cNvPr id="79" name="Connettore 2 78"/>
+          <p:cNvCxnSpPr/>
+          <p:nvPr/>
+        </p:nvCxnSpPr>
+        <p:spPr>
+          <a:xfrm>
+            <a:off x="6356836" y="2670282"/>
+            <a:ext cx="524722" cy="0"/>
+          </a:xfrm>
+          <a:prstGeom prst="straightConnector1">
+            <a:avLst/>
+          </a:prstGeom>
+          <a:ln w="19050">
+            <a:solidFill>
+              <a:schemeClr val="tx1"/>
+            </a:solidFill>
+            <a:headEnd type="none" w="med" len="med"/>
+            <a:tailEnd type="arrow" w="med" len="med"/>
+          </a:ln>
+        </p:spPr>
+        <p:style>
+          <a:lnRef idx="1">
+            <a:schemeClr val="accent1"/>
+          </a:lnRef>
+          <a:fillRef idx="0">
+            <a:schemeClr val="accent1"/>
+          </a:fillRef>
+          <a:effectRef idx="0">
+            <a:schemeClr val="accent1"/>
+          </a:effectRef>
+          <a:fontRef idx="minor">
+            <a:schemeClr val="tx1"/>
+          </a:fontRef>
+        </p:style>
+      </p:cxnSp>
+      <p:sp>
+        <p:nvSpPr>
+          <p:cNvPr id="80" name="CasellaDiTesto 79"/>
+          <p:cNvSpPr txBox="1"/>
+          <p:nvPr/>
+        </p:nvSpPr>
+        <p:spPr>
+          <a:xfrm>
+            <a:off x="6163784" y="2670282"/>
+            <a:ext cx="910827" cy="738664"/>
+          </a:xfrm>
+          <a:prstGeom prst="rect">
+            <a:avLst/>
+          </a:prstGeom>
+          <a:noFill/>
+        </p:spPr>
+        <p:txBody>
+          <a:bodyPr wrap="none" rtlCol="0">
+            <a:spAutoFit/>
+          </a:bodyPr>
+          <a:lstStyle/>
+          <a:p>
+            <a:r>
+              <a:rPr lang="it-IT" sz="1400" dirty="0">
+                <a:solidFill>
+                  <a:schemeClr val="bg2">
+                    <a:lumMod val="25000"/>
+                  </a:schemeClr>
+                </a:solidFill>
+                <a:latin typeface="Bookman Old Style" panose="02050604050505020204" pitchFamily="18" charset="0"/>
+              </a:rPr>
+              <a:t>slotnum</a:t>
+            </a:r>
+          </a:p>
+          <a:p>
+            <a:r>
+              <a:rPr lang="it-IT" sz="1400" dirty="0">
+                <a:solidFill>
+                  <a:schemeClr val="bg2">
+                    <a:lumMod val="25000"/>
+                  </a:schemeClr>
+                </a:solidFill>
+                <a:latin typeface="Bookman Old Style" panose="02050604050505020204" pitchFamily="18" charset="0"/>
+              </a:rPr>
+              <a:t>tokenid</a:t>
+            </a:r>
+          </a:p>
+          <a:p>
+            <a:r>
+              <a:rPr lang="it-IT" sz="1400" dirty="0">
+                <a:solidFill>
+                  <a:schemeClr val="bg2">
+                    <a:lumMod val="25000"/>
+                  </a:schemeClr>
+                </a:solidFill>
+                <a:latin typeface="Bookman Old Style" panose="02050604050505020204" pitchFamily="18" charset="0"/>
+              </a:rPr>
+              <a:t>notice</a:t>
+            </a:r>
+          </a:p>
+        </p:txBody>
+      </p:sp>
+      <p:grpSp>
+        <p:nvGrpSpPr>
+          <p:cNvPr id="81" name="Gruppo 80"/>
+          <p:cNvGrpSpPr/>
+          <p:nvPr/>
+        </p:nvGrpSpPr>
+        <p:grpSpPr>
+          <a:xfrm>
+            <a:off x="965361" y="3537109"/>
+            <a:ext cx="1926426" cy="1214172"/>
+            <a:chOff x="402476" y="5184618"/>
+            <a:chExt cx="1926426" cy="1214172"/>
+          </a:xfrm>
+        </p:grpSpPr>
+        <p:sp>
+          <p:nvSpPr>
+            <p:cNvPr id="82" name="Ovale 81"/>
+            <p:cNvSpPr/>
+            <p:nvPr/>
+          </p:nvSpPr>
+          <p:spPr>
+            <a:xfrm>
+              <a:off x="667957" y="5332857"/>
+              <a:ext cx="1660945" cy="1065933"/>
+            </a:xfrm>
+            <a:prstGeom prst="ellipse">
+              <a:avLst/>
+            </a:prstGeom>
+            <a:solidFill>
+              <a:schemeClr val="accent2">
+                <a:lumMod val="20000"/>
+                <a:lumOff val="80000"/>
+              </a:schemeClr>
+            </a:solidFill>
+            <a:ln w="12700">
+              <a:solidFill>
+                <a:schemeClr val="tx1"/>
+              </a:solidFill>
+            </a:ln>
+          </p:spPr>
+          <p:style>
+            <a:lnRef idx="2">
+              <a:schemeClr val="accent1">
+                <a:shade val="50000"/>
+              </a:schemeClr>
+            </a:lnRef>
+            <a:fillRef idx="1">
+              <a:schemeClr val="accent1"/>
+            </a:fillRef>
+            <a:effectRef idx="0">
+              <a:schemeClr val="accent1"/>
+            </a:effectRef>
+            <a:fontRef idx="minor">
+              <a:schemeClr val="lt1"/>
+            </a:fontRef>
+          </p:style>
+          <p:txBody>
+            <a:bodyPr rtlCol="0" anchor="ctr"/>
+            <a:lstStyle/>
+            <a:p>
+              <a:pPr algn="ctr"/>
+              <a:r>
+                <a:rPr lang="it-IT" sz="1200" dirty="0">
+                  <a:solidFill>
+                    <a:schemeClr val="tx1"/>
+                  </a:solidFill>
+                  <a:latin typeface="Century Schoolbook" panose="02040604050505020304" pitchFamily="18" charset="0"/>
+                </a:rPr>
+                <a:t>Park Manager Service</a:t>
+              </a:r>
+            </a:p>
+            <a:p>
+              <a:pPr algn="ctr"/>
+              <a:r>
+                <a:rPr lang="it-IT" sz="1100" i="1" dirty="0">
+                  <a:solidFill>
+                    <a:schemeClr val="tx1"/>
+                  </a:solidFill>
+                  <a:latin typeface="Century Schoolbook" panose="02040604050505020304" pitchFamily="18" charset="0"/>
+                </a:rPr>
+                <a:t>(business logic)</a:t>
+              </a:r>
+              <a:endParaRPr lang="it-IT" sz="1400" i="1" dirty="0">
+                <a:solidFill>
+                  <a:schemeClr val="tx1"/>
+                </a:solidFill>
+                <a:latin typeface="Century Schoolbook" panose="02040604050505020304" pitchFamily="18" charset="0"/>
+              </a:endParaRPr>
+            </a:p>
+          </p:txBody>
+        </p:sp>
+        <p:sp>
+          <p:nvSpPr>
+            <p:cNvPr id="83" name="Triangolo isoscele 82"/>
+            <p:cNvSpPr/>
+            <p:nvPr/>
+          </p:nvSpPr>
+          <p:spPr>
+            <a:xfrm rot="16200000">
+              <a:off x="1350190" y="5205064"/>
+              <a:ext cx="296478" cy="255585"/>
+            </a:xfrm>
+            <a:prstGeom prst="triangle">
+              <a:avLst/>
+            </a:prstGeom>
+            <a:solidFill>
+              <a:srgbClr val="FF0000"/>
+            </a:solidFill>
+            <a:ln w="12700">
+              <a:solidFill>
+                <a:schemeClr val="tx1"/>
+              </a:solidFill>
+            </a:ln>
+          </p:spPr>
+          <p:style>
+            <a:lnRef idx="2">
+              <a:schemeClr val="accent1">
+                <a:shade val="50000"/>
+              </a:schemeClr>
+            </a:lnRef>
+            <a:fillRef idx="1">
+              <a:schemeClr val="accent1"/>
+            </a:fillRef>
+            <a:effectRef idx="0">
+              <a:schemeClr val="accent1"/>
+            </a:effectRef>
+            <a:fontRef idx="minor">
+              <a:schemeClr val="lt1"/>
+            </a:fontRef>
+          </p:style>
+          <p:txBody>
+            <a:bodyPr rtlCol="0" anchor="ctr"/>
+            <a:lstStyle/>
+            <a:p>
+              <a:pPr algn="ctr"/>
+              <a:endParaRPr lang="it-IT"/>
+            </a:p>
+          </p:txBody>
+        </p:sp>
+        <p:sp>
+          <p:nvSpPr>
+            <p:cNvPr id="84" name="Rettangolo 83"/>
+            <p:cNvSpPr/>
+            <p:nvPr/>
+          </p:nvSpPr>
+          <p:spPr>
+            <a:xfrm>
+              <a:off x="402476" y="5739696"/>
+              <a:ext cx="530961" cy="252254"/>
+            </a:xfrm>
+            <a:prstGeom prst="rect">
+              <a:avLst/>
+            </a:prstGeom>
+            <a:solidFill>
+              <a:schemeClr val="accent2">
+                <a:lumMod val="20000"/>
+                <a:lumOff val="80000"/>
+              </a:schemeClr>
+            </a:solidFill>
+            <a:ln w="12700">
+              <a:solidFill>
+                <a:schemeClr val="tx1"/>
+              </a:solidFill>
+            </a:ln>
+          </p:spPr>
+          <p:style>
+            <a:lnRef idx="2">
+              <a:schemeClr val="accent1">
+                <a:shade val="50000"/>
+              </a:schemeClr>
+            </a:lnRef>
+            <a:fillRef idx="1">
+              <a:schemeClr val="accent1"/>
+            </a:fillRef>
+            <a:effectRef idx="0">
+              <a:schemeClr val="accent1"/>
+            </a:effectRef>
+            <a:fontRef idx="minor">
+              <a:schemeClr val="lt1"/>
+            </a:fontRef>
+          </p:style>
+          <p:txBody>
+            <a:bodyPr rtlCol="0" anchor="ctr"/>
+            <a:lstStyle/>
+            <a:p>
+              <a:pPr algn="ctr"/>
+              <a:endParaRPr lang="it-IT"/>
+            </a:p>
+          </p:txBody>
+        </p:sp>
+      </p:grpSp>
+      <p:cxnSp>
+        <p:nvCxnSpPr>
+          <p:cNvPr id="86" name="Connettore 2 85"/>
+          <p:cNvCxnSpPr>
+            <a:stCxn id="71" idx="3"/>
+            <a:endCxn id="82" idx="5"/>
+          </p:cNvCxnSpPr>
+          <p:nvPr/>
+        </p:nvCxnSpPr>
+        <p:spPr>
+          <a:xfrm flipH="1">
+            <a:off x="2648547" y="4595179"/>
+            <a:ext cx="1618551" cy="0"/>
+          </a:xfrm>
+          <a:prstGeom prst="straightConnector1">
+            <a:avLst/>
+          </a:prstGeom>
+          <a:ln w="19050">
+            <a:solidFill>
+              <a:schemeClr val="tx1"/>
+            </a:solidFill>
+            <a:prstDash val="sysDash"/>
+            <a:headEnd type="none" w="med" len="med"/>
+            <a:tailEnd type="arrow" w="med" len="med"/>
+          </a:ln>
+        </p:spPr>
+        <p:style>
+          <a:lnRef idx="1">
+            <a:schemeClr val="accent1"/>
+          </a:lnRef>
+          <a:fillRef idx="0">
+            <a:schemeClr val="accent1"/>
+          </a:fillRef>
+          <a:effectRef idx="0">
+            <a:schemeClr val="accent1"/>
+          </a:effectRef>
+          <a:fontRef idx="minor">
+            <a:schemeClr val="tx1"/>
+          </a:fontRef>
+        </p:style>
+      </p:cxnSp>
+      <p:cxnSp>
+        <p:nvCxnSpPr>
+          <p:cNvPr id="89" name="Connettore 2 88"/>
+          <p:cNvCxnSpPr>
+            <a:stCxn id="82" idx="7"/>
+            <a:endCxn id="71" idx="1"/>
+          </p:cNvCxnSpPr>
+          <p:nvPr/>
+        </p:nvCxnSpPr>
+        <p:spPr>
+          <a:xfrm>
+            <a:off x="2648547" y="3841450"/>
+            <a:ext cx="1618551" cy="0"/>
+          </a:xfrm>
+          <a:prstGeom prst="straightConnector1">
+            <a:avLst/>
+          </a:prstGeom>
+          <a:ln w="19050">
+            <a:solidFill>
+              <a:schemeClr val="tx1"/>
+            </a:solidFill>
+            <a:prstDash val="sysDash"/>
+            <a:headEnd type="none" w="med" len="med"/>
+            <a:tailEnd type="arrow" w="med" len="med"/>
+          </a:ln>
+        </p:spPr>
+        <p:style>
+          <a:lnRef idx="1">
+            <a:schemeClr val="accent1"/>
+          </a:lnRef>
+          <a:fillRef idx="0">
+            <a:schemeClr val="accent1"/>
+          </a:fillRef>
+          <a:effectRef idx="0">
+            <a:schemeClr val="accent1"/>
+          </a:effectRef>
+          <a:fontRef idx="minor">
+            <a:schemeClr val="tx1"/>
+          </a:fontRef>
+        </p:style>
+      </p:cxnSp>
+    </p:spTree>
+    <p:extLst>
+      <p:ext uri="{BB962C8B-B14F-4D97-AF65-F5344CB8AC3E}">
+        <p14:creationId xmlns:p14="http://schemas.microsoft.com/office/powerpoint/2010/main" val="777709015"/>
       </p:ext>
     </p:extLst>
   </p:cSld>
@@ -13277,7 +17950,7 @@
                 <a14:useLocalDpi xmlns:a14="http://schemas.microsoft.com/office/drawing/2010/main" val="0"/>
               </a:ext>
               <a:ext uri="{96DAC541-7B7A-43D3-8B79-37D633B846F1}">
-                <asvg:svgBlip xmlns:asvg="http://schemas.microsoft.com/office/drawing/2016/SVG/main" r:embed="rId3"/>
+                <asvg:svgBlip xmlns:asvg="http://schemas.microsoft.com/office/drawing/2016/SVG/main" xmlns="" r:embed="rId3"/>
               </a:ext>
             </a:extLst>
           </a:blip>
@@ -20273,25 +24946,7 @@
                   </a:solidFill>
                   <a:latin typeface="Century Schoolbook" panose="02040604050505020304" pitchFamily="18" charset="0"/>
                 </a:rPr>
-                <a:t>(</a:t>
-              </a:r>
-              <a:r>
-                <a:rPr lang="it-IT" sz="1100" i="1" dirty="0" err="1">
-                  <a:solidFill>
-                    <a:prstClr val="black"/>
-                  </a:solidFill>
-                  <a:latin typeface="Century Schoolbook" panose="02040604050505020304" pitchFamily="18" charset="0"/>
-                </a:rPr>
-                <a:t>client’s</a:t>
-              </a:r>
-              <a:r>
-                <a:rPr lang="it-IT" sz="1100" i="1" dirty="0">
-                  <a:solidFill>
-                    <a:prstClr val="black"/>
-                  </a:solidFill>
-                  <a:latin typeface="Century Schoolbook" panose="02040604050505020304" pitchFamily="18" charset="0"/>
-                </a:rPr>
-                <a:t>)</a:t>
+                <a:t>(client’s)</a:t>
               </a:r>
               <a:endParaRPr lang="it-IT" sz="1400" i="1" dirty="0">
                 <a:solidFill>

--- a/userDocs/img/final_task_schema.pptx
+++ b/userDocs/img/final_task_schema.pptx
@@ -11,7 +11,7 @@
     <p:sldId id="283" r:id="rId5"/>
     <p:sldId id="275" r:id="rId6"/>
     <p:sldId id="280" r:id="rId7"/>
-    <p:sldId id="284" r:id="rId8"/>
+    <p:sldId id="288" r:id="rId8"/>
     <p:sldId id="276" r:id="rId9"/>
     <p:sldId id="269" r:id="rId10"/>
     <p:sldId id="271" r:id="rId11"/>
@@ -17950,7 +17950,7 @@
                 <a14:useLocalDpi xmlns:a14="http://schemas.microsoft.com/office/drawing/2010/main" val="0"/>
               </a:ext>
               <a:ext uri="{96DAC541-7B7A-43D3-8B79-37D633B846F1}">
-                <asvg:svgBlip xmlns:asvg="http://schemas.microsoft.com/office/drawing/2016/SVG/main" xmlns="" r:embed="rId3"/>
+                <asvg:svgBlip xmlns="" xmlns:asvg="http://schemas.microsoft.com/office/drawing/2016/SVG/main" r:embed="rId3"/>
               </a:ext>
             </a:extLst>
           </a:blip>
@@ -21385,7 +21385,7 @@
         <p:spPr>
           <a:xfrm>
             <a:off x="6212293" y="3645593"/>
-            <a:ext cx="1109599" cy="276999"/>
+            <a:ext cx="1208985" cy="276999"/>
           </a:xfrm>
           <a:prstGeom prst="rect">
             <a:avLst/>
@@ -21407,8 +21407,27 @@
                 </a:solidFill>
                 <a:latin typeface="Bookman Old Style" panose="02050604050505020204" pitchFamily="18" charset="0"/>
               </a:rPr>
-              <a:t>goto(PLACE)</a:t>
+              <a:t>goto</a:t>
             </a:r>
+            <a:r>
+              <a:rPr lang="it-IT" sz="1200" dirty="0" smtClean="0">
+                <a:solidFill>
+                  <a:schemeClr val="accent1">
+                    <a:lumMod val="75000"/>
+                  </a:schemeClr>
+                </a:solidFill>
+                <a:latin typeface="Bookman Old Style" panose="02050604050505020204" pitchFamily="18" charset="0"/>
+              </a:rPr>
+              <a:t>( PLACE )</a:t>
+            </a:r>
+            <a:endParaRPr lang="it-IT" sz="1200" dirty="0">
+              <a:solidFill>
+                <a:schemeClr val="accent1">
+                  <a:lumMod val="75000"/>
+                </a:schemeClr>
+              </a:solidFill>
+              <a:latin typeface="Bookman Old Style" panose="02050604050505020204" pitchFamily="18" charset="0"/>
+            </a:endParaRPr>
           </a:p>
         </p:txBody>
       </p:sp>
@@ -21618,7 +21637,7 @@
         <p:spPr>
           <a:xfrm>
             <a:off x="6200839" y="4261373"/>
-            <a:ext cx="1556836" cy="276999"/>
+            <a:ext cx="1396536" cy="276999"/>
           </a:xfrm>
           <a:prstGeom prst="rect">
             <a:avLst/>
@@ -21632,7 +21651,7 @@
           <a:lstStyle/>
           <a:p>
             <a:r>
-              <a:rPr lang="it-IT" sz="1200" dirty="0">
+              <a:rPr lang="it-IT" sz="1200" dirty="0" smtClean="0">
                 <a:solidFill>
                   <a:schemeClr val="accent1">
                     <a:lumMod val="75000"/>
@@ -21640,8 +21659,16 @@
                 </a:solidFill>
                 <a:latin typeface="Bookman Old Style" panose="02050604050505020204" pitchFamily="18" charset="0"/>
               </a:rPr>
-              <a:t>movementDone(N)</a:t>
+              <a:t>movementDone</a:t>
             </a:r>
+            <a:endParaRPr lang="it-IT" sz="1200" dirty="0">
+              <a:solidFill>
+                <a:schemeClr val="accent1">
+                  <a:lumMod val="75000"/>
+                </a:schemeClr>
+              </a:solidFill>
+              <a:latin typeface="Bookman Old Style" panose="02050604050505020204" pitchFamily="18" charset="0"/>
+            </a:endParaRPr>
           </a:p>
         </p:txBody>
       </p:sp>
@@ -21752,7 +21779,7 @@
         <p:spPr>
           <a:xfrm>
             <a:off x="5221677" y="2412068"/>
-            <a:ext cx="1686680" cy="646331"/>
+            <a:ext cx="1786066" cy="646331"/>
           </a:xfrm>
           <a:prstGeom prst="rect">
             <a:avLst/>
@@ -21774,8 +21801,27 @@
                 </a:solidFill>
                 <a:latin typeface="Bookman Old Style" panose="02050604050505020204" pitchFamily="18" charset="0"/>
               </a:rPr>
-              <a:t>tokenid(TOKENID)</a:t>
+              <a:t>tokenid</a:t>
             </a:r>
+            <a:r>
+              <a:rPr lang="it-IT" sz="1200" dirty="0" smtClean="0">
+                <a:solidFill>
+                  <a:schemeClr val="accent1">
+                    <a:lumMod val="75000"/>
+                  </a:schemeClr>
+                </a:solidFill>
+                <a:latin typeface="Bookman Old Style" panose="02050604050505020204" pitchFamily="18" charset="0"/>
+              </a:rPr>
+              <a:t>( TOKENID )</a:t>
+            </a:r>
+            <a:endParaRPr lang="it-IT" sz="1200" dirty="0">
+              <a:solidFill>
+                <a:schemeClr val="accent1">
+                  <a:lumMod val="75000"/>
+                </a:schemeClr>
+              </a:solidFill>
+              <a:latin typeface="Bookman Old Style" panose="02050604050505020204" pitchFamily="18" charset="0"/>
+            </a:endParaRPr>
           </a:p>
           <a:p>
             <a:r>
@@ -21787,8 +21833,27 @@
                 </a:solidFill>
                 <a:latin typeface="Bookman Old Style" panose="02050604050505020204" pitchFamily="18" charset="0"/>
               </a:rPr>
-              <a:t>slotnum(SLOTNUM)</a:t>
+              <a:t>slotnum</a:t>
             </a:r>
+            <a:r>
+              <a:rPr lang="it-IT" sz="1200" dirty="0" smtClean="0">
+                <a:solidFill>
+                  <a:schemeClr val="accent1">
+                    <a:lumMod val="75000"/>
+                  </a:schemeClr>
+                </a:solidFill>
+                <a:latin typeface="Bookman Old Style" panose="02050604050505020204" pitchFamily="18" charset="0"/>
+              </a:rPr>
+              <a:t>( SLOTNUM )</a:t>
+            </a:r>
+            <a:endParaRPr lang="it-IT" sz="1200" dirty="0">
+              <a:solidFill>
+                <a:schemeClr val="accent1">
+                  <a:lumMod val="75000"/>
+                </a:schemeClr>
+              </a:solidFill>
+              <a:latin typeface="Bookman Old Style" panose="02050604050505020204" pitchFamily="18" charset="0"/>
+            </a:endParaRPr>
           </a:p>
           <a:p>
             <a:r>
@@ -21800,8 +21865,27 @@
                 </a:solidFill>
                 <a:latin typeface="Bookman Old Style" panose="02050604050505020204" pitchFamily="18" charset="0"/>
               </a:rPr>
-              <a:t>notice(NOTICE)</a:t>
+              <a:t>notice</a:t>
             </a:r>
+            <a:r>
+              <a:rPr lang="it-IT" sz="1200" dirty="0" smtClean="0">
+                <a:solidFill>
+                  <a:schemeClr val="accent1">
+                    <a:lumMod val="75000"/>
+                  </a:schemeClr>
+                </a:solidFill>
+                <a:latin typeface="Bookman Old Style" panose="02050604050505020204" pitchFamily="18" charset="0"/>
+              </a:rPr>
+              <a:t>( NOTICE )</a:t>
+            </a:r>
+            <a:endParaRPr lang="it-IT" sz="1200" dirty="0">
+              <a:solidFill>
+                <a:schemeClr val="accent1">
+                  <a:lumMod val="75000"/>
+                </a:schemeClr>
+              </a:solidFill>
+              <a:latin typeface="Bookman Old Style" panose="02050604050505020204" pitchFamily="18" charset="0"/>
+            </a:endParaRPr>
           </a:p>
         </p:txBody>
       </p:sp>
@@ -21883,391 +21967,21 @@
       </p:grpSpPr>
       <p:grpSp>
         <p:nvGrpSpPr>
-          <p:cNvPr id="3" name="Gruppo 2"/>
+          <p:cNvPr id="4" name="Gruppo 3"/>
           <p:cNvGrpSpPr/>
           <p:nvPr/>
         </p:nvGrpSpPr>
         <p:grpSpPr>
           <a:xfrm>
-            <a:off x="1993456" y="3676292"/>
-            <a:ext cx="1877047" cy="1154112"/>
-            <a:chOff x="402476" y="3280190"/>
+            <a:off x="6786879" y="2548888"/>
+            <a:ext cx="1926426" cy="1214172"/>
+            <a:chOff x="402476" y="5184618"/>
             <a:chExt cx="1926426" cy="1214172"/>
           </a:xfrm>
         </p:grpSpPr>
         <p:sp>
           <p:nvSpPr>
-            <p:cNvPr id="17" name="Ovale 16"/>
-            <p:cNvSpPr/>
-            <p:nvPr/>
-          </p:nvSpPr>
-          <p:spPr>
-            <a:xfrm>
-              <a:off x="667957" y="3428429"/>
-              <a:ext cx="1660945" cy="1065933"/>
-            </a:xfrm>
-            <a:prstGeom prst="ellipse">
-              <a:avLst/>
-            </a:prstGeom>
-            <a:solidFill>
-              <a:schemeClr val="accent2">
-                <a:lumMod val="20000"/>
-                <a:lumOff val="80000"/>
-              </a:schemeClr>
-            </a:solidFill>
-            <a:ln w="12700">
-              <a:solidFill>
-                <a:schemeClr val="tx1"/>
-              </a:solidFill>
-            </a:ln>
-          </p:spPr>
-          <p:style>
-            <a:lnRef idx="2">
-              <a:schemeClr val="accent1">
-                <a:shade val="50000"/>
-              </a:schemeClr>
-            </a:lnRef>
-            <a:fillRef idx="1">
-              <a:schemeClr val="accent1"/>
-            </a:fillRef>
-            <a:effectRef idx="0">
-              <a:schemeClr val="accent1"/>
-            </a:effectRef>
-            <a:fontRef idx="minor">
-              <a:schemeClr val="lt1"/>
-            </a:fontRef>
-          </p:style>
-          <p:txBody>
-            <a:bodyPr rtlCol="0" anchor="ctr"/>
-            <a:lstStyle/>
-            <a:p>
-              <a:pPr algn="ctr"/>
-              <a:r>
-                <a:rPr lang="it-IT" sz="1200" dirty="0">
-                  <a:solidFill>
-                    <a:schemeClr val="tx1"/>
-                  </a:solidFill>
-                  <a:latin typeface="Century Schoolbook" panose="02040604050505020304" pitchFamily="18" charset="0"/>
-                </a:rPr>
-                <a:t>Sonar</a:t>
-              </a:r>
-            </a:p>
-            <a:p>
-              <a:pPr algn="ctr"/>
-              <a:r>
-                <a:rPr lang="it-IT" sz="1200" dirty="0">
-                  <a:solidFill>
-                    <a:schemeClr val="tx1"/>
-                  </a:solidFill>
-                  <a:latin typeface="Century Schoolbook" panose="02040604050505020304" pitchFamily="18" charset="0"/>
-                </a:rPr>
-                <a:t>Actor</a:t>
-              </a:r>
-            </a:p>
-          </p:txBody>
-        </p:sp>
-        <p:sp>
-          <p:nvSpPr>
-            <p:cNvPr id="18" name="Triangolo isoscele 17"/>
-            <p:cNvSpPr/>
-            <p:nvPr/>
-          </p:nvSpPr>
-          <p:spPr>
-            <a:xfrm rot="16200000">
-              <a:off x="1350190" y="3300636"/>
-              <a:ext cx="296478" cy="255585"/>
-            </a:xfrm>
-            <a:prstGeom prst="triangle">
-              <a:avLst/>
-            </a:prstGeom>
-            <a:solidFill>
-              <a:srgbClr val="FF0000"/>
-            </a:solidFill>
-            <a:ln w="12700">
-              <a:solidFill>
-                <a:schemeClr val="tx1"/>
-              </a:solidFill>
-            </a:ln>
-          </p:spPr>
-          <p:style>
-            <a:lnRef idx="2">
-              <a:schemeClr val="accent1">
-                <a:shade val="50000"/>
-              </a:schemeClr>
-            </a:lnRef>
-            <a:fillRef idx="1">
-              <a:schemeClr val="accent1"/>
-            </a:fillRef>
-            <a:effectRef idx="0">
-              <a:schemeClr val="accent1"/>
-            </a:effectRef>
-            <a:fontRef idx="minor">
-              <a:schemeClr val="lt1"/>
-            </a:fontRef>
-          </p:style>
-          <p:txBody>
-            <a:bodyPr rtlCol="0" anchor="ctr"/>
-            <a:lstStyle/>
-            <a:p>
-              <a:pPr algn="ctr"/>
-              <a:endParaRPr lang="it-IT"/>
-            </a:p>
-          </p:txBody>
-        </p:sp>
-        <p:sp>
-          <p:nvSpPr>
-            <p:cNvPr id="19" name="Rettangolo 18"/>
-            <p:cNvSpPr/>
-            <p:nvPr/>
-          </p:nvSpPr>
-          <p:spPr>
-            <a:xfrm>
-              <a:off x="402476" y="3835268"/>
-              <a:ext cx="530961" cy="252254"/>
-            </a:xfrm>
-            <a:prstGeom prst="rect">
-              <a:avLst/>
-            </a:prstGeom>
-            <a:solidFill>
-              <a:schemeClr val="accent2">
-                <a:lumMod val="20000"/>
-                <a:lumOff val="80000"/>
-              </a:schemeClr>
-            </a:solidFill>
-            <a:ln w="12700">
-              <a:solidFill>
-                <a:schemeClr val="tx1"/>
-              </a:solidFill>
-            </a:ln>
-          </p:spPr>
-          <p:style>
-            <a:lnRef idx="2">
-              <a:schemeClr val="accent1">
-                <a:shade val="50000"/>
-              </a:schemeClr>
-            </a:lnRef>
-            <a:fillRef idx="1">
-              <a:schemeClr val="accent1"/>
-            </a:fillRef>
-            <a:effectRef idx="0">
-              <a:schemeClr val="accent1"/>
-            </a:effectRef>
-            <a:fontRef idx="minor">
-              <a:schemeClr val="lt1"/>
-            </a:fontRef>
-          </p:style>
-          <p:txBody>
-            <a:bodyPr rtlCol="0" anchor="ctr"/>
-            <a:lstStyle/>
-            <a:p>
-              <a:pPr algn="ctr"/>
-              <a:endParaRPr lang="it-IT"/>
-            </a:p>
-          </p:txBody>
-        </p:sp>
-      </p:grpSp>
-      <p:grpSp>
-        <p:nvGrpSpPr>
-          <p:cNvPr id="7" name="Gruppo 6"/>
-          <p:cNvGrpSpPr/>
-          <p:nvPr/>
-        </p:nvGrpSpPr>
-        <p:grpSpPr>
-          <a:xfrm>
-            <a:off x="1906247" y="2191855"/>
-            <a:ext cx="1832558" cy="982626"/>
-            <a:chOff x="402476" y="309828"/>
-            <a:chExt cx="1926426" cy="1214172"/>
-          </a:xfrm>
-        </p:grpSpPr>
-        <p:sp>
-          <p:nvSpPr>
-            <p:cNvPr id="24" name="Ovale 23"/>
-            <p:cNvSpPr/>
-            <p:nvPr/>
-          </p:nvSpPr>
-          <p:spPr>
-            <a:xfrm>
-              <a:off x="667957" y="458067"/>
-              <a:ext cx="1660945" cy="1065933"/>
-            </a:xfrm>
-            <a:prstGeom prst="ellipse">
-              <a:avLst/>
-            </a:prstGeom>
-            <a:solidFill>
-              <a:schemeClr val="accent2">
-                <a:lumMod val="20000"/>
-                <a:lumOff val="80000"/>
-              </a:schemeClr>
-            </a:solidFill>
-            <a:ln w="12700">
-              <a:solidFill>
-                <a:schemeClr val="tx1"/>
-              </a:solidFill>
-            </a:ln>
-          </p:spPr>
-          <p:style>
-            <a:lnRef idx="2">
-              <a:schemeClr val="accent1">
-                <a:shade val="50000"/>
-              </a:schemeClr>
-            </a:lnRef>
-            <a:fillRef idx="1">
-              <a:schemeClr val="accent1"/>
-            </a:fillRef>
-            <a:effectRef idx="0">
-              <a:schemeClr val="accent1"/>
-            </a:effectRef>
-            <a:fontRef idx="minor">
-              <a:schemeClr val="lt1"/>
-            </a:fontRef>
-          </p:style>
-          <p:txBody>
-            <a:bodyPr rtlCol="0" anchor="ctr"/>
-            <a:lstStyle/>
-            <a:p>
-              <a:pPr algn="ctr"/>
-              <a:r>
-                <a:rPr lang="it-IT" sz="1200" dirty="0">
-                  <a:solidFill>
-                    <a:schemeClr val="tx1"/>
-                  </a:solidFill>
-                  <a:latin typeface="Century Schoolbook" panose="02040604050505020304" pitchFamily="18" charset="0"/>
-                </a:rPr>
-                <a:t>Weight</a:t>
-              </a:r>
-            </a:p>
-            <a:p>
-              <a:pPr algn="ctr"/>
-              <a:r>
-                <a:rPr lang="it-IT" sz="1200" dirty="0">
-                  <a:solidFill>
-                    <a:schemeClr val="tx1"/>
-                  </a:solidFill>
-                  <a:latin typeface="Century Schoolbook" panose="02040604050505020304" pitchFamily="18" charset="0"/>
-                </a:rPr>
-                <a:t>Actor</a:t>
-              </a:r>
-            </a:p>
-          </p:txBody>
-        </p:sp>
-        <p:sp>
-          <p:nvSpPr>
-            <p:cNvPr id="25" name="Triangolo isoscele 24"/>
-            <p:cNvSpPr/>
-            <p:nvPr/>
-          </p:nvSpPr>
-          <p:spPr>
-            <a:xfrm rot="16200000">
-              <a:off x="1350190" y="330274"/>
-              <a:ext cx="296478" cy="255585"/>
-            </a:xfrm>
-            <a:prstGeom prst="triangle">
-              <a:avLst/>
-            </a:prstGeom>
-            <a:solidFill>
-              <a:srgbClr val="FF0000"/>
-            </a:solidFill>
-            <a:ln w="12700">
-              <a:solidFill>
-                <a:schemeClr val="tx1"/>
-              </a:solidFill>
-            </a:ln>
-          </p:spPr>
-          <p:style>
-            <a:lnRef idx="2">
-              <a:schemeClr val="accent1">
-                <a:shade val="50000"/>
-              </a:schemeClr>
-            </a:lnRef>
-            <a:fillRef idx="1">
-              <a:schemeClr val="accent1"/>
-            </a:fillRef>
-            <a:effectRef idx="0">
-              <a:schemeClr val="accent1"/>
-            </a:effectRef>
-            <a:fontRef idx="minor">
-              <a:schemeClr val="lt1"/>
-            </a:fontRef>
-          </p:style>
-          <p:txBody>
-            <a:bodyPr rtlCol="0" anchor="ctr"/>
-            <a:lstStyle/>
-            <a:p>
-              <a:pPr algn="ctr"/>
-              <a:endParaRPr lang="it-IT"/>
-            </a:p>
-          </p:txBody>
-        </p:sp>
-        <p:sp>
-          <p:nvSpPr>
-            <p:cNvPr id="26" name="Rettangolo 25"/>
-            <p:cNvSpPr/>
-            <p:nvPr/>
-          </p:nvSpPr>
-          <p:spPr>
-            <a:xfrm>
-              <a:off x="402476" y="864906"/>
-              <a:ext cx="530961" cy="252254"/>
-            </a:xfrm>
-            <a:prstGeom prst="rect">
-              <a:avLst/>
-            </a:prstGeom>
-            <a:solidFill>
-              <a:schemeClr val="accent2">
-                <a:lumMod val="20000"/>
-                <a:lumOff val="80000"/>
-              </a:schemeClr>
-            </a:solidFill>
-            <a:ln w="12700">
-              <a:solidFill>
-                <a:schemeClr val="tx1"/>
-              </a:solidFill>
-            </a:ln>
-          </p:spPr>
-          <p:style>
-            <a:lnRef idx="2">
-              <a:schemeClr val="accent1">
-                <a:shade val="50000"/>
-              </a:schemeClr>
-            </a:lnRef>
-            <a:fillRef idx="1">
-              <a:schemeClr val="accent1"/>
-            </a:fillRef>
-            <a:effectRef idx="0">
-              <a:schemeClr val="accent1"/>
-            </a:effectRef>
-            <a:fontRef idx="minor">
-              <a:schemeClr val="lt1"/>
-            </a:fontRef>
-          </p:style>
-          <p:txBody>
-            <a:bodyPr rtlCol="0" anchor="ctr"/>
-            <a:lstStyle/>
-            <a:p>
-              <a:pPr algn="ctr"/>
-              <a:endParaRPr lang="it-IT"/>
-            </a:p>
-          </p:txBody>
-        </p:sp>
-      </p:grpSp>
-      <p:grpSp>
-        <p:nvGrpSpPr>
-          <p:cNvPr id="33" name="Gruppo 32"/>
-          <p:cNvGrpSpPr/>
-          <p:nvPr/>
-        </p:nvGrpSpPr>
-        <p:grpSpPr>
-          <a:xfrm>
-            <a:off x="5421470" y="2149235"/>
-            <a:ext cx="1917059" cy="1425860"/>
-            <a:chOff x="402476" y="5184618"/>
-            <a:chExt cx="1926426" cy="1214172"/>
-          </a:xfrm>
-        </p:grpSpPr>
-        <p:sp>
-          <p:nvSpPr>
-            <p:cNvPr id="34" name="Ovale 33"/>
+            <p:cNvPr id="5" name="Ovale 4"/>
             <p:cNvSpPr/>
             <p:nvPr/>
           </p:nvSpPr>
@@ -22344,7 +22058,7 @@
         </p:sp>
         <p:sp>
           <p:nvSpPr>
-            <p:cNvPr id="35" name="Triangolo isoscele 34"/>
+            <p:cNvPr id="6" name="Triangolo isoscele 5"/>
             <p:cNvSpPr/>
             <p:nvPr/>
           </p:nvSpPr>
@@ -22392,7 +22106,7 @@
         </p:sp>
         <p:sp>
           <p:nvSpPr>
-            <p:cNvPr id="36" name="Rettangolo 35"/>
+            <p:cNvPr id="7" name="Rettangolo 6"/>
             <p:cNvSpPr/>
             <p:nvPr/>
           </p:nvSpPr>
@@ -22444,13 +22158,13 @@
       </p:grpSp>
       <p:grpSp>
         <p:nvGrpSpPr>
-          <p:cNvPr id="37" name="Gruppo 36"/>
+          <p:cNvPr id="8" name="Gruppo 7"/>
           <p:cNvGrpSpPr/>
           <p:nvPr/>
         </p:nvGrpSpPr>
         <p:grpSpPr>
           <a:xfrm>
-            <a:off x="5416991" y="4608344"/>
+            <a:off x="6613143" y="365203"/>
             <a:ext cx="1926426" cy="1214172"/>
             <a:chOff x="402476" y="5184618"/>
             <a:chExt cx="1926426" cy="1214172"/>
@@ -22458,198 +22172,7 @@
         </p:grpSpPr>
         <p:sp>
           <p:nvSpPr>
-            <p:cNvPr id="38" name="Ovale 37"/>
-            <p:cNvSpPr/>
-            <p:nvPr/>
-          </p:nvSpPr>
-          <p:spPr>
-            <a:xfrm>
-              <a:off x="667957" y="5332857"/>
-              <a:ext cx="1660945" cy="1065933"/>
-            </a:xfrm>
-            <a:prstGeom prst="ellipse">
-              <a:avLst/>
-            </a:prstGeom>
-            <a:solidFill>
-              <a:schemeClr val="accent2">
-                <a:lumMod val="20000"/>
-                <a:lumOff val="80000"/>
-              </a:schemeClr>
-            </a:solidFill>
-            <a:ln w="12700">
-              <a:solidFill>
-                <a:schemeClr val="tx1"/>
-              </a:solidFill>
-            </a:ln>
-          </p:spPr>
-          <p:style>
-            <a:lnRef idx="2">
-              <a:schemeClr val="accent1">
-                <a:shade val="50000"/>
-              </a:schemeClr>
-            </a:lnRef>
-            <a:fillRef idx="1">
-              <a:schemeClr val="accent1"/>
-            </a:fillRef>
-            <a:effectRef idx="0">
-              <a:schemeClr val="accent1"/>
-            </a:effectRef>
-            <a:fontRef idx="minor">
-              <a:schemeClr val="lt1"/>
-            </a:fontRef>
-          </p:style>
-          <p:txBody>
-            <a:bodyPr rtlCol="0" anchor="ctr"/>
-            <a:lstStyle/>
-            <a:p>
-              <a:pPr algn="ctr"/>
-              <a:r>
-                <a:rPr lang="it-IT" sz="1200" dirty="0">
-                  <a:solidFill>
-                    <a:schemeClr val="tx1"/>
-                  </a:solidFill>
-                  <a:latin typeface="Century Schoolbook" panose="02040604050505020304" pitchFamily="18" charset="0"/>
-                </a:rPr>
-                <a:t>Park Service Status GUI Actor</a:t>
-              </a:r>
-            </a:p>
-            <a:p>
-              <a:pPr lvl="0" algn="ctr"/>
-              <a:r>
-                <a:rPr lang="it-IT" sz="1100" i="1" dirty="0">
-                  <a:solidFill>
-                    <a:prstClr val="black"/>
-                  </a:solidFill>
-                  <a:latin typeface="Century Schoolbook" panose="02040604050505020304" pitchFamily="18" charset="0"/>
-                </a:rPr>
-                <a:t>(manager’s)</a:t>
-              </a:r>
-              <a:endParaRPr lang="it-IT" sz="1400" i="1" dirty="0">
-                <a:solidFill>
-                  <a:prstClr val="black"/>
-                </a:solidFill>
-                <a:latin typeface="Century Schoolbook" panose="02040604050505020304" pitchFamily="18" charset="0"/>
-              </a:endParaRPr>
-            </a:p>
-          </p:txBody>
-        </p:sp>
-        <p:sp>
-          <p:nvSpPr>
-            <p:cNvPr id="39" name="Triangolo isoscele 38"/>
-            <p:cNvSpPr/>
-            <p:nvPr/>
-          </p:nvSpPr>
-          <p:spPr>
-            <a:xfrm rot="16200000">
-              <a:off x="1350190" y="5205064"/>
-              <a:ext cx="296478" cy="255585"/>
-            </a:xfrm>
-            <a:prstGeom prst="triangle">
-              <a:avLst/>
-            </a:prstGeom>
-            <a:solidFill>
-              <a:srgbClr val="FF0000"/>
-            </a:solidFill>
-            <a:ln w="12700">
-              <a:solidFill>
-                <a:schemeClr val="tx1"/>
-              </a:solidFill>
-            </a:ln>
-          </p:spPr>
-          <p:style>
-            <a:lnRef idx="2">
-              <a:schemeClr val="accent1">
-                <a:shade val="50000"/>
-              </a:schemeClr>
-            </a:lnRef>
-            <a:fillRef idx="1">
-              <a:schemeClr val="accent1"/>
-            </a:fillRef>
-            <a:effectRef idx="0">
-              <a:schemeClr val="accent1"/>
-            </a:effectRef>
-            <a:fontRef idx="minor">
-              <a:schemeClr val="lt1"/>
-            </a:fontRef>
-          </p:style>
-          <p:txBody>
-            <a:bodyPr rtlCol="0" anchor="ctr"/>
-            <a:lstStyle/>
-            <a:p>
-              <a:pPr algn="ctr"/>
-              <a:endParaRPr lang="it-IT"/>
-            </a:p>
-          </p:txBody>
-        </p:sp>
-        <p:sp>
-          <p:nvSpPr>
-            <p:cNvPr id="40" name="Rettangolo 39"/>
-            <p:cNvSpPr/>
-            <p:nvPr/>
-          </p:nvSpPr>
-          <p:spPr>
-            <a:xfrm>
-              <a:off x="402476" y="5739696"/>
-              <a:ext cx="530961" cy="252254"/>
-            </a:xfrm>
-            <a:prstGeom prst="rect">
-              <a:avLst/>
-            </a:prstGeom>
-            <a:solidFill>
-              <a:schemeClr val="accent2">
-                <a:lumMod val="20000"/>
-                <a:lumOff val="80000"/>
-              </a:schemeClr>
-            </a:solidFill>
-            <a:ln w="12700">
-              <a:solidFill>
-                <a:schemeClr val="tx1"/>
-              </a:solidFill>
-            </a:ln>
-          </p:spPr>
-          <p:style>
-            <a:lnRef idx="2">
-              <a:schemeClr val="accent1">
-                <a:shade val="50000"/>
-              </a:schemeClr>
-            </a:lnRef>
-            <a:fillRef idx="1">
-              <a:schemeClr val="accent1"/>
-            </a:fillRef>
-            <a:effectRef idx="0">
-              <a:schemeClr val="accent1"/>
-            </a:effectRef>
-            <a:fontRef idx="minor">
-              <a:schemeClr val="lt1"/>
-            </a:fontRef>
-          </p:style>
-          <p:txBody>
-            <a:bodyPr rtlCol="0" anchor="ctr"/>
-            <a:lstStyle/>
-            <a:p>
-              <a:pPr algn="ctr"/>
-              <a:endParaRPr lang="it-IT"/>
-            </a:p>
-          </p:txBody>
-        </p:sp>
-      </p:grpSp>
-      <p:grpSp>
-        <p:nvGrpSpPr>
-          <p:cNvPr id="41" name="Gruppo 40"/>
-          <p:cNvGrpSpPr/>
-          <p:nvPr/>
-        </p:nvGrpSpPr>
-        <p:grpSpPr>
-          <a:xfrm>
-            <a:off x="6941863" y="84029"/>
-            <a:ext cx="1926426" cy="1214172"/>
-            <a:chOff x="402476" y="5184618"/>
-            <a:chExt cx="1926426" cy="1214172"/>
-          </a:xfrm>
-        </p:grpSpPr>
-        <p:sp>
-          <p:nvSpPr>
-            <p:cNvPr id="42" name="Ovale 41"/>
+            <p:cNvPr id="9" name="Ovale 8"/>
             <p:cNvSpPr/>
             <p:nvPr/>
           </p:nvSpPr>
@@ -22726,7 +22249,7 @@
         </p:sp>
         <p:sp>
           <p:nvSpPr>
-            <p:cNvPr id="43" name="Triangolo isoscele 42"/>
+            <p:cNvPr id="10" name="Triangolo isoscele 9"/>
             <p:cNvSpPr/>
             <p:nvPr/>
           </p:nvSpPr>
@@ -22774,7 +22297,7 @@
         </p:sp>
         <p:sp>
           <p:nvSpPr>
-            <p:cNvPr id="44" name="Rettangolo 43"/>
+            <p:cNvPr id="11" name="Rettangolo 10"/>
             <p:cNvSpPr/>
             <p:nvPr/>
           </p:nvSpPr>
@@ -22824,15 +22347,70 @@
           </p:txBody>
         </p:sp>
       </p:grpSp>
+      <p:sp>
+        <p:nvSpPr>
+          <p:cNvPr id="12" name="CasellaDiTesto 11"/>
+          <p:cNvSpPr txBox="1"/>
+          <p:nvPr/>
+        </p:nvSpPr>
+        <p:spPr>
+          <a:xfrm>
+            <a:off x="8829016" y="2706835"/>
+            <a:ext cx="1208985" cy="276999"/>
+          </a:xfrm>
+          <a:prstGeom prst="rect">
+            <a:avLst/>
+          </a:prstGeom>
+          <a:noFill/>
+        </p:spPr>
+        <p:txBody>
+          <a:bodyPr wrap="none" rtlCol="0">
+            <a:spAutoFit/>
+          </a:bodyPr>
+          <a:lstStyle/>
+          <a:p>
+            <a:r>
+              <a:rPr lang="it-IT" sz="1200" dirty="0">
+                <a:solidFill>
+                  <a:schemeClr val="accent1">
+                    <a:lumMod val="75000"/>
+                  </a:schemeClr>
+                </a:solidFill>
+                <a:latin typeface="Bookman Old Style" panose="02050604050505020204" pitchFamily="18" charset="0"/>
+              </a:rPr>
+              <a:t>goto</a:t>
+            </a:r>
+            <a:r>
+              <a:rPr lang="it-IT" sz="1200" dirty="0" smtClean="0">
+                <a:solidFill>
+                  <a:schemeClr val="accent1">
+                    <a:lumMod val="75000"/>
+                  </a:schemeClr>
+                </a:solidFill>
+                <a:latin typeface="Bookman Old Style" panose="02050604050505020204" pitchFamily="18" charset="0"/>
+              </a:rPr>
+              <a:t>( PLACE )</a:t>
+            </a:r>
+            <a:endParaRPr lang="it-IT" sz="1200" dirty="0">
+              <a:solidFill>
+                <a:schemeClr val="accent1">
+                  <a:lumMod val="75000"/>
+                </a:schemeClr>
+              </a:solidFill>
+              <a:latin typeface="Bookman Old Style" panose="02050604050505020204" pitchFamily="18" charset="0"/>
+            </a:endParaRPr>
+          </a:p>
+        </p:txBody>
+      </p:sp>
       <p:grpSp>
         <p:nvGrpSpPr>
-          <p:cNvPr id="45" name="Gruppo 44"/>
+          <p:cNvPr id="13" name="Gruppo 12"/>
           <p:cNvGrpSpPr/>
           <p:nvPr/>
         </p:nvGrpSpPr>
         <p:grpSpPr>
           <a:xfrm>
-            <a:off x="8474535" y="4670588"/>
+            <a:off x="10135928" y="2535098"/>
             <a:ext cx="1926426" cy="1214172"/>
             <a:chOff x="402476" y="5184618"/>
             <a:chExt cx="1926426" cy="1214172"/>
@@ -22840,7 +22418,7 @@
         </p:grpSpPr>
         <p:sp>
           <p:nvSpPr>
-            <p:cNvPr id="46" name="Ovale 45"/>
+            <p:cNvPr id="14" name="Ovale 13"/>
             <p:cNvSpPr/>
             <p:nvPr/>
           </p:nvSpPr>
@@ -22892,7 +22470,7 @@
                   </a:solidFill>
                   <a:latin typeface="Century Schoolbook" panose="02040604050505020304" pitchFamily="18" charset="0"/>
                 </a:rPr>
-                <a:t>Fan</a:t>
+                <a:t>Trolley</a:t>
               </a:r>
             </a:p>
             <a:p>
@@ -22917,7 +22495,7 @@
         </p:sp>
         <p:sp>
           <p:nvSpPr>
-            <p:cNvPr id="47" name="Triangolo isoscele 46"/>
+            <p:cNvPr id="15" name="Triangolo isoscele 14"/>
             <p:cNvSpPr/>
             <p:nvPr/>
           </p:nvSpPr>
@@ -22965,7 +22543,7 @@
         </p:sp>
         <p:sp>
           <p:nvSpPr>
-            <p:cNvPr id="48" name="Rettangolo 47"/>
+            <p:cNvPr id="16" name="Rettangolo 15"/>
             <p:cNvSpPr/>
             <p:nvPr/>
           </p:nvSpPr>
@@ -23017,14 +22595,697 @@
       </p:grpSp>
       <p:sp>
         <p:nvSpPr>
-          <p:cNvPr id="58" name="Figura a mano libera 57"/>
-          <p:cNvSpPr/>
+          <p:cNvPr id="17" name="CasellaDiTesto 16">
+            <a:extLst>
+              <a:ext uri="{FF2B5EF4-FFF2-40B4-BE49-F238E27FC236}">
+                <a16:creationId xmlns:a16="http://schemas.microsoft.com/office/drawing/2014/main" id="{4A099A57-10E0-4444-B880-8BDB97CEC528}"/>
+              </a:ext>
+            </a:extLst>
+          </p:cNvPr>
+          <p:cNvSpPr txBox="1"/>
           <p:nvPr/>
         </p:nvSpPr>
         <p:spPr>
           <a:xfrm>
-            <a:off x="3920277" y="2363928"/>
-            <a:ext cx="1235142" cy="693809"/>
+            <a:off x="8739392" y="3407350"/>
+            <a:ext cx="1396536" cy="276999"/>
+          </a:xfrm>
+          <a:prstGeom prst="rect">
+            <a:avLst/>
+          </a:prstGeom>
+          <a:noFill/>
+        </p:spPr>
+        <p:txBody>
+          <a:bodyPr wrap="none" rtlCol="0">
+            <a:spAutoFit/>
+          </a:bodyPr>
+          <a:lstStyle/>
+          <a:p>
+            <a:r>
+              <a:rPr lang="it-IT" sz="1200" dirty="0" smtClean="0">
+                <a:solidFill>
+                  <a:schemeClr val="accent1">
+                    <a:lumMod val="75000"/>
+                  </a:schemeClr>
+                </a:solidFill>
+                <a:latin typeface="Bookman Old Style" panose="02050604050505020204" pitchFamily="18" charset="0"/>
+              </a:rPr>
+              <a:t>movementDone</a:t>
+            </a:r>
+            <a:endParaRPr lang="it-IT" sz="1200" dirty="0">
+              <a:solidFill>
+                <a:schemeClr val="accent1">
+                  <a:lumMod val="75000"/>
+                </a:schemeClr>
+              </a:solidFill>
+              <a:latin typeface="Bookman Old Style" panose="02050604050505020204" pitchFamily="18" charset="0"/>
+            </a:endParaRPr>
+          </a:p>
+        </p:txBody>
+      </p:sp>
+      <p:cxnSp>
+        <p:nvCxnSpPr>
+          <p:cNvPr id="18" name="Connettore 2 17">
+            <a:extLst>
+              <a:ext uri="{FF2B5EF4-FFF2-40B4-BE49-F238E27FC236}">
+                <a16:creationId xmlns:a16="http://schemas.microsoft.com/office/drawing/2014/main" id="{BE37B216-493D-4D05-A4A1-43831B1C7A66}"/>
+              </a:ext>
+            </a:extLst>
+          </p:cNvPr>
+          <p:cNvCxnSpPr>
+            <a:cxnSpLocks/>
+          </p:cNvCxnSpPr>
+          <p:nvPr/>
+        </p:nvCxnSpPr>
+        <p:spPr>
+          <a:xfrm>
+            <a:off x="8940800" y="3077235"/>
+            <a:ext cx="939801" cy="0"/>
+          </a:xfrm>
+          <a:prstGeom prst="straightConnector1">
+            <a:avLst/>
+          </a:prstGeom>
+          <a:ln w="19050">
+            <a:solidFill>
+              <a:schemeClr val="tx1"/>
+            </a:solidFill>
+            <a:prstDash val="sysDash"/>
+            <a:headEnd type="none" w="med" len="med"/>
+            <a:tailEnd type="arrow" w="med" len="med"/>
+          </a:ln>
+        </p:spPr>
+        <p:style>
+          <a:lnRef idx="1">
+            <a:schemeClr val="accent1"/>
+          </a:lnRef>
+          <a:fillRef idx="0">
+            <a:schemeClr val="accent1"/>
+          </a:fillRef>
+          <a:effectRef idx="0">
+            <a:schemeClr val="accent1"/>
+          </a:effectRef>
+          <a:fontRef idx="minor">
+            <a:schemeClr val="tx1"/>
+          </a:fontRef>
+        </p:style>
+      </p:cxnSp>
+      <p:cxnSp>
+        <p:nvCxnSpPr>
+          <p:cNvPr id="19" name="Connettore 2 18">
+            <a:extLst>
+              <a:ext uri="{FF2B5EF4-FFF2-40B4-BE49-F238E27FC236}">
+                <a16:creationId xmlns:a16="http://schemas.microsoft.com/office/drawing/2014/main" id="{DDF4BAC5-C951-40AF-9F3B-573D340AFF4C}"/>
+              </a:ext>
+            </a:extLst>
+          </p:cNvPr>
+          <p:cNvCxnSpPr>
+            <a:cxnSpLocks/>
+          </p:cNvCxnSpPr>
+          <p:nvPr/>
+        </p:nvCxnSpPr>
+        <p:spPr>
+          <a:xfrm flipH="1">
+            <a:off x="8940800" y="3312307"/>
+            <a:ext cx="939802" cy="0"/>
+          </a:xfrm>
+          <a:prstGeom prst="straightConnector1">
+            <a:avLst/>
+          </a:prstGeom>
+          <a:ln w="19050">
+            <a:solidFill>
+              <a:schemeClr val="tx1"/>
+            </a:solidFill>
+            <a:prstDash val="sysDash"/>
+            <a:headEnd type="none" w="med" len="med"/>
+            <a:tailEnd type="arrow" w="med" len="med"/>
+          </a:ln>
+        </p:spPr>
+        <p:style>
+          <a:lnRef idx="1">
+            <a:schemeClr val="accent1"/>
+          </a:lnRef>
+          <a:fillRef idx="0">
+            <a:schemeClr val="accent1"/>
+          </a:fillRef>
+          <a:effectRef idx="0">
+            <a:schemeClr val="accent1"/>
+          </a:effectRef>
+          <a:fontRef idx="minor">
+            <a:schemeClr val="tx1"/>
+          </a:fontRef>
+        </p:style>
+      </p:cxnSp>
+      <p:sp>
+        <p:nvSpPr>
+          <p:cNvPr id="20" name="CasellaDiTesto 19">
+            <a:extLst>
+              <a:ext uri="{FF2B5EF4-FFF2-40B4-BE49-F238E27FC236}">
+                <a16:creationId xmlns:a16="http://schemas.microsoft.com/office/drawing/2014/main" id="{9E3ABB73-53B1-4E01-A367-19BE7724D678}"/>
+              </a:ext>
+            </a:extLst>
+          </p:cNvPr>
+          <p:cNvSpPr txBox="1"/>
+          <p:nvPr/>
+        </p:nvSpPr>
+        <p:spPr>
+          <a:xfrm>
+            <a:off x="8117277" y="1518166"/>
+            <a:ext cx="1786066" cy="646331"/>
+          </a:xfrm>
+          <a:prstGeom prst="rect">
+            <a:avLst/>
+          </a:prstGeom>
+          <a:noFill/>
+        </p:spPr>
+        <p:txBody>
+          <a:bodyPr wrap="none" rtlCol="0">
+            <a:spAutoFit/>
+          </a:bodyPr>
+          <a:lstStyle/>
+          <a:p>
+            <a:r>
+              <a:rPr lang="it-IT" sz="1200" dirty="0">
+                <a:solidFill>
+                  <a:schemeClr val="accent1">
+                    <a:lumMod val="75000"/>
+                  </a:schemeClr>
+                </a:solidFill>
+                <a:latin typeface="Bookman Old Style" panose="02050604050505020204" pitchFamily="18" charset="0"/>
+              </a:rPr>
+              <a:t>tokenid</a:t>
+            </a:r>
+            <a:r>
+              <a:rPr lang="it-IT" sz="1200" dirty="0" smtClean="0">
+                <a:solidFill>
+                  <a:schemeClr val="accent1">
+                    <a:lumMod val="75000"/>
+                  </a:schemeClr>
+                </a:solidFill>
+                <a:latin typeface="Bookman Old Style" panose="02050604050505020204" pitchFamily="18" charset="0"/>
+              </a:rPr>
+              <a:t>( TOKENID )</a:t>
+            </a:r>
+            <a:endParaRPr lang="it-IT" sz="1200" dirty="0">
+              <a:solidFill>
+                <a:schemeClr val="accent1">
+                  <a:lumMod val="75000"/>
+                </a:schemeClr>
+              </a:solidFill>
+              <a:latin typeface="Bookman Old Style" panose="02050604050505020204" pitchFamily="18" charset="0"/>
+            </a:endParaRPr>
+          </a:p>
+          <a:p>
+            <a:r>
+              <a:rPr lang="it-IT" sz="1200" dirty="0">
+                <a:solidFill>
+                  <a:schemeClr val="accent1">
+                    <a:lumMod val="75000"/>
+                  </a:schemeClr>
+                </a:solidFill>
+                <a:latin typeface="Bookman Old Style" panose="02050604050505020204" pitchFamily="18" charset="0"/>
+              </a:rPr>
+              <a:t>slotnum</a:t>
+            </a:r>
+            <a:r>
+              <a:rPr lang="it-IT" sz="1200" dirty="0" smtClean="0">
+                <a:solidFill>
+                  <a:schemeClr val="accent1">
+                    <a:lumMod val="75000"/>
+                  </a:schemeClr>
+                </a:solidFill>
+                <a:latin typeface="Bookman Old Style" panose="02050604050505020204" pitchFamily="18" charset="0"/>
+              </a:rPr>
+              <a:t>( SLOTNUM )</a:t>
+            </a:r>
+            <a:endParaRPr lang="it-IT" sz="1200" dirty="0">
+              <a:solidFill>
+                <a:schemeClr val="accent1">
+                  <a:lumMod val="75000"/>
+                </a:schemeClr>
+              </a:solidFill>
+              <a:latin typeface="Bookman Old Style" panose="02050604050505020204" pitchFamily="18" charset="0"/>
+            </a:endParaRPr>
+          </a:p>
+          <a:p>
+            <a:r>
+              <a:rPr lang="it-IT" sz="1200" dirty="0">
+                <a:solidFill>
+                  <a:schemeClr val="accent1">
+                    <a:lumMod val="75000"/>
+                  </a:schemeClr>
+                </a:solidFill>
+                <a:latin typeface="Bookman Old Style" panose="02050604050505020204" pitchFamily="18" charset="0"/>
+              </a:rPr>
+              <a:t>notice</a:t>
+            </a:r>
+            <a:r>
+              <a:rPr lang="it-IT" sz="1200" dirty="0" smtClean="0">
+                <a:solidFill>
+                  <a:schemeClr val="accent1">
+                    <a:lumMod val="75000"/>
+                  </a:schemeClr>
+                </a:solidFill>
+                <a:latin typeface="Bookman Old Style" panose="02050604050505020204" pitchFamily="18" charset="0"/>
+              </a:rPr>
+              <a:t>( NOTICE )</a:t>
+            </a:r>
+            <a:endParaRPr lang="it-IT" sz="1200" dirty="0">
+              <a:solidFill>
+                <a:schemeClr val="accent1">
+                  <a:lumMod val="75000"/>
+                </a:schemeClr>
+              </a:solidFill>
+              <a:latin typeface="Bookman Old Style" panose="02050604050505020204" pitchFamily="18" charset="0"/>
+            </a:endParaRPr>
+          </a:p>
+        </p:txBody>
+      </p:sp>
+      <p:cxnSp>
+        <p:nvCxnSpPr>
+          <p:cNvPr id="21" name="Connettore 2 20">
+            <a:extLst>
+              <a:ext uri="{FF2B5EF4-FFF2-40B4-BE49-F238E27FC236}">
+                <a16:creationId xmlns:a16="http://schemas.microsoft.com/office/drawing/2014/main" id="{EBAE31D2-1376-4464-8F7F-B8F299C61934}"/>
+              </a:ext>
+            </a:extLst>
+          </p:cNvPr>
+          <p:cNvCxnSpPr>
+            <a:cxnSpLocks/>
+          </p:cNvCxnSpPr>
+          <p:nvPr/>
+        </p:nvCxnSpPr>
+        <p:spPr>
+          <a:xfrm flipV="1">
+            <a:off x="7882832" y="1705128"/>
+            <a:ext cx="0" cy="712010"/>
+          </a:xfrm>
+          <a:prstGeom prst="straightConnector1">
+            <a:avLst/>
+          </a:prstGeom>
+          <a:ln w="19050">
+            <a:solidFill>
+              <a:schemeClr val="tx1"/>
+            </a:solidFill>
+            <a:prstDash val="sysDash"/>
+            <a:headEnd type="none" w="med" len="med"/>
+            <a:tailEnd type="arrow" w="med" len="med"/>
+          </a:ln>
+        </p:spPr>
+        <p:style>
+          <a:lnRef idx="1">
+            <a:schemeClr val="accent1"/>
+          </a:lnRef>
+          <a:fillRef idx="0">
+            <a:schemeClr val="accent1"/>
+          </a:fillRef>
+          <a:effectRef idx="0">
+            <a:schemeClr val="accent1"/>
+          </a:effectRef>
+          <a:fontRef idx="minor">
+            <a:schemeClr val="tx1"/>
+          </a:fontRef>
+        </p:style>
+      </p:cxnSp>
+      <p:grpSp>
+        <p:nvGrpSpPr>
+          <p:cNvPr id="22" name="Gruppo 21"/>
+          <p:cNvGrpSpPr/>
+          <p:nvPr/>
+        </p:nvGrpSpPr>
+        <p:grpSpPr>
+          <a:xfrm>
+            <a:off x="91998" y="3084014"/>
+            <a:ext cx="1973200" cy="1256013"/>
+            <a:chOff x="402476" y="3280190"/>
+            <a:chExt cx="1926426" cy="1214172"/>
+          </a:xfrm>
+        </p:grpSpPr>
+        <p:sp>
+          <p:nvSpPr>
+            <p:cNvPr id="23" name="Ovale 22"/>
+            <p:cNvSpPr/>
+            <p:nvPr/>
+          </p:nvSpPr>
+          <p:spPr>
+            <a:xfrm>
+              <a:off x="667957" y="3428429"/>
+              <a:ext cx="1660945" cy="1065933"/>
+            </a:xfrm>
+            <a:prstGeom prst="ellipse">
+              <a:avLst/>
+            </a:prstGeom>
+            <a:solidFill>
+              <a:schemeClr val="accent2">
+                <a:lumMod val="20000"/>
+                <a:lumOff val="80000"/>
+              </a:schemeClr>
+            </a:solidFill>
+            <a:ln w="12700">
+              <a:solidFill>
+                <a:schemeClr val="tx1"/>
+              </a:solidFill>
+            </a:ln>
+          </p:spPr>
+          <p:style>
+            <a:lnRef idx="2">
+              <a:schemeClr val="accent1">
+                <a:shade val="50000"/>
+              </a:schemeClr>
+            </a:lnRef>
+            <a:fillRef idx="1">
+              <a:schemeClr val="accent1"/>
+            </a:fillRef>
+            <a:effectRef idx="0">
+              <a:schemeClr val="accent1"/>
+            </a:effectRef>
+            <a:fontRef idx="minor">
+              <a:schemeClr val="lt1"/>
+            </a:fontRef>
+          </p:style>
+          <p:txBody>
+            <a:bodyPr rtlCol="0" anchor="ctr"/>
+            <a:lstStyle/>
+            <a:p>
+              <a:pPr algn="ctr"/>
+              <a:r>
+                <a:rPr lang="it-IT" sz="1200" dirty="0">
+                  <a:solidFill>
+                    <a:schemeClr val="tx1"/>
+                  </a:solidFill>
+                  <a:latin typeface="Century Schoolbook" panose="02040604050505020304" pitchFamily="18" charset="0"/>
+                </a:rPr>
+                <a:t>Sonar</a:t>
+              </a:r>
+            </a:p>
+            <a:p>
+              <a:pPr algn="ctr"/>
+              <a:r>
+                <a:rPr lang="it-IT" sz="1200" dirty="0">
+                  <a:solidFill>
+                    <a:schemeClr val="tx1"/>
+                  </a:solidFill>
+                  <a:latin typeface="Century Schoolbook" panose="02040604050505020304" pitchFamily="18" charset="0"/>
+                </a:rPr>
+                <a:t>Actor</a:t>
+              </a:r>
+            </a:p>
+          </p:txBody>
+        </p:sp>
+        <p:sp>
+          <p:nvSpPr>
+            <p:cNvPr id="24" name="Triangolo isoscele 23"/>
+            <p:cNvSpPr/>
+            <p:nvPr/>
+          </p:nvSpPr>
+          <p:spPr>
+            <a:xfrm rot="16200000">
+              <a:off x="1350190" y="3300636"/>
+              <a:ext cx="296478" cy="255585"/>
+            </a:xfrm>
+            <a:prstGeom prst="triangle">
+              <a:avLst/>
+            </a:prstGeom>
+            <a:solidFill>
+              <a:srgbClr val="FF0000"/>
+            </a:solidFill>
+            <a:ln w="12700">
+              <a:solidFill>
+                <a:schemeClr val="tx1"/>
+              </a:solidFill>
+            </a:ln>
+          </p:spPr>
+          <p:style>
+            <a:lnRef idx="2">
+              <a:schemeClr val="accent1">
+                <a:shade val="50000"/>
+              </a:schemeClr>
+            </a:lnRef>
+            <a:fillRef idx="1">
+              <a:schemeClr val="accent1"/>
+            </a:fillRef>
+            <a:effectRef idx="0">
+              <a:schemeClr val="accent1"/>
+            </a:effectRef>
+            <a:fontRef idx="minor">
+              <a:schemeClr val="lt1"/>
+            </a:fontRef>
+          </p:style>
+          <p:txBody>
+            <a:bodyPr rtlCol="0" anchor="ctr"/>
+            <a:lstStyle/>
+            <a:p>
+              <a:pPr algn="ctr"/>
+              <a:endParaRPr lang="it-IT"/>
+            </a:p>
+          </p:txBody>
+        </p:sp>
+        <p:sp>
+          <p:nvSpPr>
+            <p:cNvPr id="25" name="Rettangolo 24"/>
+            <p:cNvSpPr/>
+            <p:nvPr/>
+          </p:nvSpPr>
+          <p:spPr>
+            <a:xfrm>
+              <a:off x="402476" y="3835268"/>
+              <a:ext cx="530961" cy="252254"/>
+            </a:xfrm>
+            <a:prstGeom prst="rect">
+              <a:avLst/>
+            </a:prstGeom>
+            <a:solidFill>
+              <a:schemeClr val="accent2">
+                <a:lumMod val="20000"/>
+                <a:lumOff val="80000"/>
+              </a:schemeClr>
+            </a:solidFill>
+            <a:ln w="12700">
+              <a:solidFill>
+                <a:schemeClr val="tx1"/>
+              </a:solidFill>
+            </a:ln>
+          </p:spPr>
+          <p:style>
+            <a:lnRef idx="2">
+              <a:schemeClr val="accent1">
+                <a:shade val="50000"/>
+              </a:schemeClr>
+            </a:lnRef>
+            <a:fillRef idx="1">
+              <a:schemeClr val="accent1"/>
+            </a:fillRef>
+            <a:effectRef idx="0">
+              <a:schemeClr val="accent1"/>
+            </a:effectRef>
+            <a:fontRef idx="minor">
+              <a:schemeClr val="lt1"/>
+            </a:fontRef>
+          </p:style>
+          <p:txBody>
+            <a:bodyPr rtlCol="0" anchor="ctr"/>
+            <a:lstStyle/>
+            <a:p>
+              <a:pPr algn="ctr"/>
+              <a:endParaRPr lang="it-IT"/>
+            </a:p>
+          </p:txBody>
+        </p:sp>
+      </p:grpSp>
+      <p:grpSp>
+        <p:nvGrpSpPr>
+          <p:cNvPr id="26" name="Gruppo 25"/>
+          <p:cNvGrpSpPr/>
+          <p:nvPr/>
+        </p:nvGrpSpPr>
+        <p:grpSpPr>
+          <a:xfrm>
+            <a:off x="54439" y="1802580"/>
+            <a:ext cx="1985480" cy="1166175"/>
+            <a:chOff x="402476" y="309828"/>
+            <a:chExt cx="1926426" cy="1214172"/>
+          </a:xfrm>
+        </p:grpSpPr>
+        <p:sp>
+          <p:nvSpPr>
+            <p:cNvPr id="27" name="Ovale 26"/>
+            <p:cNvSpPr/>
+            <p:nvPr/>
+          </p:nvSpPr>
+          <p:spPr>
+            <a:xfrm>
+              <a:off x="667957" y="458067"/>
+              <a:ext cx="1660945" cy="1065933"/>
+            </a:xfrm>
+            <a:prstGeom prst="ellipse">
+              <a:avLst/>
+            </a:prstGeom>
+            <a:solidFill>
+              <a:schemeClr val="accent2">
+                <a:lumMod val="20000"/>
+                <a:lumOff val="80000"/>
+              </a:schemeClr>
+            </a:solidFill>
+            <a:ln w="12700">
+              <a:solidFill>
+                <a:schemeClr val="tx1"/>
+              </a:solidFill>
+            </a:ln>
+          </p:spPr>
+          <p:style>
+            <a:lnRef idx="2">
+              <a:schemeClr val="accent1">
+                <a:shade val="50000"/>
+              </a:schemeClr>
+            </a:lnRef>
+            <a:fillRef idx="1">
+              <a:schemeClr val="accent1"/>
+            </a:fillRef>
+            <a:effectRef idx="0">
+              <a:schemeClr val="accent1"/>
+            </a:effectRef>
+            <a:fontRef idx="minor">
+              <a:schemeClr val="lt1"/>
+            </a:fontRef>
+          </p:style>
+          <p:txBody>
+            <a:bodyPr rtlCol="0" anchor="ctr"/>
+            <a:lstStyle/>
+            <a:p>
+              <a:pPr algn="ctr"/>
+              <a:r>
+                <a:rPr lang="it-IT" sz="1200" dirty="0">
+                  <a:solidFill>
+                    <a:schemeClr val="tx1"/>
+                  </a:solidFill>
+                  <a:latin typeface="Century Schoolbook" panose="02040604050505020304" pitchFamily="18" charset="0"/>
+                </a:rPr>
+                <a:t>Weight</a:t>
+              </a:r>
+            </a:p>
+            <a:p>
+              <a:pPr algn="ctr"/>
+              <a:r>
+                <a:rPr lang="it-IT" sz="1200" dirty="0">
+                  <a:solidFill>
+                    <a:schemeClr val="tx1"/>
+                  </a:solidFill>
+                  <a:latin typeface="Century Schoolbook" panose="02040604050505020304" pitchFamily="18" charset="0"/>
+                </a:rPr>
+                <a:t>Actor</a:t>
+              </a:r>
+            </a:p>
+          </p:txBody>
+        </p:sp>
+        <p:sp>
+          <p:nvSpPr>
+            <p:cNvPr id="28" name="Triangolo isoscele 27"/>
+            <p:cNvSpPr/>
+            <p:nvPr/>
+          </p:nvSpPr>
+          <p:spPr>
+            <a:xfrm rot="16200000">
+              <a:off x="1350190" y="330274"/>
+              <a:ext cx="296478" cy="255585"/>
+            </a:xfrm>
+            <a:prstGeom prst="triangle">
+              <a:avLst/>
+            </a:prstGeom>
+            <a:solidFill>
+              <a:srgbClr val="FF0000"/>
+            </a:solidFill>
+            <a:ln w="12700">
+              <a:solidFill>
+                <a:schemeClr val="tx1"/>
+              </a:solidFill>
+            </a:ln>
+          </p:spPr>
+          <p:style>
+            <a:lnRef idx="2">
+              <a:schemeClr val="accent1">
+                <a:shade val="50000"/>
+              </a:schemeClr>
+            </a:lnRef>
+            <a:fillRef idx="1">
+              <a:schemeClr val="accent1"/>
+            </a:fillRef>
+            <a:effectRef idx="0">
+              <a:schemeClr val="accent1"/>
+            </a:effectRef>
+            <a:fontRef idx="minor">
+              <a:schemeClr val="lt1"/>
+            </a:fontRef>
+          </p:style>
+          <p:txBody>
+            <a:bodyPr rtlCol="0" anchor="ctr"/>
+            <a:lstStyle/>
+            <a:p>
+              <a:pPr algn="ctr"/>
+              <a:endParaRPr lang="it-IT"/>
+            </a:p>
+          </p:txBody>
+        </p:sp>
+        <p:sp>
+          <p:nvSpPr>
+            <p:cNvPr id="29" name="Rettangolo 28"/>
+            <p:cNvSpPr/>
+            <p:nvPr/>
+          </p:nvSpPr>
+          <p:spPr>
+            <a:xfrm>
+              <a:off x="402476" y="864906"/>
+              <a:ext cx="530961" cy="252254"/>
+            </a:xfrm>
+            <a:prstGeom prst="rect">
+              <a:avLst/>
+            </a:prstGeom>
+            <a:solidFill>
+              <a:schemeClr val="accent2">
+                <a:lumMod val="20000"/>
+                <a:lumOff val="80000"/>
+              </a:schemeClr>
+            </a:solidFill>
+            <a:ln w="12700">
+              <a:solidFill>
+                <a:schemeClr val="tx1"/>
+              </a:solidFill>
+            </a:ln>
+          </p:spPr>
+          <p:style>
+            <a:lnRef idx="2">
+              <a:schemeClr val="accent1">
+                <a:shade val="50000"/>
+              </a:schemeClr>
+            </a:lnRef>
+            <a:fillRef idx="1">
+              <a:schemeClr val="accent1"/>
+            </a:fillRef>
+            <a:effectRef idx="0">
+              <a:schemeClr val="accent1"/>
+            </a:effectRef>
+            <a:fontRef idx="minor">
+              <a:schemeClr val="lt1"/>
+            </a:fontRef>
+          </p:style>
+          <p:txBody>
+            <a:bodyPr rtlCol="0" anchor="ctr"/>
+            <a:lstStyle/>
+            <a:p>
+              <a:pPr algn="ctr"/>
+              <a:endParaRPr lang="it-IT"/>
+            </a:p>
+          </p:txBody>
+        </p:sp>
+      </p:grpSp>
+      <p:sp>
+        <p:nvSpPr>
+          <p:cNvPr id="30" name="Figura a mano libera 29"/>
+          <p:cNvSpPr/>
+          <p:nvPr/>
+        </p:nvSpPr>
+        <p:spPr>
+          <a:xfrm>
+            <a:off x="2229918" y="2400091"/>
+            <a:ext cx="990600" cy="693809"/>
           </a:xfrm>
           <a:custGeom>
             <a:avLst/>
@@ -23126,19 +23387,19 @@
           <a:lstStyle/>
           <a:p>
             <a:pPr algn="ctr"/>
-            <a:endParaRPr lang="it-IT" dirty="0"/>
+            <a:endParaRPr lang="it-IT"/>
           </a:p>
         </p:txBody>
       </p:sp>
       <p:sp>
         <p:nvSpPr>
-          <p:cNvPr id="59" name="Figura a mano libera 58"/>
+          <p:cNvPr id="31" name="Figura a mano libera 30"/>
           <p:cNvSpPr/>
           <p:nvPr/>
         </p:nvSpPr>
         <p:spPr>
           <a:xfrm>
-            <a:off x="4348773" y="5231959"/>
+            <a:off x="2290813" y="3219723"/>
             <a:ext cx="990600" cy="638334"/>
           </a:xfrm>
           <a:custGeom>
@@ -23245,16 +23506,696 @@
           </a:p>
         </p:txBody>
       </p:sp>
+      <p:sp>
+        <p:nvSpPr>
+          <p:cNvPr id="32" name="CasellaDiTesto 31"/>
+          <p:cNvSpPr txBox="1"/>
+          <p:nvPr/>
+        </p:nvSpPr>
+        <p:spPr>
+          <a:xfrm>
+            <a:off x="2112741" y="1888786"/>
+            <a:ext cx="1375698" cy="461665"/>
+          </a:xfrm>
+          <a:prstGeom prst="rect">
+            <a:avLst/>
+          </a:prstGeom>
+          <a:noFill/>
+        </p:spPr>
+        <p:txBody>
+          <a:bodyPr wrap="none" rtlCol="0">
+            <a:spAutoFit/>
+          </a:bodyPr>
+          <a:lstStyle/>
+          <a:p>
+            <a:r>
+              <a:rPr lang="it-IT" sz="1200" dirty="0">
+                <a:solidFill>
+                  <a:schemeClr val="accent1">
+                    <a:lumMod val="75000"/>
+                  </a:schemeClr>
+                </a:solidFill>
+                <a:latin typeface="Bookman Old Style" panose="02050604050505020204" pitchFamily="18" charset="0"/>
+              </a:rPr>
+              <a:t>indoorCleared</a:t>
+            </a:r>
+          </a:p>
+          <a:p>
+            <a:r>
+              <a:rPr lang="it-IT" sz="1200" dirty="0">
+                <a:solidFill>
+                  <a:schemeClr val="accent1">
+                    <a:lumMod val="75000"/>
+                  </a:schemeClr>
+                </a:solidFill>
+                <a:latin typeface="Bookman Old Style" panose="02050604050505020204" pitchFamily="18" charset="0"/>
+              </a:rPr>
+              <a:t>indoorOccupied</a:t>
+            </a:r>
+            <a:endParaRPr lang="it-IT" sz="1200" dirty="0">
+              <a:solidFill>
+                <a:schemeClr val="accent1">
+                  <a:lumMod val="75000"/>
+                </a:schemeClr>
+              </a:solidFill>
+              <a:latin typeface="Bookman Old Style" panose="02050604050505020204" pitchFamily="18" charset="0"/>
+            </a:endParaRPr>
+          </a:p>
+        </p:txBody>
+      </p:sp>
+      <p:sp>
+        <p:nvSpPr>
+          <p:cNvPr id="33" name="CasellaDiTesto 32"/>
+          <p:cNvSpPr txBox="1"/>
+          <p:nvPr/>
+        </p:nvSpPr>
+        <p:spPr>
+          <a:xfrm>
+            <a:off x="2065198" y="4007173"/>
+            <a:ext cx="1476686" cy="461665"/>
+          </a:xfrm>
+          <a:prstGeom prst="rect">
+            <a:avLst/>
+          </a:prstGeom>
+          <a:noFill/>
+        </p:spPr>
+        <p:txBody>
+          <a:bodyPr wrap="none" rtlCol="0">
+            <a:spAutoFit/>
+          </a:bodyPr>
+          <a:lstStyle/>
+          <a:p>
+            <a:r>
+              <a:rPr lang="it-IT" sz="1200" dirty="0">
+                <a:solidFill>
+                  <a:schemeClr val="accent1">
+                    <a:lumMod val="75000"/>
+                  </a:schemeClr>
+                </a:solidFill>
+                <a:latin typeface="Bookman Old Style" panose="02050604050505020204" pitchFamily="18" charset="0"/>
+              </a:rPr>
+              <a:t>outdoorCleared</a:t>
+            </a:r>
+          </a:p>
+          <a:p>
+            <a:r>
+              <a:rPr lang="it-IT" sz="1200" dirty="0">
+                <a:solidFill>
+                  <a:schemeClr val="accent1">
+                    <a:lumMod val="75000"/>
+                  </a:schemeClr>
+                </a:solidFill>
+                <a:latin typeface="Bookman Old Style" panose="02050604050505020204" pitchFamily="18" charset="0"/>
+              </a:rPr>
+              <a:t>outdoorOccupied</a:t>
+            </a:r>
+            <a:endParaRPr lang="it-IT" sz="1200" dirty="0">
+              <a:solidFill>
+                <a:schemeClr val="accent1">
+                  <a:lumMod val="75000"/>
+                </a:schemeClr>
+              </a:solidFill>
+              <a:latin typeface="Bookman Old Style" panose="02050604050505020204" pitchFamily="18" charset="0"/>
+            </a:endParaRPr>
+          </a:p>
+        </p:txBody>
+      </p:sp>
+      <p:grpSp>
+        <p:nvGrpSpPr>
+          <p:cNvPr id="34" name="Gruppo 33"/>
+          <p:cNvGrpSpPr/>
+          <p:nvPr/>
+        </p:nvGrpSpPr>
+        <p:grpSpPr>
+          <a:xfrm flipH="1">
+            <a:off x="5423320" y="3030584"/>
+            <a:ext cx="1144514" cy="506267"/>
+            <a:chOff x="8144484" y="4563130"/>
+            <a:chExt cx="844768" cy="342073"/>
+          </a:xfrm>
+        </p:grpSpPr>
+        <p:cxnSp>
+          <p:nvCxnSpPr>
+            <p:cNvPr id="35" name="Connettore 2 34"/>
+            <p:cNvCxnSpPr/>
+            <p:nvPr/>
+          </p:nvCxnSpPr>
+          <p:spPr>
+            <a:xfrm flipV="1">
+              <a:off x="8144484" y="4634422"/>
+              <a:ext cx="721852" cy="2"/>
+            </a:xfrm>
+            <a:prstGeom prst="straightConnector1">
+              <a:avLst/>
+            </a:prstGeom>
+            <a:ln w="19050">
+              <a:solidFill>
+                <a:schemeClr val="tx1"/>
+              </a:solidFill>
+              <a:headEnd type="none" w="med" len="med"/>
+              <a:tailEnd type="none" w="med" len="med"/>
+            </a:ln>
+          </p:spPr>
+          <p:style>
+            <a:lnRef idx="1">
+              <a:schemeClr val="accent1"/>
+            </a:lnRef>
+            <a:fillRef idx="0">
+              <a:schemeClr val="accent1"/>
+            </a:fillRef>
+            <a:effectRef idx="0">
+              <a:schemeClr val="accent1"/>
+            </a:effectRef>
+            <a:fontRef idx="minor">
+              <a:schemeClr val="tx1"/>
+            </a:fontRef>
+          </p:style>
+        </p:cxnSp>
+        <p:sp>
+          <p:nvSpPr>
+            <p:cNvPr id="36" name="Triangolo isoscele 35"/>
+            <p:cNvSpPr/>
+            <p:nvPr/>
+          </p:nvSpPr>
+          <p:spPr>
+            <a:xfrm rot="16200000" flipV="1">
+              <a:off x="8856502" y="4572964"/>
+              <a:ext cx="142583" cy="122916"/>
+            </a:xfrm>
+            <a:prstGeom prst="triangle">
+              <a:avLst/>
+            </a:prstGeom>
+            <a:solidFill>
+              <a:schemeClr val="bg1"/>
+            </a:solidFill>
+            <a:ln w="15875">
+              <a:solidFill>
+                <a:schemeClr val="tx1"/>
+              </a:solidFill>
+            </a:ln>
+          </p:spPr>
+          <p:style>
+            <a:lnRef idx="2">
+              <a:schemeClr val="accent1">
+                <a:shade val="50000"/>
+              </a:schemeClr>
+            </a:lnRef>
+            <a:fillRef idx="1">
+              <a:schemeClr val="accent1"/>
+            </a:fillRef>
+            <a:effectRef idx="0">
+              <a:schemeClr val="accent1"/>
+            </a:effectRef>
+            <a:fontRef idx="minor">
+              <a:schemeClr val="lt1"/>
+            </a:fontRef>
+          </p:style>
+          <p:txBody>
+            <a:bodyPr rtlCol="0" anchor="ctr"/>
+            <a:lstStyle/>
+            <a:p>
+              <a:pPr algn="ctr"/>
+              <a:endParaRPr lang="it-IT"/>
+            </a:p>
+          </p:txBody>
+        </p:sp>
+        <p:cxnSp>
+          <p:nvCxnSpPr>
+            <p:cNvPr id="37" name="Connettore 2 36"/>
+            <p:cNvCxnSpPr/>
+            <p:nvPr/>
+          </p:nvCxnSpPr>
+          <p:spPr>
+            <a:xfrm flipV="1">
+              <a:off x="8267400" y="4833910"/>
+              <a:ext cx="721852" cy="2"/>
+            </a:xfrm>
+            <a:prstGeom prst="straightConnector1">
+              <a:avLst/>
+            </a:prstGeom>
+            <a:ln w="19050">
+              <a:solidFill>
+                <a:schemeClr val="tx1"/>
+              </a:solidFill>
+              <a:prstDash val="sysDash"/>
+              <a:headEnd type="none" w="med" len="med"/>
+              <a:tailEnd type="none" w="med" len="med"/>
+            </a:ln>
+          </p:spPr>
+          <p:style>
+            <a:lnRef idx="1">
+              <a:schemeClr val="accent1"/>
+            </a:lnRef>
+            <a:fillRef idx="0">
+              <a:schemeClr val="accent1"/>
+            </a:fillRef>
+            <a:effectRef idx="0">
+              <a:schemeClr val="accent1"/>
+            </a:effectRef>
+            <a:fontRef idx="minor">
+              <a:schemeClr val="tx1"/>
+            </a:fontRef>
+          </p:style>
+        </p:cxnSp>
+        <p:sp>
+          <p:nvSpPr>
+            <p:cNvPr id="38" name="Triangolo isoscele 37"/>
+            <p:cNvSpPr/>
+            <p:nvPr/>
+          </p:nvSpPr>
+          <p:spPr>
+            <a:xfrm rot="5400000" flipH="1" flipV="1">
+              <a:off x="8167744" y="4772454"/>
+              <a:ext cx="142583" cy="122916"/>
+            </a:xfrm>
+            <a:prstGeom prst="triangle">
+              <a:avLst/>
+            </a:prstGeom>
+            <a:solidFill>
+              <a:schemeClr val="bg1"/>
+            </a:solidFill>
+            <a:ln w="15875">
+              <a:solidFill>
+                <a:schemeClr val="tx1"/>
+              </a:solidFill>
+            </a:ln>
+          </p:spPr>
+          <p:style>
+            <a:lnRef idx="2">
+              <a:schemeClr val="accent1">
+                <a:shade val="50000"/>
+              </a:schemeClr>
+            </a:lnRef>
+            <a:fillRef idx="1">
+              <a:schemeClr val="accent1"/>
+            </a:fillRef>
+            <a:effectRef idx="0">
+              <a:schemeClr val="accent1"/>
+            </a:effectRef>
+            <a:fontRef idx="minor">
+              <a:schemeClr val="lt1"/>
+            </a:fontRef>
+          </p:style>
+          <p:txBody>
+            <a:bodyPr rtlCol="0" anchor="ctr"/>
+            <a:lstStyle/>
+            <a:p>
+              <a:pPr algn="ctr"/>
+              <a:endParaRPr lang="it-IT"/>
+            </a:p>
+          </p:txBody>
+        </p:sp>
+      </p:grpSp>
+      <p:grpSp>
+        <p:nvGrpSpPr>
+          <p:cNvPr id="39" name="Gruppo 38">
+            <a:extLst>
+              <a:ext uri="{FF2B5EF4-FFF2-40B4-BE49-F238E27FC236}">
+                <a16:creationId xmlns:a16="http://schemas.microsoft.com/office/drawing/2014/main" id="{6461771D-B972-49AF-943B-06ADB7720DB1}"/>
+              </a:ext>
+            </a:extLst>
+          </p:cNvPr>
+          <p:cNvGrpSpPr/>
+          <p:nvPr/>
+        </p:nvGrpSpPr>
+        <p:grpSpPr>
+          <a:xfrm>
+            <a:off x="3334089" y="2557313"/>
+            <a:ext cx="1926426" cy="1214172"/>
+            <a:chOff x="402476" y="309828"/>
+            <a:chExt cx="1926426" cy="1214172"/>
+          </a:xfrm>
+        </p:grpSpPr>
+        <p:sp>
+          <p:nvSpPr>
+            <p:cNvPr id="40" name="Ovale 39">
+              <a:extLst>
+                <a:ext uri="{FF2B5EF4-FFF2-40B4-BE49-F238E27FC236}">
+                  <a16:creationId xmlns:a16="http://schemas.microsoft.com/office/drawing/2014/main" id="{8EF13FE2-45C2-4D58-8FD1-34FA7D851B91}"/>
+                </a:ext>
+              </a:extLst>
+            </p:cNvPr>
+            <p:cNvSpPr/>
+            <p:nvPr/>
+          </p:nvSpPr>
+          <p:spPr>
+            <a:xfrm>
+              <a:off x="674277" y="462824"/>
+              <a:ext cx="1654625" cy="1061176"/>
+            </a:xfrm>
+            <a:prstGeom prst="ellipse">
+              <a:avLst/>
+            </a:prstGeom>
+            <a:solidFill>
+              <a:schemeClr val="accent2">
+                <a:lumMod val="20000"/>
+                <a:lumOff val="80000"/>
+              </a:schemeClr>
+            </a:solidFill>
+            <a:ln w="12700">
+              <a:solidFill>
+                <a:schemeClr val="tx1"/>
+              </a:solidFill>
+            </a:ln>
+          </p:spPr>
+          <p:style>
+            <a:lnRef idx="2">
+              <a:schemeClr val="accent1">
+                <a:shade val="50000"/>
+              </a:schemeClr>
+            </a:lnRef>
+            <a:fillRef idx="1">
+              <a:schemeClr val="accent1"/>
+            </a:fillRef>
+            <a:effectRef idx="0">
+              <a:schemeClr val="accent1"/>
+            </a:effectRef>
+            <a:fontRef idx="minor">
+              <a:schemeClr val="lt1"/>
+            </a:fontRef>
+          </p:style>
+          <p:txBody>
+            <a:bodyPr rtlCol="0" anchor="ctr"/>
+            <a:lstStyle/>
+            <a:p>
+              <a:pPr algn="ctr"/>
+              <a:r>
+                <a:rPr lang="it-IT" sz="1200" dirty="0">
+                  <a:solidFill>
+                    <a:schemeClr val="tx1"/>
+                  </a:solidFill>
+                  <a:latin typeface="Century Schoolbook" panose="02040604050505020304" pitchFamily="18" charset="0"/>
+                </a:rPr>
+                <a:t>Sensors Broker Actor</a:t>
+              </a:r>
+            </a:p>
+          </p:txBody>
+        </p:sp>
+        <p:sp>
+          <p:nvSpPr>
+            <p:cNvPr id="41" name="Triangolo isoscele 40">
+              <a:extLst>
+                <a:ext uri="{FF2B5EF4-FFF2-40B4-BE49-F238E27FC236}">
+                  <a16:creationId xmlns:a16="http://schemas.microsoft.com/office/drawing/2014/main" id="{9AA67E13-583F-45E2-9B64-7825601DE4A0}"/>
+                </a:ext>
+              </a:extLst>
+            </p:cNvPr>
+            <p:cNvSpPr/>
+            <p:nvPr/>
+          </p:nvSpPr>
+          <p:spPr>
+            <a:xfrm rot="16200000">
+              <a:off x="1350190" y="330274"/>
+              <a:ext cx="296478" cy="255585"/>
+            </a:xfrm>
+            <a:prstGeom prst="triangle">
+              <a:avLst/>
+            </a:prstGeom>
+            <a:solidFill>
+              <a:srgbClr val="FF0000"/>
+            </a:solidFill>
+            <a:ln w="12700">
+              <a:solidFill>
+                <a:schemeClr val="tx1"/>
+              </a:solidFill>
+            </a:ln>
+          </p:spPr>
+          <p:style>
+            <a:lnRef idx="2">
+              <a:schemeClr val="accent1">
+                <a:shade val="50000"/>
+              </a:schemeClr>
+            </a:lnRef>
+            <a:fillRef idx="1">
+              <a:schemeClr val="accent1"/>
+            </a:fillRef>
+            <a:effectRef idx="0">
+              <a:schemeClr val="accent1"/>
+            </a:effectRef>
+            <a:fontRef idx="minor">
+              <a:schemeClr val="lt1"/>
+            </a:fontRef>
+          </p:style>
+          <p:txBody>
+            <a:bodyPr rtlCol="0" anchor="ctr"/>
+            <a:lstStyle/>
+            <a:p>
+              <a:pPr algn="ctr"/>
+              <a:endParaRPr lang="it-IT"/>
+            </a:p>
+          </p:txBody>
+        </p:sp>
+        <p:sp>
+          <p:nvSpPr>
+            <p:cNvPr id="42" name="Rettangolo 41">
+              <a:extLst>
+                <a:ext uri="{FF2B5EF4-FFF2-40B4-BE49-F238E27FC236}">
+                  <a16:creationId xmlns:a16="http://schemas.microsoft.com/office/drawing/2014/main" id="{F4640F4C-9031-41B6-BA63-FE09946B9809}"/>
+                </a:ext>
+              </a:extLst>
+            </p:cNvPr>
+            <p:cNvSpPr/>
+            <p:nvPr/>
+          </p:nvSpPr>
+          <p:spPr>
+            <a:xfrm>
+              <a:off x="402476" y="864906"/>
+              <a:ext cx="530961" cy="252254"/>
+            </a:xfrm>
+            <a:prstGeom prst="rect">
+              <a:avLst/>
+            </a:prstGeom>
+            <a:solidFill>
+              <a:schemeClr val="accent2">
+                <a:lumMod val="20000"/>
+                <a:lumOff val="80000"/>
+              </a:schemeClr>
+            </a:solidFill>
+            <a:ln w="12700">
+              <a:solidFill>
+                <a:schemeClr val="tx1"/>
+              </a:solidFill>
+            </a:ln>
+          </p:spPr>
+          <p:style>
+            <a:lnRef idx="2">
+              <a:schemeClr val="accent1">
+                <a:shade val="50000"/>
+              </a:schemeClr>
+            </a:lnRef>
+            <a:fillRef idx="1">
+              <a:schemeClr val="accent1"/>
+            </a:fillRef>
+            <a:effectRef idx="0">
+              <a:schemeClr val="accent1"/>
+            </a:effectRef>
+            <a:fontRef idx="minor">
+              <a:schemeClr val="lt1"/>
+            </a:fontRef>
+          </p:style>
+          <p:txBody>
+            <a:bodyPr rtlCol="0" anchor="ctr"/>
+            <a:lstStyle/>
+            <a:p>
+              <a:pPr algn="ctr"/>
+              <a:endParaRPr lang="it-IT"/>
+            </a:p>
+          </p:txBody>
+        </p:sp>
+      </p:grpSp>
+      <p:sp>
+        <p:nvSpPr>
+          <p:cNvPr id="47" name="CasellaDiTesto 46">
+            <a:extLst>
+              <a:ext uri="{FF2B5EF4-FFF2-40B4-BE49-F238E27FC236}">
+                <a16:creationId xmlns:a16="http://schemas.microsoft.com/office/drawing/2014/main" id="{BA4AB18F-E696-4E62-94CB-F6F59FC9A59F}"/>
+              </a:ext>
+            </a:extLst>
+          </p:cNvPr>
+          <p:cNvSpPr txBox="1"/>
+          <p:nvPr/>
+        </p:nvSpPr>
+        <p:spPr>
+          <a:xfrm>
+            <a:off x="5391717" y="2516164"/>
+            <a:ext cx="1260281" cy="461665"/>
+          </a:xfrm>
+          <a:prstGeom prst="rect">
+            <a:avLst/>
+          </a:prstGeom>
+          <a:noFill/>
+        </p:spPr>
+        <p:txBody>
+          <a:bodyPr wrap="none" rtlCol="0">
+            <a:spAutoFit/>
+          </a:bodyPr>
+          <a:lstStyle/>
+          <a:p>
+            <a:r>
+              <a:rPr lang="it-IT" sz="1200" dirty="0" smtClean="0">
+                <a:solidFill>
+                  <a:schemeClr val="accent1">
+                    <a:lumMod val="75000"/>
+                  </a:schemeClr>
+                </a:solidFill>
+                <a:latin typeface="Bookman Old Style" panose="02050604050505020204" pitchFamily="18" charset="0"/>
+              </a:rPr>
+              <a:t>indoorStatus</a:t>
+            </a:r>
+            <a:endParaRPr lang="it-IT" sz="1200" dirty="0">
+              <a:solidFill>
+                <a:schemeClr val="accent1">
+                  <a:lumMod val="75000"/>
+                </a:schemeClr>
+              </a:solidFill>
+              <a:latin typeface="Bookman Old Style" panose="02050604050505020204" pitchFamily="18" charset="0"/>
+            </a:endParaRPr>
+          </a:p>
+          <a:p>
+            <a:r>
+              <a:rPr lang="it-IT" sz="1200" dirty="0" smtClean="0">
+                <a:solidFill>
+                  <a:schemeClr val="accent1">
+                    <a:lumMod val="75000"/>
+                  </a:schemeClr>
+                </a:solidFill>
+                <a:latin typeface="Bookman Old Style" panose="02050604050505020204" pitchFamily="18" charset="0"/>
+              </a:rPr>
+              <a:t>outdoorStatus</a:t>
+            </a:r>
+            <a:endParaRPr lang="it-IT" sz="1200" dirty="0">
+              <a:solidFill>
+                <a:schemeClr val="accent1">
+                  <a:lumMod val="75000"/>
+                </a:schemeClr>
+              </a:solidFill>
+              <a:latin typeface="Bookman Old Style" panose="02050604050505020204" pitchFamily="18" charset="0"/>
+            </a:endParaRPr>
+          </a:p>
+        </p:txBody>
+      </p:sp>
+      <p:sp>
+        <p:nvSpPr>
+          <p:cNvPr id="48" name="CasellaDiTesto 47">
+            <a:extLst>
+              <a:ext uri="{FF2B5EF4-FFF2-40B4-BE49-F238E27FC236}">
+                <a16:creationId xmlns:a16="http://schemas.microsoft.com/office/drawing/2014/main" id="{BA4AB18F-E696-4E62-94CB-F6F59FC9A59F}"/>
+              </a:ext>
+            </a:extLst>
+          </p:cNvPr>
+          <p:cNvSpPr txBox="1"/>
+          <p:nvPr/>
+        </p:nvSpPr>
+        <p:spPr>
+          <a:xfrm>
+            <a:off x="5064300" y="3584982"/>
+            <a:ext cx="2169184" cy="461665"/>
+          </a:xfrm>
+          <a:prstGeom prst="rect">
+            <a:avLst/>
+          </a:prstGeom>
+          <a:noFill/>
+        </p:spPr>
+        <p:txBody>
+          <a:bodyPr wrap="none" rtlCol="0">
+            <a:spAutoFit/>
+          </a:bodyPr>
+          <a:lstStyle/>
+          <a:p>
+            <a:r>
+              <a:rPr lang="it-IT" sz="1200" dirty="0">
+                <a:solidFill>
+                  <a:schemeClr val="accent1">
+                    <a:lumMod val="75000"/>
+                  </a:schemeClr>
+                </a:solidFill>
+                <a:latin typeface="Bookman Old Style" panose="02050604050505020204" pitchFamily="18" charset="0"/>
+              </a:rPr>
+              <a:t>indoorStatus</a:t>
+            </a:r>
+            <a:r>
+              <a:rPr lang="it-IT" sz="1200" dirty="0" smtClean="0">
+                <a:solidFill>
+                  <a:schemeClr val="accent1">
+                    <a:lumMod val="75000"/>
+                  </a:schemeClr>
+                </a:solidFill>
+                <a:latin typeface="Bookman Old Style" panose="02050604050505020204" pitchFamily="18" charset="0"/>
+              </a:rPr>
+              <a:t>( free / occ. )</a:t>
+            </a:r>
+            <a:endParaRPr lang="it-IT" sz="1200" dirty="0">
+              <a:solidFill>
+                <a:schemeClr val="accent1">
+                  <a:lumMod val="75000"/>
+                </a:schemeClr>
+              </a:solidFill>
+              <a:latin typeface="Bookman Old Style" panose="02050604050505020204" pitchFamily="18" charset="0"/>
+            </a:endParaRPr>
+          </a:p>
+          <a:p>
+            <a:r>
+              <a:rPr lang="it-IT" sz="1200" dirty="0" smtClean="0">
+                <a:solidFill>
+                  <a:schemeClr val="accent1">
+                    <a:lumMod val="75000"/>
+                  </a:schemeClr>
+                </a:solidFill>
+                <a:latin typeface="Bookman Old Style" panose="02050604050505020204" pitchFamily="18" charset="0"/>
+              </a:rPr>
+              <a:t>outdoorStatus</a:t>
+            </a:r>
+            <a:r>
+              <a:rPr lang="it-IT" sz="1200" dirty="0" smtClean="0">
+                <a:solidFill>
+                  <a:schemeClr val="accent1">
+                    <a:lumMod val="75000"/>
+                  </a:schemeClr>
+                </a:solidFill>
+                <a:latin typeface="Bookman Old Style" panose="02050604050505020204" pitchFamily="18" charset="0"/>
+              </a:rPr>
+              <a:t>( free / occ.</a:t>
+            </a:r>
+            <a:r>
+              <a:rPr lang="it-IT" sz="1200" dirty="0" smtClean="0">
+                <a:solidFill>
+                  <a:schemeClr val="accent1">
+                    <a:lumMod val="75000"/>
+                  </a:schemeClr>
+                </a:solidFill>
+                <a:latin typeface="Bookman Old Style" panose="02050604050505020204" pitchFamily="18" charset="0"/>
+              </a:rPr>
+              <a:t>)</a:t>
+            </a:r>
+            <a:endParaRPr lang="it-IT" sz="1200" dirty="0">
+              <a:solidFill>
+                <a:schemeClr val="accent1">
+                  <a:lumMod val="75000"/>
+                </a:schemeClr>
+              </a:solidFill>
+              <a:latin typeface="Bookman Old Style" panose="02050604050505020204" pitchFamily="18" charset="0"/>
+            </a:endParaRPr>
+          </a:p>
+        </p:txBody>
+      </p:sp>
       <p:cxnSp>
         <p:nvCxnSpPr>
-          <p:cNvPr id="61" name="Connettore 2 60"/>
-          <p:cNvCxnSpPr/>
+          <p:cNvPr id="52" name="Connettore 2 51">
+            <a:extLst>
+              <a:ext uri="{FF2B5EF4-FFF2-40B4-BE49-F238E27FC236}">
+                <a16:creationId xmlns:a16="http://schemas.microsoft.com/office/drawing/2014/main" id="{EBAE31D2-1376-4464-8F7F-B8F299C61934}"/>
+              </a:ext>
+            </a:extLst>
+          </p:cNvPr>
+          <p:cNvCxnSpPr>
+            <a:cxnSpLocks/>
+          </p:cNvCxnSpPr>
           <p:nvPr/>
         </p:nvCxnSpPr>
         <p:spPr>
           <a:xfrm>
-            <a:off x="7450157" y="5351793"/>
-            <a:ext cx="945711" cy="0"/>
+            <a:off x="7616132" y="1725368"/>
+            <a:ext cx="0" cy="691769"/>
           </a:xfrm>
           <a:prstGeom prst="straightConnector1">
             <a:avLst/>
@@ -23285,14 +24226,281 @@
       </p:cxnSp>
       <p:sp>
         <p:nvSpPr>
-          <p:cNvPr id="74" name="Figura a mano libera 73"/>
-          <p:cNvSpPr/>
+          <p:cNvPr id="53" name="CasellaDiTesto 52">
+            <a:extLst>
+              <a:ext uri="{FF2B5EF4-FFF2-40B4-BE49-F238E27FC236}">
+                <a16:creationId xmlns:a16="http://schemas.microsoft.com/office/drawing/2014/main" id="{9E3ABB73-53B1-4E01-A367-19BE7724D678}"/>
+              </a:ext>
+            </a:extLst>
+          </p:cNvPr>
+          <p:cNvSpPr txBox="1"/>
           <p:nvPr/>
         </p:nvSpPr>
         <p:spPr>
-          <a:xfrm rot="20173941">
-            <a:off x="3907838" y="3540759"/>
-            <a:ext cx="1715797" cy="638334"/>
+          <a:xfrm>
+            <a:off x="5661181" y="1555943"/>
+            <a:ext cx="1981633" cy="646331"/>
+          </a:xfrm>
+          <a:prstGeom prst="rect">
+            <a:avLst/>
+          </a:prstGeom>
+          <a:noFill/>
+        </p:spPr>
+        <p:txBody>
+          <a:bodyPr wrap="none" rtlCol="0">
+            <a:spAutoFit/>
+          </a:bodyPr>
+          <a:lstStyle/>
+          <a:p>
+            <a:r>
+              <a:rPr lang="it-IT" sz="1200" dirty="0" smtClean="0">
+                <a:solidFill>
+                  <a:schemeClr val="accent1">
+                    <a:lumMod val="75000"/>
+                  </a:schemeClr>
+                </a:solidFill>
+                <a:latin typeface="Bookman Old Style" panose="02050604050505020204" pitchFamily="18" charset="0"/>
+              </a:rPr>
+              <a:t>enterRequest</a:t>
+            </a:r>
+          </a:p>
+          <a:p>
+            <a:r>
+              <a:rPr lang="it-IT" sz="1200" dirty="0" smtClean="0">
+                <a:solidFill>
+                  <a:schemeClr val="accent1">
+                    <a:lumMod val="75000"/>
+                  </a:schemeClr>
+                </a:solidFill>
+                <a:latin typeface="Bookman Old Style" panose="02050604050505020204" pitchFamily="18" charset="0"/>
+              </a:rPr>
+              <a:t>carEnter</a:t>
+            </a:r>
+          </a:p>
+          <a:p>
+            <a:r>
+              <a:rPr lang="it-IT" sz="1200" dirty="0" smtClean="0">
+                <a:solidFill>
+                  <a:schemeClr val="accent1">
+                    <a:lumMod val="75000"/>
+                  </a:schemeClr>
+                </a:solidFill>
+                <a:latin typeface="Bookman Old Style" panose="02050604050505020204" pitchFamily="18" charset="0"/>
+              </a:rPr>
+              <a:t>exitRequest( TOKENID )</a:t>
+            </a:r>
+            <a:endParaRPr lang="it-IT" sz="1200" dirty="0">
+              <a:solidFill>
+                <a:schemeClr val="accent1">
+                  <a:lumMod val="75000"/>
+                </a:schemeClr>
+              </a:solidFill>
+              <a:latin typeface="Bookman Old Style" panose="02050604050505020204" pitchFamily="18" charset="0"/>
+            </a:endParaRPr>
+          </a:p>
+        </p:txBody>
+      </p:sp>
+      <p:grpSp>
+        <p:nvGrpSpPr>
+          <p:cNvPr id="54" name="Gruppo 53"/>
+          <p:cNvGrpSpPr/>
+          <p:nvPr/>
+        </p:nvGrpSpPr>
+        <p:grpSpPr>
+          <a:xfrm>
+            <a:off x="6902590" y="4529035"/>
+            <a:ext cx="1926426" cy="1214172"/>
+            <a:chOff x="402476" y="5184618"/>
+            <a:chExt cx="1926426" cy="1214172"/>
+          </a:xfrm>
+        </p:grpSpPr>
+        <p:sp>
+          <p:nvSpPr>
+            <p:cNvPr id="55" name="Ovale 54"/>
+            <p:cNvSpPr/>
+            <p:nvPr/>
+          </p:nvSpPr>
+          <p:spPr>
+            <a:xfrm>
+              <a:off x="667957" y="5332857"/>
+              <a:ext cx="1660945" cy="1065933"/>
+            </a:xfrm>
+            <a:prstGeom prst="ellipse">
+              <a:avLst/>
+            </a:prstGeom>
+            <a:solidFill>
+              <a:schemeClr val="accent2">
+                <a:lumMod val="20000"/>
+                <a:lumOff val="80000"/>
+              </a:schemeClr>
+            </a:solidFill>
+            <a:ln w="12700">
+              <a:solidFill>
+                <a:schemeClr val="tx1"/>
+              </a:solidFill>
+            </a:ln>
+          </p:spPr>
+          <p:style>
+            <a:lnRef idx="2">
+              <a:schemeClr val="accent1">
+                <a:shade val="50000"/>
+              </a:schemeClr>
+            </a:lnRef>
+            <a:fillRef idx="1">
+              <a:schemeClr val="accent1"/>
+            </a:fillRef>
+            <a:effectRef idx="0">
+              <a:schemeClr val="accent1"/>
+            </a:effectRef>
+            <a:fontRef idx="minor">
+              <a:schemeClr val="lt1"/>
+            </a:fontRef>
+          </p:style>
+          <p:txBody>
+            <a:bodyPr rtlCol="0" anchor="ctr"/>
+            <a:lstStyle/>
+            <a:p>
+              <a:pPr algn="ctr"/>
+              <a:r>
+                <a:rPr lang="it-IT" sz="1200" dirty="0">
+                  <a:solidFill>
+                    <a:schemeClr val="tx1"/>
+                  </a:solidFill>
+                  <a:latin typeface="Century Schoolbook" panose="02040604050505020304" pitchFamily="18" charset="0"/>
+                </a:rPr>
+                <a:t>Park Service Status GUI Actor</a:t>
+              </a:r>
+            </a:p>
+            <a:p>
+              <a:pPr lvl="0" algn="ctr"/>
+              <a:r>
+                <a:rPr lang="it-IT" sz="1100" i="1" dirty="0">
+                  <a:solidFill>
+                    <a:prstClr val="black"/>
+                  </a:solidFill>
+                  <a:latin typeface="Century Schoolbook" panose="02040604050505020304" pitchFamily="18" charset="0"/>
+                </a:rPr>
+                <a:t>(manager’s)</a:t>
+              </a:r>
+              <a:endParaRPr lang="it-IT" sz="1400" i="1" dirty="0">
+                <a:solidFill>
+                  <a:prstClr val="black"/>
+                </a:solidFill>
+                <a:latin typeface="Century Schoolbook" panose="02040604050505020304" pitchFamily="18" charset="0"/>
+              </a:endParaRPr>
+            </a:p>
+          </p:txBody>
+        </p:sp>
+        <p:sp>
+          <p:nvSpPr>
+            <p:cNvPr id="56" name="Triangolo isoscele 55"/>
+            <p:cNvSpPr/>
+            <p:nvPr/>
+          </p:nvSpPr>
+          <p:spPr>
+            <a:xfrm rot="16200000">
+              <a:off x="1350190" y="5205064"/>
+              <a:ext cx="296478" cy="255585"/>
+            </a:xfrm>
+            <a:prstGeom prst="triangle">
+              <a:avLst/>
+            </a:prstGeom>
+            <a:solidFill>
+              <a:srgbClr val="FF0000"/>
+            </a:solidFill>
+            <a:ln w="12700">
+              <a:solidFill>
+                <a:schemeClr val="tx1"/>
+              </a:solidFill>
+            </a:ln>
+          </p:spPr>
+          <p:style>
+            <a:lnRef idx="2">
+              <a:schemeClr val="accent1">
+                <a:shade val="50000"/>
+              </a:schemeClr>
+            </a:lnRef>
+            <a:fillRef idx="1">
+              <a:schemeClr val="accent1"/>
+            </a:fillRef>
+            <a:effectRef idx="0">
+              <a:schemeClr val="accent1"/>
+            </a:effectRef>
+            <a:fontRef idx="minor">
+              <a:schemeClr val="lt1"/>
+            </a:fontRef>
+          </p:style>
+          <p:txBody>
+            <a:bodyPr rtlCol="0" anchor="ctr"/>
+            <a:lstStyle/>
+            <a:p>
+              <a:pPr algn="ctr"/>
+              <a:endParaRPr lang="it-IT"/>
+            </a:p>
+          </p:txBody>
+        </p:sp>
+        <p:sp>
+          <p:nvSpPr>
+            <p:cNvPr id="57" name="Rettangolo 56"/>
+            <p:cNvSpPr/>
+            <p:nvPr/>
+          </p:nvSpPr>
+          <p:spPr>
+            <a:xfrm>
+              <a:off x="402476" y="5739696"/>
+              <a:ext cx="530961" cy="252254"/>
+            </a:xfrm>
+            <a:prstGeom prst="rect">
+              <a:avLst/>
+            </a:prstGeom>
+            <a:solidFill>
+              <a:schemeClr val="accent2">
+                <a:lumMod val="20000"/>
+                <a:lumOff val="80000"/>
+              </a:schemeClr>
+            </a:solidFill>
+            <a:ln w="12700">
+              <a:solidFill>
+                <a:schemeClr val="tx1"/>
+              </a:solidFill>
+            </a:ln>
+          </p:spPr>
+          <p:style>
+            <a:lnRef idx="2">
+              <a:schemeClr val="accent1">
+                <a:shade val="50000"/>
+              </a:schemeClr>
+            </a:lnRef>
+            <a:fillRef idx="1">
+              <a:schemeClr val="accent1"/>
+            </a:fillRef>
+            <a:effectRef idx="0">
+              <a:schemeClr val="accent1"/>
+            </a:effectRef>
+            <a:fontRef idx="minor">
+              <a:schemeClr val="lt1"/>
+            </a:fontRef>
+          </p:style>
+          <p:txBody>
+            <a:bodyPr rtlCol="0" anchor="ctr"/>
+            <a:lstStyle/>
+            <a:p>
+              <a:pPr algn="ctr"/>
+              <a:endParaRPr lang="it-IT"/>
+            </a:p>
+          </p:txBody>
+        </p:sp>
+      </p:grpSp>
+      <p:sp>
+        <p:nvSpPr>
+          <p:cNvPr id="58" name="Figura a mano libera 57"/>
+          <p:cNvSpPr/>
+          <p:nvPr/>
+        </p:nvSpPr>
+        <p:spPr>
+          <a:xfrm>
+            <a:off x="5704610" y="4860959"/>
+            <a:ext cx="990600" cy="638334"/>
           </a:xfrm>
           <a:custGeom>
             <a:avLst/>
@@ -23400,13 +24608,13 @@
       </p:sp>
       <p:grpSp>
         <p:nvGrpSpPr>
-          <p:cNvPr id="83" name="Gruppo 82"/>
+          <p:cNvPr id="59" name="Gruppo 58"/>
           <p:cNvGrpSpPr/>
           <p:nvPr/>
         </p:nvGrpSpPr>
         <p:grpSpPr>
           <a:xfrm>
-            <a:off x="2192796" y="5200361"/>
+            <a:off x="3630978" y="4554293"/>
             <a:ext cx="1926426" cy="1214172"/>
             <a:chOff x="402476" y="5184618"/>
             <a:chExt cx="1926426" cy="1214172"/>
@@ -23414,7 +24622,7 @@
         </p:grpSpPr>
         <p:sp>
           <p:nvSpPr>
-            <p:cNvPr id="84" name="Ovale 83"/>
+            <p:cNvPr id="60" name="Ovale 59"/>
             <p:cNvSpPr/>
             <p:nvPr/>
           </p:nvSpPr>
@@ -23485,7 +24693,7 @@
         </p:sp>
         <p:sp>
           <p:nvSpPr>
-            <p:cNvPr id="85" name="Triangolo isoscele 84"/>
+            <p:cNvPr id="61" name="Triangolo isoscele 60"/>
             <p:cNvSpPr/>
             <p:nvPr/>
           </p:nvSpPr>
@@ -23533,7 +24741,7 @@
         </p:sp>
         <p:sp>
           <p:nvSpPr>
-            <p:cNvPr id="86" name="Rettangolo 85"/>
+            <p:cNvPr id="62" name="Rettangolo 61"/>
             <p:cNvSpPr/>
             <p:nvPr/>
           </p:nvSpPr>
@@ -23585,14 +24793,14 @@
       </p:grpSp>
       <p:sp>
         <p:nvSpPr>
-          <p:cNvPr id="95" name="CasellaDiTesto 94"/>
+          <p:cNvPr id="63" name="CasellaDiTesto 62"/>
           <p:cNvSpPr txBox="1"/>
           <p:nvPr/>
         </p:nvSpPr>
         <p:spPr>
           <a:xfrm>
-            <a:off x="7450157" y="5415676"/>
-            <a:ext cx="825867" cy="461665"/>
+            <a:off x="5506585" y="5556386"/>
+            <a:ext cx="1837362" cy="276999"/>
           </a:xfrm>
           <a:prstGeom prst="rect">
             <a:avLst/>
@@ -23606,7 +24814,7 @@
           <a:lstStyle/>
           <a:p>
             <a:r>
-              <a:rPr lang="it-IT" sz="1200" dirty="0" err="1">
+              <a:rPr lang="it-IT" sz="1200" dirty="0" smtClean="0">
                 <a:solidFill>
                   <a:schemeClr val="accent1">
                     <a:lumMod val="75000"/>
@@ -23614,7 +24822,7 @@
                 </a:solidFill>
                 <a:latin typeface="Bookman Old Style" panose="02050604050505020204" pitchFamily="18" charset="0"/>
               </a:rPr>
-              <a:t>startFan</a:t>
+              <a:t>temperature( VALUE )</a:t>
             </a:r>
             <a:endParaRPr lang="it-IT" sz="1200" dirty="0">
               <a:solidFill>
@@ -23625,621 +24833,17 @@
               <a:latin typeface="Bookman Old Style" panose="02050604050505020204" pitchFamily="18" charset="0"/>
             </a:endParaRPr>
           </a:p>
-          <a:p>
-            <a:r>
-              <a:rPr lang="it-IT" sz="1200" dirty="0" err="1">
-                <a:solidFill>
-                  <a:schemeClr val="accent1">
-                    <a:lumMod val="75000"/>
-                  </a:schemeClr>
-                </a:solidFill>
-                <a:latin typeface="Bookman Old Style" panose="02050604050505020204" pitchFamily="18" charset="0"/>
-              </a:rPr>
-              <a:t>stopFan</a:t>
-            </a:r>
-            <a:endParaRPr lang="it-IT" sz="1200" dirty="0">
-              <a:solidFill>
-                <a:schemeClr val="accent1">
-                  <a:lumMod val="75000"/>
-                </a:schemeClr>
-              </a:solidFill>
-              <a:latin typeface="Bookman Old Style" panose="02050604050505020204" pitchFamily="18" charset="0"/>
-            </a:endParaRPr>
-          </a:p>
-        </p:txBody>
-      </p:sp>
-      <p:sp>
-        <p:nvSpPr>
-          <p:cNvPr id="96" name="CasellaDiTesto 95"/>
-          <p:cNvSpPr txBox="1"/>
-          <p:nvPr/>
-        </p:nvSpPr>
-        <p:spPr>
-          <a:xfrm rot="2078201">
-            <a:off x="7820592" y="3080506"/>
-            <a:ext cx="1109599" cy="276999"/>
-          </a:xfrm>
-          <a:prstGeom prst="rect">
-            <a:avLst/>
-          </a:prstGeom>
-          <a:noFill/>
-        </p:spPr>
-        <p:txBody>
-          <a:bodyPr wrap="none" rtlCol="0">
-            <a:spAutoFit/>
-          </a:bodyPr>
-          <a:lstStyle/>
-          <a:p>
-            <a:r>
-              <a:rPr lang="it-IT" sz="1200" dirty="0">
-                <a:solidFill>
-                  <a:schemeClr val="accent1">
-                    <a:lumMod val="75000"/>
-                  </a:schemeClr>
-                </a:solidFill>
-                <a:latin typeface="Bookman Old Style" panose="02050604050505020204" pitchFamily="18" charset="0"/>
-              </a:rPr>
-              <a:t>goto(PLACE)</a:t>
-            </a:r>
-          </a:p>
-        </p:txBody>
-      </p:sp>
-      <p:sp>
-        <p:nvSpPr>
-          <p:cNvPr id="97" name="CasellaDiTesto 96"/>
-          <p:cNvSpPr txBox="1"/>
-          <p:nvPr/>
-        </p:nvSpPr>
-        <p:spPr>
-          <a:xfrm>
-            <a:off x="3337317" y="3039201"/>
-            <a:ext cx="1582484" cy="461665"/>
-          </a:xfrm>
-          <a:prstGeom prst="rect">
-            <a:avLst/>
-          </a:prstGeom>
-          <a:noFill/>
-        </p:spPr>
-        <p:txBody>
-          <a:bodyPr wrap="none" rtlCol="0">
-            <a:spAutoFit/>
-          </a:bodyPr>
-          <a:lstStyle/>
-          <a:p>
-            <a:r>
-              <a:rPr lang="it-IT" sz="1200" dirty="0">
-                <a:solidFill>
-                  <a:schemeClr val="accent1">
-                    <a:lumMod val="75000"/>
-                  </a:schemeClr>
-                </a:solidFill>
-                <a:latin typeface="Bookman Old Style" panose="02050604050505020204" pitchFamily="18" charset="0"/>
-              </a:rPr>
-              <a:t>indoorCleared(N)</a:t>
-            </a:r>
-          </a:p>
-          <a:p>
-            <a:r>
-              <a:rPr lang="it-IT" sz="1200" dirty="0">
-                <a:solidFill>
-                  <a:schemeClr val="accent1">
-                    <a:lumMod val="75000"/>
-                  </a:schemeClr>
-                </a:solidFill>
-                <a:latin typeface="Bookman Old Style" panose="02050604050505020204" pitchFamily="18" charset="0"/>
-              </a:rPr>
-              <a:t>indoorOccupied(N)</a:t>
-            </a:r>
-          </a:p>
-        </p:txBody>
-      </p:sp>
-      <p:sp>
-        <p:nvSpPr>
-          <p:cNvPr id="98" name="CasellaDiTesto 97"/>
-          <p:cNvSpPr txBox="1"/>
-          <p:nvPr/>
-        </p:nvSpPr>
-        <p:spPr>
-          <a:xfrm rot="20514480">
-            <a:off x="3768349" y="4300563"/>
-            <a:ext cx="1683474" cy="461665"/>
-          </a:xfrm>
-          <a:prstGeom prst="rect">
-            <a:avLst/>
-          </a:prstGeom>
-          <a:noFill/>
-        </p:spPr>
-        <p:txBody>
-          <a:bodyPr wrap="none" rtlCol="0">
-            <a:spAutoFit/>
-          </a:bodyPr>
-          <a:lstStyle/>
-          <a:p>
-            <a:r>
-              <a:rPr lang="it-IT" sz="1200" dirty="0">
-                <a:solidFill>
-                  <a:schemeClr val="accent1">
-                    <a:lumMod val="75000"/>
-                  </a:schemeClr>
-                </a:solidFill>
-                <a:latin typeface="Bookman Old Style" panose="02050604050505020204" pitchFamily="18" charset="0"/>
-              </a:rPr>
-              <a:t>outdoorCleared(N)</a:t>
-            </a:r>
-          </a:p>
-          <a:p>
-            <a:r>
-              <a:rPr lang="it-IT" sz="1200" dirty="0">
-                <a:solidFill>
-                  <a:schemeClr val="accent1">
-                    <a:lumMod val="75000"/>
-                  </a:schemeClr>
-                </a:solidFill>
-                <a:latin typeface="Bookman Old Style" panose="02050604050505020204" pitchFamily="18" charset="0"/>
-              </a:rPr>
-              <a:t>outdoorOccupied(N)</a:t>
-            </a:r>
-          </a:p>
-        </p:txBody>
-      </p:sp>
-      <p:sp>
-        <p:nvSpPr>
-          <p:cNvPr id="99" name="CasellaDiTesto 98"/>
-          <p:cNvSpPr txBox="1"/>
-          <p:nvPr/>
-        </p:nvSpPr>
-        <p:spPr>
-          <a:xfrm>
-            <a:off x="4097135" y="5918069"/>
-            <a:ext cx="1737976" cy="276999"/>
-          </a:xfrm>
-          <a:prstGeom prst="rect">
-            <a:avLst/>
-          </a:prstGeom>
-          <a:noFill/>
-        </p:spPr>
-        <p:txBody>
-          <a:bodyPr wrap="none" rtlCol="0">
-            <a:spAutoFit/>
-          </a:bodyPr>
-          <a:lstStyle/>
-          <a:p>
-            <a:r>
-              <a:rPr lang="it-IT" sz="1200" dirty="0">
-                <a:solidFill>
-                  <a:schemeClr val="accent1">
-                    <a:lumMod val="75000"/>
-                  </a:schemeClr>
-                </a:solidFill>
-                <a:latin typeface="Bookman Old Style" panose="02050604050505020204" pitchFamily="18" charset="0"/>
-              </a:rPr>
-              <a:t>temperature(VALUE)</a:t>
-            </a:r>
-          </a:p>
-        </p:txBody>
-      </p:sp>
-      <p:cxnSp>
-        <p:nvCxnSpPr>
-          <p:cNvPr id="109" name="Connettore 2 108"/>
-          <p:cNvCxnSpPr>
-            <a:cxnSpLocks/>
-          </p:cNvCxnSpPr>
-          <p:nvPr/>
-        </p:nvCxnSpPr>
-        <p:spPr>
-          <a:xfrm>
-            <a:off x="6466380" y="3683491"/>
-            <a:ext cx="0" cy="862188"/>
-          </a:xfrm>
-          <a:prstGeom prst="straightConnector1">
-            <a:avLst/>
-          </a:prstGeom>
-          <a:ln w="19050">
-            <a:solidFill>
-              <a:schemeClr val="tx1"/>
-            </a:solidFill>
-            <a:prstDash val="sysDash"/>
-            <a:headEnd type="none" w="med" len="med"/>
-            <a:tailEnd type="arrow" w="med" len="med"/>
-          </a:ln>
-        </p:spPr>
-        <p:style>
-          <a:lnRef idx="1">
-            <a:schemeClr val="accent1"/>
-          </a:lnRef>
-          <a:fillRef idx="0">
-            <a:schemeClr val="accent1"/>
-          </a:fillRef>
-          <a:effectRef idx="0">
-            <a:schemeClr val="accent1"/>
-          </a:effectRef>
-          <a:fontRef idx="minor">
-            <a:schemeClr val="tx1"/>
-          </a:fontRef>
-        </p:style>
-      </p:cxnSp>
-      <p:sp>
-        <p:nvSpPr>
-          <p:cNvPr id="115" name="CasellaDiTesto 114"/>
-          <p:cNvSpPr txBox="1"/>
-          <p:nvPr/>
-        </p:nvSpPr>
-        <p:spPr>
-          <a:xfrm>
-            <a:off x="6512094" y="4110772"/>
-            <a:ext cx="1167307" cy="276999"/>
-          </a:xfrm>
-          <a:prstGeom prst="rect">
-            <a:avLst/>
-          </a:prstGeom>
-          <a:noFill/>
-        </p:spPr>
-        <p:txBody>
-          <a:bodyPr wrap="none" rtlCol="0">
-            <a:spAutoFit/>
-          </a:bodyPr>
-          <a:lstStyle/>
-          <a:p>
-            <a:r>
-              <a:rPr lang="it-IT" sz="1200" dirty="0">
-                <a:solidFill>
-                  <a:schemeClr val="accent1">
-                    <a:lumMod val="75000"/>
-                  </a:schemeClr>
-                </a:solidFill>
-                <a:latin typeface="Bookman Old Style" panose="02050604050505020204" pitchFamily="18" charset="0"/>
-              </a:rPr>
-              <a:t>slot(STATUS)</a:t>
-            </a:r>
-          </a:p>
         </p:txBody>
       </p:sp>
       <p:grpSp>
         <p:nvGrpSpPr>
-          <p:cNvPr id="118" name="Gruppo 117"/>
-          <p:cNvGrpSpPr/>
-          <p:nvPr/>
-        </p:nvGrpSpPr>
-        <p:grpSpPr>
-          <a:xfrm rot="3285760" flipH="1">
-            <a:off x="4931325" y="1607981"/>
-            <a:ext cx="1144514" cy="506267"/>
-            <a:chOff x="8144484" y="4563130"/>
-            <a:chExt cx="844768" cy="342073"/>
-          </a:xfrm>
-        </p:grpSpPr>
-        <p:cxnSp>
-          <p:nvCxnSpPr>
-            <p:cNvPr id="119" name="Connettore 2 118"/>
-            <p:cNvCxnSpPr/>
-            <p:nvPr/>
-          </p:nvCxnSpPr>
-          <p:spPr>
-            <a:xfrm flipV="1">
-              <a:off x="8144484" y="4634422"/>
-              <a:ext cx="721852" cy="2"/>
-            </a:xfrm>
-            <a:prstGeom prst="straightConnector1">
-              <a:avLst/>
-            </a:prstGeom>
-            <a:ln w="19050">
-              <a:solidFill>
-                <a:schemeClr val="tx1"/>
-              </a:solidFill>
-              <a:headEnd type="none" w="med" len="med"/>
-              <a:tailEnd type="none" w="med" len="med"/>
-            </a:ln>
-          </p:spPr>
-          <p:style>
-            <a:lnRef idx="1">
-              <a:schemeClr val="accent1"/>
-            </a:lnRef>
-            <a:fillRef idx="0">
-              <a:schemeClr val="accent1"/>
-            </a:fillRef>
-            <a:effectRef idx="0">
-              <a:schemeClr val="accent1"/>
-            </a:effectRef>
-            <a:fontRef idx="minor">
-              <a:schemeClr val="tx1"/>
-            </a:fontRef>
-          </p:style>
-        </p:cxnSp>
-        <p:sp>
-          <p:nvSpPr>
-            <p:cNvPr id="120" name="Triangolo isoscele 119"/>
-            <p:cNvSpPr/>
-            <p:nvPr/>
-          </p:nvSpPr>
-          <p:spPr>
-            <a:xfrm rot="16200000" flipV="1">
-              <a:off x="8856502" y="4572964"/>
-              <a:ext cx="142583" cy="122916"/>
-            </a:xfrm>
-            <a:prstGeom prst="triangle">
-              <a:avLst/>
-            </a:prstGeom>
-            <a:solidFill>
-              <a:schemeClr val="bg1"/>
-            </a:solidFill>
-            <a:ln w="15875">
-              <a:solidFill>
-                <a:schemeClr val="tx1"/>
-              </a:solidFill>
-            </a:ln>
-          </p:spPr>
-          <p:style>
-            <a:lnRef idx="2">
-              <a:schemeClr val="accent1">
-                <a:shade val="50000"/>
-              </a:schemeClr>
-            </a:lnRef>
-            <a:fillRef idx="1">
-              <a:schemeClr val="accent1"/>
-            </a:fillRef>
-            <a:effectRef idx="0">
-              <a:schemeClr val="accent1"/>
-            </a:effectRef>
-            <a:fontRef idx="minor">
-              <a:schemeClr val="lt1"/>
-            </a:fontRef>
-          </p:style>
-          <p:txBody>
-            <a:bodyPr rtlCol="0" anchor="ctr"/>
-            <a:lstStyle/>
-            <a:p>
-              <a:pPr algn="ctr"/>
-              <a:endParaRPr lang="it-IT"/>
-            </a:p>
-          </p:txBody>
-        </p:sp>
-        <p:cxnSp>
-          <p:nvCxnSpPr>
-            <p:cNvPr id="121" name="Connettore 2 120"/>
-            <p:cNvCxnSpPr/>
-            <p:nvPr/>
-          </p:nvCxnSpPr>
-          <p:spPr>
-            <a:xfrm flipV="1">
-              <a:off x="8267400" y="4833910"/>
-              <a:ext cx="721852" cy="2"/>
-            </a:xfrm>
-            <a:prstGeom prst="straightConnector1">
-              <a:avLst/>
-            </a:prstGeom>
-            <a:ln w="19050">
-              <a:solidFill>
-                <a:schemeClr val="tx1"/>
-              </a:solidFill>
-              <a:prstDash val="sysDash"/>
-              <a:headEnd type="none" w="med" len="med"/>
-              <a:tailEnd type="none" w="med" len="med"/>
-            </a:ln>
-          </p:spPr>
-          <p:style>
-            <a:lnRef idx="1">
-              <a:schemeClr val="accent1"/>
-            </a:lnRef>
-            <a:fillRef idx="0">
-              <a:schemeClr val="accent1"/>
-            </a:fillRef>
-            <a:effectRef idx="0">
-              <a:schemeClr val="accent1"/>
-            </a:effectRef>
-            <a:fontRef idx="minor">
-              <a:schemeClr val="tx1"/>
-            </a:fontRef>
-          </p:style>
-        </p:cxnSp>
-        <p:sp>
-          <p:nvSpPr>
-            <p:cNvPr id="122" name="Triangolo isoscele 121"/>
-            <p:cNvSpPr/>
-            <p:nvPr/>
-          </p:nvSpPr>
-          <p:spPr>
-            <a:xfrm rot="5400000" flipH="1" flipV="1">
-              <a:off x="8167744" y="4772454"/>
-              <a:ext cx="142583" cy="122916"/>
-            </a:xfrm>
-            <a:prstGeom prst="triangle">
-              <a:avLst/>
-            </a:prstGeom>
-            <a:solidFill>
-              <a:schemeClr val="bg1"/>
-            </a:solidFill>
-            <a:ln w="15875">
-              <a:solidFill>
-                <a:schemeClr val="tx1"/>
-              </a:solidFill>
-            </a:ln>
-          </p:spPr>
-          <p:style>
-            <a:lnRef idx="2">
-              <a:schemeClr val="accent1">
-                <a:shade val="50000"/>
-              </a:schemeClr>
-            </a:lnRef>
-            <a:fillRef idx="1">
-              <a:schemeClr val="accent1"/>
-            </a:fillRef>
-            <a:effectRef idx="0">
-              <a:schemeClr val="accent1"/>
-            </a:effectRef>
-            <a:fontRef idx="minor">
-              <a:schemeClr val="lt1"/>
-            </a:fontRef>
-          </p:style>
-          <p:txBody>
-            <a:bodyPr rtlCol="0" anchor="ctr"/>
-            <a:lstStyle/>
-            <a:p>
-              <a:pPr algn="ctr"/>
-              <a:endParaRPr lang="it-IT"/>
-            </a:p>
-          </p:txBody>
-        </p:sp>
-      </p:grpSp>
-      <p:sp>
-        <p:nvSpPr>
-          <p:cNvPr id="123" name="CasellaDiTesto 122"/>
-          <p:cNvSpPr txBox="1"/>
-          <p:nvPr/>
-        </p:nvSpPr>
-        <p:spPr>
-          <a:xfrm>
-            <a:off x="7852344" y="1656291"/>
-            <a:ext cx="1686680" cy="830997"/>
-          </a:xfrm>
-          <a:prstGeom prst="rect">
-            <a:avLst/>
-          </a:prstGeom>
-          <a:noFill/>
-        </p:spPr>
-        <p:txBody>
-          <a:bodyPr wrap="none" rtlCol="0">
-            <a:spAutoFit/>
-          </a:bodyPr>
-          <a:lstStyle/>
-          <a:p>
-            <a:r>
-              <a:rPr lang="it-IT" sz="1200" dirty="0">
-                <a:solidFill>
-                  <a:schemeClr val="accent1">
-                    <a:lumMod val="75000"/>
-                  </a:schemeClr>
-                </a:solidFill>
-                <a:latin typeface="Bookman Old Style" panose="02050604050505020204" pitchFamily="18" charset="0"/>
-              </a:rPr>
-              <a:t>tokenid(TOKENID)</a:t>
-            </a:r>
-          </a:p>
-          <a:p>
-            <a:r>
-              <a:rPr lang="it-IT" sz="1200" dirty="0">
-                <a:solidFill>
-                  <a:schemeClr val="accent1">
-                    <a:lumMod val="75000"/>
-                  </a:schemeClr>
-                </a:solidFill>
-                <a:latin typeface="Bookman Old Style" panose="02050604050505020204" pitchFamily="18" charset="0"/>
-              </a:rPr>
-              <a:t>slotnum(SLOTNUM)</a:t>
-            </a:r>
-          </a:p>
-          <a:p>
-            <a:r>
-              <a:rPr lang="it-IT" sz="1200" dirty="0">
-                <a:solidFill>
-                  <a:schemeClr val="accent1">
-                    <a:lumMod val="75000"/>
-                  </a:schemeClr>
-                </a:solidFill>
-                <a:latin typeface="Bookman Old Style" panose="02050604050505020204" pitchFamily="18" charset="0"/>
-              </a:rPr>
-              <a:t>notice(NOTICE)</a:t>
-            </a:r>
-          </a:p>
-          <a:p>
-            <a:r>
-              <a:rPr lang="it-IT" sz="1200" dirty="0">
-                <a:solidFill>
-                  <a:schemeClr val="accent1">
-                    <a:lumMod val="75000"/>
-                  </a:schemeClr>
-                </a:solidFill>
-                <a:latin typeface="Bookman Old Style" panose="02050604050505020204" pitchFamily="18" charset="0"/>
-              </a:rPr>
-              <a:t>slot(STATUS)</a:t>
-            </a:r>
-          </a:p>
-        </p:txBody>
-      </p:sp>
-      <p:cxnSp>
-        <p:nvCxnSpPr>
-          <p:cNvPr id="124" name="Connettore 2 123"/>
-          <p:cNvCxnSpPr>
-            <a:cxnSpLocks/>
-          </p:cNvCxnSpPr>
-          <p:nvPr/>
-        </p:nvCxnSpPr>
-        <p:spPr>
-          <a:xfrm flipH="1">
-            <a:off x="6865949" y="1331500"/>
-            <a:ext cx="736770" cy="911846"/>
-          </a:xfrm>
-          <a:prstGeom prst="straightConnector1">
-            <a:avLst/>
-          </a:prstGeom>
-          <a:ln w="19050">
-            <a:solidFill>
-              <a:schemeClr val="tx1"/>
-            </a:solidFill>
-            <a:prstDash val="sysDash"/>
-            <a:headEnd type="none" w="med" len="med"/>
-            <a:tailEnd type="arrow" w="med" len="med"/>
-          </a:ln>
-        </p:spPr>
-        <p:style>
-          <a:lnRef idx="1">
-            <a:schemeClr val="accent1"/>
-          </a:lnRef>
-          <a:fillRef idx="0">
-            <a:schemeClr val="accent1"/>
-          </a:fillRef>
-          <a:effectRef idx="0">
-            <a:schemeClr val="accent1"/>
-          </a:effectRef>
-          <a:fontRef idx="minor">
-            <a:schemeClr val="tx1"/>
-          </a:fontRef>
-        </p:style>
-      </p:cxnSp>
-      <p:sp>
-        <p:nvSpPr>
-          <p:cNvPr id="125" name="CasellaDiTesto 124"/>
-          <p:cNvSpPr txBox="1"/>
-          <p:nvPr/>
-        </p:nvSpPr>
-        <p:spPr>
-          <a:xfrm>
-            <a:off x="6214151" y="1203180"/>
-            <a:ext cx="1340432" cy="276999"/>
-          </a:xfrm>
-          <a:prstGeom prst="rect">
-            <a:avLst/>
-          </a:prstGeom>
-          <a:noFill/>
-        </p:spPr>
-        <p:txBody>
-          <a:bodyPr wrap="none" rtlCol="0">
-            <a:spAutoFit/>
-          </a:bodyPr>
-          <a:lstStyle/>
-          <a:p>
-            <a:r>
-              <a:rPr lang="it-IT" sz="1200" dirty="0">
-                <a:solidFill>
-                  <a:schemeClr val="accent1">
-                    <a:lumMod val="75000"/>
-                  </a:schemeClr>
-                </a:solidFill>
-                <a:latin typeface="Bookman Old Style" panose="02050604050505020204" pitchFamily="18" charset="0"/>
-              </a:rPr>
-              <a:t>notice(NOTICE)</a:t>
-            </a:r>
-          </a:p>
-        </p:txBody>
-      </p:sp>
-      <p:grpSp>
-        <p:nvGrpSpPr>
-          <p:cNvPr id="60" name="Gruppo 59"/>
+          <p:cNvPr id="64" name="Gruppo 63"/>
           <p:cNvGrpSpPr/>
           <p:nvPr/>
         </p:nvGrpSpPr>
         <p:grpSpPr>
           <a:xfrm>
-            <a:off x="8538946" y="3219997"/>
+            <a:off x="10038001" y="4554293"/>
             <a:ext cx="1926426" cy="1214172"/>
             <a:chOff x="402476" y="5184618"/>
             <a:chExt cx="1926426" cy="1214172"/>
@@ -24247,7 +24851,7 @@
         </p:grpSpPr>
         <p:sp>
           <p:nvSpPr>
-            <p:cNvPr id="62" name="Ovale 61"/>
+            <p:cNvPr id="65" name="Ovale 64"/>
             <p:cNvSpPr/>
             <p:nvPr/>
           </p:nvSpPr>
@@ -24299,7 +24903,7 @@
                   </a:solidFill>
                   <a:latin typeface="Century Schoolbook" panose="02040604050505020304" pitchFamily="18" charset="0"/>
                 </a:rPr>
-                <a:t>Trolley</a:t>
+                <a:t>Fan</a:t>
               </a:r>
             </a:p>
             <a:p>
@@ -24324,7 +24928,7 @@
         </p:sp>
         <p:sp>
           <p:nvSpPr>
-            <p:cNvPr id="63" name="Triangolo isoscele 62"/>
+            <p:cNvPr id="66" name="Triangolo isoscele 65"/>
             <p:cNvSpPr/>
             <p:nvPr/>
           </p:nvSpPr>
@@ -24372,7 +24976,7 @@
         </p:sp>
         <p:sp>
           <p:nvSpPr>
-            <p:cNvPr id="64" name="Rettangolo 63"/>
+            <p:cNvPr id="67" name="Rettangolo 66"/>
             <p:cNvSpPr/>
             <p:nvPr/>
           </p:nvSpPr>
@@ -24424,10 +25028,10 @@
       </p:grpSp>
       <p:cxnSp>
         <p:nvCxnSpPr>
-          <p:cNvPr id="65" name="Connettore 2 64">
+          <p:cNvPr id="68" name="Connettore 2 67">
             <a:extLst>
               <a:ext uri="{FF2B5EF4-FFF2-40B4-BE49-F238E27FC236}">
-                <a16:creationId xmlns:a16="http://schemas.microsoft.com/office/drawing/2014/main" id="{4946C20B-4916-4189-AB6E-EDE9EB3C59A5}"/>
+                <a16:creationId xmlns:a16="http://schemas.microsoft.com/office/drawing/2014/main" id="{EBAE31D2-1376-4464-8F7F-B8F299C61934}"/>
               </a:ext>
             </a:extLst>
           </p:cNvPr>
@@ -24438,297 +25042,8 @@
         </p:nvCxnSpPr>
         <p:spPr>
           <a:xfrm>
-            <a:off x="7602719" y="2998028"/>
-            <a:ext cx="1032739" cy="640199"/>
-          </a:xfrm>
-          <a:prstGeom prst="straightConnector1">
-            <a:avLst/>
-          </a:prstGeom>
-          <a:ln w="19050">
-            <a:solidFill>
-              <a:schemeClr val="tx1"/>
-            </a:solidFill>
-            <a:prstDash val="sysDash"/>
-            <a:headEnd type="none" w="med" len="med"/>
-            <a:tailEnd type="arrow" w="med" len="med"/>
-          </a:ln>
-        </p:spPr>
-        <p:style>
-          <a:lnRef idx="1">
-            <a:schemeClr val="accent1"/>
-          </a:lnRef>
-          <a:fillRef idx="0">
-            <a:schemeClr val="accent1"/>
-          </a:fillRef>
-          <a:effectRef idx="0">
-            <a:schemeClr val="accent1"/>
-          </a:effectRef>
-          <a:fontRef idx="minor">
-            <a:schemeClr val="tx1"/>
-          </a:fontRef>
-        </p:style>
-      </p:cxnSp>
-      <p:cxnSp>
-        <p:nvCxnSpPr>
-          <p:cNvPr id="68" name="Connettore 2 67">
-            <a:extLst>
-              <a:ext uri="{FF2B5EF4-FFF2-40B4-BE49-F238E27FC236}">
-                <a16:creationId xmlns:a16="http://schemas.microsoft.com/office/drawing/2014/main" id="{28A70595-3DDD-4C93-ADB0-A09F157D4E46}"/>
-              </a:ext>
-            </a:extLst>
-          </p:cNvPr>
-          <p:cNvCxnSpPr>
-            <a:cxnSpLocks/>
-          </p:cNvCxnSpPr>
-          <p:nvPr/>
-        </p:nvCxnSpPr>
-        <p:spPr>
-          <a:xfrm flipV="1">
-            <a:off x="7166699" y="1442020"/>
-            <a:ext cx="783263" cy="988193"/>
-          </a:xfrm>
-          <a:prstGeom prst="straightConnector1">
-            <a:avLst/>
-          </a:prstGeom>
-          <a:ln w="19050">
-            <a:solidFill>
-              <a:schemeClr val="tx1"/>
-            </a:solidFill>
-            <a:prstDash val="sysDash"/>
-            <a:headEnd type="none" w="med" len="med"/>
-            <a:tailEnd type="arrow" w="med" len="med"/>
-          </a:ln>
-        </p:spPr>
-        <p:style>
-          <a:lnRef idx="1">
-            <a:schemeClr val="accent1"/>
-          </a:lnRef>
-          <a:fillRef idx="0">
-            <a:schemeClr val="accent1"/>
-          </a:fillRef>
-          <a:effectRef idx="0">
-            <a:schemeClr val="accent1"/>
-          </a:effectRef>
-          <a:fontRef idx="minor">
-            <a:schemeClr val="tx1"/>
-          </a:fontRef>
-        </p:style>
-      </p:cxnSp>
-      <p:grpSp>
-        <p:nvGrpSpPr>
-          <p:cNvPr id="69" name="Gruppo 68">
-            <a:extLst>
-              <a:ext uri="{FF2B5EF4-FFF2-40B4-BE49-F238E27FC236}">
-                <a16:creationId xmlns:a16="http://schemas.microsoft.com/office/drawing/2014/main" id="{6461771D-B972-49AF-943B-06ADB7720DB1}"/>
-              </a:ext>
-            </a:extLst>
-          </p:cNvPr>
-          <p:cNvGrpSpPr/>
-          <p:nvPr/>
-        </p:nvGrpSpPr>
-        <p:grpSpPr>
-          <a:xfrm>
-            <a:off x="3467440" y="137105"/>
-            <a:ext cx="1926426" cy="1214172"/>
-            <a:chOff x="402476" y="309828"/>
-            <a:chExt cx="1926426" cy="1214172"/>
-          </a:xfrm>
-        </p:grpSpPr>
-        <p:sp>
-          <p:nvSpPr>
-            <p:cNvPr id="70" name="Ovale 69">
-              <a:extLst>
-                <a:ext uri="{FF2B5EF4-FFF2-40B4-BE49-F238E27FC236}">
-                  <a16:creationId xmlns:a16="http://schemas.microsoft.com/office/drawing/2014/main" id="{8EF13FE2-45C2-4D58-8FD1-34FA7D851B91}"/>
-                </a:ext>
-              </a:extLst>
-            </p:cNvPr>
-            <p:cNvSpPr/>
-            <p:nvPr/>
-          </p:nvSpPr>
-          <p:spPr>
-            <a:xfrm>
-              <a:off x="674277" y="462824"/>
-              <a:ext cx="1654625" cy="1061176"/>
-            </a:xfrm>
-            <a:prstGeom prst="ellipse">
-              <a:avLst/>
-            </a:prstGeom>
-            <a:solidFill>
-              <a:schemeClr val="accent2">
-                <a:lumMod val="20000"/>
-                <a:lumOff val="80000"/>
-              </a:schemeClr>
-            </a:solidFill>
-            <a:ln w="12700">
-              <a:solidFill>
-                <a:schemeClr val="tx1"/>
-              </a:solidFill>
-            </a:ln>
-          </p:spPr>
-          <p:style>
-            <a:lnRef idx="2">
-              <a:schemeClr val="accent1">
-                <a:shade val="50000"/>
-              </a:schemeClr>
-            </a:lnRef>
-            <a:fillRef idx="1">
-              <a:schemeClr val="accent1"/>
-            </a:fillRef>
-            <a:effectRef idx="0">
-              <a:schemeClr val="accent1"/>
-            </a:effectRef>
-            <a:fontRef idx="minor">
-              <a:schemeClr val="lt1"/>
-            </a:fontRef>
-          </p:style>
-          <p:txBody>
-            <a:bodyPr rtlCol="0" anchor="ctr"/>
-            <a:lstStyle/>
-            <a:p>
-              <a:pPr algn="ctr"/>
-              <a:r>
-                <a:rPr lang="it-IT" sz="1200" dirty="0">
-                  <a:solidFill>
-                    <a:schemeClr val="tx1"/>
-                  </a:solidFill>
-                  <a:latin typeface="Century Schoolbook" panose="02040604050505020304" pitchFamily="18" charset="0"/>
-                </a:rPr>
-                <a:t>Sensors Broker Actor</a:t>
-              </a:r>
-            </a:p>
-          </p:txBody>
-        </p:sp>
-        <p:sp>
-          <p:nvSpPr>
-            <p:cNvPr id="71" name="Triangolo isoscele 70">
-              <a:extLst>
-                <a:ext uri="{FF2B5EF4-FFF2-40B4-BE49-F238E27FC236}">
-                  <a16:creationId xmlns:a16="http://schemas.microsoft.com/office/drawing/2014/main" id="{9AA67E13-583F-45E2-9B64-7825601DE4A0}"/>
-                </a:ext>
-              </a:extLst>
-            </p:cNvPr>
-            <p:cNvSpPr/>
-            <p:nvPr/>
-          </p:nvSpPr>
-          <p:spPr>
-            <a:xfrm rot="16200000">
-              <a:off x="1350190" y="330274"/>
-              <a:ext cx="296478" cy="255585"/>
-            </a:xfrm>
-            <a:prstGeom prst="triangle">
-              <a:avLst/>
-            </a:prstGeom>
-            <a:solidFill>
-              <a:srgbClr val="FF0000"/>
-            </a:solidFill>
-            <a:ln w="12700">
-              <a:solidFill>
-                <a:schemeClr val="tx1"/>
-              </a:solidFill>
-            </a:ln>
-          </p:spPr>
-          <p:style>
-            <a:lnRef idx="2">
-              <a:schemeClr val="accent1">
-                <a:shade val="50000"/>
-              </a:schemeClr>
-            </a:lnRef>
-            <a:fillRef idx="1">
-              <a:schemeClr val="accent1"/>
-            </a:fillRef>
-            <a:effectRef idx="0">
-              <a:schemeClr val="accent1"/>
-            </a:effectRef>
-            <a:fontRef idx="minor">
-              <a:schemeClr val="lt1"/>
-            </a:fontRef>
-          </p:style>
-          <p:txBody>
-            <a:bodyPr rtlCol="0" anchor="ctr"/>
-            <a:lstStyle/>
-            <a:p>
-              <a:pPr algn="ctr"/>
-              <a:endParaRPr lang="it-IT"/>
-            </a:p>
-          </p:txBody>
-        </p:sp>
-        <p:sp>
-          <p:nvSpPr>
-            <p:cNvPr id="72" name="Rettangolo 71">
-              <a:extLst>
-                <a:ext uri="{FF2B5EF4-FFF2-40B4-BE49-F238E27FC236}">
-                  <a16:creationId xmlns:a16="http://schemas.microsoft.com/office/drawing/2014/main" id="{F4640F4C-9031-41B6-BA63-FE09946B9809}"/>
-                </a:ext>
-              </a:extLst>
-            </p:cNvPr>
-            <p:cNvSpPr/>
-            <p:nvPr/>
-          </p:nvSpPr>
-          <p:spPr>
-            <a:xfrm>
-              <a:off x="402476" y="864906"/>
-              <a:ext cx="530961" cy="252254"/>
-            </a:xfrm>
-            <a:prstGeom prst="rect">
-              <a:avLst/>
-            </a:prstGeom>
-            <a:solidFill>
-              <a:schemeClr val="accent2">
-                <a:lumMod val="20000"/>
-                <a:lumOff val="80000"/>
-              </a:schemeClr>
-            </a:solidFill>
-            <a:ln w="12700">
-              <a:solidFill>
-                <a:schemeClr val="tx1"/>
-              </a:solidFill>
-            </a:ln>
-          </p:spPr>
-          <p:style>
-            <a:lnRef idx="2">
-              <a:schemeClr val="accent1">
-                <a:shade val="50000"/>
-              </a:schemeClr>
-            </a:lnRef>
-            <a:fillRef idx="1">
-              <a:schemeClr val="accent1"/>
-            </a:fillRef>
-            <a:effectRef idx="0">
-              <a:schemeClr val="accent1"/>
-            </a:effectRef>
-            <a:fontRef idx="minor">
-              <a:schemeClr val="lt1"/>
-            </a:fontRef>
-          </p:style>
-          <p:txBody>
-            <a:bodyPr rtlCol="0" anchor="ctr"/>
-            <a:lstStyle/>
-            <a:p>
-              <a:pPr algn="ctr"/>
-              <a:endParaRPr lang="it-IT"/>
-            </a:p>
-          </p:txBody>
-        </p:sp>
-      </p:grpSp>
-      <p:cxnSp>
-        <p:nvCxnSpPr>
-          <p:cNvPr id="80" name="Connettore 2 79">
-            <a:extLst>
-              <a:ext uri="{FF2B5EF4-FFF2-40B4-BE49-F238E27FC236}">
-                <a16:creationId xmlns:a16="http://schemas.microsoft.com/office/drawing/2014/main" id="{40C1C1B8-A0A6-4B5C-9189-06AAF78D8D6D}"/>
-              </a:ext>
-            </a:extLst>
-          </p:cNvPr>
-          <p:cNvCxnSpPr>
-            <a:cxnSpLocks/>
-          </p:cNvCxnSpPr>
-          <p:nvPr/>
-        </p:nvCxnSpPr>
-        <p:spPr>
-          <a:xfrm flipH="1" flipV="1">
-            <a:off x="7438563" y="3250063"/>
-            <a:ext cx="968034" cy="601908"/>
+            <a:off x="7882832" y="3950256"/>
+            <a:ext cx="0" cy="612219"/>
           </a:xfrm>
           <a:prstGeom prst="straightConnector1">
             <a:avLst/>
@@ -24759,10 +25074,10 @@
       </p:cxnSp>
       <p:sp>
         <p:nvSpPr>
-          <p:cNvPr id="82" name="CasellaDiTesto 81">
+          <p:cNvPr id="70" name="CasellaDiTesto 69">
             <a:extLst>
               <a:ext uri="{FF2B5EF4-FFF2-40B4-BE49-F238E27FC236}">
-                <a16:creationId xmlns:a16="http://schemas.microsoft.com/office/drawing/2014/main" id="{73B53DB4-9217-44E0-99DD-76229042FA7F}"/>
+                <a16:creationId xmlns:a16="http://schemas.microsoft.com/office/drawing/2014/main" id="{9E3ABB73-53B1-4E01-A367-19BE7724D678}"/>
               </a:ext>
             </a:extLst>
           </p:cNvPr>
@@ -24770,9 +25085,9 @@
           <p:nvPr/>
         </p:nvSpPr>
         <p:spPr>
-          <a:xfrm rot="2095040">
-            <a:off x="7460871" y="3863324"/>
-            <a:ext cx="1556836" cy="276999"/>
+          <a:xfrm>
+            <a:off x="7906223" y="4099507"/>
+            <a:ext cx="1266693" cy="276999"/>
           </a:xfrm>
           <a:prstGeom prst="rect">
             <a:avLst/>
@@ -24786,7 +25101,7 @@
           <a:lstStyle/>
           <a:p>
             <a:r>
-              <a:rPr lang="it-IT" sz="1200" dirty="0">
+              <a:rPr lang="it-IT" sz="1200" dirty="0" smtClean="0">
                 <a:solidFill>
                   <a:schemeClr val="accent1">
                     <a:lumMod val="75000"/>
@@ -24794,27 +25109,67 @@
                 </a:solidFill>
                 <a:latin typeface="Bookman Old Style" panose="02050604050505020204" pitchFamily="18" charset="0"/>
               </a:rPr>
-              <a:t>movementDone(N)</a:t>
+              <a:t>slot( STATUS )</a:t>
             </a:r>
+            <a:endParaRPr lang="it-IT" sz="1200" dirty="0">
+              <a:solidFill>
+                <a:schemeClr val="accent1">
+                  <a:lumMod val="75000"/>
+                </a:schemeClr>
+              </a:solidFill>
+              <a:latin typeface="Bookman Old Style" panose="02050604050505020204" pitchFamily="18" charset="0"/>
+            </a:endParaRPr>
           </a:p>
         </p:txBody>
       </p:sp>
+      <p:cxnSp>
+        <p:nvCxnSpPr>
+          <p:cNvPr id="71" name="Connettore 2 70"/>
+          <p:cNvCxnSpPr/>
+          <p:nvPr/>
+        </p:nvCxnSpPr>
+        <p:spPr>
+          <a:xfrm>
+            <a:off x="8940800" y="5235498"/>
+            <a:ext cx="945711" cy="0"/>
+          </a:xfrm>
+          <a:prstGeom prst="straightConnector1">
+            <a:avLst/>
+          </a:prstGeom>
+          <a:ln w="19050">
+            <a:solidFill>
+              <a:schemeClr val="tx1"/>
+            </a:solidFill>
+            <a:prstDash val="sysDash"/>
+            <a:headEnd type="none" w="med" len="med"/>
+            <a:tailEnd type="arrow" w="med" len="med"/>
+          </a:ln>
+        </p:spPr>
+        <p:style>
+          <a:lnRef idx="1">
+            <a:schemeClr val="accent1"/>
+          </a:lnRef>
+          <a:fillRef idx="0">
+            <a:schemeClr val="accent1"/>
+          </a:fillRef>
+          <a:effectRef idx="0">
+            <a:schemeClr val="accent1"/>
+          </a:effectRef>
+          <a:fontRef idx="minor">
+            <a:schemeClr val="tx1"/>
+          </a:fontRef>
+        </p:style>
+      </p:cxnSp>
       <p:sp>
         <p:nvSpPr>
-          <p:cNvPr id="88" name="CasellaDiTesto 87">
-            <a:extLst>
-              <a:ext uri="{FF2B5EF4-FFF2-40B4-BE49-F238E27FC236}">
-                <a16:creationId xmlns:a16="http://schemas.microsoft.com/office/drawing/2014/main" id="{BA4AB18F-E696-4E62-94CB-F6F59FC9A59F}"/>
-              </a:ext>
-            </a:extLst>
-          </p:cNvPr>
+          <p:cNvPr id="72" name="CasellaDiTesto 71"/>
           <p:cNvSpPr txBox="1"/>
           <p:nvPr/>
         </p:nvSpPr>
         <p:spPr>
           <a:xfrm>
-            <a:off x="3766604" y="1558549"/>
-            <a:ext cx="1467068" cy="461665"/>
+            <a:off x="9011391" y="4728910"/>
+            <a:ext cx="798617" cy="461665"/>
           </a:xfrm>
           <a:prstGeom prst="rect">
             <a:avLst/>
@@ -24828,7 +25183,7 @@
           <a:lstStyle/>
           <a:p>
             <a:r>
-              <a:rPr lang="it-IT" sz="1200" dirty="0">
+              <a:rPr lang="it-IT" sz="1200" dirty="0" smtClean="0">
                 <a:solidFill>
                   <a:schemeClr val="accent1">
                     <a:lumMod val="75000"/>
@@ -24836,12 +25191,12 @@
                 </a:solidFill>
                 <a:latin typeface="Bookman Old Style" panose="02050604050505020204" pitchFamily="18" charset="0"/>
               </a:rPr>
-              <a:t>indoorStatus(N)</a:t>
+              <a:t>fanStart</a:t>
             </a:r>
           </a:p>
           <a:p>
             <a:r>
-              <a:rPr lang="it-IT" sz="1200" dirty="0">
+              <a:rPr lang="it-IT" sz="1200" dirty="0" smtClean="0">
                 <a:solidFill>
                   <a:schemeClr val="accent1">
                     <a:lumMod val="75000"/>
@@ -24849,173 +25204,23 @@
                 </a:solidFill>
                 <a:latin typeface="Bookman Old Style" panose="02050604050505020204" pitchFamily="18" charset="0"/>
               </a:rPr>
-              <a:t>outdoorStatus(N)</a:t>
+              <a:t>fanStop</a:t>
             </a:r>
+            <a:endParaRPr lang="it-IT" sz="1200" dirty="0">
+              <a:solidFill>
+                <a:schemeClr val="accent1">
+                  <a:lumMod val="75000"/>
+                </a:schemeClr>
+              </a:solidFill>
+              <a:latin typeface="Bookman Old Style" panose="02050604050505020204" pitchFamily="18" charset="0"/>
+            </a:endParaRPr>
           </a:p>
         </p:txBody>
       </p:sp>
-      <p:grpSp>
-        <p:nvGrpSpPr>
-          <p:cNvPr id="73" name="Gruppo 72">
-            <a:extLst>
-              <a:ext uri="{FF2B5EF4-FFF2-40B4-BE49-F238E27FC236}">
-                <a16:creationId xmlns:a16="http://schemas.microsoft.com/office/drawing/2014/main" id="{7D93C3A7-A900-4A0C-98B9-EE5135F96335}"/>
-              </a:ext>
-            </a:extLst>
-          </p:cNvPr>
-          <p:cNvGrpSpPr/>
-          <p:nvPr/>
-        </p:nvGrpSpPr>
-        <p:grpSpPr>
-          <a:xfrm>
-            <a:off x="10003052" y="284275"/>
-            <a:ext cx="1660945" cy="1214172"/>
-            <a:chOff x="7744200" y="2907063"/>
-            <a:chExt cx="1660945" cy="1214172"/>
-          </a:xfrm>
-        </p:grpSpPr>
-        <p:sp>
-          <p:nvSpPr>
-            <p:cNvPr id="75" name="Ovale 74">
-              <a:extLst>
-                <a:ext uri="{FF2B5EF4-FFF2-40B4-BE49-F238E27FC236}">
-                  <a16:creationId xmlns:a16="http://schemas.microsoft.com/office/drawing/2014/main" id="{A0EC54D3-044D-4367-9C34-3FEA79B68264}"/>
-                </a:ext>
-              </a:extLst>
-            </p:cNvPr>
-            <p:cNvSpPr/>
-            <p:nvPr/>
-          </p:nvSpPr>
-          <p:spPr>
-            <a:xfrm>
-              <a:off x="7744200" y="3055302"/>
-              <a:ext cx="1660945" cy="1065933"/>
-            </a:xfrm>
-            <a:prstGeom prst="ellipse">
-              <a:avLst/>
-            </a:prstGeom>
-            <a:solidFill>
-              <a:schemeClr val="accent4">
-                <a:lumMod val="20000"/>
-                <a:lumOff val="80000"/>
-              </a:schemeClr>
-            </a:solidFill>
-            <a:ln w="12700">
-              <a:solidFill>
-                <a:schemeClr val="tx1"/>
-              </a:solidFill>
-            </a:ln>
-          </p:spPr>
-          <p:style>
-            <a:lnRef idx="2">
-              <a:schemeClr val="accent1">
-                <a:shade val="50000"/>
-              </a:schemeClr>
-            </a:lnRef>
-            <a:fillRef idx="1">
-              <a:schemeClr val="accent1"/>
-            </a:fillRef>
-            <a:effectRef idx="0">
-              <a:schemeClr val="accent1"/>
-            </a:effectRef>
-            <a:fontRef idx="minor">
-              <a:schemeClr val="lt1"/>
-            </a:fontRef>
-          </p:style>
-          <p:txBody>
-            <a:bodyPr rtlCol="0" anchor="ctr"/>
-            <a:lstStyle/>
-            <a:p>
-              <a:pPr algn="ctr"/>
-              <a:r>
-                <a:rPr lang="it-IT" sz="1200" dirty="0">
-                  <a:solidFill>
-                    <a:schemeClr val="tx1"/>
-                  </a:solidFill>
-                  <a:latin typeface="Century Schoolbook" panose="02040604050505020304" pitchFamily="18" charset="0"/>
-                </a:rPr>
-                <a:t>Park Service GUI Actor</a:t>
-              </a:r>
-            </a:p>
-            <a:p>
-              <a:pPr lvl="0" algn="ctr"/>
-              <a:r>
-                <a:rPr lang="it-IT" sz="1100" i="1" dirty="0">
-                  <a:solidFill>
-                    <a:prstClr val="black"/>
-                  </a:solidFill>
-                  <a:latin typeface="Century Schoolbook" panose="02040604050505020304" pitchFamily="18" charset="0"/>
-                </a:rPr>
-                <a:t>(client’s)</a:t>
-              </a:r>
-              <a:endParaRPr lang="it-IT" sz="1400" i="1" dirty="0">
-                <a:solidFill>
-                  <a:prstClr val="black"/>
-                </a:solidFill>
-                <a:latin typeface="Century Schoolbook" panose="02040604050505020304" pitchFamily="18" charset="0"/>
-              </a:endParaRPr>
-            </a:p>
-          </p:txBody>
-        </p:sp>
-        <p:sp>
-          <p:nvSpPr>
-            <p:cNvPr id="76" name="Triangolo isoscele 75">
-              <a:extLst>
-                <a:ext uri="{FF2B5EF4-FFF2-40B4-BE49-F238E27FC236}">
-                  <a16:creationId xmlns:a16="http://schemas.microsoft.com/office/drawing/2014/main" id="{3A33B63F-9396-4E9C-B771-2BE8B64870DD}"/>
-                </a:ext>
-              </a:extLst>
-            </p:cNvPr>
-            <p:cNvSpPr/>
-            <p:nvPr/>
-          </p:nvSpPr>
-          <p:spPr>
-            <a:xfrm rot="16200000">
-              <a:off x="8426433" y="2927509"/>
-              <a:ext cx="296478" cy="255585"/>
-            </a:xfrm>
-            <a:prstGeom prst="triangle">
-              <a:avLst/>
-            </a:prstGeom>
-            <a:solidFill>
-              <a:srgbClr val="FF0000"/>
-            </a:solidFill>
-            <a:ln w="12700">
-              <a:solidFill>
-                <a:schemeClr val="tx1"/>
-              </a:solidFill>
-            </a:ln>
-          </p:spPr>
-          <p:style>
-            <a:lnRef idx="2">
-              <a:schemeClr val="accent1">
-                <a:shade val="50000"/>
-              </a:schemeClr>
-            </a:lnRef>
-            <a:fillRef idx="1">
-              <a:schemeClr val="accent1"/>
-            </a:fillRef>
-            <a:effectRef idx="0">
-              <a:schemeClr val="accent1"/>
-            </a:effectRef>
-            <a:fontRef idx="minor">
-              <a:schemeClr val="lt1"/>
-            </a:fontRef>
-          </p:style>
-          <p:txBody>
-            <a:bodyPr rtlCol="0" anchor="ctr"/>
-            <a:lstStyle/>
-            <a:p>
-              <a:pPr algn="ctr"/>
-              <a:endParaRPr lang="it-IT"/>
-            </a:p>
-          </p:txBody>
-        </p:sp>
-      </p:grpSp>
     </p:spTree>
     <p:extLst>
       <p:ext uri="{BB962C8B-B14F-4D97-AF65-F5344CB8AC3E}">
-        <p14:creationId xmlns:p14="http://schemas.microsoft.com/office/powerpoint/2010/main" val="3649981654"/>
+        <p14:creationId xmlns:p14="http://schemas.microsoft.com/office/powerpoint/2010/main" val="2478729122"/>
       </p:ext>
     </p:extLst>
   </p:cSld>
